--- a/lec/anninbon7.pptx
+++ b/lec/anninbon7.pptx
@@ -5,10 +5,10 @@
     <p:sldMasterId id="2147483706" r:id="rId1"/>
   </p:sldMasterIdLst>
   <p:notesMasterIdLst>
-    <p:notesMasterId r:id="rId19"/>
+    <p:notesMasterId r:id="rId29"/>
   </p:notesMasterIdLst>
   <p:handoutMasterIdLst>
-    <p:handoutMasterId r:id="rId20"/>
+    <p:handoutMasterId r:id="rId30"/>
   </p:handoutMasterIdLst>
   <p:sldIdLst>
     <p:sldId id="552" r:id="rId2"/>
@@ -28,6 +28,16 @@
     <p:sldId id="606" r:id="rId16"/>
     <p:sldId id="607" r:id="rId17"/>
     <p:sldId id="608" r:id="rId18"/>
+    <p:sldId id="609" r:id="rId19"/>
+    <p:sldId id="610" r:id="rId20"/>
+    <p:sldId id="611" r:id="rId21"/>
+    <p:sldId id="612" r:id="rId22"/>
+    <p:sldId id="613" r:id="rId23"/>
+    <p:sldId id="614" r:id="rId24"/>
+    <p:sldId id="615" r:id="rId25"/>
+    <p:sldId id="616" r:id="rId26"/>
+    <p:sldId id="617" r:id="rId27"/>
+    <p:sldId id="618" r:id="rId28"/>
   </p:sldIdLst>
   <p:sldSz cx="9144000" cy="6858000" type="screen4x3"/>
   <p:notesSz cx="7099300" cy="10234613"/>
@@ -178,6 +188,16 @@
             <p14:sldId id="606"/>
             <p14:sldId id="607"/>
             <p14:sldId id="608"/>
+            <p14:sldId id="609"/>
+            <p14:sldId id="610"/>
+            <p14:sldId id="611"/>
+            <p14:sldId id="612"/>
+            <p14:sldId id="613"/>
+            <p14:sldId id="614"/>
+            <p14:sldId id="615"/>
+            <p14:sldId id="616"/>
+            <p14:sldId id="617"/>
+            <p14:sldId id="618"/>
           </p14:sldIdLst>
         </p14:section>
       </p14:sectionLst>
@@ -5226,6 +5246,784 @@
 </p:sld>
 </file>
 
+<file path=ppt/slides/slide18.xml><?xml version="1.0" encoding="utf-8"?>
+<p:sld xmlns:a="http://schemas.openxmlformats.org/drawingml/2006/main" xmlns:r="http://schemas.openxmlformats.org/officeDocument/2006/relationships" xmlns:p="http://schemas.openxmlformats.org/presentationml/2006/main">
+  <p:cSld>
+    <p:spTree>
+      <p:nvGrpSpPr>
+        <p:cNvPr id="1" name=""/>
+        <p:cNvGrpSpPr/>
+        <p:nvPr/>
+      </p:nvGrpSpPr>
+      <p:grpSpPr>
+        <a:xfrm>
+          <a:off x="0" y="0"/>
+          <a:ext cx="0" cy="0"/>
+          <a:chOff x="0" y="0"/>
+          <a:chExt cx="0" cy="0"/>
+        </a:xfrm>
+      </p:grpSpPr>
+      <p:sp>
+        <p:nvSpPr>
+          <p:cNvPr id="2" name="コンテンツ プレースホルダー 1">
+            <a:extLst>
+              <a:ext uri="{FF2B5EF4-FFF2-40B4-BE49-F238E27FC236}">
+                <a16:creationId xmlns:a16="http://schemas.microsoft.com/office/drawing/2014/main" id="{7FADC783-AB15-455E-ADA6-3D8B4F81067C}"/>
+              </a:ext>
+            </a:extLst>
+          </p:cNvPr>
+          <p:cNvSpPr>
+            <a:spLocks noGrp="1"/>
+          </p:cNvSpPr>
+          <p:nvPr>
+            <p:ph idx="1"/>
+          </p:nvPr>
+        </p:nvSpPr>
+        <p:spPr/>
+        <p:txBody>
+          <a:bodyPr/>
+          <a:lstStyle/>
+          <a:p>
+            <a:r>
+              <a:rPr kumimoji="1" lang="ja-JP" altLang="en-US"/>
+              <a:t>紙の署名はコピーされにくいことが前提</a:t>
+            </a:r>
+            <a:endParaRPr kumimoji="1" lang="en-US" altLang="ja-JP"/>
+          </a:p>
+          <a:p>
+            <a:r>
+              <a:rPr kumimoji="1" lang="ja-JP" altLang="en-US"/>
+              <a:t>デジタルデータはコピーが容易</a:t>
+            </a:r>
+            <a:endParaRPr kumimoji="1" lang="en-US" altLang="ja-JP"/>
+          </a:p>
+          <a:p>
+            <a:pPr lvl="1"/>
+            <a:r>
+              <a:rPr kumimoji="1" lang="ja-JP" altLang="en-US"/>
+              <a:t>データ</a:t>
+            </a:r>
+            <a:r>
+              <a:rPr kumimoji="1" lang="en-US" altLang="ja-JP"/>
+              <a:t>(</a:t>
+            </a:r>
+            <a:r>
+              <a:rPr kumimoji="1" lang="ja-JP" altLang="en-US"/>
+              <a:t>契約書など</a:t>
+            </a:r>
+            <a:r>
+              <a:rPr kumimoji="1" lang="en-US" altLang="ja-JP"/>
+              <a:t>)</a:t>
+            </a:r>
+            <a:r>
+              <a:rPr kumimoji="1" lang="ja-JP" altLang="en-US"/>
+              <a:t>と署名の強固な結びつきが必要</a:t>
+            </a:r>
+            <a:endParaRPr kumimoji="1" lang="en-US" altLang="ja-JP"/>
+          </a:p>
+          <a:p>
+            <a:endParaRPr kumimoji="1" lang="en-US" altLang="ja-JP"/>
+          </a:p>
+          <a:p>
+            <a:endParaRPr lang="en-US" altLang="ja-JP"/>
+          </a:p>
+          <a:p>
+            <a:endParaRPr kumimoji="1" lang="en-US" altLang="ja-JP"/>
+          </a:p>
+          <a:p>
+            <a:endParaRPr lang="en-US" altLang="ja-JP"/>
+          </a:p>
+          <a:p>
+            <a:r>
+              <a:rPr kumimoji="1" lang="ja-JP" altLang="en-US"/>
+              <a:t>完全性</a:t>
+            </a:r>
+            <a:endParaRPr kumimoji="1" lang="en-US" altLang="ja-JP"/>
+          </a:p>
+          <a:p>
+            <a:pPr lvl="1"/>
+            <a:r>
+              <a:rPr kumimoji="1" lang="ja-JP" altLang="en-US"/>
+              <a:t>データが少しでも異なると偽物と判定</a:t>
+            </a:r>
+            <a:endParaRPr kumimoji="1" lang="en-US" altLang="ja-JP"/>
+          </a:p>
+          <a:p>
+            <a:r>
+              <a:rPr kumimoji="1" lang="ja-JP" altLang="en-US"/>
+              <a:t>否認防止</a:t>
+            </a:r>
+            <a:endParaRPr kumimoji="1" lang="en-US" altLang="ja-JP"/>
+          </a:p>
+          <a:p>
+            <a:pPr lvl="1"/>
+            <a:r>
+              <a:rPr kumimoji="1" lang="ja-JP" altLang="en-US"/>
+              <a:t>署名が正しければその署名を作成したのは本人</a:t>
+            </a:r>
+            <a:endParaRPr kumimoji="1" lang="en-US" altLang="ja-JP"/>
+          </a:p>
+        </p:txBody>
+      </p:sp>
+      <p:sp>
+        <p:nvSpPr>
+          <p:cNvPr id="3" name="スライド番号プレースホルダー 2">
+            <a:extLst>
+              <a:ext uri="{FF2B5EF4-FFF2-40B4-BE49-F238E27FC236}">
+                <a16:creationId xmlns:a16="http://schemas.microsoft.com/office/drawing/2014/main" id="{38874C4D-67AD-48BB-917D-8C71F39C81A0}"/>
+              </a:ext>
+            </a:extLst>
+          </p:cNvPr>
+          <p:cNvSpPr>
+            <a:spLocks noGrp="1"/>
+          </p:cNvSpPr>
+          <p:nvPr>
+            <p:ph type="sldNum" sz="quarter" idx="12"/>
+          </p:nvPr>
+        </p:nvSpPr>
+        <p:spPr/>
+        <p:txBody>
+          <a:bodyPr/>
+          <a:lstStyle/>
+          <a:p>
+            <a:pPr>
+              <a:defRPr/>
+            </a:pPr>
+            <a:r>
+              <a:rPr lang="en-US" altLang="ja-JP"/>
+              <a:t>    </a:t>
+            </a:r>
+            <a:fld id="{B2782DEB-472A-4FE5-AC34-C17109CF5A91}" type="slidenum">
+              <a:rPr lang="en-US" altLang="ja-JP" smtClean="0"/>
+              <a:pPr>
+                <a:defRPr/>
+              </a:pPr>
+              <a:t>18</a:t>
+            </a:fld>
+            <a:r>
+              <a:rPr lang="en-US" altLang="ja-JP"/>
+              <a:t> / 24</a:t>
+            </a:r>
+          </a:p>
+        </p:txBody>
+      </p:sp>
+      <p:sp>
+        <p:nvSpPr>
+          <p:cNvPr id="4" name="タイトル 3">
+            <a:extLst>
+              <a:ext uri="{FF2B5EF4-FFF2-40B4-BE49-F238E27FC236}">
+                <a16:creationId xmlns:a16="http://schemas.microsoft.com/office/drawing/2014/main" id="{3035C8B4-6402-4022-8EE6-E9E11B9C565E}"/>
+              </a:ext>
+            </a:extLst>
+          </p:cNvPr>
+          <p:cNvSpPr>
+            <a:spLocks noGrp="1"/>
+          </p:cNvSpPr>
+          <p:nvPr>
+            <p:ph type="title"/>
+          </p:nvPr>
+        </p:nvSpPr>
+        <p:spPr/>
+        <p:txBody>
+          <a:bodyPr/>
+          <a:lstStyle/>
+          <a:p>
+            <a:r>
+              <a:rPr kumimoji="1" lang="ja-JP" altLang="en-US"/>
+              <a:t>署名</a:t>
+            </a:r>
+          </a:p>
+        </p:txBody>
+      </p:sp>
+      <p:pic>
+        <p:nvPicPr>
+          <p:cNvPr id="6" name="図 5">
+            <a:extLst>
+              <a:ext uri="{FF2B5EF4-FFF2-40B4-BE49-F238E27FC236}">
+                <a16:creationId xmlns:a16="http://schemas.microsoft.com/office/drawing/2014/main" id="{8D92446E-9660-49C9-9C4D-B79F49DE681E}"/>
+              </a:ext>
+            </a:extLst>
+          </p:cNvPr>
+          <p:cNvPicPr>
+            <a:picLocks noChangeAspect="1"/>
+          </p:cNvPicPr>
+          <p:nvPr/>
+        </p:nvPicPr>
+        <p:blipFill>
+          <a:blip r:embed="rId2">
+            <a:extLst>
+              <a:ext uri="{28A0092B-C50C-407E-A947-70E740481C1C}">
+                <a14:useLocalDpi xmlns:a14="http://schemas.microsoft.com/office/drawing/2010/main" val="0"/>
+              </a:ext>
+            </a:extLst>
+          </a:blip>
+          <a:stretch>
+            <a:fillRect/>
+          </a:stretch>
+        </p:blipFill>
+        <p:spPr>
+          <a:xfrm>
+            <a:off x="1691680" y="2431877"/>
+            <a:ext cx="6696744" cy="2332574"/>
+          </a:xfrm>
+          <a:prstGeom prst="rect">
+            <a:avLst/>
+          </a:prstGeom>
+        </p:spPr>
+      </p:pic>
+    </p:spTree>
+    <p:extLst>
+      <p:ext uri="{BB962C8B-B14F-4D97-AF65-F5344CB8AC3E}">
+        <p14:creationId xmlns:p14="http://schemas.microsoft.com/office/powerpoint/2010/main" val="211179628"/>
+      </p:ext>
+    </p:extLst>
+  </p:cSld>
+  <p:clrMapOvr>
+    <a:masterClrMapping/>
+  </p:clrMapOvr>
+</p:sld>
+</file>
+
+<file path=ppt/slides/slide19.xml><?xml version="1.0" encoding="utf-8"?>
+<p:sld xmlns:a="http://schemas.openxmlformats.org/drawingml/2006/main" xmlns:r="http://schemas.openxmlformats.org/officeDocument/2006/relationships" xmlns:p="http://schemas.openxmlformats.org/presentationml/2006/main">
+  <p:cSld>
+    <p:spTree>
+      <p:nvGrpSpPr>
+        <p:cNvPr id="1" name=""/>
+        <p:cNvGrpSpPr/>
+        <p:nvPr/>
+      </p:nvGrpSpPr>
+      <p:grpSpPr>
+        <a:xfrm>
+          <a:off x="0" y="0"/>
+          <a:ext cx="0" cy="0"/>
+          <a:chOff x="0" y="0"/>
+          <a:chExt cx="0" cy="0"/>
+        </a:xfrm>
+      </p:grpSpPr>
+      <p:pic>
+        <p:nvPicPr>
+          <p:cNvPr id="6" name="図 5">
+            <a:extLst>
+              <a:ext uri="{FF2B5EF4-FFF2-40B4-BE49-F238E27FC236}">
+                <a16:creationId xmlns:a16="http://schemas.microsoft.com/office/drawing/2014/main" id="{FDCC108B-1D3E-4195-9CCA-366BFCEBA346}"/>
+              </a:ext>
+            </a:extLst>
+          </p:cNvPr>
+          <p:cNvPicPr>
+            <a:picLocks noChangeAspect="1"/>
+          </p:cNvPicPr>
+          <p:nvPr/>
+        </p:nvPicPr>
+        <p:blipFill>
+          <a:blip r:embed="rId2">
+            <a:extLst>
+              <a:ext uri="{28A0092B-C50C-407E-A947-70E740481C1C}">
+                <a14:useLocalDpi xmlns:a14="http://schemas.microsoft.com/office/drawing/2010/main" val="0"/>
+              </a:ext>
+            </a:extLst>
+          </a:blip>
+          <a:stretch>
+            <a:fillRect/>
+          </a:stretch>
+        </p:blipFill>
+        <p:spPr>
+          <a:xfrm>
+            <a:off x="2339752" y="2636912"/>
+            <a:ext cx="6120680" cy="3672408"/>
+          </a:xfrm>
+          <a:prstGeom prst="rect">
+            <a:avLst/>
+          </a:prstGeom>
+        </p:spPr>
+      </p:pic>
+      <mc:AlternateContent xmlns:mc="http://schemas.openxmlformats.org/markup-compatibility/2006">
+        <mc:Choice xmlns:a14="http://schemas.microsoft.com/office/drawing/2010/main" Requires="a14">
+          <p:sp>
+            <p:nvSpPr>
+              <p:cNvPr id="2" name="コンテンツ プレースホルダー 1">
+                <a:extLst>
+                  <a:ext uri="{FF2B5EF4-FFF2-40B4-BE49-F238E27FC236}">
+                    <a16:creationId xmlns:a16="http://schemas.microsoft.com/office/drawing/2014/main" id="{1B65B952-87E4-4AB7-B042-140F51DD45B2}"/>
+                  </a:ext>
+                </a:extLst>
+              </p:cNvPr>
+              <p:cNvSpPr>
+                <a:spLocks noGrp="1"/>
+              </p:cNvSpPr>
+              <p:nvPr>
+                <p:ph idx="1"/>
+              </p:nvPr>
+            </p:nvSpPr>
+            <p:spPr/>
+            <p:txBody>
+              <a:bodyPr/>
+              <a:lstStyle/>
+              <a:p>
+                <a:r>
+                  <a:rPr kumimoji="1" lang="ja-JP" altLang="en-US"/>
+                  <a:t>アリス </a:t>
+                </a:r>
+                <a:r>
+                  <a:rPr kumimoji="1" lang="en-US" altLang="ja-JP"/>
+                  <a:t>: </a:t>
+                </a:r>
+                <a:r>
+                  <a:rPr kumimoji="1" lang="ja-JP" altLang="en-US"/>
+                  <a:t>署名者</a:t>
+                </a:r>
+                <a:r>
+                  <a:rPr kumimoji="1" lang="en-US" altLang="ja-JP"/>
+                  <a:t>, </a:t>
+                </a:r>
+                <a:r>
+                  <a:rPr kumimoji="1" lang="ja-JP" altLang="en-US"/>
+                  <a:t>ボブ </a:t>
+                </a:r>
+                <a:r>
+                  <a:rPr kumimoji="1" lang="en-US" altLang="ja-JP"/>
+                  <a:t>: </a:t>
+                </a:r>
+                <a:r>
+                  <a:rPr kumimoji="1" lang="ja-JP" altLang="en-US"/>
+                  <a:t>正当性確認</a:t>
+                </a:r>
+                <a:endParaRPr kumimoji="1" lang="en-US" altLang="ja-JP"/>
+              </a:p>
+              <a:p>
+                <a:pPr lvl="1"/>
+                <a:r>
+                  <a:rPr kumimoji="1" lang="ja-JP" altLang="en-US"/>
+                  <a:t>鍵生成</a:t>
+                </a:r>
+                <a:r>
+                  <a:rPr lang="en-US" altLang="ja-JP"/>
+                  <a:t> : </a:t>
+                </a:r>
+                <a:r>
+                  <a:rPr kumimoji="1" lang="ja-JP" altLang="en-US"/>
+                  <a:t>署名鍵</a:t>
+                </a:r>
+                <a14:m>
+                  <m:oMath xmlns:m="http://schemas.openxmlformats.org/officeDocument/2006/math">
+                    <m:r>
+                      <a:rPr kumimoji="1" lang="en-US" altLang="ja-JP" b="0" i="1" smtClean="0">
+                        <a:latin typeface="Cambria Math" panose="02040503050406030204" pitchFamily="18" charset="0"/>
+                      </a:rPr>
+                      <m:t>𝑠</m:t>
+                    </m:r>
+                  </m:oMath>
+                </a14:m>
+                <a:r>
+                  <a:rPr kumimoji="1" lang="ja-JP" altLang="en-US"/>
+                  <a:t>と検証鍵</a:t>
+                </a:r>
+                <a14:m>
+                  <m:oMath xmlns:m="http://schemas.openxmlformats.org/officeDocument/2006/math">
+                    <m:r>
+                      <a:rPr kumimoji="1" lang="en-US" altLang="ja-JP" b="0" i="1" smtClean="0">
+                        <a:latin typeface="Cambria Math" panose="02040503050406030204" pitchFamily="18" charset="0"/>
+                      </a:rPr>
+                      <m:t>𝑆</m:t>
+                    </m:r>
+                  </m:oMath>
+                </a14:m>
+                <a:r>
+                  <a:rPr kumimoji="1" lang="ja-JP" altLang="en-US"/>
+                  <a:t>を作成</a:t>
+                </a:r>
+                <a:r>
+                  <a:rPr kumimoji="1" lang="en-US" altLang="ja-JP"/>
+                  <a:t>, </a:t>
+                </a:r>
+                <a14:m>
+                  <m:oMath xmlns:m="http://schemas.openxmlformats.org/officeDocument/2006/math">
+                    <m:r>
+                      <a:rPr kumimoji="1" lang="en-US" altLang="ja-JP" b="0" i="1" smtClean="0">
+                        <a:latin typeface="Cambria Math" panose="02040503050406030204" pitchFamily="18" charset="0"/>
+                      </a:rPr>
+                      <m:t>𝑠</m:t>
+                    </m:r>
+                  </m:oMath>
+                </a14:m>
+                <a:r>
+                  <a:rPr kumimoji="1" lang="ja-JP" altLang="en-US"/>
+                  <a:t>は秘密</a:t>
+                </a:r>
+                <a:r>
+                  <a:rPr kumimoji="1" lang="en-US" altLang="ja-JP"/>
+                  <a:t>, </a:t>
+                </a:r>
+                <a14:m>
+                  <m:oMath xmlns:m="http://schemas.openxmlformats.org/officeDocument/2006/math">
+                    <m:r>
+                      <a:rPr kumimoji="1" lang="en-US" altLang="ja-JP" b="0" i="1" smtClean="0">
+                        <a:latin typeface="Cambria Math" panose="02040503050406030204" pitchFamily="18" charset="0"/>
+                      </a:rPr>
+                      <m:t>𝑆</m:t>
+                    </m:r>
+                  </m:oMath>
+                </a14:m>
+                <a:r>
+                  <a:rPr kumimoji="1" lang="ja-JP" altLang="en-US"/>
+                  <a:t>は公開</a:t>
+                </a:r>
+                <a:endParaRPr kumimoji="1" lang="en-US" altLang="ja-JP"/>
+              </a:p>
+              <a:p>
+                <a:pPr lvl="1"/>
+                <a:r>
+                  <a:rPr kumimoji="1" lang="ja-JP" altLang="en-US"/>
+                  <a:t>署名 </a:t>
+                </a:r>
+                <a:r>
+                  <a:rPr kumimoji="1" lang="en-US" altLang="ja-JP"/>
+                  <a:t>: </a:t>
+                </a:r>
+                <a:r>
+                  <a:rPr kumimoji="1" lang="ja-JP" altLang="en-US"/>
+                  <a:t>アリスはデータ</a:t>
+                </a:r>
+                <a14:m>
+                  <m:oMath xmlns:m="http://schemas.openxmlformats.org/officeDocument/2006/math">
+                    <m:r>
+                      <a:rPr kumimoji="1" lang="en-US" altLang="ja-JP" b="0" i="1" smtClean="0">
+                        <a:latin typeface="Cambria Math" panose="02040503050406030204" pitchFamily="18" charset="0"/>
+                      </a:rPr>
+                      <m:t>𝑚</m:t>
+                    </m:r>
+                  </m:oMath>
+                </a14:m>
+                <a:r>
+                  <a:rPr kumimoji="1" lang="ja-JP" altLang="en-US"/>
+                  <a:t>と署名鍵</a:t>
+                </a:r>
+                <a14:m>
+                  <m:oMath xmlns:m="http://schemas.openxmlformats.org/officeDocument/2006/math">
+                    <m:r>
+                      <a:rPr kumimoji="1" lang="en-US" altLang="ja-JP" b="0" i="1" smtClean="0">
+                        <a:latin typeface="Cambria Math" panose="02040503050406030204" pitchFamily="18" charset="0"/>
+                      </a:rPr>
+                      <m:t>𝑠</m:t>
+                    </m:r>
+                  </m:oMath>
+                </a14:m>
+                <a:r>
+                  <a:rPr kumimoji="1" lang="ja-JP" altLang="en-US"/>
+                  <a:t>から署名</a:t>
+                </a:r>
+                <a14:m>
+                  <m:oMath xmlns:m="http://schemas.openxmlformats.org/officeDocument/2006/math">
+                    <m:r>
+                      <a:rPr kumimoji="1" lang="en-US" altLang="ja-JP" b="0" i="1" smtClean="0">
+                        <a:latin typeface="Cambria Math" panose="02040503050406030204" pitchFamily="18" charset="0"/>
+                      </a:rPr>
+                      <m:t>𝜎</m:t>
+                    </m:r>
+                  </m:oMath>
+                </a14:m>
+                <a:r>
+                  <a:rPr kumimoji="1" lang="ja-JP" altLang="en-US"/>
+                  <a:t>を作成</a:t>
+                </a:r>
+                <a:endParaRPr kumimoji="1" lang="en-US" altLang="ja-JP"/>
+              </a:p>
+              <a:p>
+                <a:pPr lvl="1"/>
+                <a:r>
+                  <a:rPr kumimoji="1" lang="ja-JP" altLang="en-US"/>
+                  <a:t>検証 </a:t>
+                </a:r>
+                <a:r>
+                  <a:rPr kumimoji="1" lang="en-US" altLang="ja-JP"/>
+                  <a:t>: </a:t>
+                </a:r>
+                <a:r>
+                  <a:rPr kumimoji="1" lang="ja-JP" altLang="en-US"/>
+                  <a:t>ボブはデータ</a:t>
+                </a:r>
+                <a14:m>
+                  <m:oMath xmlns:m="http://schemas.openxmlformats.org/officeDocument/2006/math">
+                    <m:r>
+                      <a:rPr kumimoji="1" lang="en-US" altLang="ja-JP" b="0" i="1" smtClean="0">
+                        <a:latin typeface="Cambria Math" panose="02040503050406030204" pitchFamily="18" charset="0"/>
+                      </a:rPr>
+                      <m:t>𝑚</m:t>
+                    </m:r>
+                  </m:oMath>
+                </a14:m>
+                <a:r>
+                  <a:rPr kumimoji="1" lang="ja-JP" altLang="en-US"/>
+                  <a:t>と検証鍵</a:t>
+                </a:r>
+                <a14:m>
+                  <m:oMath xmlns:m="http://schemas.openxmlformats.org/officeDocument/2006/math">
+                    <m:r>
+                      <a:rPr kumimoji="1" lang="en-US" altLang="ja-JP" b="0" i="1" smtClean="0">
+                        <a:latin typeface="Cambria Math" panose="02040503050406030204" pitchFamily="18" charset="0"/>
+                      </a:rPr>
+                      <m:t>𝑆</m:t>
+                    </m:r>
+                  </m:oMath>
+                </a14:m>
+                <a:r>
+                  <a:rPr kumimoji="1" lang="ja-JP" altLang="en-US"/>
+                  <a:t>と署名</a:t>
+                </a:r>
+                <a14:m>
+                  <m:oMath xmlns:m="http://schemas.openxmlformats.org/officeDocument/2006/math">
+                    <m:r>
+                      <a:rPr kumimoji="1" lang="en-US" altLang="ja-JP" b="0" i="1" smtClean="0">
+                        <a:latin typeface="Cambria Math" panose="02040503050406030204" pitchFamily="18" charset="0"/>
+                      </a:rPr>
+                      <m:t>𝜎</m:t>
+                    </m:r>
+                  </m:oMath>
+                </a14:m>
+                <a:r>
+                  <a:rPr kumimoji="1" lang="ja-JP" altLang="en-US"/>
+                  <a:t>を元に受理 </a:t>
+                </a:r>
+                <a:r>
+                  <a:rPr kumimoji="1" lang="en-US" altLang="ja-JP"/>
+                  <a:t>or </a:t>
+                </a:r>
+                <a:r>
+                  <a:rPr kumimoji="1" lang="ja-JP" altLang="en-US"/>
+                  <a:t>拒否</a:t>
+                </a:r>
+                <a:endParaRPr kumimoji="1" lang="en-US" altLang="ja-JP"/>
+              </a:p>
+              <a:p>
+                <a:pPr lvl="1"/>
+                <a:endParaRPr lang="en-US" altLang="ja-JP"/>
+              </a:p>
+              <a:p>
+                <a:pPr lvl="1"/>
+                <a:endParaRPr kumimoji="1" lang="en-US" altLang="ja-JP"/>
+              </a:p>
+              <a:p>
+                <a:pPr lvl="1"/>
+                <a:endParaRPr lang="en-US" altLang="ja-JP"/>
+              </a:p>
+              <a:p>
+                <a:pPr lvl="1"/>
+                <a:endParaRPr kumimoji="1" lang="en-US" altLang="ja-JP"/>
+              </a:p>
+              <a:p>
+                <a:pPr lvl="1"/>
+                <a:endParaRPr lang="en-US" altLang="ja-JP"/>
+              </a:p>
+              <a:p>
+                <a:pPr lvl="1"/>
+                <a:endParaRPr kumimoji="1" lang="en-US" altLang="ja-JP"/>
+              </a:p>
+              <a:p>
+                <a:pPr lvl="1"/>
+                <a:r>
+                  <a:rPr kumimoji="1" lang="ja-JP" altLang="en-US"/>
+                  <a:t>署名</a:t>
+                </a:r>
+                <a14:m>
+                  <m:oMath xmlns:m="http://schemas.openxmlformats.org/officeDocument/2006/math">
+                    <m:r>
+                      <a:rPr kumimoji="1" lang="en-US" altLang="ja-JP" b="0" i="1" smtClean="0">
+                        <a:latin typeface="Cambria Math" panose="02040503050406030204" pitchFamily="18" charset="0"/>
+                      </a:rPr>
+                      <m:t>𝜎</m:t>
+                    </m:r>
+                  </m:oMath>
+                </a14:m>
+                <a:r>
+                  <a:rPr kumimoji="1" lang="ja-JP" altLang="en-US"/>
+                  <a:t>のサイズは一定</a:t>
+                </a:r>
+                <a:endParaRPr kumimoji="1" lang="en-US" altLang="ja-JP"/>
+              </a:p>
+              <a:p>
+                <a:pPr lvl="1"/>
+                <a:r>
+                  <a:rPr kumimoji="1" lang="ja-JP" altLang="en-US"/>
+                  <a:t>署名</a:t>
+                </a:r>
+                <a14:m>
+                  <m:oMath xmlns:m="http://schemas.openxmlformats.org/officeDocument/2006/math">
+                    <m:r>
+                      <a:rPr kumimoji="1" lang="en-US" altLang="ja-JP" b="0" i="1" smtClean="0">
+                        <a:latin typeface="Cambria Math" panose="02040503050406030204" pitchFamily="18" charset="0"/>
+                      </a:rPr>
+                      <m:t>𝜎</m:t>
+                    </m:r>
+                  </m:oMath>
+                </a14:m>
+                <a:r>
+                  <a:rPr kumimoji="1" lang="ja-JP" altLang="en-US"/>
+                  <a:t>を作ることを「暗号化」とは言わない</a:t>
+                </a:r>
+                <a:endParaRPr kumimoji="1" lang="en-US" altLang="ja-JP"/>
+              </a:p>
+              <a:p>
+                <a:pPr lvl="1"/>
+                <a:r>
+                  <a:rPr kumimoji="1" lang="ja-JP" altLang="en-US"/>
+                  <a:t>署名</a:t>
+                </a:r>
+                <a14:m>
+                  <m:oMath xmlns:m="http://schemas.openxmlformats.org/officeDocument/2006/math">
+                    <m:r>
+                      <a:rPr kumimoji="1" lang="en-US" altLang="ja-JP" b="0" i="1" smtClean="0">
+                        <a:latin typeface="Cambria Math" panose="02040503050406030204" pitchFamily="18" charset="0"/>
+                      </a:rPr>
+                      <m:t>𝜎</m:t>
+                    </m:r>
+                  </m:oMath>
+                </a14:m>
+                <a:r>
+                  <a:rPr kumimoji="1" lang="ja-JP" altLang="en-US"/>
+                  <a:t>からデータ</a:t>
+                </a:r>
+                <a14:m>
+                  <m:oMath xmlns:m="http://schemas.openxmlformats.org/officeDocument/2006/math">
+                    <m:r>
+                      <a:rPr kumimoji="1" lang="en-US" altLang="ja-JP" b="0" i="1" smtClean="0">
+                        <a:latin typeface="Cambria Math" panose="02040503050406030204" pitchFamily="18" charset="0"/>
+                      </a:rPr>
+                      <m:t>𝑚</m:t>
+                    </m:r>
+                  </m:oMath>
+                </a14:m>
+                <a:r>
+                  <a:rPr kumimoji="1" lang="ja-JP" altLang="en-US"/>
+                  <a:t>は「復号」できない</a:t>
+                </a:r>
+                <a:endParaRPr kumimoji="1" lang="en-US" altLang="ja-JP"/>
+              </a:p>
+            </p:txBody>
+          </p:sp>
+        </mc:Choice>
+        <mc:Fallback>
+          <p:sp>
+            <p:nvSpPr>
+              <p:cNvPr id="2" name="コンテンツ プレースホルダー 1">
+                <a:extLst>
+                  <a:ext uri="{FF2B5EF4-FFF2-40B4-BE49-F238E27FC236}">
+                    <a16:creationId xmlns:a16="http://schemas.microsoft.com/office/drawing/2014/main" id="{1B65B952-87E4-4AB7-B042-140F51DD45B2}"/>
+                  </a:ext>
+                </a:extLst>
+              </p:cNvPr>
+              <p:cNvSpPr>
+                <a:spLocks noGrp="1" noRot="1" noChangeAspect="1" noMove="1" noResize="1" noEditPoints="1" noAdjustHandles="1" noChangeArrowheads="1" noChangeShapeType="1" noTextEdit="1"/>
+              </p:cNvSpPr>
+              <p:nvPr>
+                <p:ph idx="1"/>
+              </p:nvPr>
+            </p:nvSpPr>
+            <p:spPr>
+              <a:blipFill>
+                <a:blip r:embed="rId3"/>
+                <a:stretch>
+                  <a:fillRect l="-1200" t="-1454" b="-2285"/>
+                </a:stretch>
+              </a:blipFill>
+            </p:spPr>
+            <p:txBody>
+              <a:bodyPr/>
+              <a:lstStyle/>
+              <a:p>
+                <a:r>
+                  <a:rPr lang="ja-JP" altLang="en-US">
+                    <a:noFill/>
+                  </a:rPr>
+                  <a:t> </a:t>
+                </a:r>
+              </a:p>
+            </p:txBody>
+          </p:sp>
+        </mc:Fallback>
+      </mc:AlternateContent>
+      <p:sp>
+        <p:nvSpPr>
+          <p:cNvPr id="3" name="スライド番号プレースホルダー 2">
+            <a:extLst>
+              <a:ext uri="{FF2B5EF4-FFF2-40B4-BE49-F238E27FC236}">
+                <a16:creationId xmlns:a16="http://schemas.microsoft.com/office/drawing/2014/main" id="{9B20389C-ACA6-4F9E-8ACE-BE721C6C02D3}"/>
+              </a:ext>
+            </a:extLst>
+          </p:cNvPr>
+          <p:cNvSpPr>
+            <a:spLocks noGrp="1"/>
+          </p:cNvSpPr>
+          <p:nvPr>
+            <p:ph type="sldNum" sz="quarter" idx="12"/>
+          </p:nvPr>
+        </p:nvSpPr>
+        <p:spPr/>
+        <p:txBody>
+          <a:bodyPr/>
+          <a:lstStyle/>
+          <a:p>
+            <a:pPr>
+              <a:defRPr/>
+            </a:pPr>
+            <a:r>
+              <a:rPr lang="en-US" altLang="ja-JP"/>
+              <a:t>    </a:t>
+            </a:r>
+            <a:fld id="{B2782DEB-472A-4FE5-AC34-C17109CF5A91}" type="slidenum">
+              <a:rPr lang="en-US" altLang="ja-JP" smtClean="0"/>
+              <a:pPr>
+                <a:defRPr/>
+              </a:pPr>
+              <a:t>19</a:t>
+            </a:fld>
+            <a:r>
+              <a:rPr lang="en-US" altLang="ja-JP"/>
+              <a:t> / 24</a:t>
+            </a:r>
+          </a:p>
+        </p:txBody>
+      </p:sp>
+      <p:sp>
+        <p:nvSpPr>
+          <p:cNvPr id="4" name="タイトル 3">
+            <a:extLst>
+              <a:ext uri="{FF2B5EF4-FFF2-40B4-BE49-F238E27FC236}">
+                <a16:creationId xmlns:a16="http://schemas.microsoft.com/office/drawing/2014/main" id="{957FB831-8AAE-4861-8A5E-589B2AA86ED5}"/>
+              </a:ext>
+            </a:extLst>
+          </p:cNvPr>
+          <p:cNvSpPr>
+            <a:spLocks noGrp="1"/>
+          </p:cNvSpPr>
+          <p:nvPr>
+            <p:ph type="title"/>
+          </p:nvPr>
+        </p:nvSpPr>
+        <p:spPr/>
+        <p:txBody>
+          <a:bodyPr/>
+          <a:lstStyle/>
+          <a:p>
+            <a:r>
+              <a:rPr kumimoji="1" lang="ja-JP" altLang="en-US"/>
+              <a:t>署名のアルゴリズム</a:t>
+            </a:r>
+          </a:p>
+        </p:txBody>
+      </p:sp>
+    </p:spTree>
+    <p:extLst>
+      <p:ext uri="{BB962C8B-B14F-4D97-AF65-F5344CB8AC3E}">
+        <p14:creationId xmlns:p14="http://schemas.microsoft.com/office/powerpoint/2010/main" val="406077273"/>
+      </p:ext>
+    </p:extLst>
+  </p:cSld>
+  <p:clrMapOvr>
+    <a:masterClrMapping/>
+  </p:clrMapOvr>
+</p:sld>
+</file>
+
 <file path=ppt/slides/slide2.xml><?xml version="1.0" encoding="utf-8"?>
 <p:sld xmlns:a="http://schemas.openxmlformats.org/drawingml/2006/main" xmlns:r="http://schemas.openxmlformats.org/officeDocument/2006/relationships" xmlns:p="http://schemas.openxmlformats.org/presentationml/2006/main">
   <p:cSld>
@@ -5434,6 +6232,2577 @@
     <p:extLst>
       <p:ext uri="{BB962C8B-B14F-4D97-AF65-F5344CB8AC3E}">
         <p14:creationId xmlns:p14="http://schemas.microsoft.com/office/powerpoint/2010/main" val="648879034"/>
+      </p:ext>
+    </p:extLst>
+  </p:cSld>
+  <p:clrMapOvr>
+    <a:masterClrMapping/>
+  </p:clrMapOvr>
+</p:sld>
+</file>
+
+<file path=ppt/slides/slide20.xml><?xml version="1.0" encoding="utf-8"?>
+<p:sld xmlns:a="http://schemas.openxmlformats.org/drawingml/2006/main" xmlns:r="http://schemas.openxmlformats.org/officeDocument/2006/relationships" xmlns:p="http://schemas.openxmlformats.org/presentationml/2006/main">
+  <p:cSld>
+    <p:spTree>
+      <p:nvGrpSpPr>
+        <p:cNvPr id="1" name=""/>
+        <p:cNvGrpSpPr/>
+        <p:nvPr/>
+      </p:nvGrpSpPr>
+      <p:grpSpPr>
+        <a:xfrm>
+          <a:off x="0" y="0"/>
+          <a:ext cx="0" cy="0"/>
+          <a:chOff x="0" y="0"/>
+          <a:chExt cx="0" cy="0"/>
+        </a:xfrm>
+      </p:grpSpPr>
+      <mc:AlternateContent xmlns:mc="http://schemas.openxmlformats.org/markup-compatibility/2006">
+        <mc:Choice xmlns:a14="http://schemas.microsoft.com/office/drawing/2010/main" Requires="a14">
+          <p:sp>
+            <p:nvSpPr>
+              <p:cNvPr id="2" name="コンテンツ プレースホルダー 1">
+                <a:extLst>
+                  <a:ext uri="{FF2B5EF4-FFF2-40B4-BE49-F238E27FC236}">
+                    <a16:creationId xmlns:a16="http://schemas.microsoft.com/office/drawing/2014/main" id="{A597504F-25FA-4457-87E7-2092B6D3080D}"/>
+                  </a:ext>
+                </a:extLst>
+              </p:cNvPr>
+              <p:cNvSpPr>
+                <a:spLocks noGrp="1"/>
+              </p:cNvSpPr>
+              <p:nvPr>
+                <p:ph idx="1"/>
+              </p:nvPr>
+            </p:nvSpPr>
+            <p:spPr/>
+            <p:txBody>
+              <a:bodyPr/>
+              <a:lstStyle/>
+              <a:p>
+                <a:r>
+                  <a:rPr kumimoji="1" lang="ja-JP" altLang="en-US"/>
+                  <a:t>攻撃者が</a:t>
+                </a:r>
+                <a14:m>
+                  <m:oMath xmlns:m="http://schemas.openxmlformats.org/officeDocument/2006/math">
+                    <m:r>
+                      <a:rPr kumimoji="1" lang="en-US" altLang="ja-JP" b="0" i="1" smtClean="0">
+                        <a:latin typeface="Cambria Math" panose="02040503050406030204" pitchFamily="18" charset="0"/>
+                      </a:rPr>
+                      <m:t>𝑚</m:t>
+                    </m:r>
+                  </m:oMath>
+                </a14:m>
+                <a:r>
+                  <a:rPr kumimoji="1" lang="ja-JP" altLang="en-US"/>
+                  <a:t>に対する署名を偽造できてはいけない</a:t>
+                </a:r>
+                <a:endParaRPr kumimoji="1" lang="en-US" altLang="ja-JP"/>
+              </a:p>
+              <a:p>
+                <a:pPr lvl="1"/>
+                <a:r>
+                  <a:rPr kumimoji="1" lang="ja-JP" altLang="en-US"/>
+                  <a:t>攻撃者は</a:t>
+                </a:r>
+                <a14:m>
+                  <m:oMath xmlns:m="http://schemas.openxmlformats.org/officeDocument/2006/math">
+                    <m:r>
+                      <a:rPr kumimoji="1" lang="en-US" altLang="ja-JP" b="0" i="1" smtClean="0">
+                        <a:latin typeface="Cambria Math" panose="02040503050406030204" pitchFamily="18" charset="0"/>
+                      </a:rPr>
+                      <m:t>𝑚</m:t>
+                    </m:r>
+                  </m:oMath>
+                </a14:m>
+                <a:r>
+                  <a:rPr kumimoji="1" lang="ja-JP" altLang="en-US"/>
+                  <a:t>以外のデータに対する署名を入手できると想定</a:t>
+                </a:r>
+                <a:endParaRPr kumimoji="1" lang="en-US" altLang="ja-JP"/>
+              </a:p>
+              <a:p>
+                <a:r>
+                  <a:rPr kumimoji="1" lang="ja-JP" altLang="en-US"/>
+                  <a:t>存在的偽造困難性</a:t>
+                </a:r>
+              </a:p>
+            </p:txBody>
+          </p:sp>
+        </mc:Choice>
+        <mc:Fallback>
+          <p:sp>
+            <p:nvSpPr>
+              <p:cNvPr id="2" name="コンテンツ プレースホルダー 1">
+                <a:extLst>
+                  <a:ext uri="{FF2B5EF4-FFF2-40B4-BE49-F238E27FC236}">
+                    <a16:creationId xmlns:a16="http://schemas.microsoft.com/office/drawing/2014/main" id="{A597504F-25FA-4457-87E7-2092B6D3080D}"/>
+                  </a:ext>
+                </a:extLst>
+              </p:cNvPr>
+              <p:cNvSpPr>
+                <a:spLocks noGrp="1" noRot="1" noChangeAspect="1" noMove="1" noResize="1" noEditPoints="1" noAdjustHandles="1" noChangeArrowheads="1" noChangeShapeType="1" noTextEdit="1"/>
+              </p:cNvSpPr>
+              <p:nvPr>
+                <p:ph idx="1"/>
+              </p:nvPr>
+            </p:nvSpPr>
+            <p:spPr>
+              <a:blipFill>
+                <a:blip r:embed="rId2"/>
+                <a:stretch>
+                  <a:fillRect l="-1200" t="-1038"/>
+                </a:stretch>
+              </a:blipFill>
+            </p:spPr>
+            <p:txBody>
+              <a:bodyPr/>
+              <a:lstStyle/>
+              <a:p>
+                <a:r>
+                  <a:rPr lang="ja-JP" altLang="en-US">
+                    <a:noFill/>
+                  </a:rPr>
+                  <a:t> </a:t>
+                </a:r>
+              </a:p>
+            </p:txBody>
+          </p:sp>
+        </mc:Fallback>
+      </mc:AlternateContent>
+      <p:sp>
+        <p:nvSpPr>
+          <p:cNvPr id="3" name="スライド番号プレースホルダー 2">
+            <a:extLst>
+              <a:ext uri="{FF2B5EF4-FFF2-40B4-BE49-F238E27FC236}">
+                <a16:creationId xmlns:a16="http://schemas.microsoft.com/office/drawing/2014/main" id="{197AD3D9-54E6-482F-8C00-E0FC3E435799}"/>
+              </a:ext>
+            </a:extLst>
+          </p:cNvPr>
+          <p:cNvSpPr>
+            <a:spLocks noGrp="1"/>
+          </p:cNvSpPr>
+          <p:nvPr>
+            <p:ph type="sldNum" sz="quarter" idx="12"/>
+          </p:nvPr>
+        </p:nvSpPr>
+        <p:spPr/>
+        <p:txBody>
+          <a:bodyPr/>
+          <a:lstStyle/>
+          <a:p>
+            <a:pPr>
+              <a:defRPr/>
+            </a:pPr>
+            <a:r>
+              <a:rPr lang="en-US" altLang="ja-JP"/>
+              <a:t>    </a:t>
+            </a:r>
+            <a:fld id="{B2782DEB-472A-4FE5-AC34-C17109CF5A91}" type="slidenum">
+              <a:rPr lang="en-US" altLang="ja-JP" smtClean="0"/>
+              <a:pPr>
+                <a:defRPr/>
+              </a:pPr>
+              <a:t>20</a:t>
+            </a:fld>
+            <a:r>
+              <a:rPr lang="en-US" altLang="ja-JP"/>
+              <a:t> / 24</a:t>
+            </a:r>
+          </a:p>
+        </p:txBody>
+      </p:sp>
+      <p:sp>
+        <p:nvSpPr>
+          <p:cNvPr id="4" name="タイトル 3">
+            <a:extLst>
+              <a:ext uri="{FF2B5EF4-FFF2-40B4-BE49-F238E27FC236}">
+                <a16:creationId xmlns:a16="http://schemas.microsoft.com/office/drawing/2014/main" id="{A41655D1-FA75-49C3-AF65-CAB2330C694D}"/>
+              </a:ext>
+            </a:extLst>
+          </p:cNvPr>
+          <p:cNvSpPr>
+            <a:spLocks noGrp="1"/>
+          </p:cNvSpPr>
+          <p:nvPr>
+            <p:ph type="title"/>
+          </p:nvPr>
+        </p:nvSpPr>
+        <p:spPr/>
+        <p:txBody>
+          <a:bodyPr/>
+          <a:lstStyle/>
+          <a:p>
+            <a:r>
+              <a:rPr kumimoji="1" lang="ja-JP" altLang="en-US"/>
+              <a:t>署名の安全性</a:t>
+            </a:r>
+          </a:p>
+        </p:txBody>
+      </p:sp>
+      <p:pic>
+        <p:nvPicPr>
+          <p:cNvPr id="6" name="図 5">
+            <a:extLst>
+              <a:ext uri="{FF2B5EF4-FFF2-40B4-BE49-F238E27FC236}">
+                <a16:creationId xmlns:a16="http://schemas.microsoft.com/office/drawing/2014/main" id="{74762346-E905-4214-947C-836545FBA56A}"/>
+              </a:ext>
+            </a:extLst>
+          </p:cNvPr>
+          <p:cNvPicPr>
+            <a:picLocks noChangeAspect="1"/>
+          </p:cNvPicPr>
+          <p:nvPr/>
+        </p:nvPicPr>
+        <p:blipFill>
+          <a:blip r:embed="rId3">
+            <a:extLst>
+              <a:ext uri="{28A0092B-C50C-407E-A947-70E740481C1C}">
+                <a14:useLocalDpi xmlns:a14="http://schemas.microsoft.com/office/drawing/2010/main" val="0"/>
+              </a:ext>
+            </a:extLst>
+          </a:blip>
+          <a:stretch>
+            <a:fillRect/>
+          </a:stretch>
+        </p:blipFill>
+        <p:spPr>
+          <a:xfrm>
+            <a:off x="1187624" y="2276872"/>
+            <a:ext cx="6984776" cy="3693201"/>
+          </a:xfrm>
+          <a:prstGeom prst="rect">
+            <a:avLst/>
+          </a:prstGeom>
+        </p:spPr>
+      </p:pic>
+    </p:spTree>
+    <p:extLst>
+      <p:ext uri="{BB962C8B-B14F-4D97-AF65-F5344CB8AC3E}">
+        <p14:creationId xmlns:p14="http://schemas.microsoft.com/office/powerpoint/2010/main" val="3833024889"/>
+      </p:ext>
+    </p:extLst>
+  </p:cSld>
+  <p:clrMapOvr>
+    <a:masterClrMapping/>
+  </p:clrMapOvr>
+</p:sld>
+</file>
+
+<file path=ppt/slides/slide21.xml><?xml version="1.0" encoding="utf-8"?>
+<p:sld xmlns:a="http://schemas.openxmlformats.org/drawingml/2006/main" xmlns:r="http://schemas.openxmlformats.org/officeDocument/2006/relationships" xmlns:p="http://schemas.openxmlformats.org/presentationml/2006/main">
+  <p:cSld>
+    <p:spTree>
+      <p:nvGrpSpPr>
+        <p:cNvPr id="1" name=""/>
+        <p:cNvGrpSpPr/>
+        <p:nvPr/>
+      </p:nvGrpSpPr>
+      <p:grpSpPr>
+        <a:xfrm>
+          <a:off x="0" y="0"/>
+          <a:ext cx="0" cy="0"/>
+          <a:chOff x="0" y="0"/>
+          <a:chExt cx="0" cy="0"/>
+        </a:xfrm>
+      </p:grpSpPr>
+      <p:sp>
+        <p:nvSpPr>
+          <p:cNvPr id="2" name="コンテンツ プレースホルダー 1">
+            <a:extLst>
+              <a:ext uri="{FF2B5EF4-FFF2-40B4-BE49-F238E27FC236}">
+                <a16:creationId xmlns:a16="http://schemas.microsoft.com/office/drawing/2014/main" id="{72565E07-1D3D-4FE3-869C-DF7102731E2B}"/>
+              </a:ext>
+            </a:extLst>
+          </p:cNvPr>
+          <p:cNvSpPr>
+            <a:spLocks noGrp="1"/>
+          </p:cNvSpPr>
+          <p:nvPr>
+            <p:ph idx="1"/>
+          </p:nvPr>
+        </p:nvSpPr>
+        <p:spPr/>
+        <p:txBody>
+          <a:bodyPr/>
+          <a:lstStyle/>
+          <a:p>
+            <a:r>
+              <a:rPr lang="ja-JP" altLang="en-US"/>
+              <a:t>共通鍵暗号と公開鍵暗号の違い</a:t>
+            </a:r>
+            <a:endParaRPr lang="en-US" altLang="ja-JP"/>
+          </a:p>
+          <a:p>
+            <a:endParaRPr kumimoji="1" lang="en-US" altLang="ja-JP"/>
+          </a:p>
+          <a:p>
+            <a:endParaRPr lang="en-US" altLang="ja-JP"/>
+          </a:p>
+          <a:p>
+            <a:r>
+              <a:rPr lang="en-US" altLang="ja-JP"/>
+              <a:t>MAC</a:t>
+            </a:r>
+            <a:r>
+              <a:rPr lang="ja-JP" altLang="en-US"/>
+              <a:t>と署名の鍵の扱い</a:t>
+            </a:r>
+            <a:endParaRPr lang="en-US" altLang="ja-JP"/>
+          </a:p>
+          <a:p>
+            <a:endParaRPr kumimoji="1" lang="en-US" altLang="ja-JP"/>
+          </a:p>
+          <a:p>
+            <a:endParaRPr lang="en-US" altLang="ja-JP"/>
+          </a:p>
+          <a:p>
+            <a:r>
+              <a:rPr kumimoji="1" lang="ja-JP" altLang="en-US"/>
+              <a:t>否認防止</a:t>
+            </a:r>
+            <a:endParaRPr kumimoji="1" lang="en-US" altLang="ja-JP"/>
+          </a:p>
+          <a:p>
+            <a:pPr lvl="1"/>
+            <a:r>
+              <a:rPr lang="en-US" altLang="ja-JP"/>
+              <a:t>MAC</a:t>
+            </a:r>
+            <a:r>
+              <a:rPr lang="ja-JP" altLang="en-US"/>
+              <a:t>に否認防止機能は無い </a:t>
+            </a:r>
+            <a:r>
+              <a:rPr lang="en-US" altLang="ja-JP"/>
+              <a:t>: </a:t>
+            </a:r>
+            <a:r>
+              <a:rPr lang="ja-JP" altLang="en-US"/>
+              <a:t>アリスとボブの両方作成可能</a:t>
+            </a:r>
+            <a:endParaRPr lang="en-US" altLang="ja-JP"/>
+          </a:p>
+          <a:p>
+            <a:pPr lvl="1"/>
+            <a:r>
+              <a:rPr kumimoji="1" lang="ja-JP" altLang="en-US"/>
+              <a:t>署名 </a:t>
+            </a:r>
+            <a:r>
+              <a:rPr kumimoji="1" lang="en-US" altLang="ja-JP"/>
+              <a:t>: </a:t>
+            </a:r>
+            <a:r>
+              <a:rPr kumimoji="1" lang="ja-JP" altLang="en-US"/>
+              <a:t>正しい署名はアリスしか作れない</a:t>
+            </a:r>
+            <a:endParaRPr kumimoji="1" lang="en-US" altLang="ja-JP"/>
+          </a:p>
+          <a:p>
+            <a:pPr lvl="1"/>
+            <a:r>
+              <a:rPr kumimoji="1" lang="ja-JP" altLang="en-US"/>
+              <a:t>署名の方が</a:t>
+            </a:r>
+            <a:r>
+              <a:rPr kumimoji="1" lang="en-US" altLang="ja-JP"/>
+              <a:t>MAC</a:t>
+            </a:r>
+            <a:r>
+              <a:rPr kumimoji="1" lang="ja-JP" altLang="en-US"/>
+              <a:t>より多機能</a:t>
+            </a:r>
+            <a:endParaRPr kumimoji="1" lang="en-US" altLang="ja-JP"/>
+          </a:p>
+          <a:p>
+            <a:pPr lvl="2"/>
+            <a:r>
+              <a:rPr kumimoji="1" lang="ja-JP" altLang="en-US"/>
+              <a:t>ただし</a:t>
+            </a:r>
+            <a:r>
+              <a:rPr kumimoji="1" lang="en-US" altLang="ja-JP"/>
+              <a:t>MAC</a:t>
+            </a:r>
+            <a:r>
+              <a:rPr kumimoji="1" lang="ja-JP" altLang="en-US"/>
+              <a:t>の方が署名より高速</a:t>
+            </a:r>
+            <a:endParaRPr kumimoji="1" lang="en-US" altLang="ja-JP"/>
+          </a:p>
+          <a:p>
+            <a:endParaRPr kumimoji="1" lang="ja-JP" altLang="en-US"/>
+          </a:p>
+        </p:txBody>
+      </p:sp>
+      <p:sp>
+        <p:nvSpPr>
+          <p:cNvPr id="3" name="スライド番号プレースホルダー 2">
+            <a:extLst>
+              <a:ext uri="{FF2B5EF4-FFF2-40B4-BE49-F238E27FC236}">
+                <a16:creationId xmlns:a16="http://schemas.microsoft.com/office/drawing/2014/main" id="{5653F63B-E303-43B2-9448-62411EE24E54}"/>
+              </a:ext>
+            </a:extLst>
+          </p:cNvPr>
+          <p:cNvSpPr>
+            <a:spLocks noGrp="1"/>
+          </p:cNvSpPr>
+          <p:nvPr>
+            <p:ph type="sldNum" sz="quarter" idx="12"/>
+          </p:nvPr>
+        </p:nvSpPr>
+        <p:spPr/>
+        <p:txBody>
+          <a:bodyPr/>
+          <a:lstStyle/>
+          <a:p>
+            <a:pPr>
+              <a:defRPr/>
+            </a:pPr>
+            <a:r>
+              <a:rPr lang="en-US" altLang="ja-JP"/>
+              <a:t>    </a:t>
+            </a:r>
+            <a:fld id="{B2782DEB-472A-4FE5-AC34-C17109CF5A91}" type="slidenum">
+              <a:rPr lang="en-US" altLang="ja-JP" smtClean="0"/>
+              <a:pPr>
+                <a:defRPr/>
+              </a:pPr>
+              <a:t>21</a:t>
+            </a:fld>
+            <a:r>
+              <a:rPr lang="en-US" altLang="ja-JP"/>
+              <a:t> / 24</a:t>
+            </a:r>
+          </a:p>
+        </p:txBody>
+      </p:sp>
+      <p:sp>
+        <p:nvSpPr>
+          <p:cNvPr id="4" name="タイトル 3">
+            <a:extLst>
+              <a:ext uri="{FF2B5EF4-FFF2-40B4-BE49-F238E27FC236}">
+                <a16:creationId xmlns:a16="http://schemas.microsoft.com/office/drawing/2014/main" id="{788CC943-0527-4411-B416-5680A5C985EC}"/>
+              </a:ext>
+            </a:extLst>
+          </p:cNvPr>
+          <p:cNvSpPr>
+            <a:spLocks noGrp="1"/>
+          </p:cNvSpPr>
+          <p:nvPr>
+            <p:ph type="title"/>
+          </p:nvPr>
+        </p:nvSpPr>
+        <p:spPr/>
+        <p:txBody>
+          <a:bodyPr/>
+          <a:lstStyle/>
+          <a:p>
+            <a:r>
+              <a:rPr kumimoji="1" lang="en-US" altLang="ja-JP"/>
+              <a:t>MAC</a:t>
+            </a:r>
+            <a:r>
+              <a:rPr kumimoji="1" lang="ja-JP" altLang="en-US"/>
+              <a:t>と署名</a:t>
+            </a:r>
+          </a:p>
+        </p:txBody>
+      </p:sp>
+      <p:graphicFrame>
+        <p:nvGraphicFramePr>
+          <p:cNvPr id="5" name="表 5">
+            <a:extLst>
+              <a:ext uri="{FF2B5EF4-FFF2-40B4-BE49-F238E27FC236}">
+                <a16:creationId xmlns:a16="http://schemas.microsoft.com/office/drawing/2014/main" id="{091FB161-426F-4B74-9D2F-17C325DA6C41}"/>
+              </a:ext>
+            </a:extLst>
+          </p:cNvPr>
+          <p:cNvGraphicFramePr>
+            <a:graphicFrameLocks noGrp="1"/>
+          </p:cNvGraphicFramePr>
+          <p:nvPr>
+            <p:extLst>
+              <p:ext uri="{D42A27DB-BD31-4B8C-83A1-F6EECF244321}">
+                <p14:modId xmlns:p14="http://schemas.microsoft.com/office/powerpoint/2010/main" val="1954436588"/>
+              </p:ext>
+            </p:extLst>
+          </p:nvPr>
+        </p:nvGraphicFramePr>
+        <p:xfrm>
+          <a:off x="1115616" y="1196752"/>
+          <a:ext cx="6450966" cy="1112520"/>
+        </p:xfrm>
+        <a:graphic>
+          <a:graphicData uri="http://schemas.openxmlformats.org/drawingml/2006/table">
+            <a:tbl>
+              <a:tblPr firstRow="1" bandRow="1">
+                <a:tableStyleId>{5C22544A-7EE6-4342-B048-85BDC9FD1C3A}</a:tableStyleId>
+              </a:tblPr>
+              <a:tblGrid>
+                <a:gridCol w="1387793">
+                  <a:extLst>
+                    <a:ext uri="{9D8B030D-6E8A-4147-A177-3AD203B41FA5}">
+                      <a16:colId xmlns:a16="http://schemas.microsoft.com/office/drawing/2014/main" val="412086696"/>
+                    </a:ext>
+                  </a:extLst>
+                </a:gridCol>
+                <a:gridCol w="1846580">
+                  <a:extLst>
+                    <a:ext uri="{9D8B030D-6E8A-4147-A177-3AD203B41FA5}">
+                      <a16:colId xmlns:a16="http://schemas.microsoft.com/office/drawing/2014/main" val="2973652508"/>
+                    </a:ext>
+                  </a:extLst>
+                </a:gridCol>
+                <a:gridCol w="3216593">
+                  <a:extLst>
+                    <a:ext uri="{9D8B030D-6E8A-4147-A177-3AD203B41FA5}">
+                      <a16:colId xmlns:a16="http://schemas.microsoft.com/office/drawing/2014/main" val="875755976"/>
+                    </a:ext>
+                  </a:extLst>
+                </a:gridCol>
+              </a:tblGrid>
+              <a:tr h="370840">
+                <a:tc>
+                  <a:txBody>
+                    <a:bodyPr/>
+                    <a:lstStyle/>
+                    <a:p>
+                      <a:r>
+                        <a:rPr lang="ja-JP" altLang="en-US"/>
+                        <a:t>方式＼鍵</a:t>
+                      </a:r>
+                      <a:endParaRPr kumimoji="1" lang="ja-JP" altLang="en-US"/>
+                    </a:p>
+                  </a:txBody>
+                  <a:tcPr/>
+                </a:tc>
+                <a:tc>
+                  <a:txBody>
+                    <a:bodyPr/>
+                    <a:lstStyle/>
+                    <a:p>
+                      <a:r>
+                        <a:rPr lang="ja-JP" altLang="en-US"/>
+                        <a:t>暗号化に使う鍵</a:t>
+                      </a:r>
+                    </a:p>
+                  </a:txBody>
+                  <a:tcPr anchor="ctr"/>
+                </a:tc>
+                <a:tc>
+                  <a:txBody>
+                    <a:bodyPr/>
+                    <a:lstStyle/>
+                    <a:p>
+                      <a:r>
+                        <a:rPr lang="ja-JP" altLang="en-US"/>
+                        <a:t>復号に使う鍵</a:t>
+                      </a:r>
+                    </a:p>
+                  </a:txBody>
+                  <a:tcPr anchor="ctr"/>
+                </a:tc>
+                <a:extLst>
+                  <a:ext uri="{0D108BD9-81ED-4DB2-BD59-A6C34878D82A}">
+                    <a16:rowId xmlns:a16="http://schemas.microsoft.com/office/drawing/2014/main" val="4014579880"/>
+                  </a:ext>
+                </a:extLst>
+              </a:tr>
+              <a:tr h="370840">
+                <a:tc>
+                  <a:txBody>
+                    <a:bodyPr/>
+                    <a:lstStyle/>
+                    <a:p>
+                      <a:r>
+                        <a:rPr lang="ja-JP" altLang="en-US"/>
+                        <a:t>共通鍵暗号</a:t>
+                      </a:r>
+                    </a:p>
+                  </a:txBody>
+                  <a:tcPr anchor="ctr"/>
+                </a:tc>
+                <a:tc>
+                  <a:txBody>
+                    <a:bodyPr/>
+                    <a:lstStyle/>
+                    <a:p>
+                      <a:r>
+                        <a:rPr lang="ja-JP" altLang="en-US"/>
+                        <a:t>秘密</a:t>
+                      </a:r>
+                    </a:p>
+                  </a:txBody>
+                  <a:tcPr anchor="ctr"/>
+                </a:tc>
+                <a:tc>
+                  <a:txBody>
+                    <a:bodyPr/>
+                    <a:lstStyle/>
+                    <a:p>
+                      <a:r>
+                        <a:rPr lang="ja-JP" altLang="en-US"/>
+                        <a:t>秘密（暗号と復号で同じ鍵）</a:t>
+                      </a:r>
+                    </a:p>
+                  </a:txBody>
+                  <a:tcPr anchor="ctr"/>
+                </a:tc>
+                <a:extLst>
+                  <a:ext uri="{0D108BD9-81ED-4DB2-BD59-A6C34878D82A}">
+                    <a16:rowId xmlns:a16="http://schemas.microsoft.com/office/drawing/2014/main" val="2484265803"/>
+                  </a:ext>
+                </a:extLst>
+              </a:tr>
+              <a:tr h="370840">
+                <a:tc>
+                  <a:txBody>
+                    <a:bodyPr/>
+                    <a:lstStyle/>
+                    <a:p>
+                      <a:r>
+                        <a:rPr lang="ja-JP" altLang="en-US"/>
+                        <a:t>公開鍵暗号</a:t>
+                      </a:r>
+                    </a:p>
+                  </a:txBody>
+                  <a:tcPr anchor="ctr"/>
+                </a:tc>
+                <a:tc>
+                  <a:txBody>
+                    <a:bodyPr/>
+                    <a:lstStyle/>
+                    <a:p>
+                      <a:r>
+                        <a:rPr lang="ja-JP" altLang="en-US"/>
+                        <a:t>公開</a:t>
+                      </a:r>
+                    </a:p>
+                  </a:txBody>
+                  <a:tcPr anchor="ctr"/>
+                </a:tc>
+                <a:tc>
+                  <a:txBody>
+                    <a:bodyPr/>
+                    <a:lstStyle/>
+                    <a:p>
+                      <a:r>
+                        <a:rPr lang="ja-JP" altLang="en-US"/>
+                        <a:t>秘密（暗号と復号で違う鍵）</a:t>
+                      </a:r>
+                    </a:p>
+                  </a:txBody>
+                  <a:tcPr anchor="ctr"/>
+                </a:tc>
+                <a:extLst>
+                  <a:ext uri="{0D108BD9-81ED-4DB2-BD59-A6C34878D82A}">
+                    <a16:rowId xmlns:a16="http://schemas.microsoft.com/office/drawing/2014/main" val="918250214"/>
+                  </a:ext>
+                </a:extLst>
+              </a:tr>
+            </a:tbl>
+          </a:graphicData>
+        </a:graphic>
+      </p:graphicFrame>
+      <p:graphicFrame>
+        <p:nvGraphicFramePr>
+          <p:cNvPr id="6" name="表 6">
+            <a:extLst>
+              <a:ext uri="{FF2B5EF4-FFF2-40B4-BE49-F238E27FC236}">
+                <a16:creationId xmlns:a16="http://schemas.microsoft.com/office/drawing/2014/main" id="{03A7E432-850B-4D2F-A6AC-3A176EDC9476}"/>
+              </a:ext>
+            </a:extLst>
+          </p:cNvPr>
+          <p:cNvGraphicFramePr>
+            <a:graphicFrameLocks noGrp="1"/>
+          </p:cNvGraphicFramePr>
+          <p:nvPr>
+            <p:extLst>
+              <p:ext uri="{D42A27DB-BD31-4B8C-83A1-F6EECF244321}">
+                <p14:modId xmlns:p14="http://schemas.microsoft.com/office/powerpoint/2010/main" val="1262842339"/>
+              </p:ext>
+            </p:extLst>
+          </p:nvPr>
+        </p:nvGraphicFramePr>
+        <p:xfrm>
+          <a:off x="1115616" y="3041904"/>
+          <a:ext cx="6450966" cy="1112520"/>
+        </p:xfrm>
+        <a:graphic>
+          <a:graphicData uri="http://schemas.openxmlformats.org/drawingml/2006/table">
+            <a:tbl>
+              <a:tblPr firstRow="1" bandRow="1">
+                <a:tableStyleId>{5C22544A-7EE6-4342-B048-85BDC9FD1C3A}</a:tableStyleId>
+              </a:tblPr>
+              <a:tblGrid>
+                <a:gridCol w="1248993">
+                  <a:extLst>
+                    <a:ext uri="{9D8B030D-6E8A-4147-A177-3AD203B41FA5}">
+                      <a16:colId xmlns:a16="http://schemas.microsoft.com/office/drawing/2014/main" val="1286533667"/>
+                    </a:ext>
+                  </a:extLst>
+                </a:gridCol>
+                <a:gridCol w="1991367">
+                  <a:extLst>
+                    <a:ext uri="{9D8B030D-6E8A-4147-A177-3AD203B41FA5}">
+                      <a16:colId xmlns:a16="http://schemas.microsoft.com/office/drawing/2014/main" val="444710321"/>
+                    </a:ext>
+                  </a:extLst>
+                </a:gridCol>
+                <a:gridCol w="3210606">
+                  <a:extLst>
+                    <a:ext uri="{9D8B030D-6E8A-4147-A177-3AD203B41FA5}">
+                      <a16:colId xmlns:a16="http://schemas.microsoft.com/office/drawing/2014/main" val="1478430729"/>
+                    </a:ext>
+                  </a:extLst>
+                </a:gridCol>
+              </a:tblGrid>
+              <a:tr h="370840">
+                <a:tc>
+                  <a:txBody>
+                    <a:bodyPr/>
+                    <a:lstStyle/>
+                    <a:p>
+                      <a:r>
+                        <a:rPr lang="ja-JP" altLang="en-US"/>
+                        <a:t>方式＼鍵</a:t>
+                      </a:r>
+                    </a:p>
+                  </a:txBody>
+                  <a:tcPr anchor="ctr"/>
+                </a:tc>
+                <a:tc>
+                  <a:txBody>
+                    <a:bodyPr/>
+                    <a:lstStyle/>
+                    <a:p>
+                      <a:r>
+                        <a:rPr lang="ja-JP" altLang="en-US"/>
+                        <a:t>署名に使う鍵</a:t>
+                      </a:r>
+                    </a:p>
+                  </a:txBody>
+                  <a:tcPr anchor="ctr"/>
+                </a:tc>
+                <a:tc>
+                  <a:txBody>
+                    <a:bodyPr/>
+                    <a:lstStyle/>
+                    <a:p>
+                      <a:r>
+                        <a:rPr lang="ja-JP" altLang="en-US"/>
+                        <a:t>検証に使う鍵</a:t>
+                      </a:r>
+                    </a:p>
+                  </a:txBody>
+                  <a:tcPr anchor="ctr"/>
+                </a:tc>
+                <a:extLst>
+                  <a:ext uri="{0D108BD9-81ED-4DB2-BD59-A6C34878D82A}">
+                    <a16:rowId xmlns:a16="http://schemas.microsoft.com/office/drawing/2014/main" val="810466318"/>
+                  </a:ext>
+                </a:extLst>
+              </a:tr>
+              <a:tr h="370840">
+                <a:tc>
+                  <a:txBody>
+                    <a:bodyPr/>
+                    <a:lstStyle/>
+                    <a:p>
+                      <a:r>
+                        <a:rPr lang="en-US"/>
+                        <a:t>MAC</a:t>
+                      </a:r>
+                    </a:p>
+                  </a:txBody>
+                  <a:tcPr anchor="ctr"/>
+                </a:tc>
+                <a:tc>
+                  <a:txBody>
+                    <a:bodyPr/>
+                    <a:lstStyle/>
+                    <a:p>
+                      <a:r>
+                        <a:rPr lang="ja-JP" altLang="en-US"/>
+                        <a:t>秘密</a:t>
+                      </a:r>
+                    </a:p>
+                  </a:txBody>
+                  <a:tcPr anchor="ctr"/>
+                </a:tc>
+                <a:tc>
+                  <a:txBody>
+                    <a:bodyPr/>
+                    <a:lstStyle/>
+                    <a:p>
+                      <a:r>
+                        <a:rPr lang="ja-JP" altLang="en-US"/>
+                        <a:t>秘密（署名と検証で同じ鍵）</a:t>
+                      </a:r>
+                    </a:p>
+                  </a:txBody>
+                  <a:tcPr anchor="ctr"/>
+                </a:tc>
+                <a:extLst>
+                  <a:ext uri="{0D108BD9-81ED-4DB2-BD59-A6C34878D82A}">
+                    <a16:rowId xmlns:a16="http://schemas.microsoft.com/office/drawing/2014/main" val="1991129497"/>
+                  </a:ext>
+                </a:extLst>
+              </a:tr>
+              <a:tr h="370840">
+                <a:tc>
+                  <a:txBody>
+                    <a:bodyPr/>
+                    <a:lstStyle/>
+                    <a:p>
+                      <a:r>
+                        <a:rPr lang="ja-JP" altLang="en-US"/>
+                        <a:t>署名</a:t>
+                      </a:r>
+                    </a:p>
+                  </a:txBody>
+                  <a:tcPr anchor="ctr"/>
+                </a:tc>
+                <a:tc>
+                  <a:txBody>
+                    <a:bodyPr/>
+                    <a:lstStyle/>
+                    <a:p>
+                      <a:r>
+                        <a:rPr lang="ja-JP" altLang="en-US"/>
+                        <a:t>秘密</a:t>
+                      </a:r>
+                    </a:p>
+                  </a:txBody>
+                  <a:tcPr anchor="ctr"/>
+                </a:tc>
+                <a:tc>
+                  <a:txBody>
+                    <a:bodyPr/>
+                    <a:lstStyle/>
+                    <a:p>
+                      <a:r>
+                        <a:rPr lang="ja-JP" altLang="en-US"/>
+                        <a:t>公開（署名と検証で違う鍵）</a:t>
+                      </a:r>
+                    </a:p>
+                  </a:txBody>
+                  <a:tcPr anchor="ctr"/>
+                </a:tc>
+                <a:extLst>
+                  <a:ext uri="{0D108BD9-81ED-4DB2-BD59-A6C34878D82A}">
+                    <a16:rowId xmlns:a16="http://schemas.microsoft.com/office/drawing/2014/main" val="3066308033"/>
+                  </a:ext>
+                </a:extLst>
+              </a:tr>
+            </a:tbl>
+          </a:graphicData>
+        </a:graphic>
+      </p:graphicFrame>
+    </p:spTree>
+    <p:extLst>
+      <p:ext uri="{BB962C8B-B14F-4D97-AF65-F5344CB8AC3E}">
+        <p14:creationId xmlns:p14="http://schemas.microsoft.com/office/powerpoint/2010/main" val="3179010675"/>
+      </p:ext>
+    </p:extLst>
+  </p:cSld>
+  <p:clrMapOvr>
+    <a:masterClrMapping/>
+  </p:clrMapOvr>
+</p:sld>
+</file>
+
+<file path=ppt/slides/slide22.xml><?xml version="1.0" encoding="utf-8"?>
+<p:sld xmlns:a="http://schemas.openxmlformats.org/drawingml/2006/main" xmlns:r="http://schemas.openxmlformats.org/officeDocument/2006/relationships" xmlns:p="http://schemas.openxmlformats.org/presentationml/2006/main">
+  <p:cSld>
+    <p:spTree>
+      <p:nvGrpSpPr>
+        <p:cNvPr id="1" name=""/>
+        <p:cNvGrpSpPr/>
+        <p:nvPr/>
+      </p:nvGrpSpPr>
+      <p:grpSpPr>
+        <a:xfrm>
+          <a:off x="0" y="0"/>
+          <a:ext cx="0" cy="0"/>
+          <a:chOff x="0" y="0"/>
+          <a:chExt cx="0" cy="0"/>
+        </a:xfrm>
+      </p:grpSpPr>
+      <p:sp>
+        <p:nvSpPr>
+          <p:cNvPr id="2" name="コンテンツ プレースホルダー 1">
+            <a:extLst>
+              <a:ext uri="{FF2B5EF4-FFF2-40B4-BE49-F238E27FC236}">
+                <a16:creationId xmlns:a16="http://schemas.microsoft.com/office/drawing/2014/main" id="{3E1BC0DF-DA7B-494E-9523-9FD933C75887}"/>
+              </a:ext>
+            </a:extLst>
+          </p:cNvPr>
+          <p:cNvSpPr>
+            <a:spLocks noGrp="1"/>
+          </p:cNvSpPr>
+          <p:nvPr>
+            <p:ph idx="1"/>
+          </p:nvPr>
+        </p:nvSpPr>
+        <p:spPr/>
+        <p:txBody>
+          <a:bodyPr/>
+          <a:lstStyle/>
+          <a:p>
+            <a:r>
+              <a:rPr kumimoji="1" lang="ja-JP" altLang="en-US"/>
+              <a:t>「公開鍵暗号」といえば</a:t>
+            </a:r>
+            <a:endParaRPr kumimoji="1" lang="en-US" altLang="ja-JP"/>
+          </a:p>
+          <a:p>
+            <a:pPr lvl="1"/>
+            <a:r>
+              <a:rPr kumimoji="1" lang="en-US" altLang="ja-JP"/>
+              <a:t>PKE (Public Key Encryption) </a:t>
+            </a:r>
+          </a:p>
+          <a:p>
+            <a:pPr lvl="2"/>
+            <a:r>
+              <a:rPr kumimoji="1" lang="ja-JP" altLang="en-US"/>
+              <a:t>公開鍵を用いた暗号方式 </a:t>
+            </a:r>
+            <a:r>
+              <a:rPr kumimoji="1" lang="en-US" altLang="ja-JP"/>
+              <a:t>: </a:t>
+            </a:r>
+            <a:r>
+              <a:rPr kumimoji="1" lang="ja-JP" altLang="en-US"/>
+              <a:t>秘匿性のために利用</a:t>
+            </a:r>
+            <a:endParaRPr kumimoji="1" lang="en-US" altLang="ja-JP"/>
+          </a:p>
+          <a:p>
+            <a:pPr lvl="1"/>
+            <a:r>
+              <a:rPr kumimoji="1" lang="en-US" altLang="ja-JP"/>
+              <a:t>PKC (Public Key Cryptography)</a:t>
+            </a:r>
+          </a:p>
+          <a:p>
+            <a:pPr lvl="2"/>
+            <a:r>
+              <a:rPr lang="en-US" altLang="ja-JP"/>
+              <a:t>PKE, DH</a:t>
+            </a:r>
+            <a:r>
+              <a:rPr lang="ja-JP" altLang="en-US"/>
+              <a:t>鍵共有</a:t>
+            </a:r>
+            <a:r>
+              <a:rPr lang="en-US" altLang="ja-JP"/>
+              <a:t>, </a:t>
+            </a:r>
+            <a:r>
+              <a:rPr lang="ja-JP" altLang="en-US"/>
+              <a:t>署名など公開鍵を扱う暗号技術全般</a:t>
+            </a:r>
+            <a:endParaRPr kumimoji="1" lang="ja-JP" altLang="en-US"/>
+          </a:p>
+        </p:txBody>
+      </p:sp>
+      <p:sp>
+        <p:nvSpPr>
+          <p:cNvPr id="3" name="スライド番号プレースホルダー 2">
+            <a:extLst>
+              <a:ext uri="{FF2B5EF4-FFF2-40B4-BE49-F238E27FC236}">
+                <a16:creationId xmlns:a16="http://schemas.microsoft.com/office/drawing/2014/main" id="{706BEB17-CA81-4C39-BE29-58E4BBC31A18}"/>
+              </a:ext>
+            </a:extLst>
+          </p:cNvPr>
+          <p:cNvSpPr>
+            <a:spLocks noGrp="1"/>
+          </p:cNvSpPr>
+          <p:nvPr>
+            <p:ph type="sldNum" sz="quarter" idx="12"/>
+          </p:nvPr>
+        </p:nvSpPr>
+        <p:spPr/>
+        <p:txBody>
+          <a:bodyPr/>
+          <a:lstStyle/>
+          <a:p>
+            <a:pPr>
+              <a:defRPr/>
+            </a:pPr>
+            <a:r>
+              <a:rPr lang="en-US" altLang="ja-JP"/>
+              <a:t>    </a:t>
+            </a:r>
+            <a:fld id="{B2782DEB-472A-4FE5-AC34-C17109CF5A91}" type="slidenum">
+              <a:rPr lang="en-US" altLang="ja-JP" smtClean="0"/>
+              <a:pPr>
+                <a:defRPr/>
+              </a:pPr>
+              <a:t>22</a:t>
+            </a:fld>
+            <a:r>
+              <a:rPr lang="en-US" altLang="ja-JP"/>
+              <a:t> / 24</a:t>
+            </a:r>
+          </a:p>
+        </p:txBody>
+      </p:sp>
+      <p:sp>
+        <p:nvSpPr>
+          <p:cNvPr id="4" name="タイトル 3">
+            <a:extLst>
+              <a:ext uri="{FF2B5EF4-FFF2-40B4-BE49-F238E27FC236}">
+                <a16:creationId xmlns:a16="http://schemas.microsoft.com/office/drawing/2014/main" id="{3997E570-85DE-414F-A68B-1DF70BD7AF3F}"/>
+              </a:ext>
+            </a:extLst>
+          </p:cNvPr>
+          <p:cNvSpPr>
+            <a:spLocks noGrp="1"/>
+          </p:cNvSpPr>
+          <p:nvPr>
+            <p:ph type="title"/>
+          </p:nvPr>
+        </p:nvSpPr>
+        <p:spPr/>
+        <p:txBody>
+          <a:bodyPr/>
+          <a:lstStyle/>
+          <a:p>
+            <a:r>
+              <a:rPr kumimoji="1" lang="ja-JP" altLang="en-US"/>
+              <a:t>暗号技術の分類</a:t>
+            </a:r>
+          </a:p>
+        </p:txBody>
+      </p:sp>
+      <p:pic>
+        <p:nvPicPr>
+          <p:cNvPr id="6" name="図 5">
+            <a:extLst>
+              <a:ext uri="{FF2B5EF4-FFF2-40B4-BE49-F238E27FC236}">
+                <a16:creationId xmlns:a16="http://schemas.microsoft.com/office/drawing/2014/main" id="{E241ACF4-DC51-450D-82B1-D6AFDE28C342}"/>
+              </a:ext>
+            </a:extLst>
+          </p:cNvPr>
+          <p:cNvPicPr>
+            <a:picLocks noChangeAspect="1"/>
+          </p:cNvPicPr>
+          <p:nvPr/>
+        </p:nvPicPr>
+        <p:blipFill>
+          <a:blip r:embed="rId2">
+            <a:extLst>
+              <a:ext uri="{28A0092B-C50C-407E-A947-70E740481C1C}">
+                <a14:useLocalDpi xmlns:a14="http://schemas.microsoft.com/office/drawing/2010/main" val="0"/>
+              </a:ext>
+            </a:extLst>
+          </a:blip>
+          <a:stretch>
+            <a:fillRect/>
+          </a:stretch>
+        </p:blipFill>
+        <p:spPr>
+          <a:xfrm>
+            <a:off x="661216" y="3166256"/>
+            <a:ext cx="7223152" cy="3539344"/>
+          </a:xfrm>
+          <a:prstGeom prst="rect">
+            <a:avLst/>
+          </a:prstGeom>
+        </p:spPr>
+      </p:pic>
+    </p:spTree>
+    <p:extLst>
+      <p:ext uri="{BB962C8B-B14F-4D97-AF65-F5344CB8AC3E}">
+        <p14:creationId xmlns:p14="http://schemas.microsoft.com/office/powerpoint/2010/main" val="4195546234"/>
+      </p:ext>
+    </p:extLst>
+  </p:cSld>
+  <p:clrMapOvr>
+    <a:masterClrMapping/>
+  </p:clrMapOvr>
+</p:sld>
+</file>
+
+<file path=ppt/slides/slide23.xml><?xml version="1.0" encoding="utf-8"?>
+<p:sld xmlns:a="http://schemas.openxmlformats.org/drawingml/2006/main" xmlns:r="http://schemas.openxmlformats.org/officeDocument/2006/relationships" xmlns:p="http://schemas.openxmlformats.org/presentationml/2006/main">
+  <p:cSld>
+    <p:spTree>
+      <p:nvGrpSpPr>
+        <p:cNvPr id="1" name=""/>
+        <p:cNvGrpSpPr/>
+        <p:nvPr/>
+      </p:nvGrpSpPr>
+      <p:grpSpPr>
+        <a:xfrm>
+          <a:off x="0" y="0"/>
+          <a:ext cx="0" cy="0"/>
+          <a:chOff x="0" y="0"/>
+          <a:chExt cx="0" cy="0"/>
+        </a:xfrm>
+      </p:grpSpPr>
+      <p:pic>
+        <p:nvPicPr>
+          <p:cNvPr id="6" name="図 5">
+            <a:extLst>
+              <a:ext uri="{FF2B5EF4-FFF2-40B4-BE49-F238E27FC236}">
+                <a16:creationId xmlns:a16="http://schemas.microsoft.com/office/drawing/2014/main" id="{A60D9AE8-69D0-4ECC-BBBD-83895705EFBD}"/>
+              </a:ext>
+            </a:extLst>
+          </p:cNvPr>
+          <p:cNvPicPr>
+            <a:picLocks noChangeAspect="1"/>
+          </p:cNvPicPr>
+          <p:nvPr/>
+        </p:nvPicPr>
+        <p:blipFill>
+          <a:blip r:embed="rId2">
+            <a:extLst>
+              <a:ext uri="{28A0092B-C50C-407E-A947-70E740481C1C}">
+                <a14:useLocalDpi xmlns:a14="http://schemas.microsoft.com/office/drawing/2010/main" val="0"/>
+              </a:ext>
+            </a:extLst>
+          </a:blip>
+          <a:stretch>
+            <a:fillRect/>
+          </a:stretch>
+        </p:blipFill>
+        <p:spPr>
+          <a:xfrm>
+            <a:off x="1547664" y="2809784"/>
+            <a:ext cx="6238483" cy="3384376"/>
+          </a:xfrm>
+          <a:prstGeom prst="rect">
+            <a:avLst/>
+          </a:prstGeom>
+        </p:spPr>
+      </p:pic>
+      <mc:AlternateContent xmlns:mc="http://schemas.openxmlformats.org/markup-compatibility/2006">
+        <mc:Choice xmlns:a14="http://schemas.microsoft.com/office/drawing/2010/main" Requires="a14">
+          <p:sp>
+            <p:nvSpPr>
+              <p:cNvPr id="2" name="コンテンツ プレースホルダー 1">
+                <a:extLst>
+                  <a:ext uri="{FF2B5EF4-FFF2-40B4-BE49-F238E27FC236}">
+                    <a16:creationId xmlns:a16="http://schemas.microsoft.com/office/drawing/2014/main" id="{4D783DA3-3B3D-49CA-A721-6438ADFE1DAE}"/>
+                  </a:ext>
+                </a:extLst>
+              </p:cNvPr>
+              <p:cNvSpPr>
+                <a:spLocks noGrp="1"/>
+              </p:cNvSpPr>
+              <p:nvPr>
+                <p:ph idx="1"/>
+              </p:nvPr>
+            </p:nvSpPr>
+            <p:spPr/>
+            <p:txBody>
+              <a:bodyPr/>
+              <a:lstStyle/>
+              <a:p>
+                <a:r>
+                  <a:rPr kumimoji="1" lang="ja-JP" altLang="en-US"/>
+                  <a:t>楕円曲線を用いた署名方式の一種</a:t>
+                </a:r>
+                <a:endParaRPr kumimoji="1" lang="en-US" altLang="ja-JP"/>
+              </a:p>
+              <a:p>
+                <a:pPr lvl="1"/>
+                <a:r>
+                  <a:rPr lang="en-US" altLang="ja-JP"/>
+                  <a:t>ECDSA </a:t>
+                </a:r>
+                <a14:m>
+                  <m:oMath xmlns:m="http://schemas.openxmlformats.org/officeDocument/2006/math">
+                    <m:r>
+                      <a:rPr lang="en-US" altLang="ja-JP" b="0" i="1" smtClean="0">
+                        <a:latin typeface="Cambria Math" panose="02040503050406030204" pitchFamily="18" charset="0"/>
+                      </a:rPr>
+                      <m:t>∈</m:t>
+                    </m:r>
+                  </m:oMath>
+                </a14:m>
+                <a:r>
+                  <a:rPr lang="en-US" altLang="ja-JP"/>
+                  <a:t> PKC but ECDSA </a:t>
+                </a:r>
+                <a14:m>
+                  <m:oMath xmlns:m="http://schemas.openxmlformats.org/officeDocument/2006/math">
+                    <m:r>
+                      <a:rPr lang="en-US" altLang="ja-JP" b="0" i="1" smtClean="0">
+                        <a:latin typeface="Cambria Math" panose="02040503050406030204" pitchFamily="18" charset="0"/>
+                      </a:rPr>
+                      <m:t>∉</m:t>
+                    </m:r>
+                  </m:oMath>
+                </a14:m>
+                <a:r>
+                  <a:rPr lang="en-US" altLang="ja-JP"/>
+                  <a:t> PKE (</a:t>
+                </a:r>
+                <a:r>
+                  <a:rPr lang="ja-JP" altLang="en-US"/>
+                  <a:t>公開鍵暗号</a:t>
+                </a:r>
+                <a:r>
+                  <a:rPr lang="en-US" altLang="ja-JP"/>
+                  <a:t>)!</a:t>
+                </a:r>
+              </a:p>
+              <a:p>
+                <a:r>
+                  <a:rPr kumimoji="1" lang="ja-JP" altLang="en-US"/>
+                  <a:t>楕円曲線とその点</a:t>
+                </a:r>
+                <a14:m>
+                  <m:oMath xmlns:m="http://schemas.openxmlformats.org/officeDocument/2006/math">
+                    <m:r>
+                      <a:rPr kumimoji="1" lang="en-US" altLang="ja-JP" b="0" i="1" smtClean="0">
+                        <a:latin typeface="Cambria Math" panose="02040503050406030204" pitchFamily="18" charset="0"/>
+                      </a:rPr>
+                      <m:t>𝑃</m:t>
+                    </m:r>
+                  </m:oMath>
+                </a14:m>
+                <a:r>
+                  <a:rPr kumimoji="1" lang="ja-JP" altLang="en-US"/>
+                  <a:t>を固定</a:t>
+                </a:r>
+                <a:endParaRPr kumimoji="1" lang="en-US" altLang="ja-JP"/>
+              </a:p>
+              <a:p>
+                <a:pPr lvl="1"/>
+                <a:r>
+                  <a:rPr kumimoji="1" lang="ja-JP" altLang="en-US"/>
+                  <a:t>鍵生成 </a:t>
+                </a:r>
+                <a:r>
+                  <a:rPr kumimoji="1" lang="en-US" altLang="ja-JP"/>
+                  <a:t>: </a:t>
+                </a:r>
+                <a:r>
+                  <a:rPr kumimoji="1" lang="ja-JP" altLang="en-US"/>
+                  <a:t>乱数</a:t>
+                </a:r>
+                <a14:m>
+                  <m:oMath xmlns:m="http://schemas.openxmlformats.org/officeDocument/2006/math">
+                    <m:r>
+                      <a:rPr kumimoji="1" lang="en-US" altLang="ja-JP" b="0" i="1" smtClean="0">
+                        <a:latin typeface="Cambria Math" panose="02040503050406030204" pitchFamily="18" charset="0"/>
+                      </a:rPr>
+                      <m:t>𝑠</m:t>
+                    </m:r>
+                  </m:oMath>
+                </a14:m>
+                <a:r>
+                  <a:rPr kumimoji="1" lang="ja-JP" altLang="en-US"/>
+                  <a:t>を選び</a:t>
+                </a:r>
+                <a14:m>
+                  <m:oMath xmlns:m="http://schemas.openxmlformats.org/officeDocument/2006/math">
+                    <m:r>
+                      <a:rPr kumimoji="1" lang="en-US" altLang="ja-JP" b="0" i="1" smtClean="0">
+                        <a:latin typeface="Cambria Math" panose="02040503050406030204" pitchFamily="18" charset="0"/>
+                      </a:rPr>
+                      <m:t>𝑆</m:t>
+                    </m:r>
+                    <m:r>
+                      <a:rPr kumimoji="1" lang="en-US" altLang="ja-JP" b="0" i="1" smtClean="0">
+                        <a:latin typeface="Cambria Math" panose="02040503050406030204" pitchFamily="18" charset="0"/>
+                      </a:rPr>
+                      <m:t>=</m:t>
+                    </m:r>
+                    <m:r>
+                      <a:rPr kumimoji="1" lang="en-US" altLang="ja-JP" b="0" i="1" smtClean="0">
+                        <a:latin typeface="Cambria Math" panose="02040503050406030204" pitchFamily="18" charset="0"/>
+                      </a:rPr>
+                      <m:t>𝑠𝑃</m:t>
+                    </m:r>
+                  </m:oMath>
+                </a14:m>
+                <a:r>
+                  <a:rPr kumimoji="1" lang="ja-JP" altLang="en-US"/>
+                  <a:t>とする</a:t>
+                </a:r>
+                <a:r>
+                  <a:rPr kumimoji="1" lang="en-US" altLang="ja-JP"/>
+                  <a:t>. </a:t>
+                </a:r>
+                <a14:m>
+                  <m:oMath xmlns:m="http://schemas.openxmlformats.org/officeDocument/2006/math">
+                    <m:r>
+                      <a:rPr kumimoji="1" lang="en-US" altLang="ja-JP" b="0" i="1" smtClean="0">
+                        <a:latin typeface="Cambria Math" panose="02040503050406030204" pitchFamily="18" charset="0"/>
+                      </a:rPr>
+                      <m:t>𝑠</m:t>
+                    </m:r>
+                  </m:oMath>
+                </a14:m>
+                <a:r>
+                  <a:rPr kumimoji="1" lang="ja-JP" altLang="en-US"/>
+                  <a:t> </a:t>
+                </a:r>
+                <a:r>
+                  <a:rPr kumimoji="1" lang="en-US" altLang="ja-JP"/>
+                  <a:t>: </a:t>
+                </a:r>
+                <a:r>
+                  <a:rPr kumimoji="1" lang="ja-JP" altLang="en-US"/>
+                  <a:t>署名鍵</a:t>
+                </a:r>
+                <a:r>
+                  <a:rPr kumimoji="1" lang="en-US" altLang="ja-JP"/>
+                  <a:t>, </a:t>
+                </a:r>
+                <a14:m>
+                  <m:oMath xmlns:m="http://schemas.openxmlformats.org/officeDocument/2006/math">
+                    <m:r>
+                      <a:rPr kumimoji="1" lang="en-US" altLang="ja-JP" b="0" i="1" smtClean="0">
+                        <a:latin typeface="Cambria Math" panose="02040503050406030204" pitchFamily="18" charset="0"/>
+                      </a:rPr>
+                      <m:t>𝑆</m:t>
+                    </m:r>
+                  </m:oMath>
+                </a14:m>
+                <a:r>
+                  <a:rPr kumimoji="1" lang="ja-JP" altLang="en-US"/>
+                  <a:t> </a:t>
+                </a:r>
+                <a:r>
+                  <a:rPr kumimoji="1" lang="en-US" altLang="ja-JP"/>
+                  <a:t>: </a:t>
+                </a:r>
+                <a:r>
+                  <a:rPr kumimoji="1" lang="ja-JP" altLang="en-US"/>
+                  <a:t>検証鍵</a:t>
+                </a:r>
+                <a:endParaRPr kumimoji="1" lang="en-US" altLang="ja-JP"/>
+              </a:p>
+              <a:p>
+                <a:pPr lvl="1"/>
+                <a:endParaRPr kumimoji="1" lang="en-US" altLang="ja-JP"/>
+              </a:p>
+              <a:p>
+                <a:pPr lvl="1"/>
+                <a:endParaRPr lang="en-US" altLang="ja-JP"/>
+              </a:p>
+              <a:p>
+                <a:pPr lvl="1"/>
+                <a:endParaRPr kumimoji="1" lang="en-US" altLang="ja-JP"/>
+              </a:p>
+              <a:p>
+                <a:pPr lvl="1"/>
+                <a:endParaRPr lang="en-US" altLang="ja-JP"/>
+              </a:p>
+              <a:p>
+                <a:pPr lvl="1"/>
+                <a:endParaRPr lang="en-US" altLang="ja-JP"/>
+              </a:p>
+              <a:p>
+                <a:endParaRPr kumimoji="1" lang="en-US" altLang="ja-JP"/>
+              </a:p>
+              <a:p>
+                <a:pPr lvl="1"/>
+                <a:r>
+                  <a:rPr kumimoji="1" lang="ja-JP" altLang="en-US"/>
+                  <a:t>注意</a:t>
+                </a:r>
+                <a:endParaRPr kumimoji="1" lang="en-US" altLang="ja-JP"/>
+              </a:p>
+              <a:p>
+                <a:pPr lvl="2"/>
+                <a:r>
+                  <a:rPr kumimoji="1" lang="ja-JP" altLang="en-US"/>
+                  <a:t>「秘密鍵</a:t>
+                </a:r>
+                <a14:m>
+                  <m:oMath xmlns:m="http://schemas.openxmlformats.org/officeDocument/2006/math">
+                    <m:r>
+                      <a:rPr kumimoji="1" lang="en-US" altLang="ja-JP" b="0" i="1" smtClean="0">
+                        <a:latin typeface="Cambria Math" panose="02040503050406030204" pitchFamily="18" charset="0"/>
+                      </a:rPr>
+                      <m:t>𝑠</m:t>
+                    </m:r>
+                  </m:oMath>
+                </a14:m>
+                <a:r>
+                  <a:rPr kumimoji="1" lang="ja-JP" altLang="en-US"/>
+                  <a:t>で暗号化」していない</a:t>
+                </a:r>
+                <a:endParaRPr kumimoji="1" lang="en-US" altLang="ja-JP"/>
+              </a:p>
+              <a:p>
+                <a:pPr lvl="2"/>
+                <a:r>
+                  <a:rPr kumimoji="1" lang="ja-JP" altLang="en-US"/>
+                  <a:t>「ハッシュ値を復号して一致を確認」もしていない</a:t>
+                </a:r>
+                <a:endParaRPr kumimoji="1" lang="en-US" altLang="ja-JP"/>
+              </a:p>
+              <a:p>
+                <a:pPr lvl="1"/>
+                <a:endParaRPr kumimoji="1" lang="ja-JP" altLang="en-US"/>
+              </a:p>
+            </p:txBody>
+          </p:sp>
+        </mc:Choice>
+        <mc:Fallback>
+          <p:sp>
+            <p:nvSpPr>
+              <p:cNvPr id="2" name="コンテンツ プレースホルダー 1">
+                <a:extLst>
+                  <a:ext uri="{FF2B5EF4-FFF2-40B4-BE49-F238E27FC236}">
+                    <a16:creationId xmlns:a16="http://schemas.microsoft.com/office/drawing/2014/main" id="{4D783DA3-3B3D-49CA-A721-6438ADFE1DAE}"/>
+                  </a:ext>
+                </a:extLst>
+              </p:cNvPr>
+              <p:cNvSpPr>
+                <a:spLocks noGrp="1" noRot="1" noChangeAspect="1" noMove="1" noResize="1" noEditPoints="1" noAdjustHandles="1" noChangeArrowheads="1" noChangeShapeType="1" noTextEdit="1"/>
+              </p:cNvSpPr>
+              <p:nvPr>
+                <p:ph idx="1"/>
+              </p:nvPr>
+            </p:nvSpPr>
+            <p:spPr>
+              <a:blipFill>
+                <a:blip r:embed="rId3"/>
+                <a:stretch>
+                  <a:fillRect l="-1200" t="-1038" b="-7061"/>
+                </a:stretch>
+              </a:blipFill>
+            </p:spPr>
+            <p:txBody>
+              <a:bodyPr/>
+              <a:lstStyle/>
+              <a:p>
+                <a:r>
+                  <a:rPr lang="ja-JP" altLang="en-US">
+                    <a:noFill/>
+                  </a:rPr>
+                  <a:t> </a:t>
+                </a:r>
+              </a:p>
+            </p:txBody>
+          </p:sp>
+        </mc:Fallback>
+      </mc:AlternateContent>
+      <p:sp>
+        <p:nvSpPr>
+          <p:cNvPr id="3" name="スライド番号プレースホルダー 2">
+            <a:extLst>
+              <a:ext uri="{FF2B5EF4-FFF2-40B4-BE49-F238E27FC236}">
+                <a16:creationId xmlns:a16="http://schemas.microsoft.com/office/drawing/2014/main" id="{599C5046-91FF-42CC-A846-E8AADE8440E4}"/>
+              </a:ext>
+            </a:extLst>
+          </p:cNvPr>
+          <p:cNvSpPr>
+            <a:spLocks noGrp="1"/>
+          </p:cNvSpPr>
+          <p:nvPr>
+            <p:ph type="sldNum" sz="quarter" idx="12"/>
+          </p:nvPr>
+        </p:nvSpPr>
+        <p:spPr/>
+        <p:txBody>
+          <a:bodyPr/>
+          <a:lstStyle/>
+          <a:p>
+            <a:pPr>
+              <a:defRPr/>
+            </a:pPr>
+            <a:r>
+              <a:rPr lang="en-US" altLang="ja-JP"/>
+              <a:t>    </a:t>
+            </a:r>
+            <a:fld id="{B2782DEB-472A-4FE5-AC34-C17109CF5A91}" type="slidenum">
+              <a:rPr lang="en-US" altLang="ja-JP" smtClean="0"/>
+              <a:pPr>
+                <a:defRPr/>
+              </a:pPr>
+              <a:t>23</a:t>
+            </a:fld>
+            <a:r>
+              <a:rPr lang="en-US" altLang="ja-JP"/>
+              <a:t> / 24</a:t>
+            </a:r>
+          </a:p>
+        </p:txBody>
+      </p:sp>
+      <p:sp>
+        <p:nvSpPr>
+          <p:cNvPr id="4" name="タイトル 3">
+            <a:extLst>
+              <a:ext uri="{FF2B5EF4-FFF2-40B4-BE49-F238E27FC236}">
+                <a16:creationId xmlns:a16="http://schemas.microsoft.com/office/drawing/2014/main" id="{60B09631-A0AA-40BF-B42A-2D501240BE49}"/>
+              </a:ext>
+            </a:extLst>
+          </p:cNvPr>
+          <p:cNvSpPr>
+            <a:spLocks noGrp="1"/>
+          </p:cNvSpPr>
+          <p:nvPr>
+            <p:ph type="title"/>
+          </p:nvPr>
+        </p:nvSpPr>
+        <p:spPr/>
+        <p:txBody>
+          <a:bodyPr/>
+          <a:lstStyle/>
+          <a:p>
+            <a:r>
+              <a:rPr kumimoji="1" lang="en-US" altLang="ja-JP"/>
+              <a:t>ECDSA</a:t>
+            </a:r>
+            <a:endParaRPr kumimoji="1" lang="ja-JP" altLang="en-US"/>
+          </a:p>
+        </p:txBody>
+      </p:sp>
+    </p:spTree>
+    <p:extLst>
+      <p:ext uri="{BB962C8B-B14F-4D97-AF65-F5344CB8AC3E}">
+        <p14:creationId xmlns:p14="http://schemas.microsoft.com/office/powerpoint/2010/main" val="773919369"/>
+      </p:ext>
+    </p:extLst>
+  </p:cSld>
+  <p:clrMapOvr>
+    <a:masterClrMapping/>
+  </p:clrMapOvr>
+</p:sld>
+</file>
+
+<file path=ppt/slides/slide24.xml><?xml version="1.0" encoding="utf-8"?>
+<p:sld xmlns:a="http://schemas.openxmlformats.org/drawingml/2006/main" xmlns:r="http://schemas.openxmlformats.org/officeDocument/2006/relationships" xmlns:p="http://schemas.openxmlformats.org/presentationml/2006/main">
+  <p:cSld>
+    <p:spTree>
+      <p:nvGrpSpPr>
+        <p:cNvPr id="1" name=""/>
+        <p:cNvGrpSpPr/>
+        <p:nvPr/>
+      </p:nvGrpSpPr>
+      <p:grpSpPr>
+        <a:xfrm>
+          <a:off x="0" y="0"/>
+          <a:ext cx="0" cy="0"/>
+          <a:chOff x="0" y="0"/>
+          <a:chExt cx="0" cy="0"/>
+        </a:xfrm>
+      </p:grpSpPr>
+      <mc:AlternateContent xmlns:mc="http://schemas.openxmlformats.org/markup-compatibility/2006">
+        <mc:Choice xmlns:a14="http://schemas.microsoft.com/office/drawing/2010/main" Requires="a14">
+          <p:sp>
+            <p:nvSpPr>
+              <p:cNvPr id="2" name="コンテンツ プレースホルダー 1">
+                <a:extLst>
+                  <a:ext uri="{FF2B5EF4-FFF2-40B4-BE49-F238E27FC236}">
+                    <a16:creationId xmlns:a16="http://schemas.microsoft.com/office/drawing/2014/main" id="{28D16F03-7F33-469B-A964-1BCFE850FA91}"/>
+                  </a:ext>
+                </a:extLst>
+              </p:cNvPr>
+              <p:cNvSpPr>
+                <a:spLocks noGrp="1"/>
+              </p:cNvSpPr>
+              <p:nvPr>
+                <p:ph idx="1"/>
+              </p:nvPr>
+            </p:nvSpPr>
+            <p:spPr/>
+            <p:txBody>
+              <a:bodyPr/>
+              <a:lstStyle/>
+              <a:p>
+                <a:r>
+                  <a:rPr kumimoji="1" lang="ja-JP" altLang="en-US"/>
+                  <a:t>署名の検証鍵</a:t>
+                </a:r>
+                <a:r>
+                  <a:rPr kumimoji="1" lang="en-US" altLang="ja-JP"/>
+                  <a:t>(</a:t>
+                </a:r>
+                <a:r>
+                  <a:rPr kumimoji="1" lang="ja-JP" altLang="en-US"/>
+                  <a:t>公開鍵</a:t>
+                </a:r>
+                <a:r>
+                  <a:rPr kumimoji="1" lang="en-US" altLang="ja-JP"/>
+                  <a:t>)</a:t>
+                </a:r>
+                <a:r>
+                  <a:rPr kumimoji="1" lang="ja-JP" altLang="en-US"/>
+                  <a:t>を用いて本人確認する方法</a:t>
+                </a:r>
+                <a:endParaRPr kumimoji="1" lang="en-US" altLang="ja-JP"/>
+              </a:p>
+              <a:p>
+                <a:pPr lvl="1"/>
+                <a:r>
+                  <a:rPr kumimoji="1" lang="ja-JP" altLang="en-US"/>
+                  <a:t>鍵生成 </a:t>
+                </a:r>
+                <a:r>
+                  <a:rPr kumimoji="1" lang="en-US" altLang="ja-JP"/>
+                  <a:t>: </a:t>
+                </a:r>
+                <a:r>
+                  <a:rPr kumimoji="1" lang="ja-JP" altLang="en-US"/>
+                  <a:t>アリスは署名鍵</a:t>
+                </a:r>
+                <a14:m>
+                  <m:oMath xmlns:m="http://schemas.openxmlformats.org/officeDocument/2006/math">
+                    <m:r>
+                      <a:rPr kumimoji="1" lang="en-US" altLang="ja-JP" b="0" i="1" smtClean="0">
+                        <a:latin typeface="Cambria Math" panose="02040503050406030204" pitchFamily="18" charset="0"/>
+                      </a:rPr>
+                      <m:t>𝑠</m:t>
+                    </m:r>
+                  </m:oMath>
+                </a14:m>
+                <a:r>
+                  <a:rPr kumimoji="1" lang="ja-JP" altLang="en-US"/>
+                  <a:t>と検証鍵</a:t>
+                </a:r>
+                <a14:m>
+                  <m:oMath xmlns:m="http://schemas.openxmlformats.org/officeDocument/2006/math">
+                    <m:r>
+                      <a:rPr kumimoji="1" lang="en-US" altLang="ja-JP" b="0" i="1" smtClean="0">
+                        <a:latin typeface="Cambria Math" panose="02040503050406030204" pitchFamily="18" charset="0"/>
+                      </a:rPr>
+                      <m:t>𝑆</m:t>
+                    </m:r>
+                  </m:oMath>
+                </a14:m>
+                <a:r>
+                  <a:rPr kumimoji="1" lang="ja-JP" altLang="en-US"/>
+                  <a:t>のペアを生成</a:t>
+                </a:r>
+                <a:endParaRPr kumimoji="1" lang="en-US" altLang="ja-JP"/>
+              </a:p>
+              <a:p>
+                <a:pPr lvl="2"/>
+                <a:r>
+                  <a:rPr kumimoji="1" lang="ja-JP" altLang="en-US"/>
+                  <a:t>検証鍵</a:t>
+                </a:r>
+                <a14:m>
+                  <m:oMath xmlns:m="http://schemas.openxmlformats.org/officeDocument/2006/math">
+                    <m:r>
+                      <a:rPr kumimoji="1" lang="en-US" altLang="ja-JP" b="0" i="1" smtClean="0">
+                        <a:latin typeface="Cambria Math" panose="02040503050406030204" pitchFamily="18" charset="0"/>
+                      </a:rPr>
+                      <m:t>𝑆</m:t>
+                    </m:r>
+                  </m:oMath>
+                </a14:m>
+                <a:r>
+                  <a:rPr kumimoji="1" lang="ja-JP" altLang="en-US"/>
+                  <a:t>をサーバに登録</a:t>
+                </a:r>
+                <a:r>
+                  <a:rPr kumimoji="1" lang="en-US" altLang="ja-JP"/>
+                  <a:t>(</a:t>
+                </a:r>
+                <a:r>
+                  <a:rPr kumimoji="1" lang="ja-JP" altLang="en-US"/>
+                  <a:t>一度だけ</a:t>
+                </a:r>
+                <a:r>
+                  <a:rPr kumimoji="1" lang="en-US" altLang="ja-JP"/>
+                  <a:t>)</a:t>
+                </a:r>
+              </a:p>
+              <a:p>
+                <a:pPr lvl="2"/>
+                <a:r>
+                  <a:rPr kumimoji="1" lang="en-US" altLang="ja-JP"/>
+                  <a:t>SSH</a:t>
+                </a:r>
+                <a:r>
+                  <a:rPr kumimoji="1" lang="ja-JP" altLang="en-US"/>
+                  <a:t>初回時に検証鍵を自動登録すると</a:t>
+                </a:r>
+                <a:r>
+                  <a:rPr kumimoji="1" lang="en-US" altLang="ja-JP"/>
+                  <a:t>MITM</a:t>
+                </a:r>
+                <a:r>
+                  <a:rPr kumimoji="1" lang="ja-JP" altLang="en-US"/>
+                  <a:t>の可能性</a:t>
+                </a:r>
+                <a:endParaRPr kumimoji="1" lang="en-US" altLang="ja-JP"/>
+              </a:p>
+              <a:p>
+                <a:pPr lvl="1"/>
+                <a:r>
+                  <a:rPr kumimoji="1" lang="ja-JP" altLang="en-US"/>
+                  <a:t>認証 </a:t>
+                </a:r>
+                <a:r>
+                  <a:rPr kumimoji="1" lang="en-US" altLang="ja-JP"/>
+                  <a:t>: DH</a:t>
+                </a:r>
+                <a:r>
+                  <a:rPr kumimoji="1" lang="ja-JP" altLang="en-US"/>
+                  <a:t>鍵共有などを元に予測できない</a:t>
+                </a:r>
+                <a14:m>
+                  <m:oMath xmlns:m="http://schemas.openxmlformats.org/officeDocument/2006/math">
+                    <m:r>
+                      <a:rPr kumimoji="1" lang="en-US" altLang="ja-JP" b="0" i="1" smtClean="0">
+                        <a:latin typeface="Cambria Math" panose="02040503050406030204" pitchFamily="18" charset="0"/>
+                      </a:rPr>
+                      <m:t>𝑣</m:t>
+                    </m:r>
+                  </m:oMath>
+                </a14:m>
+                <a:r>
+                  <a:rPr kumimoji="1" lang="ja-JP" altLang="en-US"/>
+                  <a:t>を生成</a:t>
+                </a:r>
+                <a:endParaRPr kumimoji="1" lang="en-US" altLang="ja-JP"/>
+              </a:p>
+              <a:p>
+                <a:pPr lvl="2"/>
+                <a:r>
+                  <a:rPr lang="ja-JP" altLang="en-US">
+                    <a:latin typeface="Cambria Math" panose="02040503050406030204" pitchFamily="18" charset="0"/>
+                  </a:rPr>
+                  <a:t>リプレイ攻撃などへの防御</a:t>
+                </a:r>
+                <a:endParaRPr lang="en-US" altLang="ja-JP">
+                  <a:latin typeface="Cambria Math" panose="02040503050406030204" pitchFamily="18" charset="0"/>
+                </a:endParaRPr>
+              </a:p>
+              <a:p>
+                <a:pPr lvl="2"/>
+                <a14:m>
+                  <m:oMath xmlns:m="http://schemas.openxmlformats.org/officeDocument/2006/math">
+                    <m:r>
+                      <a:rPr kumimoji="1" lang="en-US" altLang="ja-JP" b="0" i="1" smtClean="0">
+                        <a:latin typeface="Cambria Math" panose="02040503050406030204" pitchFamily="18" charset="0"/>
+                      </a:rPr>
+                      <m:t>𝑣</m:t>
+                    </m:r>
+                  </m:oMath>
+                </a14:m>
+                <a:r>
+                  <a:rPr kumimoji="1" lang="ja-JP" altLang="en-US"/>
+                  <a:t>に署名して</a:t>
+                </a:r>
+                <a14:m>
+                  <m:oMath xmlns:m="http://schemas.openxmlformats.org/officeDocument/2006/math">
+                    <m:r>
+                      <a:rPr kumimoji="1" lang="en-US" altLang="ja-JP" b="0" i="1" smtClean="0">
+                        <a:latin typeface="Cambria Math" panose="02040503050406030204" pitchFamily="18" charset="0"/>
+                      </a:rPr>
+                      <m:t>𝜎</m:t>
+                    </m:r>
+                  </m:oMath>
+                </a14:m>
+                <a:r>
+                  <a:rPr kumimoji="1" lang="ja-JP" altLang="en-US"/>
+                  <a:t>をサーバに送り検証してもらう</a:t>
+                </a:r>
+              </a:p>
+            </p:txBody>
+          </p:sp>
+        </mc:Choice>
+        <mc:Fallback>
+          <p:sp>
+            <p:nvSpPr>
+              <p:cNvPr id="2" name="コンテンツ プレースホルダー 1">
+                <a:extLst>
+                  <a:ext uri="{FF2B5EF4-FFF2-40B4-BE49-F238E27FC236}">
+                    <a16:creationId xmlns:a16="http://schemas.microsoft.com/office/drawing/2014/main" id="{28D16F03-7F33-469B-A964-1BCFE850FA91}"/>
+                  </a:ext>
+                </a:extLst>
+              </p:cNvPr>
+              <p:cNvSpPr>
+                <a:spLocks noGrp="1" noRot="1" noChangeAspect="1" noMove="1" noResize="1" noEditPoints="1" noAdjustHandles="1" noChangeArrowheads="1" noChangeShapeType="1" noTextEdit="1"/>
+              </p:cNvSpPr>
+              <p:nvPr>
+                <p:ph idx="1"/>
+              </p:nvPr>
+            </p:nvSpPr>
+            <p:spPr>
+              <a:blipFill>
+                <a:blip r:embed="rId2"/>
+                <a:stretch>
+                  <a:fillRect l="-1200" t="-1454"/>
+                </a:stretch>
+              </a:blipFill>
+            </p:spPr>
+            <p:txBody>
+              <a:bodyPr/>
+              <a:lstStyle/>
+              <a:p>
+                <a:r>
+                  <a:rPr lang="ja-JP" altLang="en-US">
+                    <a:noFill/>
+                  </a:rPr>
+                  <a:t> </a:t>
+                </a:r>
+              </a:p>
+            </p:txBody>
+          </p:sp>
+        </mc:Fallback>
+      </mc:AlternateContent>
+      <p:sp>
+        <p:nvSpPr>
+          <p:cNvPr id="3" name="スライド番号プレースホルダー 2">
+            <a:extLst>
+              <a:ext uri="{FF2B5EF4-FFF2-40B4-BE49-F238E27FC236}">
+                <a16:creationId xmlns:a16="http://schemas.microsoft.com/office/drawing/2014/main" id="{BDF65F71-3EC0-44C7-9EFC-9E9AC9C393B0}"/>
+              </a:ext>
+            </a:extLst>
+          </p:cNvPr>
+          <p:cNvSpPr>
+            <a:spLocks noGrp="1"/>
+          </p:cNvSpPr>
+          <p:nvPr>
+            <p:ph type="sldNum" sz="quarter" idx="12"/>
+          </p:nvPr>
+        </p:nvSpPr>
+        <p:spPr/>
+        <p:txBody>
+          <a:bodyPr/>
+          <a:lstStyle/>
+          <a:p>
+            <a:pPr>
+              <a:defRPr/>
+            </a:pPr>
+            <a:r>
+              <a:rPr lang="en-US" altLang="ja-JP"/>
+              <a:t>    </a:t>
+            </a:r>
+            <a:fld id="{B2782DEB-472A-4FE5-AC34-C17109CF5A91}" type="slidenum">
+              <a:rPr lang="en-US" altLang="ja-JP" smtClean="0"/>
+              <a:pPr>
+                <a:defRPr/>
+              </a:pPr>
+              <a:t>24</a:t>
+            </a:fld>
+            <a:r>
+              <a:rPr lang="en-US" altLang="ja-JP"/>
+              <a:t> / 24</a:t>
+            </a:r>
+          </a:p>
+        </p:txBody>
+      </p:sp>
+      <p:sp>
+        <p:nvSpPr>
+          <p:cNvPr id="4" name="タイトル 3">
+            <a:extLst>
+              <a:ext uri="{FF2B5EF4-FFF2-40B4-BE49-F238E27FC236}">
+                <a16:creationId xmlns:a16="http://schemas.microsoft.com/office/drawing/2014/main" id="{049749D7-5F73-408D-94DF-AD83BA358D92}"/>
+              </a:ext>
+            </a:extLst>
+          </p:cNvPr>
+          <p:cNvSpPr>
+            <a:spLocks noGrp="1"/>
+          </p:cNvSpPr>
+          <p:nvPr>
+            <p:ph type="title"/>
+          </p:nvPr>
+        </p:nvSpPr>
+        <p:spPr/>
+        <p:txBody>
+          <a:bodyPr/>
+          <a:lstStyle/>
+          <a:p>
+            <a:r>
+              <a:rPr kumimoji="1" lang="ja-JP" altLang="en-US"/>
+              <a:t>公開鍵認証</a:t>
+            </a:r>
+          </a:p>
+        </p:txBody>
+      </p:sp>
+      <p:pic>
+        <p:nvPicPr>
+          <p:cNvPr id="6" name="図 5">
+            <a:extLst>
+              <a:ext uri="{FF2B5EF4-FFF2-40B4-BE49-F238E27FC236}">
+                <a16:creationId xmlns:a16="http://schemas.microsoft.com/office/drawing/2014/main" id="{06A1AD90-9059-462E-8B5A-E3A0FDBB7817}"/>
+              </a:ext>
+            </a:extLst>
+          </p:cNvPr>
+          <p:cNvPicPr>
+            <a:picLocks noChangeAspect="1"/>
+          </p:cNvPicPr>
+          <p:nvPr/>
+        </p:nvPicPr>
+        <p:blipFill>
+          <a:blip r:embed="rId3">
+            <a:extLst>
+              <a:ext uri="{28A0092B-C50C-407E-A947-70E740481C1C}">
+                <a14:useLocalDpi xmlns:a14="http://schemas.microsoft.com/office/drawing/2010/main" val="0"/>
+              </a:ext>
+            </a:extLst>
+          </a:blip>
+          <a:stretch>
+            <a:fillRect/>
+          </a:stretch>
+        </p:blipFill>
+        <p:spPr>
+          <a:xfrm>
+            <a:off x="1907704" y="4026794"/>
+            <a:ext cx="4680520" cy="2717156"/>
+          </a:xfrm>
+          <a:prstGeom prst="rect">
+            <a:avLst/>
+          </a:prstGeom>
+        </p:spPr>
+      </p:pic>
+    </p:spTree>
+    <p:extLst>
+      <p:ext uri="{BB962C8B-B14F-4D97-AF65-F5344CB8AC3E}">
+        <p14:creationId xmlns:p14="http://schemas.microsoft.com/office/powerpoint/2010/main" val="2554067259"/>
+      </p:ext>
+    </p:extLst>
+  </p:cSld>
+  <p:clrMapOvr>
+    <a:masterClrMapping/>
+  </p:clrMapOvr>
+</p:sld>
+</file>
+
+<file path=ppt/slides/slide25.xml><?xml version="1.0" encoding="utf-8"?>
+<p:sld xmlns:a="http://schemas.openxmlformats.org/drawingml/2006/main" xmlns:r="http://schemas.openxmlformats.org/officeDocument/2006/relationships" xmlns:p="http://schemas.openxmlformats.org/presentationml/2006/main">
+  <p:cSld>
+    <p:spTree>
+      <p:nvGrpSpPr>
+        <p:cNvPr id="1" name=""/>
+        <p:cNvGrpSpPr/>
+        <p:nvPr/>
+      </p:nvGrpSpPr>
+      <p:grpSpPr>
+        <a:xfrm>
+          <a:off x="0" y="0"/>
+          <a:ext cx="0" cy="0"/>
+          <a:chOff x="0" y="0"/>
+          <a:chExt cx="0" cy="0"/>
+        </a:xfrm>
+      </p:grpSpPr>
+      <p:sp>
+        <p:nvSpPr>
+          <p:cNvPr id="2" name="コンテンツ プレースホルダー 1">
+            <a:extLst>
+              <a:ext uri="{FF2B5EF4-FFF2-40B4-BE49-F238E27FC236}">
+                <a16:creationId xmlns:a16="http://schemas.microsoft.com/office/drawing/2014/main" id="{BA9B96CE-BBCC-44AD-8DD4-C9A18AC52688}"/>
+              </a:ext>
+            </a:extLst>
+          </p:cNvPr>
+          <p:cNvSpPr>
+            <a:spLocks noGrp="1"/>
+          </p:cNvSpPr>
+          <p:nvPr>
+            <p:ph idx="1"/>
+          </p:nvPr>
+        </p:nvSpPr>
+        <p:spPr/>
+        <p:txBody>
+          <a:bodyPr/>
+          <a:lstStyle/>
+          <a:p>
+            <a:r>
+              <a:rPr kumimoji="1" lang="ja-JP" altLang="en-US"/>
+              <a:t>多要素認証を統一的に扱う規格</a:t>
+            </a:r>
+            <a:endParaRPr kumimoji="1" lang="en-US" altLang="ja-JP"/>
+          </a:p>
+          <a:p>
+            <a:pPr lvl="1"/>
+            <a:r>
+              <a:rPr kumimoji="1" lang="ja-JP" altLang="en-US"/>
+              <a:t>認証器</a:t>
+            </a:r>
+            <a:endParaRPr kumimoji="1" lang="en-US" altLang="ja-JP"/>
+          </a:p>
+          <a:p>
+            <a:pPr lvl="2"/>
+            <a:r>
+              <a:rPr lang="ja-JP" altLang="en-US"/>
+              <a:t>指紋・虹彩・静脈・顔などの認証機能</a:t>
+            </a:r>
+            <a:endParaRPr lang="en-US" altLang="ja-JP"/>
+          </a:p>
+          <a:p>
+            <a:pPr lvl="2"/>
+            <a:r>
+              <a:rPr lang="ja-JP" altLang="en-US"/>
+              <a:t>認証用に用いる署名鍵の生成・署名機能</a:t>
+            </a:r>
+            <a:endParaRPr lang="en-US" altLang="ja-JP"/>
+          </a:p>
+          <a:p>
+            <a:pPr lvl="2"/>
+            <a:r>
+              <a:rPr kumimoji="1" lang="en-US" altLang="ja-JP"/>
+              <a:t>FIDO</a:t>
+            </a:r>
+            <a:r>
+              <a:rPr kumimoji="1" lang="ja-JP" altLang="en-US"/>
+              <a:t>アライアンスが認定したことを示す</a:t>
+            </a:r>
+            <a:r>
+              <a:rPr kumimoji="1" lang="en-US" altLang="ja-JP"/>
+              <a:t>attestation</a:t>
+            </a:r>
+          </a:p>
+          <a:p>
+            <a:pPr lvl="3"/>
+            <a:r>
+              <a:rPr kumimoji="1" lang="ja-JP" altLang="en-US"/>
+              <a:t>信頼できる機関</a:t>
+            </a:r>
+            <a:r>
+              <a:rPr kumimoji="1" lang="en-US" altLang="ja-JP"/>
+              <a:t>(FIDO</a:t>
+            </a:r>
+            <a:r>
+              <a:rPr kumimoji="1" lang="ja-JP" altLang="en-US"/>
+              <a:t>サーバ</a:t>
+            </a:r>
+            <a:r>
+              <a:rPr kumimoji="1" lang="en-US" altLang="ja-JP"/>
+              <a:t>)</a:t>
+            </a:r>
+            <a:r>
+              <a:rPr kumimoji="1" lang="ja-JP" altLang="en-US"/>
+              <a:t>の検証鍵で検証</a:t>
+            </a:r>
+            <a:endParaRPr kumimoji="1" lang="en-US" altLang="ja-JP"/>
+          </a:p>
+          <a:p>
+            <a:pPr lvl="1"/>
+            <a:r>
+              <a:rPr lang="en-US" altLang="ja-JP"/>
+              <a:t>WebAuthn (Web Authentication)</a:t>
+            </a:r>
+          </a:p>
+          <a:p>
+            <a:pPr lvl="2"/>
+            <a:r>
+              <a:rPr kumimoji="1" lang="ja-JP" altLang="en-US"/>
+              <a:t>ブラウザで利用しやすい形の標準化</a:t>
+            </a:r>
+            <a:endParaRPr kumimoji="1" lang="en-US" altLang="ja-JP"/>
+          </a:p>
+          <a:p>
+            <a:pPr lvl="1"/>
+            <a:r>
+              <a:rPr kumimoji="1" lang="ja-JP" altLang="en-US"/>
+              <a:t>登場人物</a:t>
+            </a:r>
+            <a:endParaRPr kumimoji="1" lang="en-US" altLang="ja-JP"/>
+          </a:p>
+          <a:p>
+            <a:pPr lvl="2"/>
+            <a:r>
+              <a:rPr kumimoji="1" lang="ja-JP" altLang="en-US"/>
+              <a:t>クライアントアプリ</a:t>
+            </a:r>
+            <a:endParaRPr kumimoji="1" lang="en-US" altLang="ja-JP"/>
+          </a:p>
+          <a:p>
+            <a:pPr lvl="2"/>
+            <a:r>
+              <a:rPr kumimoji="1" lang="ja-JP" altLang="en-US"/>
+              <a:t>認証器</a:t>
+            </a:r>
+            <a:endParaRPr kumimoji="1" lang="en-US" altLang="ja-JP"/>
+          </a:p>
+          <a:p>
+            <a:pPr lvl="2"/>
+            <a:r>
+              <a:rPr kumimoji="1" lang="en-US" altLang="ja-JP"/>
+              <a:t>WebAuth</a:t>
+            </a:r>
+            <a:r>
+              <a:rPr lang="en-US" altLang="ja-JP"/>
+              <a:t>n</a:t>
+            </a:r>
+            <a:r>
+              <a:rPr lang="ja-JP" altLang="en-US"/>
+              <a:t>を利用するサーバ</a:t>
+            </a:r>
+            <a:r>
+              <a:rPr lang="en-US" altLang="ja-JP"/>
+              <a:t>RP (Relying Party)</a:t>
+            </a:r>
+          </a:p>
+          <a:p>
+            <a:pPr lvl="2"/>
+            <a:r>
+              <a:rPr kumimoji="1" lang="en-US" altLang="ja-JP"/>
+              <a:t>FIDO</a:t>
+            </a:r>
+            <a:r>
+              <a:rPr kumimoji="1" lang="ja-JP" altLang="en-US"/>
+              <a:t>サーバ</a:t>
+            </a:r>
+          </a:p>
+        </p:txBody>
+      </p:sp>
+      <p:sp>
+        <p:nvSpPr>
+          <p:cNvPr id="3" name="スライド番号プレースホルダー 2">
+            <a:extLst>
+              <a:ext uri="{FF2B5EF4-FFF2-40B4-BE49-F238E27FC236}">
+                <a16:creationId xmlns:a16="http://schemas.microsoft.com/office/drawing/2014/main" id="{5C6AE677-654E-4911-A815-25B1B094CD49}"/>
+              </a:ext>
+            </a:extLst>
+          </p:cNvPr>
+          <p:cNvSpPr>
+            <a:spLocks noGrp="1"/>
+          </p:cNvSpPr>
+          <p:nvPr>
+            <p:ph type="sldNum" sz="quarter" idx="12"/>
+          </p:nvPr>
+        </p:nvSpPr>
+        <p:spPr/>
+        <p:txBody>
+          <a:bodyPr/>
+          <a:lstStyle/>
+          <a:p>
+            <a:pPr>
+              <a:defRPr/>
+            </a:pPr>
+            <a:r>
+              <a:rPr lang="en-US" altLang="ja-JP"/>
+              <a:t>    </a:t>
+            </a:r>
+            <a:fld id="{B2782DEB-472A-4FE5-AC34-C17109CF5A91}" type="slidenum">
+              <a:rPr lang="en-US" altLang="ja-JP" smtClean="0"/>
+              <a:pPr>
+                <a:defRPr/>
+              </a:pPr>
+              <a:t>25</a:t>
+            </a:fld>
+            <a:r>
+              <a:rPr lang="en-US" altLang="ja-JP"/>
+              <a:t> / 24</a:t>
+            </a:r>
+          </a:p>
+        </p:txBody>
+      </p:sp>
+      <p:sp>
+        <p:nvSpPr>
+          <p:cNvPr id="4" name="タイトル 3">
+            <a:extLst>
+              <a:ext uri="{FF2B5EF4-FFF2-40B4-BE49-F238E27FC236}">
+                <a16:creationId xmlns:a16="http://schemas.microsoft.com/office/drawing/2014/main" id="{8B3A3ED8-0BEE-47E3-BDAE-89AAB3374053}"/>
+              </a:ext>
+            </a:extLst>
+          </p:cNvPr>
+          <p:cNvSpPr>
+            <a:spLocks noGrp="1"/>
+          </p:cNvSpPr>
+          <p:nvPr>
+            <p:ph type="title"/>
+          </p:nvPr>
+        </p:nvSpPr>
+        <p:spPr/>
+        <p:txBody>
+          <a:bodyPr/>
+          <a:lstStyle/>
+          <a:p>
+            <a:r>
+              <a:rPr kumimoji="1" lang="en-US" altLang="ja-JP"/>
+              <a:t>FIDO</a:t>
+            </a:r>
+            <a:endParaRPr kumimoji="1" lang="ja-JP" altLang="en-US"/>
+          </a:p>
+        </p:txBody>
+      </p:sp>
+    </p:spTree>
+    <p:extLst>
+      <p:ext uri="{BB962C8B-B14F-4D97-AF65-F5344CB8AC3E}">
+        <p14:creationId xmlns:p14="http://schemas.microsoft.com/office/powerpoint/2010/main" val="1467870925"/>
+      </p:ext>
+    </p:extLst>
+  </p:cSld>
+  <p:clrMapOvr>
+    <a:masterClrMapping/>
+  </p:clrMapOvr>
+</p:sld>
+</file>
+
+<file path=ppt/slides/slide26.xml><?xml version="1.0" encoding="utf-8"?>
+<p:sld xmlns:a="http://schemas.openxmlformats.org/drawingml/2006/main" xmlns:r="http://schemas.openxmlformats.org/officeDocument/2006/relationships" xmlns:p="http://schemas.openxmlformats.org/presentationml/2006/main">
+  <p:cSld>
+    <p:spTree>
+      <p:nvGrpSpPr>
+        <p:cNvPr id="1" name=""/>
+        <p:cNvGrpSpPr/>
+        <p:nvPr/>
+      </p:nvGrpSpPr>
+      <p:grpSpPr>
+        <a:xfrm>
+          <a:off x="0" y="0"/>
+          <a:ext cx="0" cy="0"/>
+          <a:chOff x="0" y="0"/>
+          <a:chExt cx="0" cy="0"/>
+        </a:xfrm>
+      </p:grpSpPr>
+      <p:sp>
+        <p:nvSpPr>
+          <p:cNvPr id="2" name="コンテンツ プレースホルダー 1">
+            <a:extLst>
+              <a:ext uri="{FF2B5EF4-FFF2-40B4-BE49-F238E27FC236}">
+                <a16:creationId xmlns:a16="http://schemas.microsoft.com/office/drawing/2014/main" id="{98AA3F2B-3D79-4920-886F-1CEBD7E5817A}"/>
+              </a:ext>
+            </a:extLst>
+          </p:cNvPr>
+          <p:cNvSpPr>
+            <a:spLocks noGrp="1"/>
+          </p:cNvSpPr>
+          <p:nvPr>
+            <p:ph idx="1"/>
+          </p:nvPr>
+        </p:nvSpPr>
+        <p:spPr/>
+        <p:txBody>
+          <a:bodyPr/>
+          <a:lstStyle/>
+          <a:p>
+            <a:r>
+              <a:rPr kumimoji="1" lang="en-US" altLang="ja-JP"/>
+              <a:t>WebAuthn</a:t>
+            </a:r>
+            <a:r>
+              <a:rPr kumimoji="1" lang="ja-JP" altLang="en-US"/>
+              <a:t>の登録</a:t>
+            </a:r>
+          </a:p>
+        </p:txBody>
+      </p:sp>
+      <p:sp>
+        <p:nvSpPr>
+          <p:cNvPr id="3" name="スライド番号プレースホルダー 2">
+            <a:extLst>
+              <a:ext uri="{FF2B5EF4-FFF2-40B4-BE49-F238E27FC236}">
+                <a16:creationId xmlns:a16="http://schemas.microsoft.com/office/drawing/2014/main" id="{215DDC56-C56E-434D-A269-451E573396CC}"/>
+              </a:ext>
+            </a:extLst>
+          </p:cNvPr>
+          <p:cNvSpPr>
+            <a:spLocks noGrp="1"/>
+          </p:cNvSpPr>
+          <p:nvPr>
+            <p:ph type="sldNum" sz="quarter" idx="12"/>
+          </p:nvPr>
+        </p:nvSpPr>
+        <p:spPr/>
+        <p:txBody>
+          <a:bodyPr/>
+          <a:lstStyle/>
+          <a:p>
+            <a:pPr>
+              <a:defRPr/>
+            </a:pPr>
+            <a:r>
+              <a:rPr lang="en-US" altLang="ja-JP"/>
+              <a:t>    </a:t>
+            </a:r>
+            <a:fld id="{B2782DEB-472A-4FE5-AC34-C17109CF5A91}" type="slidenum">
+              <a:rPr lang="en-US" altLang="ja-JP" smtClean="0"/>
+              <a:pPr>
+                <a:defRPr/>
+              </a:pPr>
+              <a:t>26</a:t>
+            </a:fld>
+            <a:r>
+              <a:rPr lang="en-US" altLang="ja-JP"/>
+              <a:t> / 24</a:t>
+            </a:r>
+          </a:p>
+        </p:txBody>
+      </p:sp>
+      <p:sp>
+        <p:nvSpPr>
+          <p:cNvPr id="4" name="タイトル 3">
+            <a:extLst>
+              <a:ext uri="{FF2B5EF4-FFF2-40B4-BE49-F238E27FC236}">
+                <a16:creationId xmlns:a16="http://schemas.microsoft.com/office/drawing/2014/main" id="{45018182-764F-4CCC-99B3-E0BBA23B4996}"/>
+              </a:ext>
+            </a:extLst>
+          </p:cNvPr>
+          <p:cNvSpPr>
+            <a:spLocks noGrp="1"/>
+          </p:cNvSpPr>
+          <p:nvPr>
+            <p:ph type="title"/>
+          </p:nvPr>
+        </p:nvSpPr>
+        <p:spPr/>
+        <p:txBody>
+          <a:bodyPr/>
+          <a:lstStyle/>
+          <a:p>
+            <a:r>
+              <a:rPr kumimoji="1" lang="en-US" altLang="ja-JP"/>
+              <a:t>FIDO</a:t>
+            </a:r>
+            <a:r>
+              <a:rPr kumimoji="1" lang="ja-JP" altLang="en-US"/>
+              <a:t>の認証器による署名の検証鍵の登録</a:t>
+            </a:r>
+          </a:p>
+        </p:txBody>
+      </p:sp>
+      <p:pic>
+        <p:nvPicPr>
+          <p:cNvPr id="6" name="図 5">
+            <a:extLst>
+              <a:ext uri="{FF2B5EF4-FFF2-40B4-BE49-F238E27FC236}">
+                <a16:creationId xmlns:a16="http://schemas.microsoft.com/office/drawing/2014/main" id="{888EF091-CB17-47A3-95A9-4130DAEAED67}"/>
+              </a:ext>
+            </a:extLst>
+          </p:cNvPr>
+          <p:cNvPicPr>
+            <a:picLocks noChangeAspect="1"/>
+          </p:cNvPicPr>
+          <p:nvPr/>
+        </p:nvPicPr>
+        <p:blipFill>
+          <a:blip r:embed="rId2">
+            <a:extLst>
+              <a:ext uri="{28A0092B-C50C-407E-A947-70E740481C1C}">
+                <a14:useLocalDpi xmlns:a14="http://schemas.microsoft.com/office/drawing/2010/main" val="0"/>
+              </a:ext>
+            </a:extLst>
+          </a:blip>
+          <a:stretch>
+            <a:fillRect/>
+          </a:stretch>
+        </p:blipFill>
+        <p:spPr>
+          <a:xfrm>
+            <a:off x="467544" y="1412776"/>
+            <a:ext cx="7865238" cy="3888432"/>
+          </a:xfrm>
+          <a:prstGeom prst="rect">
+            <a:avLst/>
+          </a:prstGeom>
+        </p:spPr>
+      </p:pic>
+    </p:spTree>
+    <p:extLst>
+      <p:ext uri="{BB962C8B-B14F-4D97-AF65-F5344CB8AC3E}">
+        <p14:creationId xmlns:p14="http://schemas.microsoft.com/office/powerpoint/2010/main" val="740097055"/>
+      </p:ext>
+    </p:extLst>
+  </p:cSld>
+  <p:clrMapOvr>
+    <a:masterClrMapping/>
+  </p:clrMapOvr>
+</p:sld>
+</file>
+
+<file path=ppt/slides/slide27.xml><?xml version="1.0" encoding="utf-8"?>
+<p:sld xmlns:a="http://schemas.openxmlformats.org/drawingml/2006/main" xmlns:r="http://schemas.openxmlformats.org/officeDocument/2006/relationships" xmlns:p="http://schemas.openxmlformats.org/presentationml/2006/main">
+  <p:cSld>
+    <p:spTree>
+      <p:nvGrpSpPr>
+        <p:cNvPr id="1" name=""/>
+        <p:cNvGrpSpPr/>
+        <p:nvPr/>
+      </p:nvGrpSpPr>
+      <p:grpSpPr>
+        <a:xfrm>
+          <a:off x="0" y="0"/>
+          <a:ext cx="0" cy="0"/>
+          <a:chOff x="0" y="0"/>
+          <a:chExt cx="0" cy="0"/>
+        </a:xfrm>
+      </p:grpSpPr>
+      <p:sp>
+        <p:nvSpPr>
+          <p:cNvPr id="2" name="コンテンツ プレースホルダー 1">
+            <a:extLst>
+              <a:ext uri="{FF2B5EF4-FFF2-40B4-BE49-F238E27FC236}">
+                <a16:creationId xmlns:a16="http://schemas.microsoft.com/office/drawing/2014/main" id="{5D3ECD77-B3DB-4065-9E40-21AD20A96B4C}"/>
+              </a:ext>
+            </a:extLst>
+          </p:cNvPr>
+          <p:cNvSpPr>
+            <a:spLocks noGrp="1"/>
+          </p:cNvSpPr>
+          <p:nvPr>
+            <p:ph idx="1"/>
+          </p:nvPr>
+        </p:nvSpPr>
+        <p:spPr/>
+        <p:txBody>
+          <a:bodyPr/>
+          <a:lstStyle/>
+          <a:p>
+            <a:r>
+              <a:rPr kumimoji="1" lang="en-US" altLang="ja-JP"/>
+              <a:t>Web</a:t>
+            </a:r>
+            <a:r>
+              <a:rPr kumimoji="1" lang="ja-JP" altLang="en-US"/>
+              <a:t>サービスにログインするとき</a:t>
+            </a:r>
+            <a:endParaRPr kumimoji="1" lang="en-US" altLang="ja-JP"/>
+          </a:p>
+          <a:p>
+            <a:endParaRPr lang="en-US" altLang="ja-JP"/>
+          </a:p>
+          <a:p>
+            <a:endParaRPr kumimoji="1" lang="en-US" altLang="ja-JP"/>
+          </a:p>
+          <a:p>
+            <a:endParaRPr lang="en-US" altLang="ja-JP"/>
+          </a:p>
+          <a:p>
+            <a:endParaRPr kumimoji="1" lang="en-US" altLang="ja-JP"/>
+          </a:p>
+          <a:p>
+            <a:endParaRPr lang="en-US" altLang="ja-JP"/>
+          </a:p>
+          <a:p>
+            <a:endParaRPr kumimoji="1" lang="en-US" altLang="ja-JP"/>
+          </a:p>
+          <a:p>
+            <a:endParaRPr lang="en-US" altLang="ja-JP"/>
+          </a:p>
+          <a:p>
+            <a:r>
+              <a:rPr kumimoji="1" lang="ja-JP" altLang="en-US"/>
+              <a:t>サーバが生成したチャレンジに署名</a:t>
+            </a:r>
+            <a:endParaRPr kumimoji="1" lang="en-US" altLang="ja-JP"/>
+          </a:p>
+          <a:p>
+            <a:r>
+              <a:rPr kumimoji="1" lang="ja-JP" altLang="en-US"/>
+              <a:t>登録と認証共に通信経路に秘密情報は流れない</a:t>
+            </a:r>
+            <a:endParaRPr kumimoji="1" lang="en-US" altLang="ja-JP"/>
+          </a:p>
+          <a:p>
+            <a:endParaRPr kumimoji="1" lang="ja-JP" altLang="en-US"/>
+          </a:p>
+        </p:txBody>
+      </p:sp>
+      <p:sp>
+        <p:nvSpPr>
+          <p:cNvPr id="3" name="スライド番号プレースホルダー 2">
+            <a:extLst>
+              <a:ext uri="{FF2B5EF4-FFF2-40B4-BE49-F238E27FC236}">
+                <a16:creationId xmlns:a16="http://schemas.microsoft.com/office/drawing/2014/main" id="{40774B22-942D-4D17-92E8-7CC577B5DF9F}"/>
+              </a:ext>
+            </a:extLst>
+          </p:cNvPr>
+          <p:cNvSpPr>
+            <a:spLocks noGrp="1"/>
+          </p:cNvSpPr>
+          <p:nvPr>
+            <p:ph type="sldNum" sz="quarter" idx="12"/>
+          </p:nvPr>
+        </p:nvSpPr>
+        <p:spPr/>
+        <p:txBody>
+          <a:bodyPr/>
+          <a:lstStyle/>
+          <a:p>
+            <a:pPr>
+              <a:defRPr/>
+            </a:pPr>
+            <a:r>
+              <a:rPr lang="en-US" altLang="ja-JP"/>
+              <a:t>    </a:t>
+            </a:r>
+            <a:fld id="{B2782DEB-472A-4FE5-AC34-C17109CF5A91}" type="slidenum">
+              <a:rPr lang="en-US" altLang="ja-JP" smtClean="0"/>
+              <a:pPr>
+                <a:defRPr/>
+              </a:pPr>
+              <a:t>27</a:t>
+            </a:fld>
+            <a:r>
+              <a:rPr lang="en-US" altLang="ja-JP"/>
+              <a:t> / 24</a:t>
+            </a:r>
+          </a:p>
+        </p:txBody>
+      </p:sp>
+      <p:sp>
+        <p:nvSpPr>
+          <p:cNvPr id="4" name="タイトル 3">
+            <a:extLst>
+              <a:ext uri="{FF2B5EF4-FFF2-40B4-BE49-F238E27FC236}">
+                <a16:creationId xmlns:a16="http://schemas.microsoft.com/office/drawing/2014/main" id="{77A676D7-9E85-4357-9013-27DFBEF7469D}"/>
+              </a:ext>
+            </a:extLst>
+          </p:cNvPr>
+          <p:cNvSpPr>
+            <a:spLocks noGrp="1"/>
+          </p:cNvSpPr>
+          <p:nvPr>
+            <p:ph type="title"/>
+          </p:nvPr>
+        </p:nvSpPr>
+        <p:spPr/>
+        <p:txBody>
+          <a:bodyPr/>
+          <a:lstStyle/>
+          <a:p>
+            <a:r>
+              <a:rPr kumimoji="1" lang="ja-JP" altLang="en-US"/>
+              <a:t>認証</a:t>
+            </a:r>
+          </a:p>
+        </p:txBody>
+      </p:sp>
+      <p:pic>
+        <p:nvPicPr>
+          <p:cNvPr id="6" name="図 5">
+            <a:extLst>
+              <a:ext uri="{FF2B5EF4-FFF2-40B4-BE49-F238E27FC236}">
+                <a16:creationId xmlns:a16="http://schemas.microsoft.com/office/drawing/2014/main" id="{F90E6692-DFFA-4E35-B5F1-7028BAA181C0}"/>
+              </a:ext>
+            </a:extLst>
+          </p:cNvPr>
+          <p:cNvPicPr>
+            <a:picLocks noChangeAspect="1"/>
+          </p:cNvPicPr>
+          <p:nvPr/>
+        </p:nvPicPr>
+        <p:blipFill>
+          <a:blip r:embed="rId2">
+            <a:extLst>
+              <a:ext uri="{28A0092B-C50C-407E-A947-70E740481C1C}">
+                <a14:useLocalDpi xmlns:a14="http://schemas.microsoft.com/office/drawing/2010/main" val="0"/>
+              </a:ext>
+            </a:extLst>
+          </a:blip>
+          <a:stretch>
+            <a:fillRect/>
+          </a:stretch>
+        </p:blipFill>
+        <p:spPr>
+          <a:xfrm>
+            <a:off x="819349" y="1484784"/>
+            <a:ext cx="7056784" cy="3563677"/>
+          </a:xfrm>
+          <a:prstGeom prst="rect">
+            <a:avLst/>
+          </a:prstGeom>
+        </p:spPr>
+      </p:pic>
+    </p:spTree>
+    <p:extLst>
+      <p:ext uri="{BB962C8B-B14F-4D97-AF65-F5344CB8AC3E}">
+        <p14:creationId xmlns:p14="http://schemas.microsoft.com/office/powerpoint/2010/main" val="4204186721"/>
       </p:ext>
     </p:extLst>
   </p:cSld>

--- a/lec/anninbon7.pptx
+++ b/lec/anninbon7.pptx
@@ -5,10 +5,10 @@
     <p:sldMasterId id="2147483706" r:id="rId1"/>
   </p:sldMasterIdLst>
   <p:notesMasterIdLst>
-    <p:notesMasterId r:id="rId29"/>
+    <p:notesMasterId r:id="rId41"/>
   </p:notesMasterIdLst>
   <p:handoutMasterIdLst>
-    <p:handoutMasterId r:id="rId30"/>
+    <p:handoutMasterId r:id="rId42"/>
   </p:handoutMasterIdLst>
   <p:sldIdLst>
     <p:sldId id="552" r:id="rId2"/>
@@ -38,6 +38,18 @@
     <p:sldId id="616" r:id="rId26"/>
     <p:sldId id="617" r:id="rId27"/>
     <p:sldId id="618" r:id="rId28"/>
+    <p:sldId id="619" r:id="rId29"/>
+    <p:sldId id="620" r:id="rId30"/>
+    <p:sldId id="621" r:id="rId31"/>
+    <p:sldId id="622" r:id="rId32"/>
+    <p:sldId id="623" r:id="rId33"/>
+    <p:sldId id="624" r:id="rId34"/>
+    <p:sldId id="625" r:id="rId35"/>
+    <p:sldId id="626" r:id="rId36"/>
+    <p:sldId id="627" r:id="rId37"/>
+    <p:sldId id="628" r:id="rId38"/>
+    <p:sldId id="629" r:id="rId39"/>
+    <p:sldId id="630" r:id="rId40"/>
   </p:sldIdLst>
   <p:sldSz cx="9144000" cy="6858000" type="screen4x3"/>
   <p:notesSz cx="7099300" cy="10234613"/>
@@ -198,6 +210,18 @@
             <p14:sldId id="616"/>
             <p14:sldId id="617"/>
             <p14:sldId id="618"/>
+            <p14:sldId id="619"/>
+            <p14:sldId id="620"/>
+            <p14:sldId id="621"/>
+            <p14:sldId id="622"/>
+            <p14:sldId id="623"/>
+            <p14:sldId id="624"/>
+            <p14:sldId id="625"/>
+            <p14:sldId id="626"/>
+            <p14:sldId id="627"/>
+            <p14:sldId id="628"/>
+            <p14:sldId id="629"/>
+            <p14:sldId id="630"/>
           </p14:sldIdLst>
         </p14:section>
       </p14:sectionLst>
@@ -5537,8 +5561,8 @@
           </a:prstGeom>
         </p:spPr>
       </p:pic>
-      <mc:AlternateContent xmlns:mc="http://schemas.openxmlformats.org/markup-compatibility/2006">
-        <mc:Choice xmlns:a14="http://schemas.microsoft.com/office/drawing/2010/main" Requires="a14">
+      <mc:AlternateContent xmlns:mc="http://schemas.openxmlformats.org/markup-compatibility/2006" xmlns:a14="http://schemas.microsoft.com/office/drawing/2010/main">
+        <mc:Choice Requires="a14">
           <p:sp>
             <p:nvSpPr>
               <p:cNvPr id="2" name="コンテンツ プレースホルダー 1">
@@ -5901,7 +5925,7 @@
             </p:txBody>
           </p:sp>
         </mc:Choice>
-        <mc:Fallback>
+        <mc:Fallback xmlns="">
           <p:sp>
             <p:nvSpPr>
               <p:cNvPr id="2" name="コンテンツ プレースホルダー 1">
@@ -6258,8 +6282,8 @@
           <a:chExt cx="0" cy="0"/>
         </a:xfrm>
       </p:grpSpPr>
-      <mc:AlternateContent xmlns:mc="http://schemas.openxmlformats.org/markup-compatibility/2006">
-        <mc:Choice xmlns:a14="http://schemas.microsoft.com/office/drawing/2010/main" Requires="a14">
+      <mc:AlternateContent xmlns:mc="http://schemas.openxmlformats.org/markup-compatibility/2006" xmlns:a14="http://schemas.microsoft.com/office/drawing/2010/main">
+        <mc:Choice Requires="a14">
           <p:sp>
             <p:nvSpPr>
               <p:cNvPr id="2" name="コンテンツ プレースホルダー 1">
@@ -6332,7 +6356,7 @@
             </p:txBody>
           </p:sp>
         </mc:Choice>
-        <mc:Fallback>
+        <mc:Fallback xmlns="">
           <p:sp>
             <p:nvSpPr>
               <p:cNvPr id="2" name="コンテンツ プレースホルダー 1">
@@ -7384,8 +7408,8 @@
           </a:prstGeom>
         </p:spPr>
       </p:pic>
-      <mc:AlternateContent xmlns:mc="http://schemas.openxmlformats.org/markup-compatibility/2006">
-        <mc:Choice xmlns:a14="http://schemas.microsoft.com/office/drawing/2010/main" Requires="a14">
+      <mc:AlternateContent xmlns:mc="http://schemas.openxmlformats.org/markup-compatibility/2006" xmlns:a14="http://schemas.microsoft.com/office/drawing/2010/main">
+        <mc:Choice Requires="a14">
           <p:sp>
             <p:nvSpPr>
               <p:cNvPr id="2" name="コンテンツ プレースホルダー 1">
@@ -7653,7 +7677,7 @@
             </p:txBody>
           </p:sp>
         </mc:Choice>
-        <mc:Fallback>
+        <mc:Fallback xmlns="">
           <p:sp>
             <p:nvSpPr>
               <p:cNvPr id="2" name="コンテンツ プレースホルダー 1">
@@ -7794,8 +7818,8 @@
           <a:chExt cx="0" cy="0"/>
         </a:xfrm>
       </p:grpSpPr>
-      <mc:AlternateContent xmlns:mc="http://schemas.openxmlformats.org/markup-compatibility/2006">
-        <mc:Choice xmlns:a14="http://schemas.microsoft.com/office/drawing/2010/main" Requires="a14">
+      <mc:AlternateContent xmlns:mc="http://schemas.openxmlformats.org/markup-compatibility/2006" xmlns:a14="http://schemas.microsoft.com/office/drawing/2010/main">
+        <mc:Choice Requires="a14">
           <p:sp>
             <p:nvSpPr>
               <p:cNvPr id="2" name="コンテンツ プレースホルダー 1">
@@ -8012,7 +8036,7 @@
             </p:txBody>
           </p:sp>
         </mc:Choice>
-        <mc:Fallback>
+        <mc:Fallback xmlns="">
           <p:sp>
             <p:nvSpPr>
               <p:cNvPr id="2" name="コンテンツ プレースホルダー 1">
@@ -8803,6 +8827,539 @@
     <p:extLst>
       <p:ext uri="{BB962C8B-B14F-4D97-AF65-F5344CB8AC3E}">
         <p14:creationId xmlns:p14="http://schemas.microsoft.com/office/powerpoint/2010/main" val="4204186721"/>
+      </p:ext>
+    </p:extLst>
+  </p:cSld>
+  <p:clrMapOvr>
+    <a:masterClrMapping/>
+  </p:clrMapOvr>
+</p:sld>
+</file>
+
+<file path=ppt/slides/slide28.xml><?xml version="1.0" encoding="utf-8"?>
+<p:sld xmlns:a="http://schemas.openxmlformats.org/drawingml/2006/main" xmlns:r="http://schemas.openxmlformats.org/officeDocument/2006/relationships" xmlns:p="http://schemas.openxmlformats.org/presentationml/2006/main">
+  <p:cSld>
+    <p:spTree>
+      <p:nvGrpSpPr>
+        <p:cNvPr id="1" name=""/>
+        <p:cNvGrpSpPr/>
+        <p:nvPr/>
+      </p:nvGrpSpPr>
+      <p:grpSpPr>
+        <a:xfrm>
+          <a:off x="0" y="0"/>
+          <a:ext cx="0" cy="0"/>
+          <a:chOff x="0" y="0"/>
+          <a:chExt cx="0" cy="0"/>
+        </a:xfrm>
+      </p:grpSpPr>
+      <p:sp>
+        <p:nvSpPr>
+          <p:cNvPr id="2" name="コンテンツ プレースホルダー 1">
+            <a:extLst>
+              <a:ext uri="{FF2B5EF4-FFF2-40B4-BE49-F238E27FC236}">
+                <a16:creationId xmlns:a16="http://schemas.microsoft.com/office/drawing/2014/main" id="{86B4DD06-6F66-4606-AC39-17499D12B907}"/>
+              </a:ext>
+            </a:extLst>
+          </p:cNvPr>
+          <p:cNvSpPr>
+            <a:spLocks noGrp="1"/>
+          </p:cNvSpPr>
+          <p:nvPr>
+            <p:ph idx="1"/>
+          </p:nvPr>
+        </p:nvSpPr>
+        <p:spPr/>
+        <p:txBody>
+          <a:bodyPr/>
+          <a:lstStyle/>
+          <a:p>
+            <a:r>
+              <a:rPr kumimoji="1" lang="ja-JP" altLang="en-US"/>
+              <a:t>暗号技術を使う装置の動作状況を観察して攻撃する</a:t>
+            </a:r>
+            <a:endParaRPr kumimoji="1" lang="en-US" altLang="ja-JP"/>
+          </a:p>
+          <a:p>
+            <a:pPr lvl="1"/>
+            <a:r>
+              <a:rPr kumimoji="1" lang="ja-JP" altLang="en-US"/>
+              <a:t>電流・時間・音声・電磁波などを利用</a:t>
+            </a:r>
+            <a:endParaRPr kumimoji="1" lang="en-US" altLang="ja-JP"/>
+          </a:p>
+          <a:p>
+            <a:pPr lvl="1"/>
+            <a:r>
+              <a:rPr kumimoji="1" lang="ja-JP" altLang="en-US"/>
+              <a:t>様々な手法が日々提案されている</a:t>
+            </a:r>
+            <a:endParaRPr kumimoji="1" lang="en-US" altLang="ja-JP"/>
+          </a:p>
+          <a:p>
+            <a:pPr lvl="1"/>
+            <a:r>
+              <a:rPr kumimoji="1" lang="ja-JP" altLang="en-US"/>
+              <a:t>いたちごっこ</a:t>
+            </a:r>
+            <a:endParaRPr kumimoji="1" lang="en-US" altLang="ja-JP"/>
+          </a:p>
+          <a:p>
+            <a:pPr lvl="1"/>
+            <a:r>
+              <a:rPr kumimoji="1" lang="ja-JP" altLang="en-US"/>
+              <a:t>ここでは少しだけ例を紹介</a:t>
+            </a:r>
+            <a:endParaRPr kumimoji="1" lang="en-US" altLang="ja-JP"/>
+          </a:p>
+          <a:p>
+            <a:r>
+              <a:rPr kumimoji="1" lang="ja-JP" altLang="en-US"/>
+              <a:t>電力解析攻撃</a:t>
+            </a:r>
+            <a:endParaRPr kumimoji="1" lang="en-US" altLang="ja-JP"/>
+          </a:p>
+          <a:p>
+            <a:pPr lvl="1"/>
+            <a:r>
+              <a:rPr lang="ja-JP" altLang="en-US"/>
+              <a:t>署名・認証などを処理するデバイス</a:t>
+            </a:r>
+            <a:endParaRPr lang="en-US" altLang="ja-JP"/>
+          </a:p>
+          <a:p>
+            <a:pPr lvl="2"/>
+            <a:r>
+              <a:rPr lang="en-US" altLang="ja-JP"/>
+              <a:t>IC</a:t>
+            </a:r>
+            <a:r>
+              <a:rPr lang="ja-JP" altLang="en-US"/>
+              <a:t>カード</a:t>
+            </a:r>
+            <a:r>
+              <a:rPr lang="en-US" altLang="ja-JP"/>
+              <a:t>, FIDO2</a:t>
+            </a:r>
+            <a:r>
+              <a:rPr lang="ja-JP" altLang="en-US"/>
+              <a:t>の認証器</a:t>
+            </a:r>
+            <a:r>
+              <a:rPr lang="en-US" altLang="ja-JP"/>
+              <a:t>, USB</a:t>
+            </a:r>
+            <a:r>
+              <a:rPr lang="ja-JP" altLang="en-US"/>
+              <a:t>型セキュリティトークンなど</a:t>
+            </a:r>
+            <a:endParaRPr lang="en-US" altLang="ja-JP"/>
+          </a:p>
+          <a:p>
+            <a:r>
+              <a:rPr lang="en-US" altLang="ja-JP"/>
+              <a:t>FIPS</a:t>
+            </a:r>
+            <a:r>
+              <a:rPr lang="ja-JP" altLang="en-US"/>
+              <a:t> </a:t>
+            </a:r>
+            <a:r>
+              <a:rPr lang="en-US" altLang="ja-JP"/>
+              <a:t>PUB 140-2 and 3</a:t>
+            </a:r>
+          </a:p>
+          <a:p>
+            <a:pPr lvl="1"/>
+            <a:r>
+              <a:rPr lang="ja-JP" altLang="en-US"/>
+              <a:t>デバイスの耐タンパー性に関する安全要件</a:t>
+            </a:r>
+            <a:endParaRPr lang="en-US" altLang="ja-JP"/>
+          </a:p>
+          <a:p>
+            <a:pPr lvl="2"/>
+            <a:r>
+              <a:rPr lang="ja-JP" altLang="en-US"/>
+              <a:t>攻撃されていることを検知して停止・消去など</a:t>
+            </a:r>
+            <a:endParaRPr lang="en-US" altLang="ja-JP"/>
+          </a:p>
+        </p:txBody>
+      </p:sp>
+      <p:sp>
+        <p:nvSpPr>
+          <p:cNvPr id="3" name="スライド番号プレースホルダー 2">
+            <a:extLst>
+              <a:ext uri="{FF2B5EF4-FFF2-40B4-BE49-F238E27FC236}">
+                <a16:creationId xmlns:a16="http://schemas.microsoft.com/office/drawing/2014/main" id="{558C4F03-2618-4B51-92C0-F2E4BABDC340}"/>
+              </a:ext>
+            </a:extLst>
+          </p:cNvPr>
+          <p:cNvSpPr>
+            <a:spLocks noGrp="1"/>
+          </p:cNvSpPr>
+          <p:nvPr>
+            <p:ph type="sldNum" sz="quarter" idx="12"/>
+          </p:nvPr>
+        </p:nvSpPr>
+        <p:spPr/>
+        <p:txBody>
+          <a:bodyPr/>
+          <a:lstStyle/>
+          <a:p>
+            <a:pPr>
+              <a:defRPr/>
+            </a:pPr>
+            <a:r>
+              <a:rPr lang="en-US" altLang="ja-JP"/>
+              <a:t>    </a:t>
+            </a:r>
+            <a:fld id="{B2782DEB-472A-4FE5-AC34-C17109CF5A91}" type="slidenum">
+              <a:rPr lang="en-US" altLang="ja-JP" smtClean="0"/>
+              <a:pPr>
+                <a:defRPr/>
+              </a:pPr>
+              <a:t>28</a:t>
+            </a:fld>
+            <a:r>
+              <a:rPr lang="en-US" altLang="ja-JP"/>
+              <a:t> / 24</a:t>
+            </a:r>
+          </a:p>
+        </p:txBody>
+      </p:sp>
+      <p:sp>
+        <p:nvSpPr>
+          <p:cNvPr id="4" name="タイトル 3">
+            <a:extLst>
+              <a:ext uri="{FF2B5EF4-FFF2-40B4-BE49-F238E27FC236}">
+                <a16:creationId xmlns:a16="http://schemas.microsoft.com/office/drawing/2014/main" id="{7C3CC0F4-838B-4FE7-9D4B-9661531C2A5B}"/>
+              </a:ext>
+            </a:extLst>
+          </p:cNvPr>
+          <p:cNvSpPr>
+            <a:spLocks noGrp="1"/>
+          </p:cNvSpPr>
+          <p:nvPr>
+            <p:ph type="title"/>
+          </p:nvPr>
+        </p:nvSpPr>
+        <p:spPr/>
+        <p:txBody>
+          <a:bodyPr/>
+          <a:lstStyle/>
+          <a:p>
+            <a:r>
+              <a:rPr kumimoji="1" lang="ja-JP" altLang="en-US"/>
+              <a:t>サイドチャネル攻撃</a:t>
+            </a:r>
+          </a:p>
+        </p:txBody>
+      </p:sp>
+    </p:spTree>
+    <p:extLst>
+      <p:ext uri="{BB962C8B-B14F-4D97-AF65-F5344CB8AC3E}">
+        <p14:creationId xmlns:p14="http://schemas.microsoft.com/office/powerpoint/2010/main" val="3515005497"/>
+      </p:ext>
+    </p:extLst>
+  </p:cSld>
+  <p:clrMapOvr>
+    <a:masterClrMapping/>
+  </p:clrMapOvr>
+</p:sld>
+</file>
+
+<file path=ppt/slides/slide29.xml><?xml version="1.0" encoding="utf-8"?>
+<p:sld xmlns:a="http://schemas.openxmlformats.org/drawingml/2006/main" xmlns:r="http://schemas.openxmlformats.org/officeDocument/2006/relationships" xmlns:p="http://schemas.openxmlformats.org/presentationml/2006/main">
+  <p:cSld>
+    <p:spTree>
+      <p:nvGrpSpPr>
+        <p:cNvPr id="1" name=""/>
+        <p:cNvGrpSpPr/>
+        <p:nvPr/>
+      </p:nvGrpSpPr>
+      <p:grpSpPr>
+        <a:xfrm>
+          <a:off x="0" y="0"/>
+          <a:ext cx="0" cy="0"/>
+          <a:chOff x="0" y="0"/>
+          <a:chExt cx="0" cy="0"/>
+        </a:xfrm>
+      </p:grpSpPr>
+      <mc:AlternateContent xmlns:mc="http://schemas.openxmlformats.org/markup-compatibility/2006">
+        <mc:Choice xmlns:a14="http://schemas.microsoft.com/office/drawing/2010/main" Requires="a14">
+          <p:sp>
+            <p:nvSpPr>
+              <p:cNvPr id="2" name="コンテンツ プレースホルダー 1">
+                <a:extLst>
+                  <a:ext uri="{FF2B5EF4-FFF2-40B4-BE49-F238E27FC236}">
+                    <a16:creationId xmlns:a16="http://schemas.microsoft.com/office/drawing/2014/main" id="{7CE605B7-A9BD-40CB-8097-636D606BAFF0}"/>
+                  </a:ext>
+                </a:extLst>
+              </p:cNvPr>
+              <p:cNvSpPr>
+                <a:spLocks noGrp="1"/>
+              </p:cNvSpPr>
+              <p:nvPr>
+                <p:ph idx="1"/>
+              </p:nvPr>
+            </p:nvSpPr>
+            <p:spPr/>
+            <p:txBody>
+              <a:bodyPr/>
+              <a:lstStyle/>
+              <a:p>
+                <a:r>
+                  <a:rPr kumimoji="1" lang="ja-JP" altLang="en-US"/>
+                  <a:t>秘密鍵</a:t>
+                </a:r>
+                <a14:m>
+                  <m:oMath xmlns:m="http://schemas.openxmlformats.org/officeDocument/2006/math">
+                    <m:r>
+                      <a:rPr kumimoji="1" lang="en-US" altLang="ja-JP" b="0" i="1" smtClean="0">
+                        <a:latin typeface="Cambria Math" panose="02040503050406030204" pitchFamily="18" charset="0"/>
+                      </a:rPr>
+                      <m:t>𝑠</m:t>
+                    </m:r>
+                  </m:oMath>
+                </a14:m>
+                <a:r>
+                  <a:rPr kumimoji="1" lang="ja-JP" altLang="en-US"/>
+                  <a:t>と楕円曲線の点</a:t>
+                </a:r>
+                <a14:m>
+                  <m:oMath xmlns:m="http://schemas.openxmlformats.org/officeDocument/2006/math">
+                    <m:r>
+                      <a:rPr kumimoji="1" lang="en-US" altLang="ja-JP" b="0" i="1" smtClean="0">
+                        <a:latin typeface="Cambria Math" panose="02040503050406030204" pitchFamily="18" charset="0"/>
+                      </a:rPr>
+                      <m:t>𝑃</m:t>
+                    </m:r>
+                  </m:oMath>
+                </a14:m>
+                <a:r>
+                  <a:rPr kumimoji="1" lang="ja-JP" altLang="en-US"/>
+                  <a:t>から</a:t>
+                </a:r>
+                <a14:m>
+                  <m:oMath xmlns:m="http://schemas.openxmlformats.org/officeDocument/2006/math">
+                    <m:r>
+                      <a:rPr kumimoji="1" lang="en-US" altLang="ja-JP" b="0" i="1" smtClean="0">
+                        <a:latin typeface="Cambria Math" panose="02040503050406030204" pitchFamily="18" charset="0"/>
+                      </a:rPr>
+                      <m:t>𝑠𝑃</m:t>
+                    </m:r>
+                  </m:oMath>
+                </a14:m>
+                <a:r>
+                  <a:rPr kumimoji="1" lang="ja-JP" altLang="en-US"/>
+                  <a:t>を計算する場面</a:t>
+                </a:r>
+                <a:endParaRPr kumimoji="1" lang="en-US" altLang="ja-JP"/>
+              </a:p>
+              <a:p>
+                <a:endParaRPr lang="en-US" altLang="ja-JP"/>
+              </a:p>
+              <a:p>
+                <a:endParaRPr kumimoji="1" lang="en-US" altLang="ja-JP"/>
+              </a:p>
+              <a:p>
+                <a:endParaRPr lang="en-US" altLang="ja-JP"/>
+              </a:p>
+              <a:p>
+                <a:endParaRPr kumimoji="1" lang="en-US" altLang="ja-JP"/>
+              </a:p>
+              <a:p>
+                <a:endParaRPr lang="en-US" altLang="ja-JP"/>
+              </a:p>
+              <a:p>
+                <a:endParaRPr kumimoji="1" lang="en-US" altLang="ja-JP"/>
+              </a:p>
+              <a:p>
+                <a:endParaRPr lang="en-US" altLang="ja-JP"/>
+              </a:p>
+              <a:p>
+                <a:endParaRPr kumimoji="1" lang="en-US" altLang="ja-JP"/>
+              </a:p>
+              <a:p>
+                <a:pPr lvl="1"/>
+                <a:r>
+                  <a:rPr kumimoji="1" lang="ja-JP" altLang="en-US"/>
+                  <a:t>デバイスが計算中の電力消費量を計測して秘密鍵</a:t>
+                </a:r>
+                <a14:m>
+                  <m:oMath xmlns:m="http://schemas.openxmlformats.org/officeDocument/2006/math">
+                    <m:r>
+                      <a:rPr kumimoji="1" lang="en-US" altLang="ja-JP" b="0" i="1" smtClean="0">
+                        <a:latin typeface="Cambria Math" panose="02040503050406030204" pitchFamily="18" charset="0"/>
+                      </a:rPr>
+                      <m:t>𝑠</m:t>
+                    </m:r>
+                  </m:oMath>
+                </a14:m>
+                <a:r>
+                  <a:rPr kumimoji="1" lang="ja-JP" altLang="en-US"/>
+                  <a:t>を推測</a:t>
+                </a:r>
+                <a:endParaRPr kumimoji="1" lang="en-US" altLang="ja-JP"/>
+              </a:p>
+              <a:p>
+                <a:endParaRPr kumimoji="1" lang="ja-JP" altLang="en-US"/>
+              </a:p>
+            </p:txBody>
+          </p:sp>
+        </mc:Choice>
+        <mc:Fallback>
+          <p:sp>
+            <p:nvSpPr>
+              <p:cNvPr id="2" name="コンテンツ プレースホルダー 1">
+                <a:extLst>
+                  <a:ext uri="{FF2B5EF4-FFF2-40B4-BE49-F238E27FC236}">
+                    <a16:creationId xmlns:a16="http://schemas.microsoft.com/office/drawing/2014/main" id="{7CE605B7-A9BD-40CB-8097-636D606BAFF0}"/>
+                  </a:ext>
+                </a:extLst>
+              </p:cNvPr>
+              <p:cNvSpPr>
+                <a:spLocks noGrp="1" noRot="1" noChangeAspect="1" noMove="1" noResize="1" noEditPoints="1" noAdjustHandles="1" noChangeArrowheads="1" noChangeShapeType="1" noTextEdit="1"/>
+              </p:cNvSpPr>
+              <p:nvPr>
+                <p:ph idx="1"/>
+              </p:nvPr>
+            </p:nvSpPr>
+            <p:spPr>
+              <a:blipFill>
+                <a:blip r:embed="rId2"/>
+                <a:stretch>
+                  <a:fillRect l="-1200" t="-1038"/>
+                </a:stretch>
+              </a:blipFill>
+            </p:spPr>
+            <p:txBody>
+              <a:bodyPr/>
+              <a:lstStyle/>
+              <a:p>
+                <a:r>
+                  <a:rPr lang="ja-JP" altLang="en-US">
+                    <a:noFill/>
+                  </a:rPr>
+                  <a:t> </a:t>
+                </a:r>
+              </a:p>
+            </p:txBody>
+          </p:sp>
+        </mc:Fallback>
+      </mc:AlternateContent>
+      <p:sp>
+        <p:nvSpPr>
+          <p:cNvPr id="3" name="スライド番号プレースホルダー 2">
+            <a:extLst>
+              <a:ext uri="{FF2B5EF4-FFF2-40B4-BE49-F238E27FC236}">
+                <a16:creationId xmlns:a16="http://schemas.microsoft.com/office/drawing/2014/main" id="{50653DDD-EF0B-4DEE-9DA8-40E2C5904B10}"/>
+              </a:ext>
+            </a:extLst>
+          </p:cNvPr>
+          <p:cNvSpPr>
+            <a:spLocks noGrp="1"/>
+          </p:cNvSpPr>
+          <p:nvPr>
+            <p:ph type="sldNum" sz="quarter" idx="12"/>
+          </p:nvPr>
+        </p:nvSpPr>
+        <p:spPr/>
+        <p:txBody>
+          <a:bodyPr/>
+          <a:lstStyle/>
+          <a:p>
+            <a:pPr>
+              <a:defRPr/>
+            </a:pPr>
+            <a:r>
+              <a:rPr lang="en-US" altLang="ja-JP"/>
+              <a:t>    </a:t>
+            </a:r>
+            <a:fld id="{B2782DEB-472A-4FE5-AC34-C17109CF5A91}" type="slidenum">
+              <a:rPr lang="en-US" altLang="ja-JP" smtClean="0"/>
+              <a:pPr>
+                <a:defRPr/>
+              </a:pPr>
+              <a:t>29</a:t>
+            </a:fld>
+            <a:r>
+              <a:rPr lang="en-US" altLang="ja-JP"/>
+              <a:t> / 24</a:t>
+            </a:r>
+          </a:p>
+        </p:txBody>
+      </p:sp>
+      <p:sp>
+        <p:nvSpPr>
+          <p:cNvPr id="4" name="タイトル 3">
+            <a:extLst>
+              <a:ext uri="{FF2B5EF4-FFF2-40B4-BE49-F238E27FC236}">
+                <a16:creationId xmlns:a16="http://schemas.microsoft.com/office/drawing/2014/main" id="{E89CA64E-E082-4D95-BA2D-145C7C9FAE59}"/>
+              </a:ext>
+            </a:extLst>
+          </p:cNvPr>
+          <p:cNvSpPr>
+            <a:spLocks noGrp="1"/>
+          </p:cNvSpPr>
+          <p:nvPr>
+            <p:ph type="title"/>
+          </p:nvPr>
+        </p:nvSpPr>
+        <p:spPr/>
+        <p:txBody>
+          <a:bodyPr/>
+          <a:lstStyle/>
+          <a:p>
+            <a:r>
+              <a:rPr kumimoji="1" lang="ja-JP" altLang="en-US"/>
+              <a:t>楕円曲線と電力解析攻撃</a:t>
+            </a:r>
+          </a:p>
+        </p:txBody>
+      </p:sp>
+      <p:pic>
+        <p:nvPicPr>
+          <p:cNvPr id="6" name="図 5">
+            <a:extLst>
+              <a:ext uri="{FF2B5EF4-FFF2-40B4-BE49-F238E27FC236}">
+                <a16:creationId xmlns:a16="http://schemas.microsoft.com/office/drawing/2014/main" id="{0BBAEF57-4BF0-4DF8-A5DC-C905E83E21E7}"/>
+              </a:ext>
+            </a:extLst>
+          </p:cNvPr>
+          <p:cNvPicPr>
+            <a:picLocks noChangeAspect="1"/>
+          </p:cNvPicPr>
+          <p:nvPr/>
+        </p:nvPicPr>
+        <p:blipFill>
+          <a:blip r:embed="rId3">
+            <a:extLst>
+              <a:ext uri="{28A0092B-C50C-407E-A947-70E740481C1C}">
+                <a14:useLocalDpi xmlns:a14="http://schemas.microsoft.com/office/drawing/2010/main" val="0"/>
+              </a:ext>
+            </a:extLst>
+          </a:blip>
+          <a:stretch>
+            <a:fillRect/>
+          </a:stretch>
+        </p:blipFill>
+        <p:spPr>
+          <a:xfrm>
+            <a:off x="1115616" y="1268760"/>
+            <a:ext cx="6264696" cy="4150361"/>
+          </a:xfrm>
+          <a:prstGeom prst="rect">
+            <a:avLst/>
+          </a:prstGeom>
+        </p:spPr>
+      </p:pic>
+    </p:spTree>
+    <p:extLst>
+      <p:ext uri="{BB962C8B-B14F-4D97-AF65-F5344CB8AC3E}">
+        <p14:creationId xmlns:p14="http://schemas.microsoft.com/office/powerpoint/2010/main" val="2972997614"/>
       </p:ext>
     </p:extLst>
   </p:cSld>
@@ -9138,6 +9695,2776 @@
     <p:extLst>
       <p:ext uri="{BB962C8B-B14F-4D97-AF65-F5344CB8AC3E}">
         <p14:creationId xmlns:p14="http://schemas.microsoft.com/office/powerpoint/2010/main" val="2441804171"/>
+      </p:ext>
+    </p:extLst>
+  </p:cSld>
+  <p:clrMapOvr>
+    <a:masterClrMapping/>
+  </p:clrMapOvr>
+</p:sld>
+</file>
+
+<file path=ppt/slides/slide30.xml><?xml version="1.0" encoding="utf-8"?>
+<p:sld xmlns:a="http://schemas.openxmlformats.org/drawingml/2006/main" xmlns:r="http://schemas.openxmlformats.org/officeDocument/2006/relationships" xmlns:p="http://schemas.openxmlformats.org/presentationml/2006/main">
+  <p:cSld>
+    <p:spTree>
+      <p:nvGrpSpPr>
+        <p:cNvPr id="1" name=""/>
+        <p:cNvGrpSpPr/>
+        <p:nvPr/>
+      </p:nvGrpSpPr>
+      <p:grpSpPr>
+        <a:xfrm>
+          <a:off x="0" y="0"/>
+          <a:ext cx="0" cy="0"/>
+          <a:chOff x="0" y="0"/>
+          <a:chExt cx="0" cy="0"/>
+        </a:xfrm>
+      </p:grpSpPr>
+      <p:sp>
+        <p:nvSpPr>
+          <p:cNvPr id="2" name="コンテンツ プレースホルダー 1">
+            <a:extLst>
+              <a:ext uri="{FF2B5EF4-FFF2-40B4-BE49-F238E27FC236}">
+                <a16:creationId xmlns:a16="http://schemas.microsoft.com/office/drawing/2014/main" id="{154691B9-6E98-463B-A1AE-AFC8A802A59B}"/>
+              </a:ext>
+            </a:extLst>
+          </p:cNvPr>
+          <p:cNvSpPr>
+            <a:spLocks noGrp="1"/>
+          </p:cNvSpPr>
+          <p:nvPr>
+            <p:ph idx="1"/>
+          </p:nvPr>
+        </p:nvSpPr>
+        <p:spPr/>
+        <p:txBody>
+          <a:bodyPr/>
+          <a:lstStyle/>
+          <a:p>
+            <a:r>
+              <a:rPr kumimoji="1" lang="en-US" altLang="ja-JP"/>
+              <a:t>A Side Journey to Titan, 2021</a:t>
+            </a:r>
+          </a:p>
+          <a:p>
+            <a:pPr lvl="1"/>
+            <a:r>
+              <a:rPr kumimoji="1" lang="en-US" altLang="ja-JP">
+                <a:hlinkClick r:id="rId2"/>
+              </a:rPr>
+              <a:t>https://ninjalab.io/a-side-journey-to-titan/</a:t>
+            </a:r>
+            <a:endParaRPr kumimoji="1" lang="en-US" altLang="ja-JP"/>
+          </a:p>
+          <a:p>
+            <a:pPr lvl="2"/>
+            <a:r>
+              <a:rPr kumimoji="1" lang="ja-JP" altLang="en-US"/>
+              <a:t>以下の画像は上記論文より引用</a:t>
+            </a:r>
+            <a:endParaRPr kumimoji="1" lang="en-US" altLang="ja-JP"/>
+          </a:p>
+          <a:p>
+            <a:pPr lvl="1"/>
+            <a:r>
+              <a:rPr kumimoji="1" lang="ja-JP" altLang="en-US"/>
+              <a:t>装置を分解してチップを抜き出し解析装置に接続</a:t>
+            </a:r>
+            <a:endParaRPr kumimoji="1" lang="en-US" altLang="ja-JP"/>
+          </a:p>
+          <a:p>
+            <a:pPr lvl="2"/>
+            <a:r>
+              <a:rPr kumimoji="1" lang="ja-JP" altLang="en-US"/>
+              <a:t>その状態で何度も署名・検証させる</a:t>
+            </a:r>
+            <a:endParaRPr kumimoji="1" lang="en-US" altLang="ja-JP"/>
+          </a:p>
+          <a:p>
+            <a:pPr lvl="2"/>
+            <a:r>
+              <a:rPr kumimoji="1" lang="ja-JP" altLang="en-US"/>
+              <a:t>サイドチャネル攻撃を想定した実装だけれども波形から</a:t>
+            </a:r>
+            <a:br>
+              <a:rPr kumimoji="1" lang="en-US" altLang="ja-JP"/>
+            </a:br>
+            <a:r>
+              <a:rPr kumimoji="1" lang="ja-JP" altLang="en-US"/>
+              <a:t>機械学習を用いて分析</a:t>
+            </a:r>
+            <a:endParaRPr kumimoji="1" lang="en-US" altLang="ja-JP"/>
+          </a:p>
+        </p:txBody>
+      </p:sp>
+      <p:sp>
+        <p:nvSpPr>
+          <p:cNvPr id="3" name="スライド番号プレースホルダー 2">
+            <a:extLst>
+              <a:ext uri="{FF2B5EF4-FFF2-40B4-BE49-F238E27FC236}">
+                <a16:creationId xmlns:a16="http://schemas.microsoft.com/office/drawing/2014/main" id="{B39E256F-4D41-4D28-92E6-98F775B2D23B}"/>
+              </a:ext>
+            </a:extLst>
+          </p:cNvPr>
+          <p:cNvSpPr>
+            <a:spLocks noGrp="1"/>
+          </p:cNvSpPr>
+          <p:nvPr>
+            <p:ph type="sldNum" sz="quarter" idx="12"/>
+          </p:nvPr>
+        </p:nvSpPr>
+        <p:spPr/>
+        <p:txBody>
+          <a:bodyPr/>
+          <a:lstStyle/>
+          <a:p>
+            <a:pPr>
+              <a:defRPr/>
+            </a:pPr>
+            <a:r>
+              <a:rPr lang="en-US" altLang="ja-JP"/>
+              <a:t>    </a:t>
+            </a:r>
+            <a:fld id="{B2782DEB-472A-4FE5-AC34-C17109CF5A91}" type="slidenum">
+              <a:rPr lang="en-US" altLang="ja-JP" smtClean="0"/>
+              <a:pPr>
+                <a:defRPr/>
+              </a:pPr>
+              <a:t>30</a:t>
+            </a:fld>
+            <a:r>
+              <a:rPr lang="en-US" altLang="ja-JP"/>
+              <a:t> / 24</a:t>
+            </a:r>
+          </a:p>
+        </p:txBody>
+      </p:sp>
+      <p:sp>
+        <p:nvSpPr>
+          <p:cNvPr id="4" name="タイトル 3">
+            <a:extLst>
+              <a:ext uri="{FF2B5EF4-FFF2-40B4-BE49-F238E27FC236}">
+                <a16:creationId xmlns:a16="http://schemas.microsoft.com/office/drawing/2014/main" id="{66073EDF-D98E-4042-8DB9-90849E71902F}"/>
+              </a:ext>
+            </a:extLst>
+          </p:cNvPr>
+          <p:cNvSpPr>
+            <a:spLocks noGrp="1"/>
+          </p:cNvSpPr>
+          <p:nvPr>
+            <p:ph type="title"/>
+          </p:nvPr>
+        </p:nvSpPr>
+        <p:spPr/>
+        <p:txBody>
+          <a:bodyPr/>
+          <a:lstStyle/>
+          <a:p>
+            <a:r>
+              <a:rPr kumimoji="1" lang="en-US" altLang="ja-JP"/>
+              <a:t>Google</a:t>
+            </a:r>
+            <a:r>
+              <a:rPr kumimoji="1" lang="ja-JP" altLang="en-US"/>
+              <a:t>の</a:t>
+            </a:r>
+            <a:r>
+              <a:rPr kumimoji="1" lang="en-US" altLang="ja-JP"/>
+              <a:t>Titan</a:t>
+            </a:r>
+            <a:r>
+              <a:rPr kumimoji="1" lang="ja-JP" altLang="en-US"/>
+              <a:t>セキュリティキー</a:t>
+            </a:r>
+          </a:p>
+        </p:txBody>
+      </p:sp>
+      <p:pic>
+        <p:nvPicPr>
+          <p:cNvPr id="6" name="図 5">
+            <a:extLst>
+              <a:ext uri="{FF2B5EF4-FFF2-40B4-BE49-F238E27FC236}">
+                <a16:creationId xmlns:a16="http://schemas.microsoft.com/office/drawing/2014/main" id="{CFF0D09F-D93D-42AF-88E1-07817319624E}"/>
+              </a:ext>
+            </a:extLst>
+          </p:cNvPr>
+          <p:cNvPicPr>
+            <a:picLocks noChangeAspect="1"/>
+          </p:cNvPicPr>
+          <p:nvPr/>
+        </p:nvPicPr>
+        <p:blipFill>
+          <a:blip r:embed="rId3" cstate="print">
+            <a:extLst>
+              <a:ext uri="{28A0092B-C50C-407E-A947-70E740481C1C}">
+                <a14:useLocalDpi xmlns:a14="http://schemas.microsoft.com/office/drawing/2010/main" val="0"/>
+              </a:ext>
+            </a:extLst>
+          </a:blip>
+          <a:stretch>
+            <a:fillRect/>
+          </a:stretch>
+        </p:blipFill>
+        <p:spPr>
+          <a:xfrm>
+            <a:off x="251520" y="3933056"/>
+            <a:ext cx="4545982" cy="1944216"/>
+          </a:xfrm>
+          <a:prstGeom prst="rect">
+            <a:avLst/>
+          </a:prstGeom>
+        </p:spPr>
+      </p:pic>
+      <p:pic>
+        <p:nvPicPr>
+          <p:cNvPr id="8" name="図 7">
+            <a:extLst>
+              <a:ext uri="{FF2B5EF4-FFF2-40B4-BE49-F238E27FC236}">
+                <a16:creationId xmlns:a16="http://schemas.microsoft.com/office/drawing/2014/main" id="{69206A41-EB76-479A-8137-96D039D1FEFA}"/>
+              </a:ext>
+            </a:extLst>
+          </p:cNvPr>
+          <p:cNvPicPr>
+            <a:picLocks noChangeAspect="1"/>
+          </p:cNvPicPr>
+          <p:nvPr/>
+        </p:nvPicPr>
+        <p:blipFill>
+          <a:blip r:embed="rId4">
+            <a:extLst>
+              <a:ext uri="{28A0092B-C50C-407E-A947-70E740481C1C}">
+                <a14:useLocalDpi xmlns:a14="http://schemas.microsoft.com/office/drawing/2010/main" val="0"/>
+              </a:ext>
+            </a:extLst>
+          </a:blip>
+          <a:stretch>
+            <a:fillRect/>
+          </a:stretch>
+        </p:blipFill>
+        <p:spPr>
+          <a:xfrm>
+            <a:off x="4388827" y="3934009"/>
+            <a:ext cx="4712229" cy="2273214"/>
+          </a:xfrm>
+          <a:prstGeom prst="rect">
+            <a:avLst/>
+          </a:prstGeom>
+        </p:spPr>
+      </p:pic>
+    </p:spTree>
+    <p:extLst>
+      <p:ext uri="{BB962C8B-B14F-4D97-AF65-F5344CB8AC3E}">
+        <p14:creationId xmlns:p14="http://schemas.microsoft.com/office/powerpoint/2010/main" val="2535114404"/>
+      </p:ext>
+    </p:extLst>
+  </p:cSld>
+  <p:clrMapOvr>
+    <a:masterClrMapping/>
+  </p:clrMapOvr>
+</p:sld>
+</file>
+
+<file path=ppt/slides/slide31.xml><?xml version="1.0" encoding="utf-8"?>
+<p:sld xmlns:a="http://schemas.openxmlformats.org/drawingml/2006/main" xmlns:r="http://schemas.openxmlformats.org/officeDocument/2006/relationships" xmlns:p="http://schemas.openxmlformats.org/presentationml/2006/main">
+  <p:cSld>
+    <p:spTree>
+      <p:nvGrpSpPr>
+        <p:cNvPr id="1" name=""/>
+        <p:cNvGrpSpPr/>
+        <p:nvPr/>
+      </p:nvGrpSpPr>
+      <p:grpSpPr>
+        <a:xfrm>
+          <a:off x="0" y="0"/>
+          <a:ext cx="0" cy="0"/>
+          <a:chOff x="0" y="0"/>
+          <a:chExt cx="0" cy="0"/>
+        </a:xfrm>
+      </p:grpSpPr>
+      <p:pic>
+        <p:nvPicPr>
+          <p:cNvPr id="6" name="図 5">
+            <a:extLst>
+              <a:ext uri="{FF2B5EF4-FFF2-40B4-BE49-F238E27FC236}">
+                <a16:creationId xmlns:a16="http://schemas.microsoft.com/office/drawing/2014/main" id="{ACE161F9-9A6F-4C1D-A83B-C36297FB278F}"/>
+              </a:ext>
+            </a:extLst>
+          </p:cNvPr>
+          <p:cNvPicPr>
+            <a:picLocks noChangeAspect="1"/>
+          </p:cNvPicPr>
+          <p:nvPr/>
+        </p:nvPicPr>
+        <p:blipFill>
+          <a:blip r:embed="rId2">
+            <a:extLst>
+              <a:ext uri="{28A0092B-C50C-407E-A947-70E740481C1C}">
+                <a14:useLocalDpi xmlns:a14="http://schemas.microsoft.com/office/drawing/2010/main" val="0"/>
+              </a:ext>
+            </a:extLst>
+          </a:blip>
+          <a:stretch>
+            <a:fillRect/>
+          </a:stretch>
+        </p:blipFill>
+        <p:spPr>
+          <a:xfrm>
+            <a:off x="1331640" y="2276872"/>
+            <a:ext cx="5832648" cy="1842273"/>
+          </a:xfrm>
+          <a:prstGeom prst="rect">
+            <a:avLst/>
+          </a:prstGeom>
+        </p:spPr>
+      </p:pic>
+      <p:sp>
+        <p:nvSpPr>
+          <p:cNvPr id="2" name="コンテンツ プレースホルダー 1">
+            <a:extLst>
+              <a:ext uri="{FF2B5EF4-FFF2-40B4-BE49-F238E27FC236}">
+                <a16:creationId xmlns:a16="http://schemas.microsoft.com/office/drawing/2014/main" id="{8C5308CA-7481-492B-B504-0209C8535519}"/>
+              </a:ext>
+            </a:extLst>
+          </p:cNvPr>
+          <p:cNvSpPr>
+            <a:spLocks noGrp="1"/>
+          </p:cNvSpPr>
+          <p:nvPr>
+            <p:ph idx="1"/>
+          </p:nvPr>
+        </p:nvSpPr>
+        <p:spPr/>
+        <p:txBody>
+          <a:bodyPr/>
+          <a:lstStyle/>
+          <a:p>
+            <a:r>
+              <a:rPr kumimoji="1" lang="ja-JP" altLang="en-US"/>
+              <a:t>コンピュータのメモリ</a:t>
+            </a:r>
+            <a:endParaRPr kumimoji="1" lang="en-US" altLang="ja-JP"/>
+          </a:p>
+          <a:p>
+            <a:pPr lvl="1"/>
+            <a:r>
+              <a:rPr kumimoji="1" lang="ja-JP" altLang="en-US"/>
+              <a:t>電源を切っても数秒は内容を保持している特性</a:t>
+            </a:r>
+            <a:endParaRPr kumimoji="1" lang="en-US" altLang="ja-JP"/>
+          </a:p>
+          <a:p>
+            <a:pPr lvl="1"/>
+            <a:r>
+              <a:rPr kumimoji="1" lang="ja-JP" altLang="en-US"/>
+              <a:t>メモリを一気に冷却するとその保持期間を延ばせる</a:t>
+            </a:r>
+            <a:endParaRPr kumimoji="1" lang="en-US" altLang="ja-JP"/>
+          </a:p>
+          <a:p>
+            <a:pPr lvl="1"/>
+            <a:r>
+              <a:rPr kumimoji="1" lang="ja-JP" altLang="en-US"/>
+              <a:t>ノイズを含んだ状態から秘密鍵を復元する研究</a:t>
+            </a:r>
+            <a:endParaRPr kumimoji="1" lang="en-US" altLang="ja-JP"/>
+          </a:p>
+          <a:p>
+            <a:pPr lvl="1"/>
+            <a:endParaRPr lang="en-US" altLang="ja-JP"/>
+          </a:p>
+          <a:p>
+            <a:pPr lvl="1"/>
+            <a:endParaRPr kumimoji="1" lang="en-US" altLang="ja-JP"/>
+          </a:p>
+          <a:p>
+            <a:pPr lvl="1"/>
+            <a:endParaRPr lang="en-US" altLang="ja-JP"/>
+          </a:p>
+          <a:p>
+            <a:r>
+              <a:rPr kumimoji="1" lang="en-US" altLang="ja-JP"/>
+              <a:t>F-Secure</a:t>
+            </a:r>
+            <a:r>
+              <a:rPr kumimoji="1" lang="ja-JP" altLang="en-US"/>
+              <a:t>の攻撃 </a:t>
+            </a:r>
+            <a:r>
+              <a:rPr kumimoji="1" lang="en-US" altLang="ja-JP"/>
+              <a:t>2018</a:t>
+            </a:r>
+          </a:p>
+          <a:p>
+            <a:pPr lvl="1"/>
+            <a:r>
+              <a:rPr lang="en-US" altLang="ja-JP"/>
+              <a:t>BitLocker</a:t>
+            </a:r>
+            <a:r>
+              <a:rPr lang="ja-JP" altLang="en-US"/>
+              <a:t>で暗号化されたノート</a:t>
+            </a:r>
+            <a:r>
+              <a:rPr lang="en-US" altLang="ja-JP"/>
+              <a:t>PC</a:t>
+            </a:r>
+          </a:p>
+          <a:p>
+            <a:pPr lvl="1"/>
+            <a:r>
+              <a:rPr kumimoji="1" lang="ja-JP" altLang="en-US"/>
+              <a:t>スリープ状態の</a:t>
+            </a:r>
+            <a:r>
+              <a:rPr kumimoji="1" lang="en-US" altLang="ja-JP"/>
+              <a:t>PC</a:t>
+            </a:r>
+            <a:r>
+              <a:rPr kumimoji="1" lang="ja-JP" altLang="en-US"/>
+              <a:t>のふたを開けてメモリを冷却</a:t>
+            </a:r>
+            <a:endParaRPr kumimoji="1" lang="en-US" altLang="ja-JP"/>
+          </a:p>
+          <a:p>
+            <a:pPr lvl="1"/>
+            <a:r>
+              <a:rPr lang="en-US" altLang="ja-JP"/>
+              <a:t>BIOS</a:t>
+            </a:r>
+            <a:r>
+              <a:rPr lang="ja-JP" altLang="en-US"/>
+              <a:t>で保護されていない部分を変更して</a:t>
+            </a:r>
+            <a:br>
+              <a:rPr lang="en-US" altLang="ja-JP"/>
+            </a:br>
+            <a:r>
+              <a:rPr lang="ja-JP" altLang="en-US"/>
+              <a:t>メモリをクリアさせないようにする</a:t>
+            </a:r>
+            <a:endParaRPr kumimoji="1" lang="en-US" altLang="ja-JP"/>
+          </a:p>
+          <a:p>
+            <a:pPr lvl="1"/>
+            <a:r>
+              <a:rPr lang="ja-JP" altLang="en-US"/>
+              <a:t>攻撃用</a:t>
+            </a:r>
+            <a:r>
+              <a:rPr lang="en-US" altLang="ja-JP"/>
+              <a:t>USB</a:t>
+            </a:r>
+            <a:r>
+              <a:rPr lang="ja-JP" altLang="en-US"/>
+              <a:t>メモリを差してリブートして秘密情報を探索</a:t>
+            </a:r>
+            <a:endParaRPr lang="en-US" altLang="ja-JP"/>
+          </a:p>
+        </p:txBody>
+      </p:sp>
+      <p:sp>
+        <p:nvSpPr>
+          <p:cNvPr id="3" name="スライド番号プレースホルダー 2">
+            <a:extLst>
+              <a:ext uri="{FF2B5EF4-FFF2-40B4-BE49-F238E27FC236}">
+                <a16:creationId xmlns:a16="http://schemas.microsoft.com/office/drawing/2014/main" id="{AE0FA587-DD2E-47BB-B319-18D8E817D659}"/>
+              </a:ext>
+            </a:extLst>
+          </p:cNvPr>
+          <p:cNvSpPr>
+            <a:spLocks noGrp="1"/>
+          </p:cNvSpPr>
+          <p:nvPr>
+            <p:ph type="sldNum" sz="quarter" idx="12"/>
+          </p:nvPr>
+        </p:nvSpPr>
+        <p:spPr/>
+        <p:txBody>
+          <a:bodyPr/>
+          <a:lstStyle/>
+          <a:p>
+            <a:pPr>
+              <a:defRPr/>
+            </a:pPr>
+            <a:r>
+              <a:rPr lang="en-US" altLang="ja-JP"/>
+              <a:t>    </a:t>
+            </a:r>
+            <a:fld id="{B2782DEB-472A-4FE5-AC34-C17109CF5A91}" type="slidenum">
+              <a:rPr lang="en-US" altLang="ja-JP" smtClean="0"/>
+              <a:pPr>
+                <a:defRPr/>
+              </a:pPr>
+              <a:t>31</a:t>
+            </a:fld>
+            <a:r>
+              <a:rPr lang="en-US" altLang="ja-JP"/>
+              <a:t> / 24</a:t>
+            </a:r>
+          </a:p>
+        </p:txBody>
+      </p:sp>
+      <p:sp>
+        <p:nvSpPr>
+          <p:cNvPr id="4" name="タイトル 3">
+            <a:extLst>
+              <a:ext uri="{FF2B5EF4-FFF2-40B4-BE49-F238E27FC236}">
+                <a16:creationId xmlns:a16="http://schemas.microsoft.com/office/drawing/2014/main" id="{04C12454-10E9-4E66-A0A7-A311B7F11A43}"/>
+              </a:ext>
+            </a:extLst>
+          </p:cNvPr>
+          <p:cNvSpPr>
+            <a:spLocks noGrp="1"/>
+          </p:cNvSpPr>
+          <p:nvPr>
+            <p:ph type="title"/>
+          </p:nvPr>
+        </p:nvSpPr>
+        <p:spPr/>
+        <p:txBody>
+          <a:bodyPr/>
+          <a:lstStyle/>
+          <a:p>
+            <a:r>
+              <a:rPr kumimoji="1" lang="ja-JP" altLang="en-US"/>
+              <a:t>コードルド・ブート攻撃</a:t>
+            </a:r>
+          </a:p>
+        </p:txBody>
+      </p:sp>
+    </p:spTree>
+    <p:extLst>
+      <p:ext uri="{BB962C8B-B14F-4D97-AF65-F5344CB8AC3E}">
+        <p14:creationId xmlns:p14="http://schemas.microsoft.com/office/powerpoint/2010/main" val="630752875"/>
+      </p:ext>
+    </p:extLst>
+  </p:cSld>
+  <p:clrMapOvr>
+    <a:masterClrMapping/>
+  </p:clrMapOvr>
+</p:sld>
+</file>
+
+<file path=ppt/slides/slide32.xml><?xml version="1.0" encoding="utf-8"?>
+<p:sld xmlns:a="http://schemas.openxmlformats.org/drawingml/2006/main" xmlns:r="http://schemas.openxmlformats.org/officeDocument/2006/relationships" xmlns:p="http://schemas.openxmlformats.org/presentationml/2006/main">
+  <p:cSld>
+    <p:spTree>
+      <p:nvGrpSpPr>
+        <p:cNvPr id="1" name=""/>
+        <p:cNvGrpSpPr/>
+        <p:nvPr/>
+      </p:nvGrpSpPr>
+      <p:grpSpPr>
+        <a:xfrm>
+          <a:off x="0" y="0"/>
+          <a:ext cx="0" cy="0"/>
+          <a:chOff x="0" y="0"/>
+          <a:chExt cx="0" cy="0"/>
+        </a:xfrm>
+      </p:grpSpPr>
+      <p:sp>
+        <p:nvSpPr>
+          <p:cNvPr id="2" name="コンテンツ プレースホルダー 1">
+            <a:extLst>
+              <a:ext uri="{FF2B5EF4-FFF2-40B4-BE49-F238E27FC236}">
+                <a16:creationId xmlns:a16="http://schemas.microsoft.com/office/drawing/2014/main" id="{21238AEA-C5FD-4E8F-A815-A09A00E7298E}"/>
+              </a:ext>
+            </a:extLst>
+          </p:cNvPr>
+          <p:cNvSpPr>
+            <a:spLocks noGrp="1"/>
+          </p:cNvSpPr>
+          <p:nvPr>
+            <p:ph idx="1"/>
+          </p:nvPr>
+        </p:nvSpPr>
+        <p:spPr/>
+        <p:txBody>
+          <a:bodyPr/>
+          <a:lstStyle/>
+          <a:p>
+            <a:r>
+              <a:rPr kumimoji="1" lang="ja-JP" altLang="en-US"/>
+              <a:t>正しい署名は署名鍵を持つ本人</a:t>
+            </a:r>
+            <a:r>
+              <a:rPr kumimoji="1" lang="en-US" altLang="ja-JP"/>
+              <a:t>(</a:t>
+            </a:r>
+            <a:r>
+              <a:rPr kumimoji="1" lang="ja-JP" altLang="en-US"/>
+              <a:t>アリス</a:t>
+            </a:r>
+            <a:r>
+              <a:rPr kumimoji="1" lang="en-US" altLang="ja-JP"/>
+              <a:t>)</a:t>
+            </a:r>
+            <a:r>
+              <a:rPr kumimoji="1" lang="ja-JP" altLang="en-US"/>
+              <a:t>しか作れない</a:t>
+            </a:r>
+            <a:endParaRPr kumimoji="1" lang="en-US" altLang="ja-JP"/>
+          </a:p>
+          <a:p>
+            <a:pPr lvl="1"/>
+            <a:r>
+              <a:rPr kumimoji="1" lang="ja-JP" altLang="en-US"/>
+              <a:t>署名は否認防止機能を持つ</a:t>
+            </a:r>
+            <a:endParaRPr kumimoji="1" lang="en-US" altLang="ja-JP"/>
+          </a:p>
+          <a:p>
+            <a:pPr lvl="1"/>
+            <a:r>
+              <a:rPr kumimoji="1" lang="ja-JP" altLang="en-US"/>
+              <a:t>アリスが意図的に署名鍵を漏洩させて署名を無効化</a:t>
+            </a:r>
+            <a:endParaRPr kumimoji="1" lang="en-US" altLang="ja-JP"/>
+          </a:p>
+          <a:p>
+            <a:pPr lvl="1"/>
+            <a:endParaRPr lang="en-US" altLang="ja-JP"/>
+          </a:p>
+          <a:p>
+            <a:pPr lvl="1"/>
+            <a:endParaRPr kumimoji="1" lang="en-US" altLang="ja-JP"/>
+          </a:p>
+          <a:p>
+            <a:pPr marL="0" indent="0">
+              <a:buNone/>
+            </a:pPr>
+            <a:r>
+              <a:rPr lang="ja-JP" altLang="en-US" sz="2000"/>
+              <a:t>    時間軸</a:t>
+            </a:r>
+            <a:endParaRPr lang="en-US" altLang="ja-JP"/>
+          </a:p>
+          <a:p>
+            <a:pPr lvl="1"/>
+            <a:endParaRPr kumimoji="1" lang="en-US" altLang="ja-JP"/>
+          </a:p>
+          <a:p>
+            <a:pPr lvl="1"/>
+            <a:endParaRPr lang="en-US" altLang="ja-JP"/>
+          </a:p>
+          <a:p>
+            <a:pPr lvl="1"/>
+            <a:endParaRPr kumimoji="1" lang="en-US" altLang="ja-JP"/>
+          </a:p>
+          <a:p>
+            <a:pPr lvl="1"/>
+            <a:endParaRPr lang="en-US" altLang="ja-JP"/>
+          </a:p>
+          <a:p>
+            <a:pPr lvl="1"/>
+            <a:endParaRPr kumimoji="1" lang="en-US" altLang="ja-JP"/>
+          </a:p>
+          <a:p>
+            <a:pPr lvl="1"/>
+            <a:endParaRPr lang="en-US" altLang="ja-JP"/>
+          </a:p>
+          <a:p>
+            <a:r>
+              <a:rPr kumimoji="1" lang="ja-JP" altLang="en-US"/>
+              <a:t>署名に時刻を関連づけさせる必要</a:t>
+            </a:r>
+          </a:p>
+        </p:txBody>
+      </p:sp>
+      <p:sp>
+        <p:nvSpPr>
+          <p:cNvPr id="3" name="スライド番号プレースホルダー 2">
+            <a:extLst>
+              <a:ext uri="{FF2B5EF4-FFF2-40B4-BE49-F238E27FC236}">
+                <a16:creationId xmlns:a16="http://schemas.microsoft.com/office/drawing/2014/main" id="{5435B30C-DA83-4204-98FE-EED861E46189}"/>
+              </a:ext>
+            </a:extLst>
+          </p:cNvPr>
+          <p:cNvSpPr>
+            <a:spLocks noGrp="1"/>
+          </p:cNvSpPr>
+          <p:nvPr>
+            <p:ph type="sldNum" sz="quarter" idx="12"/>
+          </p:nvPr>
+        </p:nvSpPr>
+        <p:spPr/>
+        <p:txBody>
+          <a:bodyPr/>
+          <a:lstStyle/>
+          <a:p>
+            <a:pPr>
+              <a:defRPr/>
+            </a:pPr>
+            <a:r>
+              <a:rPr lang="en-US" altLang="ja-JP"/>
+              <a:t>    </a:t>
+            </a:r>
+            <a:fld id="{B2782DEB-472A-4FE5-AC34-C17109CF5A91}" type="slidenum">
+              <a:rPr lang="en-US" altLang="ja-JP" smtClean="0"/>
+              <a:pPr>
+                <a:defRPr/>
+              </a:pPr>
+              <a:t>32</a:t>
+            </a:fld>
+            <a:r>
+              <a:rPr lang="en-US" altLang="ja-JP"/>
+              <a:t> / 24</a:t>
+            </a:r>
+          </a:p>
+        </p:txBody>
+      </p:sp>
+      <p:sp>
+        <p:nvSpPr>
+          <p:cNvPr id="4" name="タイトル 3">
+            <a:extLst>
+              <a:ext uri="{FF2B5EF4-FFF2-40B4-BE49-F238E27FC236}">
+                <a16:creationId xmlns:a16="http://schemas.microsoft.com/office/drawing/2014/main" id="{820B388F-FFC4-4A58-A091-EE9D4A43E9FD}"/>
+              </a:ext>
+            </a:extLst>
+          </p:cNvPr>
+          <p:cNvSpPr>
+            <a:spLocks noGrp="1"/>
+          </p:cNvSpPr>
+          <p:nvPr>
+            <p:ph type="title"/>
+          </p:nvPr>
+        </p:nvSpPr>
+        <p:spPr/>
+        <p:txBody>
+          <a:bodyPr/>
+          <a:lstStyle/>
+          <a:p>
+            <a:r>
+              <a:rPr kumimoji="1" lang="ja-JP" altLang="en-US"/>
+              <a:t>否認防止と署名の失効</a:t>
+            </a:r>
+          </a:p>
+        </p:txBody>
+      </p:sp>
+      <p:pic>
+        <p:nvPicPr>
+          <p:cNvPr id="6" name="図 5">
+            <a:extLst>
+              <a:ext uri="{FF2B5EF4-FFF2-40B4-BE49-F238E27FC236}">
+                <a16:creationId xmlns:a16="http://schemas.microsoft.com/office/drawing/2014/main" id="{DBB6F3DC-26BB-4A80-A547-0A2C96207049}"/>
+              </a:ext>
+            </a:extLst>
+          </p:cNvPr>
+          <p:cNvPicPr>
+            <a:picLocks noChangeAspect="1"/>
+          </p:cNvPicPr>
+          <p:nvPr/>
+        </p:nvPicPr>
+        <p:blipFill>
+          <a:blip r:embed="rId2">
+            <a:extLst>
+              <a:ext uri="{28A0092B-C50C-407E-A947-70E740481C1C}">
+                <a14:useLocalDpi xmlns:a14="http://schemas.microsoft.com/office/drawing/2010/main" val="0"/>
+              </a:ext>
+            </a:extLst>
+          </a:blip>
+          <a:stretch>
+            <a:fillRect/>
+          </a:stretch>
+        </p:blipFill>
+        <p:spPr>
+          <a:xfrm>
+            <a:off x="1115616" y="2276872"/>
+            <a:ext cx="6793207" cy="3600400"/>
+          </a:xfrm>
+          <a:prstGeom prst="rect">
+            <a:avLst/>
+          </a:prstGeom>
+        </p:spPr>
+      </p:pic>
+      <p:cxnSp>
+        <p:nvCxnSpPr>
+          <p:cNvPr id="8" name="直線矢印コネクタ 7">
+            <a:extLst>
+              <a:ext uri="{FF2B5EF4-FFF2-40B4-BE49-F238E27FC236}">
+                <a16:creationId xmlns:a16="http://schemas.microsoft.com/office/drawing/2014/main" id="{F8FA2B68-703B-4B04-BF37-20303F6798AA}"/>
+              </a:ext>
+            </a:extLst>
+          </p:cNvPr>
+          <p:cNvCxnSpPr/>
+          <p:nvPr/>
+        </p:nvCxnSpPr>
+        <p:spPr>
+          <a:xfrm>
+            <a:off x="323528" y="2564904"/>
+            <a:ext cx="0" cy="2736304"/>
+          </a:xfrm>
+          <a:prstGeom prst="straightConnector1">
+            <a:avLst/>
+          </a:prstGeom>
+          <a:ln w="22225">
+            <a:tailEnd type="triangle"/>
+          </a:ln>
+        </p:spPr>
+        <p:style>
+          <a:lnRef idx="1">
+            <a:schemeClr val="dk1"/>
+          </a:lnRef>
+          <a:fillRef idx="0">
+            <a:schemeClr val="dk1"/>
+          </a:fillRef>
+          <a:effectRef idx="0">
+            <a:schemeClr val="dk1"/>
+          </a:effectRef>
+          <a:fontRef idx="minor">
+            <a:schemeClr val="tx1"/>
+          </a:fontRef>
+        </p:style>
+      </p:cxnSp>
+    </p:spTree>
+    <p:extLst>
+      <p:ext uri="{BB962C8B-B14F-4D97-AF65-F5344CB8AC3E}">
+        <p14:creationId xmlns:p14="http://schemas.microsoft.com/office/powerpoint/2010/main" val="3455905537"/>
+      </p:ext>
+    </p:extLst>
+  </p:cSld>
+  <p:clrMapOvr>
+    <a:masterClrMapping/>
+  </p:clrMapOvr>
+</p:sld>
+</file>
+
+<file path=ppt/slides/slide33.xml><?xml version="1.0" encoding="utf-8"?>
+<p:sld xmlns:a="http://schemas.openxmlformats.org/drawingml/2006/main" xmlns:r="http://schemas.openxmlformats.org/officeDocument/2006/relationships" xmlns:p="http://schemas.openxmlformats.org/presentationml/2006/main">
+  <p:cSld>
+    <p:spTree>
+      <p:nvGrpSpPr>
+        <p:cNvPr id="1" name=""/>
+        <p:cNvGrpSpPr/>
+        <p:nvPr/>
+      </p:nvGrpSpPr>
+      <p:grpSpPr>
+        <a:xfrm>
+          <a:off x="0" y="0"/>
+          <a:ext cx="0" cy="0"/>
+          <a:chOff x="0" y="0"/>
+          <a:chExt cx="0" cy="0"/>
+        </a:xfrm>
+      </p:grpSpPr>
+      <mc:AlternateContent xmlns:mc="http://schemas.openxmlformats.org/markup-compatibility/2006">
+        <mc:Choice xmlns:a14="http://schemas.microsoft.com/office/drawing/2010/main" Requires="a14">
+          <p:sp>
+            <p:nvSpPr>
+              <p:cNvPr id="2" name="コンテンツ プレースホルダー 1">
+                <a:extLst>
+                  <a:ext uri="{FF2B5EF4-FFF2-40B4-BE49-F238E27FC236}">
+                    <a16:creationId xmlns:a16="http://schemas.microsoft.com/office/drawing/2014/main" id="{1EA66696-381F-4053-8281-C1C28482025B}"/>
+                  </a:ext>
+                </a:extLst>
+              </p:cNvPr>
+              <p:cNvSpPr>
+                <a:spLocks noGrp="1"/>
+              </p:cNvSpPr>
+              <p:nvPr>
+                <p:ph idx="1"/>
+              </p:nvPr>
+            </p:nvSpPr>
+            <p:spPr/>
+            <p:txBody>
+              <a:bodyPr/>
+              <a:lstStyle/>
+              <a:p>
+                <a:r>
+                  <a:rPr lang="ja-JP" altLang="en-US"/>
+                  <a:t>タイムスタンプ </a:t>
+                </a:r>
+                <a:r>
+                  <a:rPr lang="en-US" altLang="ja-JP"/>
+                  <a:t>Haber, Stornetta, 1990</a:t>
+                </a:r>
+              </a:p>
+              <a:p>
+                <a:pPr lvl="1"/>
+                <a:r>
+                  <a:rPr kumimoji="1" lang="ja-JP" altLang="en-US"/>
+                  <a:t>あるとき確かにあるデータが存在したことを示す</a:t>
+                </a:r>
+                <a:endParaRPr kumimoji="1" lang="en-US" altLang="ja-JP"/>
+              </a:p>
+              <a:p>
+                <a:pPr lvl="1"/>
+                <a:r>
+                  <a:rPr kumimoji="1" lang="ja-JP" altLang="en-US"/>
+                  <a:t>ハッシュ関数</a:t>
+                </a:r>
+                <a14:m>
+                  <m:oMath xmlns:m="http://schemas.openxmlformats.org/officeDocument/2006/math">
+                    <m:r>
+                      <a:rPr kumimoji="1" lang="en-US" altLang="ja-JP" b="0" i="1" smtClean="0">
+                        <a:latin typeface="Cambria Math" panose="02040503050406030204" pitchFamily="18" charset="0"/>
+                      </a:rPr>
+                      <m:t>𝐻</m:t>
+                    </m:r>
+                  </m:oMath>
+                </a14:m>
+                <a:endParaRPr kumimoji="1" lang="en-US" altLang="ja-JP" b="0"/>
+              </a:p>
+              <a:p>
+                <a:pPr lvl="1"/>
+                <a:r>
+                  <a:rPr kumimoji="1" lang="ja-JP" altLang="en-US"/>
+                  <a:t>信頼できる機関</a:t>
+                </a:r>
+                <a:endParaRPr kumimoji="1" lang="en-US" altLang="ja-JP"/>
+              </a:p>
+              <a:p>
+                <a:pPr lvl="2"/>
+                <a:r>
+                  <a:rPr kumimoji="1" lang="ja-JP" altLang="en-US"/>
+                  <a:t>ハッシュ値を管理するタイムスタンプ局</a:t>
+                </a:r>
+                <a:endParaRPr lang="en-US" altLang="ja-JP"/>
+              </a:p>
+              <a:p>
+                <a:pPr lvl="2"/>
+                <a:r>
+                  <a:rPr kumimoji="1" lang="ja-JP" altLang="en-US"/>
+                  <a:t>時刻認証局</a:t>
+                </a:r>
+                <a:r>
+                  <a:rPr kumimoji="1" lang="en-US" altLang="ja-JP"/>
+                  <a:t>TSA (Time Stamping Authorith)</a:t>
+                </a:r>
+              </a:p>
+              <a:p>
+                <a:pPr lvl="2"/>
+                <a:endParaRPr lang="en-US" altLang="ja-JP"/>
+              </a:p>
+              <a:p>
+                <a:pPr lvl="2"/>
+                <a:endParaRPr kumimoji="1" lang="en-US" altLang="ja-JP"/>
+              </a:p>
+              <a:p>
+                <a:pPr lvl="2"/>
+                <a:endParaRPr lang="en-US" altLang="ja-JP"/>
+              </a:p>
+              <a:p>
+                <a:pPr lvl="2"/>
+                <a:endParaRPr kumimoji="1" lang="en-US" altLang="ja-JP"/>
+              </a:p>
+              <a:p>
+                <a:pPr lvl="2"/>
+                <a:endParaRPr lang="en-US" altLang="ja-JP"/>
+              </a:p>
+              <a:p>
+                <a:pPr lvl="2"/>
+                <a:endParaRPr kumimoji="1" lang="en-US" altLang="ja-JP"/>
+              </a:p>
+              <a:p>
+                <a:r>
+                  <a:rPr kumimoji="1" lang="ja-JP" altLang="en-US"/>
+                  <a:t>ハッシュ値の連鎖を公開 </a:t>
+                </a:r>
+                <a:r>
+                  <a:rPr kumimoji="1" lang="en-US" altLang="ja-JP"/>
+                  <a:t>: </a:t>
+                </a:r>
+                <a:r>
+                  <a:rPr kumimoji="1" lang="ja-JP" altLang="en-US"/>
+                  <a:t>誰でも検証可能</a:t>
+                </a:r>
+              </a:p>
+            </p:txBody>
+          </p:sp>
+        </mc:Choice>
+        <mc:Fallback>
+          <p:sp>
+            <p:nvSpPr>
+              <p:cNvPr id="2" name="コンテンツ プレースホルダー 1">
+                <a:extLst>
+                  <a:ext uri="{FF2B5EF4-FFF2-40B4-BE49-F238E27FC236}">
+                    <a16:creationId xmlns:a16="http://schemas.microsoft.com/office/drawing/2014/main" id="{1EA66696-381F-4053-8281-C1C28482025B}"/>
+                  </a:ext>
+                </a:extLst>
+              </p:cNvPr>
+              <p:cNvSpPr>
+                <a:spLocks noGrp="1" noRot="1" noChangeAspect="1" noMove="1" noResize="1" noEditPoints="1" noAdjustHandles="1" noChangeArrowheads="1" noChangeShapeType="1" noTextEdit="1"/>
+              </p:cNvSpPr>
+              <p:nvPr>
+                <p:ph idx="1"/>
+              </p:nvPr>
+            </p:nvSpPr>
+            <p:spPr>
+              <a:blipFill>
+                <a:blip r:embed="rId2"/>
+                <a:stretch>
+                  <a:fillRect l="-1200" t="-1454" b="-3946"/>
+                </a:stretch>
+              </a:blipFill>
+            </p:spPr>
+            <p:txBody>
+              <a:bodyPr/>
+              <a:lstStyle/>
+              <a:p>
+                <a:r>
+                  <a:rPr lang="ja-JP" altLang="en-US">
+                    <a:noFill/>
+                  </a:rPr>
+                  <a:t> </a:t>
+                </a:r>
+              </a:p>
+            </p:txBody>
+          </p:sp>
+        </mc:Fallback>
+      </mc:AlternateContent>
+      <p:sp>
+        <p:nvSpPr>
+          <p:cNvPr id="3" name="スライド番号プレースホルダー 2">
+            <a:extLst>
+              <a:ext uri="{FF2B5EF4-FFF2-40B4-BE49-F238E27FC236}">
+                <a16:creationId xmlns:a16="http://schemas.microsoft.com/office/drawing/2014/main" id="{303851ED-6C25-4CCC-84B2-F1FEA1119ABF}"/>
+              </a:ext>
+            </a:extLst>
+          </p:cNvPr>
+          <p:cNvSpPr>
+            <a:spLocks noGrp="1"/>
+          </p:cNvSpPr>
+          <p:nvPr>
+            <p:ph type="sldNum" sz="quarter" idx="12"/>
+          </p:nvPr>
+        </p:nvSpPr>
+        <p:spPr/>
+        <p:txBody>
+          <a:bodyPr/>
+          <a:lstStyle/>
+          <a:p>
+            <a:pPr>
+              <a:defRPr/>
+            </a:pPr>
+            <a:r>
+              <a:rPr lang="en-US" altLang="ja-JP"/>
+              <a:t>    </a:t>
+            </a:r>
+            <a:fld id="{B2782DEB-472A-4FE5-AC34-C17109CF5A91}" type="slidenum">
+              <a:rPr lang="en-US" altLang="ja-JP" smtClean="0"/>
+              <a:pPr>
+                <a:defRPr/>
+              </a:pPr>
+              <a:t>33</a:t>
+            </a:fld>
+            <a:r>
+              <a:rPr lang="en-US" altLang="ja-JP"/>
+              <a:t> / 24</a:t>
+            </a:r>
+          </a:p>
+        </p:txBody>
+      </p:sp>
+      <p:sp>
+        <p:nvSpPr>
+          <p:cNvPr id="4" name="タイトル 3">
+            <a:extLst>
+              <a:ext uri="{FF2B5EF4-FFF2-40B4-BE49-F238E27FC236}">
+                <a16:creationId xmlns:a16="http://schemas.microsoft.com/office/drawing/2014/main" id="{5B97CDCE-4340-4FE5-A6DF-F09F8089A6AB}"/>
+              </a:ext>
+            </a:extLst>
+          </p:cNvPr>
+          <p:cNvSpPr>
+            <a:spLocks noGrp="1"/>
+          </p:cNvSpPr>
+          <p:nvPr>
+            <p:ph type="title"/>
+          </p:nvPr>
+        </p:nvSpPr>
+        <p:spPr/>
+        <p:txBody>
+          <a:bodyPr/>
+          <a:lstStyle/>
+          <a:p>
+            <a:r>
+              <a:rPr kumimoji="1" lang="ja-JP" altLang="en-US"/>
+              <a:t>ハッシュ値の連鎖によるタイムスタンプ</a:t>
+            </a:r>
+          </a:p>
+        </p:txBody>
+      </p:sp>
+      <p:pic>
+        <p:nvPicPr>
+          <p:cNvPr id="6" name="図 5">
+            <a:extLst>
+              <a:ext uri="{FF2B5EF4-FFF2-40B4-BE49-F238E27FC236}">
+                <a16:creationId xmlns:a16="http://schemas.microsoft.com/office/drawing/2014/main" id="{3CF622F7-3BDD-48A5-B4A5-6936340AADD3}"/>
+              </a:ext>
+            </a:extLst>
+          </p:cNvPr>
+          <p:cNvPicPr>
+            <a:picLocks noChangeAspect="1"/>
+          </p:cNvPicPr>
+          <p:nvPr/>
+        </p:nvPicPr>
+        <p:blipFill>
+          <a:blip r:embed="rId3">
+            <a:extLst>
+              <a:ext uri="{28A0092B-C50C-407E-A947-70E740481C1C}">
+                <a14:useLocalDpi xmlns:a14="http://schemas.microsoft.com/office/drawing/2010/main" val="0"/>
+              </a:ext>
+            </a:extLst>
+          </a:blip>
+          <a:stretch>
+            <a:fillRect/>
+          </a:stretch>
+        </p:blipFill>
+        <p:spPr>
+          <a:xfrm>
+            <a:off x="1763688" y="3429000"/>
+            <a:ext cx="4824536" cy="2550974"/>
+          </a:xfrm>
+          <a:prstGeom prst="rect">
+            <a:avLst/>
+          </a:prstGeom>
+        </p:spPr>
+      </p:pic>
+    </p:spTree>
+    <p:extLst>
+      <p:ext uri="{BB962C8B-B14F-4D97-AF65-F5344CB8AC3E}">
+        <p14:creationId xmlns:p14="http://schemas.microsoft.com/office/powerpoint/2010/main" val="3157572237"/>
+      </p:ext>
+    </p:extLst>
+  </p:cSld>
+  <p:clrMapOvr>
+    <a:masterClrMapping/>
+  </p:clrMapOvr>
+</p:sld>
+</file>
+
+<file path=ppt/slides/slide34.xml><?xml version="1.0" encoding="utf-8"?>
+<p:sld xmlns:a="http://schemas.openxmlformats.org/drawingml/2006/main" xmlns:r="http://schemas.openxmlformats.org/officeDocument/2006/relationships" xmlns:p="http://schemas.openxmlformats.org/presentationml/2006/main">
+  <p:cSld>
+    <p:spTree>
+      <p:nvGrpSpPr>
+        <p:cNvPr id="1" name=""/>
+        <p:cNvGrpSpPr/>
+        <p:nvPr/>
+      </p:nvGrpSpPr>
+      <p:grpSpPr>
+        <a:xfrm>
+          <a:off x="0" y="0"/>
+          <a:ext cx="0" cy="0"/>
+          <a:chOff x="0" y="0"/>
+          <a:chExt cx="0" cy="0"/>
+        </a:xfrm>
+      </p:grpSpPr>
+      <p:sp>
+        <p:nvSpPr>
+          <p:cNvPr id="2" name="コンテンツ プレースホルダー 1">
+            <a:extLst>
+              <a:ext uri="{FF2B5EF4-FFF2-40B4-BE49-F238E27FC236}">
+                <a16:creationId xmlns:a16="http://schemas.microsoft.com/office/drawing/2014/main" id="{98047A97-49FD-4F96-A944-1E66A4638CAB}"/>
+              </a:ext>
+            </a:extLst>
+          </p:cNvPr>
+          <p:cNvSpPr>
+            <a:spLocks noGrp="1"/>
+          </p:cNvSpPr>
+          <p:nvPr>
+            <p:ph idx="1"/>
+          </p:nvPr>
+        </p:nvSpPr>
+        <p:spPr/>
+        <p:txBody>
+          <a:bodyPr/>
+          <a:lstStyle/>
+          <a:p>
+            <a:r>
+              <a:rPr kumimoji="1" lang="ja-JP" altLang="en-US"/>
+              <a:t>アリスは署名を失効させても否認できない</a:t>
+            </a:r>
+            <a:endParaRPr kumimoji="1" lang="en-US" altLang="ja-JP"/>
+          </a:p>
+          <a:p>
+            <a:pPr lvl="1"/>
+            <a:r>
+              <a:rPr kumimoji="1" lang="ja-JP" altLang="en-US"/>
+              <a:t>リンクトークン生成型タイムスタンプ</a:t>
+            </a:r>
+            <a:r>
+              <a:rPr kumimoji="1" lang="en-US" altLang="ja-JP"/>
+              <a:t>ISO/IEC 18014-3</a:t>
+            </a:r>
+          </a:p>
+          <a:p>
+            <a:pPr lvl="1"/>
+            <a:r>
+              <a:rPr kumimoji="1" lang="ja-JP" altLang="en-US"/>
+              <a:t>署名情報は新聞などで広く周知</a:t>
+            </a:r>
+            <a:endParaRPr kumimoji="1" lang="en-US" altLang="ja-JP"/>
+          </a:p>
+        </p:txBody>
+      </p:sp>
+      <p:sp>
+        <p:nvSpPr>
+          <p:cNvPr id="3" name="スライド番号プレースホルダー 2">
+            <a:extLst>
+              <a:ext uri="{FF2B5EF4-FFF2-40B4-BE49-F238E27FC236}">
+                <a16:creationId xmlns:a16="http://schemas.microsoft.com/office/drawing/2014/main" id="{03E10E8C-23EF-42BD-BA26-37DA024C166E}"/>
+              </a:ext>
+            </a:extLst>
+          </p:cNvPr>
+          <p:cNvSpPr>
+            <a:spLocks noGrp="1"/>
+          </p:cNvSpPr>
+          <p:nvPr>
+            <p:ph type="sldNum" sz="quarter" idx="12"/>
+          </p:nvPr>
+        </p:nvSpPr>
+        <p:spPr/>
+        <p:txBody>
+          <a:bodyPr/>
+          <a:lstStyle/>
+          <a:p>
+            <a:pPr>
+              <a:defRPr/>
+            </a:pPr>
+            <a:r>
+              <a:rPr lang="en-US" altLang="ja-JP"/>
+              <a:t>    </a:t>
+            </a:r>
+            <a:fld id="{B2782DEB-472A-4FE5-AC34-C17109CF5A91}" type="slidenum">
+              <a:rPr lang="en-US" altLang="ja-JP" smtClean="0"/>
+              <a:pPr>
+                <a:defRPr/>
+              </a:pPr>
+              <a:t>34</a:t>
+            </a:fld>
+            <a:r>
+              <a:rPr lang="en-US" altLang="ja-JP"/>
+              <a:t> / 24</a:t>
+            </a:r>
+          </a:p>
+        </p:txBody>
+      </p:sp>
+      <p:sp>
+        <p:nvSpPr>
+          <p:cNvPr id="4" name="タイトル 3">
+            <a:extLst>
+              <a:ext uri="{FF2B5EF4-FFF2-40B4-BE49-F238E27FC236}">
+                <a16:creationId xmlns:a16="http://schemas.microsoft.com/office/drawing/2014/main" id="{38CCA290-D24B-4025-A656-1FF36D9F480B}"/>
+              </a:ext>
+            </a:extLst>
+          </p:cNvPr>
+          <p:cNvSpPr>
+            <a:spLocks noGrp="1"/>
+          </p:cNvSpPr>
+          <p:nvPr>
+            <p:ph type="title"/>
+          </p:nvPr>
+        </p:nvSpPr>
+        <p:spPr/>
+        <p:txBody>
+          <a:bodyPr/>
+          <a:lstStyle/>
+          <a:p>
+            <a:r>
+              <a:rPr kumimoji="1" lang="ja-JP" altLang="en-US"/>
+              <a:t>タイムスタンプを用いた否認防止</a:t>
+            </a:r>
+          </a:p>
+        </p:txBody>
+      </p:sp>
+      <p:pic>
+        <p:nvPicPr>
+          <p:cNvPr id="6" name="図 5">
+            <a:extLst>
+              <a:ext uri="{FF2B5EF4-FFF2-40B4-BE49-F238E27FC236}">
+                <a16:creationId xmlns:a16="http://schemas.microsoft.com/office/drawing/2014/main" id="{BF1019A4-E2A5-4EA1-BB0F-02E486F7A422}"/>
+              </a:ext>
+            </a:extLst>
+          </p:cNvPr>
+          <p:cNvPicPr>
+            <a:picLocks noChangeAspect="1"/>
+          </p:cNvPicPr>
+          <p:nvPr/>
+        </p:nvPicPr>
+        <p:blipFill>
+          <a:blip r:embed="rId2">
+            <a:extLst>
+              <a:ext uri="{28A0092B-C50C-407E-A947-70E740481C1C}">
+                <a14:useLocalDpi xmlns:a14="http://schemas.microsoft.com/office/drawing/2010/main" val="0"/>
+              </a:ext>
+            </a:extLst>
+          </a:blip>
+          <a:stretch>
+            <a:fillRect/>
+          </a:stretch>
+        </p:blipFill>
+        <p:spPr>
+          <a:xfrm>
+            <a:off x="971600" y="2400184"/>
+            <a:ext cx="6768752" cy="4238932"/>
+          </a:xfrm>
+          <a:prstGeom prst="rect">
+            <a:avLst/>
+          </a:prstGeom>
+        </p:spPr>
+      </p:pic>
+    </p:spTree>
+    <p:extLst>
+      <p:ext uri="{BB962C8B-B14F-4D97-AF65-F5344CB8AC3E}">
+        <p14:creationId xmlns:p14="http://schemas.microsoft.com/office/powerpoint/2010/main" val="1457288832"/>
+      </p:ext>
+    </p:extLst>
+  </p:cSld>
+  <p:clrMapOvr>
+    <a:masterClrMapping/>
+  </p:clrMapOvr>
+</p:sld>
+</file>
+
+<file path=ppt/slides/slide35.xml><?xml version="1.0" encoding="utf-8"?>
+<p:sld xmlns:a="http://schemas.openxmlformats.org/drawingml/2006/main" xmlns:r="http://schemas.openxmlformats.org/officeDocument/2006/relationships" xmlns:p="http://schemas.openxmlformats.org/presentationml/2006/main">
+  <p:cSld>
+    <p:spTree>
+      <p:nvGrpSpPr>
+        <p:cNvPr id="1" name=""/>
+        <p:cNvGrpSpPr/>
+        <p:nvPr/>
+      </p:nvGrpSpPr>
+      <p:grpSpPr>
+        <a:xfrm>
+          <a:off x="0" y="0"/>
+          <a:ext cx="0" cy="0"/>
+          <a:chOff x="0" y="0"/>
+          <a:chExt cx="0" cy="0"/>
+        </a:xfrm>
+      </p:grpSpPr>
+      <mc:AlternateContent xmlns:mc="http://schemas.openxmlformats.org/markup-compatibility/2006">
+        <mc:Choice xmlns:a14="http://schemas.microsoft.com/office/drawing/2010/main" Requires="a14">
+          <p:sp>
+            <p:nvSpPr>
+              <p:cNvPr id="2" name="コンテンツ プレースホルダー 1">
+                <a:extLst>
+                  <a:ext uri="{FF2B5EF4-FFF2-40B4-BE49-F238E27FC236}">
+                    <a16:creationId xmlns:a16="http://schemas.microsoft.com/office/drawing/2014/main" id="{9EB6180F-83FC-48C3-A2EF-239269FEE87A}"/>
+                  </a:ext>
+                </a:extLst>
+              </p:cNvPr>
+              <p:cNvSpPr>
+                <a:spLocks noGrp="1"/>
+              </p:cNvSpPr>
+              <p:nvPr>
+                <p:ph idx="1"/>
+              </p:nvPr>
+            </p:nvSpPr>
+            <p:spPr/>
+            <p:txBody>
+              <a:bodyPr/>
+              <a:lstStyle/>
+              <a:p>
+                <a:r>
+                  <a:rPr kumimoji="1" lang="ja-JP" altLang="en-US"/>
+                  <a:t>ハッシュ値を一本の鎖ではなく</a:t>
+                </a:r>
+                <a:r>
+                  <a:rPr kumimoji="1" lang="en-US" altLang="ja-JP"/>
+                  <a:t>2</a:t>
+                </a:r>
+                <a:r>
+                  <a:rPr kumimoji="1" lang="ja-JP" altLang="en-US"/>
+                  <a:t>分木で管理したもの</a:t>
+                </a:r>
+                <a:endParaRPr kumimoji="1" lang="en-US" altLang="ja-JP"/>
+              </a:p>
+              <a:p>
+                <a:endParaRPr lang="en-US" altLang="ja-JP"/>
+              </a:p>
+              <a:p>
+                <a:endParaRPr kumimoji="1" lang="en-US" altLang="ja-JP"/>
+              </a:p>
+              <a:p>
+                <a:endParaRPr lang="en-US" altLang="ja-JP"/>
+              </a:p>
+              <a:p>
+                <a:endParaRPr kumimoji="1" lang="en-US" altLang="ja-JP"/>
+              </a:p>
+              <a:p>
+                <a:endParaRPr lang="en-US" altLang="ja-JP"/>
+              </a:p>
+              <a:p>
+                <a:endParaRPr kumimoji="1" lang="en-US" altLang="ja-JP"/>
+              </a:p>
+              <a:p>
+                <a:endParaRPr lang="en-US" altLang="ja-JP"/>
+              </a:p>
+              <a:p>
+                <a:r>
+                  <a:rPr kumimoji="1" lang="ja-JP" altLang="en-US"/>
+                  <a:t>ハッシュ値</a:t>
+                </a:r>
+                <a14:m>
+                  <m:oMath xmlns:m="http://schemas.openxmlformats.org/officeDocument/2006/math">
+                    <m:sSub>
+                      <m:sSubPr>
+                        <m:ctrlPr>
+                          <a:rPr kumimoji="1" lang="en-US" altLang="ja-JP" b="0" i="1" smtClean="0">
+                            <a:latin typeface="Cambria Math" panose="02040503050406030204" pitchFamily="18" charset="0"/>
+                          </a:rPr>
+                        </m:ctrlPr>
+                      </m:sSubPr>
+                      <m:e>
+                        <m:r>
+                          <a:rPr kumimoji="1" lang="en-US" altLang="ja-JP" b="0" i="1" smtClean="0">
+                            <a:latin typeface="Cambria Math" panose="02040503050406030204" pitchFamily="18" charset="0"/>
+                          </a:rPr>
+                          <m:t>h</m:t>
+                        </m:r>
+                      </m:e>
+                      <m:sub>
+                        <m:r>
+                          <a:rPr kumimoji="1" lang="en-US" altLang="ja-JP" b="0" i="1" smtClean="0">
+                            <a:latin typeface="Cambria Math" panose="02040503050406030204" pitchFamily="18" charset="0"/>
+                          </a:rPr>
+                          <m:t>8</m:t>
+                        </m:r>
+                      </m:sub>
+                    </m:sSub>
+                  </m:oMath>
+                </a14:m>
+                <a:r>
+                  <a:rPr kumimoji="1" lang="ja-JP" altLang="en-US"/>
+                  <a:t>の正しさを確認</a:t>
+                </a:r>
+                <a:endParaRPr kumimoji="1" lang="en-US" altLang="ja-JP" b="0" i="1">
+                  <a:latin typeface="Cambria Math" panose="02040503050406030204" pitchFamily="18" charset="0"/>
+                </a:endParaRPr>
+              </a:p>
+              <a:p>
+                <a:pPr lvl="1"/>
+                <a14:m>
+                  <m:oMath xmlns:m="http://schemas.openxmlformats.org/officeDocument/2006/math">
+                    <m:sSub>
+                      <m:sSubPr>
+                        <m:ctrlPr>
+                          <a:rPr kumimoji="1" lang="en-US" altLang="ja-JP" b="0" i="1" smtClean="0">
+                            <a:latin typeface="Cambria Math" panose="02040503050406030204" pitchFamily="18" charset="0"/>
+                          </a:rPr>
+                        </m:ctrlPr>
+                      </m:sSubPr>
+                      <m:e>
+                        <m:r>
+                          <a:rPr kumimoji="1" lang="en-US" altLang="ja-JP" b="0" i="1" smtClean="0">
+                            <a:latin typeface="Cambria Math" panose="02040503050406030204" pitchFamily="18" charset="0"/>
+                          </a:rPr>
+                          <m:t>h</m:t>
+                        </m:r>
+                      </m:e>
+                      <m:sub>
+                        <m:r>
+                          <a:rPr kumimoji="1" lang="en-US" altLang="ja-JP" b="0" i="1" smtClean="0">
+                            <a:latin typeface="Cambria Math" panose="02040503050406030204" pitchFamily="18" charset="0"/>
+                          </a:rPr>
+                          <m:t>1−4</m:t>
+                        </m:r>
+                      </m:sub>
+                    </m:sSub>
+                    <m:r>
+                      <a:rPr kumimoji="1" lang="en-US" altLang="ja-JP" b="0" i="1" smtClean="0">
+                        <a:latin typeface="Cambria Math" panose="02040503050406030204" pitchFamily="18" charset="0"/>
+                      </a:rPr>
+                      <m:t>,</m:t>
+                    </m:r>
+                    <m:sSub>
+                      <m:sSubPr>
+                        <m:ctrlPr>
+                          <a:rPr kumimoji="1" lang="en-US" altLang="ja-JP" b="0" i="1" smtClean="0">
+                            <a:latin typeface="Cambria Math" panose="02040503050406030204" pitchFamily="18" charset="0"/>
+                          </a:rPr>
+                        </m:ctrlPr>
+                      </m:sSubPr>
+                      <m:e>
+                        <m:r>
+                          <a:rPr kumimoji="1" lang="en-US" altLang="ja-JP" b="0" i="1" smtClean="0">
+                            <a:latin typeface="Cambria Math" panose="02040503050406030204" pitchFamily="18" charset="0"/>
+                          </a:rPr>
+                          <m:t>h</m:t>
+                        </m:r>
+                      </m:e>
+                      <m:sub>
+                        <m:r>
+                          <a:rPr kumimoji="1" lang="en-US" altLang="ja-JP" b="0" i="1" smtClean="0">
+                            <a:latin typeface="Cambria Math" panose="02040503050406030204" pitchFamily="18" charset="0"/>
+                          </a:rPr>
+                          <m:t>5−6</m:t>
+                        </m:r>
+                      </m:sub>
+                    </m:sSub>
+                  </m:oMath>
+                </a14:m>
+                <a:r>
+                  <a:rPr kumimoji="1" lang="en-US" altLang="ja-JP"/>
+                  <a:t>, </a:t>
+                </a:r>
+                <a14:m>
+                  <m:oMath xmlns:m="http://schemas.openxmlformats.org/officeDocument/2006/math">
+                    <m:sSub>
+                      <m:sSubPr>
+                        <m:ctrlPr>
+                          <a:rPr kumimoji="1" lang="en-US" altLang="ja-JP" b="0" i="1" smtClean="0">
+                            <a:latin typeface="Cambria Math" panose="02040503050406030204" pitchFamily="18" charset="0"/>
+                          </a:rPr>
+                        </m:ctrlPr>
+                      </m:sSubPr>
+                      <m:e>
+                        <m:r>
+                          <a:rPr kumimoji="1" lang="en-US" altLang="ja-JP" b="0" i="1" smtClean="0">
+                            <a:latin typeface="Cambria Math" panose="02040503050406030204" pitchFamily="18" charset="0"/>
+                          </a:rPr>
+                          <m:t>h</m:t>
+                        </m:r>
+                      </m:e>
+                      <m:sub>
+                        <m:r>
+                          <a:rPr kumimoji="1" lang="en-US" altLang="ja-JP" b="0" i="1" smtClean="0">
+                            <a:latin typeface="Cambria Math" panose="02040503050406030204" pitchFamily="18" charset="0"/>
+                          </a:rPr>
+                          <m:t>7</m:t>
+                        </m:r>
+                      </m:sub>
+                    </m:sSub>
+                    <m:r>
+                      <a:rPr kumimoji="1" lang="en-US" altLang="ja-JP" b="0" i="1" smtClean="0">
+                        <a:latin typeface="Cambria Math" panose="02040503050406030204" pitchFamily="18" charset="0"/>
+                      </a:rPr>
+                      <m:t>,</m:t>
+                    </m:r>
+                    <m:sSub>
+                      <m:sSubPr>
+                        <m:ctrlPr>
+                          <a:rPr kumimoji="1" lang="en-US" altLang="ja-JP" b="0" i="1" smtClean="0">
+                            <a:latin typeface="Cambria Math" panose="02040503050406030204" pitchFamily="18" charset="0"/>
+                          </a:rPr>
+                        </m:ctrlPr>
+                      </m:sSubPr>
+                      <m:e>
+                        <m:r>
+                          <a:rPr kumimoji="1" lang="en-US" altLang="ja-JP" b="0" i="1" smtClean="0">
+                            <a:latin typeface="Cambria Math" panose="02040503050406030204" pitchFamily="18" charset="0"/>
+                          </a:rPr>
+                          <m:t>h</m:t>
+                        </m:r>
+                      </m:e>
+                      <m:sub>
+                        <m:r>
+                          <a:rPr kumimoji="1" lang="en-US" altLang="ja-JP" b="0" i="1" smtClean="0">
+                            <a:latin typeface="Cambria Math" panose="02040503050406030204" pitchFamily="18" charset="0"/>
+                          </a:rPr>
+                          <m:t>1−8</m:t>
+                        </m:r>
+                      </m:sub>
+                    </m:sSub>
+                  </m:oMath>
+                </a14:m>
+                <a:r>
+                  <a:rPr kumimoji="1" lang="ja-JP" altLang="en-US"/>
+                  <a:t>を使う</a:t>
+                </a:r>
+                <a:r>
+                  <a:rPr kumimoji="1" lang="en-US" altLang="ja-JP"/>
+                  <a:t>, </a:t>
+                </a:r>
+                <a:r>
+                  <a:rPr kumimoji="1" lang="ja-JP" altLang="en-US"/>
+                  <a:t>必要なデータ量が</a:t>
+                </a:r>
+                <a14:m>
+                  <m:oMath xmlns:m="http://schemas.openxmlformats.org/officeDocument/2006/math">
+                    <m:r>
+                      <m:rPr>
+                        <m:sty m:val="p"/>
+                      </m:rPr>
+                      <a:rPr kumimoji="1" lang="en-US" altLang="ja-JP" b="0" i="0" smtClean="0">
+                        <a:latin typeface="Cambria Math" panose="02040503050406030204" pitchFamily="18" charset="0"/>
+                      </a:rPr>
+                      <m:t>O</m:t>
+                    </m:r>
+                    <m:r>
+                      <a:rPr kumimoji="1" lang="en-US" altLang="ja-JP" b="0" i="0" smtClean="0">
+                        <a:latin typeface="Cambria Math" panose="02040503050406030204" pitchFamily="18" charset="0"/>
+                      </a:rPr>
+                      <m:t>(</m:t>
+                    </m:r>
+                    <m:func>
+                      <m:funcPr>
+                        <m:ctrlPr>
+                          <a:rPr kumimoji="1" lang="en-US" altLang="ja-JP" b="0" i="1" smtClean="0">
+                            <a:latin typeface="Cambria Math" panose="02040503050406030204" pitchFamily="18" charset="0"/>
+                          </a:rPr>
+                        </m:ctrlPr>
+                      </m:funcPr>
+                      <m:fName>
+                        <m:r>
+                          <m:rPr>
+                            <m:sty m:val="p"/>
+                          </m:rPr>
+                          <a:rPr kumimoji="1" lang="en-US" altLang="ja-JP" b="0" i="0" smtClean="0">
+                            <a:latin typeface="Cambria Math" panose="02040503050406030204" pitchFamily="18" charset="0"/>
+                          </a:rPr>
+                          <m:t>log</m:t>
+                        </m:r>
+                      </m:fName>
+                      <m:e>
+                        <m:d>
+                          <m:dPr>
+                            <m:ctrlPr>
+                              <a:rPr kumimoji="1" lang="en-US" altLang="ja-JP" b="0" i="1" smtClean="0">
+                                <a:latin typeface="Cambria Math" panose="02040503050406030204" pitchFamily="18" charset="0"/>
+                              </a:rPr>
+                            </m:ctrlPr>
+                          </m:dPr>
+                          <m:e>
+                            <m:r>
+                              <a:rPr kumimoji="1" lang="en-US" altLang="ja-JP" b="0" i="1" smtClean="0">
+                                <a:latin typeface="Cambria Math" panose="02040503050406030204" pitchFamily="18" charset="0"/>
+                              </a:rPr>
+                              <m:t>𝑛</m:t>
+                            </m:r>
+                          </m:e>
+                        </m:d>
+                      </m:e>
+                    </m:func>
+                    <m:r>
+                      <a:rPr kumimoji="1" lang="en-US" altLang="ja-JP" b="0" i="1" smtClean="0">
+                        <a:latin typeface="Cambria Math" panose="02040503050406030204" pitchFamily="18" charset="0"/>
+                      </a:rPr>
+                      <m:t>)</m:t>
+                    </m:r>
+                  </m:oMath>
+                </a14:m>
+                <a:endParaRPr kumimoji="1" lang="ja-JP" altLang="en-US"/>
+              </a:p>
+            </p:txBody>
+          </p:sp>
+        </mc:Choice>
+        <mc:Fallback>
+          <p:sp>
+            <p:nvSpPr>
+              <p:cNvPr id="2" name="コンテンツ プレースホルダー 1">
+                <a:extLst>
+                  <a:ext uri="{FF2B5EF4-FFF2-40B4-BE49-F238E27FC236}">
+                    <a16:creationId xmlns:a16="http://schemas.microsoft.com/office/drawing/2014/main" id="{9EB6180F-83FC-48C3-A2EF-239269FEE87A}"/>
+                  </a:ext>
+                </a:extLst>
+              </p:cNvPr>
+              <p:cNvSpPr>
+                <a:spLocks noGrp="1" noRot="1" noChangeAspect="1" noMove="1" noResize="1" noEditPoints="1" noAdjustHandles="1" noChangeArrowheads="1" noChangeShapeType="1" noTextEdit="1"/>
+              </p:cNvSpPr>
+              <p:nvPr>
+                <p:ph idx="1"/>
+              </p:nvPr>
+            </p:nvSpPr>
+            <p:spPr>
+              <a:blipFill>
+                <a:blip r:embed="rId2"/>
+                <a:stretch>
+                  <a:fillRect l="-1200" t="-1454"/>
+                </a:stretch>
+              </a:blipFill>
+            </p:spPr>
+            <p:txBody>
+              <a:bodyPr/>
+              <a:lstStyle/>
+              <a:p>
+                <a:r>
+                  <a:rPr lang="ja-JP" altLang="en-US">
+                    <a:noFill/>
+                  </a:rPr>
+                  <a:t> </a:t>
+                </a:r>
+              </a:p>
+            </p:txBody>
+          </p:sp>
+        </mc:Fallback>
+      </mc:AlternateContent>
+      <p:sp>
+        <p:nvSpPr>
+          <p:cNvPr id="3" name="スライド番号プレースホルダー 2">
+            <a:extLst>
+              <a:ext uri="{FF2B5EF4-FFF2-40B4-BE49-F238E27FC236}">
+                <a16:creationId xmlns:a16="http://schemas.microsoft.com/office/drawing/2014/main" id="{FD40084B-001B-4FC1-B1EF-93772D4E5626}"/>
+              </a:ext>
+            </a:extLst>
+          </p:cNvPr>
+          <p:cNvSpPr>
+            <a:spLocks noGrp="1"/>
+          </p:cNvSpPr>
+          <p:nvPr>
+            <p:ph type="sldNum" sz="quarter" idx="12"/>
+          </p:nvPr>
+        </p:nvSpPr>
+        <p:spPr/>
+        <p:txBody>
+          <a:bodyPr/>
+          <a:lstStyle/>
+          <a:p>
+            <a:pPr>
+              <a:defRPr/>
+            </a:pPr>
+            <a:r>
+              <a:rPr lang="en-US" altLang="ja-JP"/>
+              <a:t>    </a:t>
+            </a:r>
+            <a:fld id="{B2782DEB-472A-4FE5-AC34-C17109CF5A91}" type="slidenum">
+              <a:rPr lang="en-US" altLang="ja-JP" smtClean="0"/>
+              <a:pPr>
+                <a:defRPr/>
+              </a:pPr>
+              <a:t>35</a:t>
+            </a:fld>
+            <a:r>
+              <a:rPr lang="en-US" altLang="ja-JP"/>
+              <a:t> / 24</a:t>
+            </a:r>
+          </a:p>
+        </p:txBody>
+      </p:sp>
+      <p:sp>
+        <p:nvSpPr>
+          <p:cNvPr id="4" name="タイトル 3">
+            <a:extLst>
+              <a:ext uri="{FF2B5EF4-FFF2-40B4-BE49-F238E27FC236}">
+                <a16:creationId xmlns:a16="http://schemas.microsoft.com/office/drawing/2014/main" id="{E7B9196A-47DE-43B4-BF46-04FF19C8B890}"/>
+              </a:ext>
+            </a:extLst>
+          </p:cNvPr>
+          <p:cNvSpPr>
+            <a:spLocks noGrp="1"/>
+          </p:cNvSpPr>
+          <p:nvPr>
+            <p:ph type="title"/>
+          </p:nvPr>
+        </p:nvSpPr>
+        <p:spPr/>
+        <p:txBody>
+          <a:bodyPr/>
+          <a:lstStyle/>
+          <a:p>
+            <a:r>
+              <a:rPr kumimoji="1" lang="en-US" altLang="ja-JP"/>
+              <a:t>Merkle</a:t>
+            </a:r>
+            <a:r>
+              <a:rPr kumimoji="1" lang="ja-JP" altLang="en-US"/>
+              <a:t>木</a:t>
+            </a:r>
+          </a:p>
+        </p:txBody>
+      </p:sp>
+      <p:pic>
+        <p:nvPicPr>
+          <p:cNvPr id="6" name="図 5">
+            <a:extLst>
+              <a:ext uri="{FF2B5EF4-FFF2-40B4-BE49-F238E27FC236}">
+                <a16:creationId xmlns:a16="http://schemas.microsoft.com/office/drawing/2014/main" id="{08B8099F-C48A-4853-ADB3-FD040877BF58}"/>
+              </a:ext>
+            </a:extLst>
+          </p:cNvPr>
+          <p:cNvPicPr>
+            <a:picLocks noChangeAspect="1"/>
+          </p:cNvPicPr>
+          <p:nvPr/>
+        </p:nvPicPr>
+        <p:blipFill>
+          <a:blip r:embed="rId3">
+            <a:extLst>
+              <a:ext uri="{28A0092B-C50C-407E-A947-70E740481C1C}">
+                <a14:useLocalDpi xmlns:a14="http://schemas.microsoft.com/office/drawing/2010/main" val="0"/>
+              </a:ext>
+            </a:extLst>
+          </a:blip>
+          <a:stretch>
+            <a:fillRect/>
+          </a:stretch>
+        </p:blipFill>
+        <p:spPr>
+          <a:xfrm>
+            <a:off x="1145495" y="1196752"/>
+            <a:ext cx="6768752" cy="3951259"/>
+          </a:xfrm>
+          <a:prstGeom prst="rect">
+            <a:avLst/>
+          </a:prstGeom>
+        </p:spPr>
+      </p:pic>
+    </p:spTree>
+    <p:extLst>
+      <p:ext uri="{BB962C8B-B14F-4D97-AF65-F5344CB8AC3E}">
+        <p14:creationId xmlns:p14="http://schemas.microsoft.com/office/powerpoint/2010/main" val="2026729228"/>
+      </p:ext>
+    </p:extLst>
+  </p:cSld>
+  <p:clrMapOvr>
+    <a:masterClrMapping/>
+  </p:clrMapOvr>
+</p:sld>
+</file>
+
+<file path=ppt/slides/slide36.xml><?xml version="1.0" encoding="utf-8"?>
+<p:sld xmlns:a="http://schemas.openxmlformats.org/drawingml/2006/main" xmlns:r="http://schemas.openxmlformats.org/officeDocument/2006/relationships" xmlns:p="http://schemas.openxmlformats.org/presentationml/2006/main">
+  <p:cSld>
+    <p:spTree>
+      <p:nvGrpSpPr>
+        <p:cNvPr id="1" name=""/>
+        <p:cNvGrpSpPr/>
+        <p:nvPr/>
+      </p:nvGrpSpPr>
+      <p:grpSpPr>
+        <a:xfrm>
+          <a:off x="0" y="0"/>
+          <a:ext cx="0" cy="0"/>
+          <a:chOff x="0" y="0"/>
+          <a:chExt cx="0" cy="0"/>
+        </a:xfrm>
+      </p:grpSpPr>
+      <p:sp>
+        <p:nvSpPr>
+          <p:cNvPr id="2" name="コンテンツ プレースホルダー 1">
+            <a:extLst>
+              <a:ext uri="{FF2B5EF4-FFF2-40B4-BE49-F238E27FC236}">
+                <a16:creationId xmlns:a16="http://schemas.microsoft.com/office/drawing/2014/main" id="{9815F24F-C23E-473B-B94A-3C5D242221FA}"/>
+              </a:ext>
+            </a:extLst>
+          </p:cNvPr>
+          <p:cNvSpPr>
+            <a:spLocks noGrp="1"/>
+          </p:cNvSpPr>
+          <p:nvPr>
+            <p:ph idx="1"/>
+          </p:nvPr>
+        </p:nvSpPr>
+        <p:spPr/>
+        <p:txBody>
+          <a:bodyPr/>
+          <a:lstStyle/>
+          <a:p>
+            <a:r>
+              <a:rPr kumimoji="1" lang="ja-JP" altLang="en-US"/>
+              <a:t>リンクトークンとは別方式</a:t>
+            </a:r>
+            <a:endParaRPr kumimoji="1" lang="en-US" altLang="ja-JP"/>
+          </a:p>
+          <a:p>
+            <a:r>
+              <a:rPr kumimoji="1" lang="ja-JP" altLang="en-US"/>
+              <a:t>信頼できる</a:t>
+            </a:r>
+            <a:r>
+              <a:rPr kumimoji="1" lang="en-US" altLang="ja-JP"/>
+              <a:t>TSA</a:t>
+            </a:r>
+            <a:r>
+              <a:rPr kumimoji="1" lang="ja-JP" altLang="en-US"/>
+              <a:t>が署名の検証鍵を公開</a:t>
+            </a:r>
+            <a:endParaRPr kumimoji="1" lang="en-US" altLang="ja-JP"/>
+          </a:p>
+          <a:p>
+            <a:endParaRPr lang="en-US" altLang="ja-JP"/>
+          </a:p>
+          <a:p>
+            <a:endParaRPr kumimoji="1" lang="en-US" altLang="ja-JP"/>
+          </a:p>
+          <a:p>
+            <a:endParaRPr lang="en-US" altLang="ja-JP"/>
+          </a:p>
+          <a:p>
+            <a:endParaRPr kumimoji="1" lang="en-US" altLang="ja-JP"/>
+          </a:p>
+          <a:p>
+            <a:endParaRPr lang="en-US" altLang="ja-JP"/>
+          </a:p>
+          <a:p>
+            <a:r>
+              <a:rPr kumimoji="1" lang="en-US" altLang="ja-JP"/>
+              <a:t>RFC 3161, ISO/IEC18014-2</a:t>
+            </a:r>
+            <a:r>
+              <a:rPr kumimoji="1" lang="ja-JP" altLang="en-US"/>
+              <a:t>などで標準化</a:t>
+            </a:r>
+          </a:p>
+        </p:txBody>
+      </p:sp>
+      <p:sp>
+        <p:nvSpPr>
+          <p:cNvPr id="3" name="スライド番号プレースホルダー 2">
+            <a:extLst>
+              <a:ext uri="{FF2B5EF4-FFF2-40B4-BE49-F238E27FC236}">
+                <a16:creationId xmlns:a16="http://schemas.microsoft.com/office/drawing/2014/main" id="{6BAFBD90-F2D4-4C15-AF2A-A4FE5A5A79A5}"/>
+              </a:ext>
+            </a:extLst>
+          </p:cNvPr>
+          <p:cNvSpPr>
+            <a:spLocks noGrp="1"/>
+          </p:cNvSpPr>
+          <p:nvPr>
+            <p:ph type="sldNum" sz="quarter" idx="12"/>
+          </p:nvPr>
+        </p:nvSpPr>
+        <p:spPr/>
+        <p:txBody>
+          <a:bodyPr/>
+          <a:lstStyle/>
+          <a:p>
+            <a:pPr>
+              <a:defRPr/>
+            </a:pPr>
+            <a:r>
+              <a:rPr lang="en-US" altLang="ja-JP"/>
+              <a:t>    </a:t>
+            </a:r>
+            <a:fld id="{B2782DEB-472A-4FE5-AC34-C17109CF5A91}" type="slidenum">
+              <a:rPr lang="en-US" altLang="ja-JP" smtClean="0"/>
+              <a:pPr>
+                <a:defRPr/>
+              </a:pPr>
+              <a:t>36</a:t>
+            </a:fld>
+            <a:r>
+              <a:rPr lang="en-US" altLang="ja-JP"/>
+              <a:t> / 24</a:t>
+            </a:r>
+          </a:p>
+        </p:txBody>
+      </p:sp>
+      <p:sp>
+        <p:nvSpPr>
+          <p:cNvPr id="4" name="タイトル 3">
+            <a:extLst>
+              <a:ext uri="{FF2B5EF4-FFF2-40B4-BE49-F238E27FC236}">
+                <a16:creationId xmlns:a16="http://schemas.microsoft.com/office/drawing/2014/main" id="{835C8AD1-0733-4CDF-AFE6-1D6E1F4AC054}"/>
+              </a:ext>
+            </a:extLst>
+          </p:cNvPr>
+          <p:cNvSpPr>
+            <a:spLocks noGrp="1"/>
+          </p:cNvSpPr>
+          <p:nvPr>
+            <p:ph type="title"/>
+          </p:nvPr>
+        </p:nvSpPr>
+        <p:spPr/>
+        <p:txBody>
+          <a:bodyPr/>
+          <a:lstStyle/>
+          <a:p>
+            <a:r>
+              <a:rPr kumimoji="1" lang="ja-JP" altLang="en-US"/>
+              <a:t>署名を用いたタイムスタンプ</a:t>
+            </a:r>
+          </a:p>
+        </p:txBody>
+      </p:sp>
+      <p:pic>
+        <p:nvPicPr>
+          <p:cNvPr id="6" name="図 5">
+            <a:extLst>
+              <a:ext uri="{FF2B5EF4-FFF2-40B4-BE49-F238E27FC236}">
+                <a16:creationId xmlns:a16="http://schemas.microsoft.com/office/drawing/2014/main" id="{47DDA89B-9977-4F62-8AF9-56617EB1A53A}"/>
+              </a:ext>
+            </a:extLst>
+          </p:cNvPr>
+          <p:cNvPicPr>
+            <a:picLocks noChangeAspect="1"/>
+          </p:cNvPicPr>
+          <p:nvPr/>
+        </p:nvPicPr>
+        <p:blipFill>
+          <a:blip r:embed="rId2">
+            <a:extLst>
+              <a:ext uri="{28A0092B-C50C-407E-A947-70E740481C1C}">
+                <a14:useLocalDpi xmlns:a14="http://schemas.microsoft.com/office/drawing/2010/main" val="0"/>
+              </a:ext>
+            </a:extLst>
+          </a:blip>
+          <a:stretch>
+            <a:fillRect/>
+          </a:stretch>
+        </p:blipFill>
+        <p:spPr>
+          <a:xfrm>
+            <a:off x="1547664" y="1772816"/>
+            <a:ext cx="5760640" cy="2725697"/>
+          </a:xfrm>
+          <a:prstGeom prst="rect">
+            <a:avLst/>
+          </a:prstGeom>
+        </p:spPr>
+      </p:pic>
+    </p:spTree>
+    <p:extLst>
+      <p:ext uri="{BB962C8B-B14F-4D97-AF65-F5344CB8AC3E}">
+        <p14:creationId xmlns:p14="http://schemas.microsoft.com/office/powerpoint/2010/main" val="1191778477"/>
+      </p:ext>
+    </p:extLst>
+  </p:cSld>
+  <p:clrMapOvr>
+    <a:masterClrMapping/>
+  </p:clrMapOvr>
+</p:sld>
+</file>
+
+<file path=ppt/slides/slide37.xml><?xml version="1.0" encoding="utf-8"?>
+<p:sld xmlns:a="http://schemas.openxmlformats.org/drawingml/2006/main" xmlns:r="http://schemas.openxmlformats.org/officeDocument/2006/relationships" xmlns:p="http://schemas.openxmlformats.org/presentationml/2006/main">
+  <p:cSld>
+    <p:spTree>
+      <p:nvGrpSpPr>
+        <p:cNvPr id="1" name=""/>
+        <p:cNvGrpSpPr/>
+        <p:nvPr/>
+      </p:nvGrpSpPr>
+      <p:grpSpPr>
+        <a:xfrm>
+          <a:off x="0" y="0"/>
+          <a:ext cx="0" cy="0"/>
+          <a:chOff x="0" y="0"/>
+          <a:chExt cx="0" cy="0"/>
+        </a:xfrm>
+      </p:grpSpPr>
+      <p:pic>
+        <p:nvPicPr>
+          <p:cNvPr id="6" name="図 5">
+            <a:extLst>
+              <a:ext uri="{FF2B5EF4-FFF2-40B4-BE49-F238E27FC236}">
+                <a16:creationId xmlns:a16="http://schemas.microsoft.com/office/drawing/2014/main" id="{E761B911-23CA-4234-A623-AA66FED8AEFF}"/>
+              </a:ext>
+            </a:extLst>
+          </p:cNvPr>
+          <p:cNvPicPr>
+            <a:picLocks noChangeAspect="1"/>
+          </p:cNvPicPr>
+          <p:nvPr/>
+        </p:nvPicPr>
+        <p:blipFill>
+          <a:blip r:embed="rId2">
+            <a:extLst>
+              <a:ext uri="{28A0092B-C50C-407E-A947-70E740481C1C}">
+                <a14:useLocalDpi xmlns:a14="http://schemas.microsoft.com/office/drawing/2010/main" val="0"/>
+              </a:ext>
+            </a:extLst>
+          </a:blip>
+          <a:stretch>
+            <a:fillRect/>
+          </a:stretch>
+        </p:blipFill>
+        <p:spPr>
+          <a:xfrm>
+            <a:off x="1835696" y="2564904"/>
+            <a:ext cx="4465109" cy="2204647"/>
+          </a:xfrm>
+          <a:prstGeom prst="rect">
+            <a:avLst/>
+          </a:prstGeom>
+        </p:spPr>
+      </p:pic>
+      <p:sp>
+        <p:nvSpPr>
+          <p:cNvPr id="2" name="コンテンツ プレースホルダー 1">
+            <a:extLst>
+              <a:ext uri="{FF2B5EF4-FFF2-40B4-BE49-F238E27FC236}">
+                <a16:creationId xmlns:a16="http://schemas.microsoft.com/office/drawing/2014/main" id="{44321F73-64BD-46AD-A154-61F3C3187A55}"/>
+              </a:ext>
+            </a:extLst>
+          </p:cNvPr>
+          <p:cNvSpPr>
+            <a:spLocks noGrp="1"/>
+          </p:cNvSpPr>
+          <p:nvPr>
+            <p:ph idx="1"/>
+          </p:nvPr>
+        </p:nvSpPr>
+        <p:spPr/>
+        <p:txBody>
+          <a:bodyPr/>
+          <a:lstStyle/>
+          <a:p>
+            <a:r>
+              <a:rPr kumimoji="1" lang="ja-JP" altLang="en-US"/>
+              <a:t>時刻の扱い</a:t>
+            </a:r>
+            <a:endParaRPr kumimoji="1" lang="en-US" altLang="ja-JP"/>
+          </a:p>
+          <a:p>
+            <a:pPr lvl="1"/>
+            <a:r>
+              <a:rPr lang="zh-TW" altLang="en-US"/>
+              <a:t>国家時刻標準機関</a:t>
+            </a:r>
+            <a:r>
+              <a:rPr lang="en-US" altLang="ja-JP"/>
+              <a:t>NTA (National Time Authority)</a:t>
+            </a:r>
+          </a:p>
+          <a:p>
+            <a:pPr lvl="2"/>
+            <a:r>
+              <a:rPr lang="ja-JP" altLang="en-US"/>
+              <a:t>情報通信研究機構</a:t>
+            </a:r>
+            <a:r>
+              <a:rPr lang="en-US" altLang="ja-JP"/>
+              <a:t>NICT</a:t>
+            </a:r>
+            <a:r>
+              <a:rPr lang="ja-JP" altLang="en-US"/>
+              <a:t>が日本標準時を生成、供給</a:t>
+            </a:r>
+            <a:endParaRPr lang="en-US" altLang="ja-JP"/>
+          </a:p>
+          <a:p>
+            <a:pPr lvl="2"/>
+            <a:r>
+              <a:rPr lang="ja-JP" altLang="en-US"/>
+              <a:t>時刻配信局</a:t>
+            </a:r>
+            <a:r>
+              <a:rPr lang="en-US" altLang="ja-JP"/>
+              <a:t>TAA</a:t>
+            </a:r>
+            <a:r>
+              <a:rPr lang="ja-JP" altLang="en-US"/>
+              <a:t> </a:t>
+            </a:r>
+            <a:r>
+              <a:rPr lang="en-US" altLang="ja-JP"/>
+              <a:t>(Time Assessment Authority)</a:t>
+            </a:r>
+            <a:r>
+              <a:rPr lang="ja-JP" altLang="en-US"/>
+              <a:t>がサービス提供</a:t>
+            </a:r>
+            <a:endParaRPr lang="en-US" altLang="ja-JP"/>
+          </a:p>
+          <a:p>
+            <a:pPr lvl="2"/>
+            <a:endParaRPr kumimoji="1" lang="en-US" altLang="ja-JP"/>
+          </a:p>
+          <a:p>
+            <a:pPr lvl="2"/>
+            <a:endParaRPr lang="en-US" altLang="ja-JP"/>
+          </a:p>
+          <a:p>
+            <a:pPr lvl="2"/>
+            <a:endParaRPr kumimoji="1" lang="en-US" altLang="ja-JP"/>
+          </a:p>
+          <a:p>
+            <a:pPr lvl="2"/>
+            <a:endParaRPr lang="en-US" altLang="ja-JP"/>
+          </a:p>
+          <a:p>
+            <a:r>
+              <a:rPr kumimoji="1" lang="ja-JP" altLang="en-US"/>
+              <a:t>通常の署名は最大</a:t>
+            </a:r>
+            <a:r>
+              <a:rPr kumimoji="1" lang="en-US" altLang="ja-JP"/>
+              <a:t>5</a:t>
+            </a:r>
+            <a:r>
+              <a:rPr kumimoji="1" lang="ja-JP" altLang="en-US"/>
+              <a:t>年</a:t>
+            </a:r>
+            <a:endParaRPr kumimoji="1" lang="en-US" altLang="ja-JP"/>
+          </a:p>
+          <a:p>
+            <a:pPr lvl="1"/>
+            <a:r>
+              <a:rPr kumimoji="1" lang="ja-JP" altLang="en-US"/>
+              <a:t>住宅ローンなどには対応できない</a:t>
+            </a:r>
+            <a:endParaRPr kumimoji="1" lang="en-US" altLang="ja-JP"/>
+          </a:p>
+          <a:p>
+            <a:pPr lvl="1"/>
+            <a:r>
+              <a:rPr lang="en-US" altLang="ja-JP"/>
+              <a:t>EU</a:t>
+            </a:r>
+            <a:r>
+              <a:rPr lang="ja-JP" altLang="en-US"/>
+              <a:t> </a:t>
+            </a:r>
+            <a:r>
+              <a:rPr lang="en-US" altLang="ja-JP"/>
+              <a:t>:</a:t>
+            </a:r>
+            <a:r>
+              <a:rPr lang="ja-JP" altLang="en-US"/>
+              <a:t> </a:t>
+            </a:r>
+            <a:r>
+              <a:rPr lang="en-US" altLang="ja-JP"/>
+              <a:t>2016</a:t>
+            </a:r>
+            <a:r>
+              <a:rPr lang="ja-JP" altLang="en-US"/>
+              <a:t>年</a:t>
+            </a:r>
+            <a:r>
+              <a:rPr lang="en-US" altLang="ja-JP"/>
+              <a:t>eIDAS</a:t>
+            </a:r>
+            <a:r>
+              <a:rPr lang="ja-JP" altLang="en-US"/>
+              <a:t>規則</a:t>
+            </a:r>
+            <a:r>
+              <a:rPr lang="en-US" altLang="ja-JP"/>
+              <a:t>, </a:t>
+            </a:r>
+            <a:r>
+              <a:rPr lang="ja-JP" altLang="en-US"/>
+              <a:t>国家間でタイムスタンプを利用可能</a:t>
+            </a:r>
+            <a:endParaRPr kumimoji="1" lang="en-US" altLang="ja-JP"/>
+          </a:p>
+          <a:p>
+            <a:r>
+              <a:rPr kumimoji="1" lang="ja-JP" altLang="en-US"/>
+              <a:t>日本は公的なタイムスタンプ制度の不在</a:t>
+            </a:r>
+            <a:r>
+              <a:rPr lang="en-US" altLang="ja-JP"/>
+              <a:t> (2021</a:t>
+            </a:r>
+            <a:r>
+              <a:rPr lang="ja-JP" altLang="en-US"/>
+              <a:t>年現在</a:t>
+            </a:r>
+            <a:r>
+              <a:rPr lang="en-US" altLang="ja-JP"/>
+              <a:t>)</a:t>
+            </a:r>
+            <a:endParaRPr kumimoji="1" lang="en-US" altLang="ja-JP"/>
+          </a:p>
+          <a:p>
+            <a:pPr lvl="1"/>
+            <a:r>
+              <a:rPr lang="ja-JP" altLang="en-US"/>
+              <a:t>長期の利用に不安 </a:t>
+            </a:r>
+            <a:r>
+              <a:rPr lang="en-US" altLang="ja-JP"/>
+              <a:t>: e.g. NTT</a:t>
+            </a:r>
+            <a:r>
+              <a:rPr lang="ja-JP" altLang="en-US"/>
+              <a:t>データ</a:t>
+            </a:r>
+            <a:r>
+              <a:rPr lang="en-US" altLang="ja-JP"/>
+              <a:t>SecureSeal</a:t>
+            </a:r>
+            <a:r>
+              <a:rPr lang="ja-JP" altLang="en-US"/>
+              <a:t>は</a:t>
+            </a:r>
+            <a:r>
+              <a:rPr lang="en-US" altLang="ja-JP"/>
+              <a:t>2020</a:t>
+            </a:r>
+            <a:r>
+              <a:rPr lang="ja-JP" altLang="en-US"/>
+              <a:t>年終了</a:t>
+            </a:r>
+            <a:endParaRPr lang="en-US" altLang="ja-JP"/>
+          </a:p>
+          <a:p>
+            <a:pPr lvl="1"/>
+            <a:endParaRPr kumimoji="1" lang="ja-JP" altLang="en-US"/>
+          </a:p>
+        </p:txBody>
+      </p:sp>
+      <p:sp>
+        <p:nvSpPr>
+          <p:cNvPr id="3" name="スライド番号プレースホルダー 2">
+            <a:extLst>
+              <a:ext uri="{FF2B5EF4-FFF2-40B4-BE49-F238E27FC236}">
+                <a16:creationId xmlns:a16="http://schemas.microsoft.com/office/drawing/2014/main" id="{69E9A50F-2589-40E8-BC3E-7C413C01C48A}"/>
+              </a:ext>
+            </a:extLst>
+          </p:cNvPr>
+          <p:cNvSpPr>
+            <a:spLocks noGrp="1"/>
+          </p:cNvSpPr>
+          <p:nvPr>
+            <p:ph type="sldNum" sz="quarter" idx="12"/>
+          </p:nvPr>
+        </p:nvSpPr>
+        <p:spPr/>
+        <p:txBody>
+          <a:bodyPr/>
+          <a:lstStyle/>
+          <a:p>
+            <a:pPr>
+              <a:defRPr/>
+            </a:pPr>
+            <a:r>
+              <a:rPr lang="en-US" altLang="ja-JP"/>
+              <a:t>    </a:t>
+            </a:r>
+            <a:fld id="{B2782DEB-472A-4FE5-AC34-C17109CF5A91}" type="slidenum">
+              <a:rPr lang="en-US" altLang="ja-JP" smtClean="0"/>
+              <a:pPr>
+                <a:defRPr/>
+              </a:pPr>
+              <a:t>37</a:t>
+            </a:fld>
+            <a:r>
+              <a:rPr lang="en-US" altLang="ja-JP"/>
+              <a:t> / 24</a:t>
+            </a:r>
+          </a:p>
+        </p:txBody>
+      </p:sp>
+      <p:sp>
+        <p:nvSpPr>
+          <p:cNvPr id="4" name="タイトル 3">
+            <a:extLst>
+              <a:ext uri="{FF2B5EF4-FFF2-40B4-BE49-F238E27FC236}">
+                <a16:creationId xmlns:a16="http://schemas.microsoft.com/office/drawing/2014/main" id="{5A37E3E7-0F3D-4134-AB15-1FADFA7E3971}"/>
+              </a:ext>
+            </a:extLst>
+          </p:cNvPr>
+          <p:cNvSpPr>
+            <a:spLocks noGrp="1"/>
+          </p:cNvSpPr>
+          <p:nvPr>
+            <p:ph type="title"/>
+          </p:nvPr>
+        </p:nvSpPr>
+        <p:spPr/>
+        <p:txBody>
+          <a:bodyPr/>
+          <a:lstStyle/>
+          <a:p>
+            <a:r>
+              <a:rPr kumimoji="1" lang="ja-JP" altLang="en-US"/>
+              <a:t>日本のタイムスタンプ</a:t>
+            </a:r>
+          </a:p>
+        </p:txBody>
+      </p:sp>
+    </p:spTree>
+    <p:extLst>
+      <p:ext uri="{BB962C8B-B14F-4D97-AF65-F5344CB8AC3E}">
+        <p14:creationId xmlns:p14="http://schemas.microsoft.com/office/powerpoint/2010/main" val="732855756"/>
+      </p:ext>
+    </p:extLst>
+  </p:cSld>
+  <p:clrMapOvr>
+    <a:masterClrMapping/>
+  </p:clrMapOvr>
+</p:sld>
+</file>
+
+<file path=ppt/slides/slide38.xml><?xml version="1.0" encoding="utf-8"?>
+<p:sld xmlns:a="http://schemas.openxmlformats.org/drawingml/2006/main" xmlns:r="http://schemas.openxmlformats.org/officeDocument/2006/relationships" xmlns:p="http://schemas.openxmlformats.org/presentationml/2006/main">
+  <p:cSld>
+    <p:spTree>
+      <p:nvGrpSpPr>
+        <p:cNvPr id="1" name=""/>
+        <p:cNvGrpSpPr/>
+        <p:nvPr/>
+      </p:nvGrpSpPr>
+      <p:grpSpPr>
+        <a:xfrm>
+          <a:off x="0" y="0"/>
+          <a:ext cx="0" cy="0"/>
+          <a:chOff x="0" y="0"/>
+          <a:chExt cx="0" cy="0"/>
+        </a:xfrm>
+      </p:grpSpPr>
+      <p:sp>
+        <p:nvSpPr>
+          <p:cNvPr id="2" name="コンテンツ プレースホルダー 1">
+            <a:extLst>
+              <a:ext uri="{FF2B5EF4-FFF2-40B4-BE49-F238E27FC236}">
+                <a16:creationId xmlns:a16="http://schemas.microsoft.com/office/drawing/2014/main" id="{41246CB9-D107-4C27-AFFA-40189867D3D5}"/>
+              </a:ext>
+            </a:extLst>
+          </p:cNvPr>
+          <p:cNvSpPr>
+            <a:spLocks noGrp="1"/>
+          </p:cNvSpPr>
+          <p:nvPr>
+            <p:ph idx="1"/>
+          </p:nvPr>
+        </p:nvSpPr>
+        <p:spPr/>
+        <p:txBody>
+          <a:bodyPr/>
+          <a:lstStyle/>
+          <a:p>
+            <a:r>
+              <a:rPr kumimoji="1" lang="en-US" altLang="ja-JP"/>
+              <a:t>(</a:t>
+            </a:r>
+            <a:r>
+              <a:rPr kumimoji="1" lang="ja-JP" altLang="en-US"/>
+              <a:t>パブリック</a:t>
+            </a:r>
+            <a:r>
+              <a:rPr kumimoji="1" lang="en-US" altLang="ja-JP"/>
+              <a:t>)</a:t>
+            </a:r>
+            <a:r>
+              <a:rPr kumimoji="1" lang="ja-JP" altLang="en-US"/>
+              <a:t>ブロックチェーン</a:t>
+            </a:r>
+            <a:endParaRPr kumimoji="1" lang="en-US" altLang="ja-JP"/>
+          </a:p>
+          <a:p>
+            <a:pPr lvl="1"/>
+            <a:r>
+              <a:rPr kumimoji="1" lang="ja-JP" altLang="en-US"/>
+              <a:t>リンクトークン生成型タイムスタンプ </a:t>
+            </a:r>
+            <a:r>
+              <a:rPr kumimoji="1" lang="en-US" altLang="ja-JP"/>
+              <a:t>: </a:t>
+            </a:r>
+            <a:r>
+              <a:rPr kumimoji="1" lang="ja-JP" altLang="en-US"/>
+              <a:t>データの改善耐性</a:t>
+            </a:r>
+            <a:endParaRPr kumimoji="1" lang="en-US" altLang="ja-JP"/>
+          </a:p>
+          <a:p>
+            <a:pPr lvl="1"/>
+            <a:r>
+              <a:rPr kumimoji="1" lang="ja-JP" altLang="en-US"/>
+              <a:t>ハッシュ値の列</a:t>
+            </a:r>
+            <a:r>
+              <a:rPr kumimoji="1" lang="en-US" altLang="ja-JP"/>
+              <a:t>(</a:t>
+            </a:r>
+            <a:r>
+              <a:rPr kumimoji="1" lang="ja-JP" altLang="en-US"/>
+              <a:t>鎖</a:t>
+            </a:r>
+            <a:r>
+              <a:rPr kumimoji="1" lang="en-US" altLang="ja-JP"/>
+              <a:t>)</a:t>
+            </a:r>
+            <a:r>
+              <a:rPr kumimoji="1" lang="ja-JP" altLang="en-US"/>
+              <a:t>を</a:t>
+            </a:r>
+            <a:r>
+              <a:rPr kumimoji="1" lang="en-US" altLang="ja-JP"/>
+              <a:t>P2P</a:t>
+            </a:r>
+            <a:r>
+              <a:rPr kumimoji="1" lang="ja-JP" altLang="en-US"/>
+              <a:t>ネットワークで管理</a:t>
+            </a:r>
+            <a:endParaRPr kumimoji="1" lang="en-US" altLang="ja-JP"/>
+          </a:p>
+          <a:p>
+            <a:pPr lvl="1"/>
+            <a:r>
+              <a:rPr kumimoji="1" lang="ja-JP" altLang="en-US"/>
+              <a:t>不特定多数の主体が所収するコンピュータが互いに通信</a:t>
+            </a:r>
+            <a:endParaRPr kumimoji="1" lang="en-US" altLang="ja-JP"/>
+          </a:p>
+          <a:p>
+            <a:pPr lvl="1"/>
+            <a:endParaRPr lang="en-US" altLang="ja-JP"/>
+          </a:p>
+          <a:p>
+            <a:pPr lvl="1"/>
+            <a:endParaRPr kumimoji="1" lang="en-US" altLang="ja-JP"/>
+          </a:p>
+          <a:p>
+            <a:pPr lvl="1"/>
+            <a:endParaRPr lang="en-US" altLang="ja-JP"/>
+          </a:p>
+          <a:p>
+            <a:pPr lvl="1"/>
+            <a:endParaRPr kumimoji="1" lang="en-US" altLang="ja-JP"/>
+          </a:p>
+          <a:p>
+            <a:pPr lvl="1"/>
+            <a:endParaRPr lang="en-US" altLang="ja-JP"/>
+          </a:p>
+          <a:p>
+            <a:pPr lvl="1"/>
+            <a:endParaRPr kumimoji="1" lang="en-US" altLang="ja-JP"/>
+          </a:p>
+          <a:p>
+            <a:pPr lvl="1"/>
+            <a:endParaRPr lang="en-US" altLang="ja-JP"/>
+          </a:p>
+          <a:p>
+            <a:pPr lvl="1"/>
+            <a:r>
+              <a:rPr kumimoji="1" lang="ja-JP" altLang="en-US"/>
+              <a:t>データが十分分散されると可用性と改竄耐性に優れる</a:t>
+            </a:r>
+            <a:endParaRPr kumimoji="1" lang="en-US" altLang="ja-JP"/>
+          </a:p>
+          <a:p>
+            <a:pPr lvl="1"/>
+            <a:r>
+              <a:rPr kumimoji="1" lang="ja-JP" altLang="en-US"/>
+              <a:t>データ更新性能は低い </a:t>
+            </a:r>
+            <a:r>
+              <a:rPr kumimoji="1" lang="en-US" altLang="ja-JP"/>
+              <a:t>: </a:t>
+            </a:r>
+            <a:r>
+              <a:rPr kumimoji="1" lang="ja-JP" altLang="en-US"/>
+              <a:t>シャーディングなどの技術</a:t>
+            </a:r>
+          </a:p>
+        </p:txBody>
+      </p:sp>
+      <p:sp>
+        <p:nvSpPr>
+          <p:cNvPr id="3" name="スライド番号プレースホルダー 2">
+            <a:extLst>
+              <a:ext uri="{FF2B5EF4-FFF2-40B4-BE49-F238E27FC236}">
+                <a16:creationId xmlns:a16="http://schemas.microsoft.com/office/drawing/2014/main" id="{E217DD5B-E415-44C9-BC8D-200B09C72B4B}"/>
+              </a:ext>
+            </a:extLst>
+          </p:cNvPr>
+          <p:cNvSpPr>
+            <a:spLocks noGrp="1"/>
+          </p:cNvSpPr>
+          <p:nvPr>
+            <p:ph type="sldNum" sz="quarter" idx="12"/>
+          </p:nvPr>
+        </p:nvSpPr>
+        <p:spPr/>
+        <p:txBody>
+          <a:bodyPr/>
+          <a:lstStyle/>
+          <a:p>
+            <a:pPr>
+              <a:defRPr/>
+            </a:pPr>
+            <a:r>
+              <a:rPr lang="en-US" altLang="ja-JP"/>
+              <a:t>    </a:t>
+            </a:r>
+            <a:fld id="{B2782DEB-472A-4FE5-AC34-C17109CF5A91}" type="slidenum">
+              <a:rPr lang="en-US" altLang="ja-JP" smtClean="0"/>
+              <a:pPr>
+                <a:defRPr/>
+              </a:pPr>
+              <a:t>38</a:t>
+            </a:fld>
+            <a:r>
+              <a:rPr lang="en-US" altLang="ja-JP"/>
+              <a:t> / 24</a:t>
+            </a:r>
+          </a:p>
+        </p:txBody>
+      </p:sp>
+      <p:sp>
+        <p:nvSpPr>
+          <p:cNvPr id="4" name="タイトル 3">
+            <a:extLst>
+              <a:ext uri="{FF2B5EF4-FFF2-40B4-BE49-F238E27FC236}">
+                <a16:creationId xmlns:a16="http://schemas.microsoft.com/office/drawing/2014/main" id="{025E548C-5751-4AA8-9544-62EF6632F092}"/>
+              </a:ext>
+            </a:extLst>
+          </p:cNvPr>
+          <p:cNvSpPr>
+            <a:spLocks noGrp="1"/>
+          </p:cNvSpPr>
+          <p:nvPr>
+            <p:ph type="title"/>
+          </p:nvPr>
+        </p:nvSpPr>
+        <p:spPr/>
+        <p:txBody>
+          <a:bodyPr/>
+          <a:lstStyle/>
+          <a:p>
+            <a:r>
+              <a:rPr kumimoji="1" lang="ja-JP" altLang="en-US"/>
+              <a:t>ブロックチェーンとビットコイン</a:t>
+            </a:r>
+          </a:p>
+        </p:txBody>
+      </p:sp>
+      <p:pic>
+        <p:nvPicPr>
+          <p:cNvPr id="6" name="図 5">
+            <a:extLst>
+              <a:ext uri="{FF2B5EF4-FFF2-40B4-BE49-F238E27FC236}">
+                <a16:creationId xmlns:a16="http://schemas.microsoft.com/office/drawing/2014/main" id="{439D1F1D-4765-40E2-93F2-A7D654777A58}"/>
+              </a:ext>
+            </a:extLst>
+          </p:cNvPr>
+          <p:cNvPicPr>
+            <a:picLocks noChangeAspect="1"/>
+          </p:cNvPicPr>
+          <p:nvPr/>
+        </p:nvPicPr>
+        <p:blipFill>
+          <a:blip r:embed="rId2">
+            <a:extLst>
+              <a:ext uri="{28A0092B-C50C-407E-A947-70E740481C1C}">
+                <a14:useLocalDpi xmlns:a14="http://schemas.microsoft.com/office/drawing/2010/main" val="0"/>
+              </a:ext>
+            </a:extLst>
+          </a:blip>
+          <a:stretch>
+            <a:fillRect/>
+          </a:stretch>
+        </p:blipFill>
+        <p:spPr>
+          <a:xfrm>
+            <a:off x="1619672" y="2636912"/>
+            <a:ext cx="5400600" cy="2801561"/>
+          </a:xfrm>
+          <a:prstGeom prst="rect">
+            <a:avLst/>
+          </a:prstGeom>
+        </p:spPr>
+      </p:pic>
+    </p:spTree>
+    <p:extLst>
+      <p:ext uri="{BB962C8B-B14F-4D97-AF65-F5344CB8AC3E}">
+        <p14:creationId xmlns:p14="http://schemas.microsoft.com/office/powerpoint/2010/main" val="2455403335"/>
+      </p:ext>
+    </p:extLst>
+  </p:cSld>
+  <p:clrMapOvr>
+    <a:masterClrMapping/>
+  </p:clrMapOvr>
+</p:sld>
+</file>
+
+<file path=ppt/slides/slide39.xml><?xml version="1.0" encoding="utf-8"?>
+<p:sld xmlns:a="http://schemas.openxmlformats.org/drawingml/2006/main" xmlns:r="http://schemas.openxmlformats.org/officeDocument/2006/relationships" xmlns:p="http://schemas.openxmlformats.org/presentationml/2006/main">
+  <p:cSld>
+    <p:spTree>
+      <p:nvGrpSpPr>
+        <p:cNvPr id="1" name=""/>
+        <p:cNvGrpSpPr/>
+        <p:nvPr/>
+      </p:nvGrpSpPr>
+      <p:grpSpPr>
+        <a:xfrm>
+          <a:off x="0" y="0"/>
+          <a:ext cx="0" cy="0"/>
+          <a:chOff x="0" y="0"/>
+          <a:chExt cx="0" cy="0"/>
+        </a:xfrm>
+      </p:grpSpPr>
+      <p:sp>
+        <p:nvSpPr>
+          <p:cNvPr id="2" name="コンテンツ プレースホルダー 1">
+            <a:extLst>
+              <a:ext uri="{FF2B5EF4-FFF2-40B4-BE49-F238E27FC236}">
+                <a16:creationId xmlns:a16="http://schemas.microsoft.com/office/drawing/2014/main" id="{0F747879-0ADF-44BD-997D-C822933B7AC4}"/>
+              </a:ext>
+            </a:extLst>
+          </p:cNvPr>
+          <p:cNvSpPr>
+            <a:spLocks noGrp="1"/>
+          </p:cNvSpPr>
+          <p:nvPr>
+            <p:ph idx="1"/>
+          </p:nvPr>
+        </p:nvSpPr>
+        <p:spPr/>
+        <p:txBody>
+          <a:bodyPr/>
+          <a:lstStyle/>
+          <a:p>
+            <a:r>
+              <a:rPr kumimoji="1" lang="ja-JP" altLang="en-US"/>
+              <a:t>初めてブロックチェーンを暗号資産に応用</a:t>
+            </a:r>
+          </a:p>
+        </p:txBody>
+      </p:sp>
+      <p:sp>
+        <p:nvSpPr>
+          <p:cNvPr id="3" name="スライド番号プレースホルダー 2">
+            <a:extLst>
+              <a:ext uri="{FF2B5EF4-FFF2-40B4-BE49-F238E27FC236}">
+                <a16:creationId xmlns:a16="http://schemas.microsoft.com/office/drawing/2014/main" id="{743744E5-67DD-418C-A7F2-4824B50E31A0}"/>
+              </a:ext>
+            </a:extLst>
+          </p:cNvPr>
+          <p:cNvSpPr>
+            <a:spLocks noGrp="1"/>
+          </p:cNvSpPr>
+          <p:nvPr>
+            <p:ph type="sldNum" sz="quarter" idx="12"/>
+          </p:nvPr>
+        </p:nvSpPr>
+        <p:spPr/>
+        <p:txBody>
+          <a:bodyPr/>
+          <a:lstStyle/>
+          <a:p>
+            <a:pPr>
+              <a:defRPr/>
+            </a:pPr>
+            <a:r>
+              <a:rPr lang="en-US" altLang="ja-JP"/>
+              <a:t>    </a:t>
+            </a:r>
+            <a:fld id="{B2782DEB-472A-4FE5-AC34-C17109CF5A91}" type="slidenum">
+              <a:rPr lang="en-US" altLang="ja-JP" smtClean="0"/>
+              <a:pPr>
+                <a:defRPr/>
+              </a:pPr>
+              <a:t>39</a:t>
+            </a:fld>
+            <a:r>
+              <a:rPr lang="en-US" altLang="ja-JP"/>
+              <a:t> / 24</a:t>
+            </a:r>
+          </a:p>
+        </p:txBody>
+      </p:sp>
+      <p:sp>
+        <p:nvSpPr>
+          <p:cNvPr id="4" name="タイトル 3">
+            <a:extLst>
+              <a:ext uri="{FF2B5EF4-FFF2-40B4-BE49-F238E27FC236}">
+                <a16:creationId xmlns:a16="http://schemas.microsoft.com/office/drawing/2014/main" id="{37D8F190-11BC-411C-8286-E00E85333638}"/>
+              </a:ext>
+            </a:extLst>
+          </p:cNvPr>
+          <p:cNvSpPr>
+            <a:spLocks noGrp="1"/>
+          </p:cNvSpPr>
+          <p:nvPr>
+            <p:ph type="title"/>
+          </p:nvPr>
+        </p:nvSpPr>
+        <p:spPr/>
+        <p:txBody>
+          <a:bodyPr/>
+          <a:lstStyle/>
+          <a:p>
+            <a:r>
+              <a:rPr kumimoji="1" lang="ja-JP" altLang="en-US"/>
+              <a:t>ビットコイン</a:t>
+            </a:r>
+          </a:p>
+        </p:txBody>
+      </p:sp>
+    </p:spTree>
+    <p:extLst>
+      <p:ext uri="{BB962C8B-B14F-4D97-AF65-F5344CB8AC3E}">
+        <p14:creationId xmlns:p14="http://schemas.microsoft.com/office/powerpoint/2010/main" val="1250666977"/>
       </p:ext>
     </p:extLst>
   </p:cSld>

--- a/lec/anninbon7.pptx
+++ b/lec/anninbon7.pptx
@@ -5,10 +5,10 @@
     <p:sldMasterId id="2147483706" r:id="rId1"/>
   </p:sldMasterIdLst>
   <p:notesMasterIdLst>
-    <p:notesMasterId r:id="rId41"/>
+    <p:notesMasterId r:id="rId50"/>
   </p:notesMasterIdLst>
   <p:handoutMasterIdLst>
-    <p:handoutMasterId r:id="rId42"/>
+    <p:handoutMasterId r:id="rId51"/>
   </p:handoutMasterIdLst>
   <p:sldIdLst>
     <p:sldId id="552" r:id="rId2"/>
@@ -50,6 +50,15 @@
     <p:sldId id="628" r:id="rId38"/>
     <p:sldId id="629" r:id="rId39"/>
     <p:sldId id="630" r:id="rId40"/>
+    <p:sldId id="631" r:id="rId41"/>
+    <p:sldId id="632" r:id="rId42"/>
+    <p:sldId id="633" r:id="rId43"/>
+    <p:sldId id="634" r:id="rId44"/>
+    <p:sldId id="635" r:id="rId45"/>
+    <p:sldId id="636" r:id="rId46"/>
+    <p:sldId id="637" r:id="rId47"/>
+    <p:sldId id="638" r:id="rId48"/>
+    <p:sldId id="639" r:id="rId49"/>
   </p:sldIdLst>
   <p:sldSz cx="9144000" cy="6858000" type="screen4x3"/>
   <p:notesSz cx="7099300" cy="10234613"/>
@@ -222,6 +231,15 @@
             <p14:sldId id="628"/>
             <p14:sldId id="629"/>
             <p14:sldId id="630"/>
+            <p14:sldId id="631"/>
+            <p14:sldId id="632"/>
+            <p14:sldId id="633"/>
+            <p14:sldId id="634"/>
+            <p14:sldId id="635"/>
+            <p14:sldId id="636"/>
+            <p14:sldId id="637"/>
+            <p14:sldId id="638"/>
+            <p14:sldId id="639"/>
           </p14:sldIdLst>
         </p14:section>
       </p14:sectionLst>
@@ -9087,8 +9105,8 @@
           <a:chExt cx="0" cy="0"/>
         </a:xfrm>
       </p:grpSpPr>
-      <mc:AlternateContent xmlns:mc="http://schemas.openxmlformats.org/markup-compatibility/2006">
-        <mc:Choice xmlns:a14="http://schemas.microsoft.com/office/drawing/2010/main" Requires="a14">
+      <mc:AlternateContent xmlns:mc="http://schemas.openxmlformats.org/markup-compatibility/2006" xmlns:a14="http://schemas.microsoft.com/office/drawing/2010/main">
+        <mc:Choice Requires="a14">
           <p:sp>
             <p:nvSpPr>
               <p:cNvPr id="2" name="コンテンツ プレースホルダー 1">
@@ -9210,7 +9228,7 @@
             </p:txBody>
           </p:sp>
         </mc:Choice>
-        <mc:Fallback>
+        <mc:Fallback xmlns="">
           <p:sp>
             <p:nvSpPr>
               <p:cNvPr id="2" name="コンテンツ プレースホルダー 1">
@@ -10547,8 +10565,8 @@
           <a:chExt cx="0" cy="0"/>
         </a:xfrm>
       </p:grpSpPr>
-      <mc:AlternateContent xmlns:mc="http://schemas.openxmlformats.org/markup-compatibility/2006">
-        <mc:Choice xmlns:a14="http://schemas.microsoft.com/office/drawing/2010/main" Requires="a14">
+      <mc:AlternateContent xmlns:mc="http://schemas.openxmlformats.org/markup-compatibility/2006" xmlns:a14="http://schemas.microsoft.com/office/drawing/2010/main">
+        <mc:Choice Requires="a14">
           <p:sp>
             <p:nvSpPr>
               <p:cNvPr id="2" name="コンテンツ プレースホルダー 1">
@@ -10673,7 +10691,7 @@
             </p:txBody>
           </p:sp>
         </mc:Choice>
-        <mc:Fallback>
+        <mc:Fallback xmlns="">
           <p:sp>
             <p:nvSpPr>
               <p:cNvPr id="2" name="コンテンツ プレースホルダー 1">
@@ -11033,8 +11051,8 @@
           <a:chExt cx="0" cy="0"/>
         </a:xfrm>
       </p:grpSpPr>
-      <mc:AlternateContent xmlns:mc="http://schemas.openxmlformats.org/markup-compatibility/2006">
-        <mc:Choice xmlns:a14="http://schemas.microsoft.com/office/drawing/2010/main" Requires="a14">
+      <mc:AlternateContent xmlns:mc="http://schemas.openxmlformats.org/markup-compatibility/2006" xmlns:a14="http://schemas.microsoft.com/office/drawing/2010/main">
+        <mc:Choice Requires="a14">
           <p:sp>
             <p:nvSpPr>
               <p:cNvPr id="2" name="コンテンツ プレースホルダー 1">
@@ -11340,7 +11358,7 @@
             </p:txBody>
           </p:sp>
         </mc:Choice>
-        <mc:Fallback>
+        <mc:Fallback xmlns="">
           <p:sp>
             <p:nvSpPr>
               <p:cNvPr id="2" name="コンテンツ プレースホルダー 1">
@@ -12363,6 +12381,36 @@
           <a:chExt cx="0" cy="0"/>
         </a:xfrm>
       </p:grpSpPr>
+      <p:pic>
+        <p:nvPicPr>
+          <p:cNvPr id="8" name="図 7">
+            <a:extLst>
+              <a:ext uri="{FF2B5EF4-FFF2-40B4-BE49-F238E27FC236}">
+                <a16:creationId xmlns:a16="http://schemas.microsoft.com/office/drawing/2014/main" id="{393A9A4D-4EFE-48FF-B435-7557F8D88E1A}"/>
+              </a:ext>
+            </a:extLst>
+          </p:cNvPr>
+          <p:cNvPicPr>
+            <a:picLocks noChangeAspect="1"/>
+          </p:cNvPicPr>
+          <p:nvPr/>
+        </p:nvPicPr>
+        <p:blipFill>
+          <a:blip r:embed="rId2"/>
+          <a:stretch>
+            <a:fillRect/>
+          </a:stretch>
+        </p:blipFill>
+        <p:spPr>
+          <a:xfrm>
+            <a:off x="467544" y="5930830"/>
+            <a:ext cx="7884368" cy="699978"/>
+          </a:xfrm>
+          <a:prstGeom prst="rect">
+            <a:avLst/>
+          </a:prstGeom>
+        </p:spPr>
+      </p:pic>
       <p:sp>
         <p:nvSpPr>
           <p:cNvPr id="2" name="コンテンツ プレースホルダー 1">
@@ -12388,6 +12436,115 @@
               <a:rPr kumimoji="1" lang="ja-JP" altLang="en-US"/>
               <a:t>初めてブロックチェーンを暗号資産に応用</a:t>
             </a:r>
+            <a:endParaRPr kumimoji="1" lang="en-US" altLang="ja-JP"/>
+          </a:p>
+          <a:p>
+            <a:pPr lvl="1"/>
+            <a:r>
+              <a:rPr kumimoji="1" lang="ja-JP" altLang="en-US"/>
+              <a:t>ハッシュ関数と署名の応用</a:t>
+            </a:r>
+            <a:r>
+              <a:rPr kumimoji="1" lang="en-US" altLang="ja-JP"/>
+              <a:t>(</a:t>
+            </a:r>
+            <a:r>
+              <a:rPr kumimoji="1" lang="ja-JP" altLang="en-US"/>
+              <a:t>「暗号化」機能は使ってない</a:t>
+            </a:r>
+            <a:r>
+              <a:rPr kumimoji="1" lang="en-US" altLang="ja-JP"/>
+              <a:t>!)</a:t>
+            </a:r>
+          </a:p>
+          <a:p>
+            <a:r>
+              <a:rPr kumimoji="1" lang="ja-JP" altLang="en-US"/>
+              <a:t>トランザクション</a:t>
+            </a:r>
+            <a:endParaRPr kumimoji="1" lang="en-US" altLang="ja-JP"/>
+          </a:p>
+          <a:p>
+            <a:pPr lvl="1"/>
+            <a:r>
+              <a:rPr kumimoji="1" lang="ja-JP" altLang="en-US"/>
+              <a:t>「ある人からある人に資産が移動した」という取引履歴</a:t>
+            </a:r>
+            <a:endParaRPr kumimoji="1" lang="en-US" altLang="ja-JP"/>
+          </a:p>
+          <a:p>
+            <a:pPr lvl="1"/>
+            <a:r>
+              <a:rPr kumimoji="1" lang="ja-JP" altLang="en-US"/>
+              <a:t>トランザクションをいくつかまとめてブロックにする</a:t>
+            </a:r>
+            <a:endParaRPr kumimoji="1" lang="en-US" altLang="ja-JP"/>
+          </a:p>
+          <a:p>
+            <a:r>
+              <a:rPr kumimoji="1" lang="ja-JP" altLang="en-US"/>
+              <a:t>ブロックをハッシュ値の連鎖で管理する</a:t>
+            </a:r>
+            <a:endParaRPr kumimoji="1" lang="en-US" altLang="ja-JP"/>
+          </a:p>
+          <a:p>
+            <a:pPr lvl="2"/>
+            <a:r>
+              <a:rPr kumimoji="1" lang="ja-JP" altLang="en-US"/>
+              <a:t>資産の移動履歴だけが記録される</a:t>
+            </a:r>
+            <a:endParaRPr kumimoji="1" lang="en-US" altLang="ja-JP"/>
+          </a:p>
+          <a:p>
+            <a:pPr lvl="2"/>
+            <a:r>
+              <a:rPr kumimoji="1" lang="ja-JP" altLang="en-US"/>
+              <a:t>ある人の現在の資産残高は記載されていない</a:t>
+            </a:r>
+            <a:endParaRPr kumimoji="1" lang="en-US" altLang="ja-JP"/>
+          </a:p>
+          <a:p>
+            <a:r>
+              <a:rPr kumimoji="1" lang="ja-JP" altLang="en-US"/>
+              <a:t>ビットコインアドレス</a:t>
+            </a:r>
+            <a:endParaRPr kumimoji="1" lang="en-US" altLang="ja-JP"/>
+          </a:p>
+          <a:p>
+            <a:pPr lvl="1"/>
+            <a:r>
+              <a:rPr lang="en-US" altLang="ja-JP"/>
+              <a:t>ECDSA</a:t>
+            </a:r>
+            <a:r>
+              <a:rPr lang="ja-JP" altLang="en-US"/>
+              <a:t>の検証鍵の</a:t>
+            </a:r>
+            <a:r>
+              <a:rPr lang="en-US" altLang="ja-JP"/>
+              <a:t>SHA-256</a:t>
+            </a:r>
+            <a:r>
+              <a:rPr lang="ja-JP" altLang="en-US"/>
+              <a:t>と</a:t>
+            </a:r>
+            <a:r>
+              <a:rPr lang="en-US" altLang="ja-JP"/>
+              <a:t>RIPEMD160</a:t>
+            </a:r>
+            <a:r>
+              <a:rPr lang="ja-JP" altLang="en-US"/>
+              <a:t>によるハッシュ値</a:t>
+            </a:r>
+            <a:endParaRPr lang="en-US" altLang="ja-JP"/>
+          </a:p>
+          <a:p>
+            <a:pPr lvl="1"/>
+            <a:r>
+              <a:rPr lang="ja-JP" altLang="en-US"/>
+              <a:t>銀行口座番号に相当</a:t>
+            </a:r>
+            <a:endParaRPr lang="en-US" altLang="ja-JP"/>
           </a:p>
         </p:txBody>
       </p:sp>
@@ -12930,6 +13087,2820 @@
     <p:extLst>
       <p:ext uri="{BB962C8B-B14F-4D97-AF65-F5344CB8AC3E}">
         <p14:creationId xmlns:p14="http://schemas.microsoft.com/office/powerpoint/2010/main" val="2172962467"/>
+      </p:ext>
+    </p:extLst>
+  </p:cSld>
+  <p:clrMapOvr>
+    <a:masterClrMapping/>
+  </p:clrMapOvr>
+</p:sld>
+</file>
+
+<file path=ppt/slides/slide40.xml><?xml version="1.0" encoding="utf-8"?>
+<p:sld xmlns:a="http://schemas.openxmlformats.org/drawingml/2006/main" xmlns:r="http://schemas.openxmlformats.org/officeDocument/2006/relationships" xmlns:p="http://schemas.openxmlformats.org/presentationml/2006/main">
+  <p:cSld>
+    <p:spTree>
+      <p:nvGrpSpPr>
+        <p:cNvPr id="1" name=""/>
+        <p:cNvGrpSpPr/>
+        <p:nvPr/>
+      </p:nvGrpSpPr>
+      <p:grpSpPr>
+        <a:xfrm>
+          <a:off x="0" y="0"/>
+          <a:ext cx="0" cy="0"/>
+          <a:chOff x="0" y="0"/>
+          <a:chExt cx="0" cy="0"/>
+        </a:xfrm>
+      </p:grpSpPr>
+      <mc:AlternateContent xmlns:mc="http://schemas.openxmlformats.org/markup-compatibility/2006">
+        <mc:Choice xmlns:a14="http://schemas.microsoft.com/office/drawing/2010/main" Requires="a14">
+          <p:sp>
+            <p:nvSpPr>
+              <p:cNvPr id="2" name="コンテンツ プレースホルダー 1">
+                <a:extLst>
+                  <a:ext uri="{FF2B5EF4-FFF2-40B4-BE49-F238E27FC236}">
+                    <a16:creationId xmlns:a16="http://schemas.microsoft.com/office/drawing/2014/main" id="{3250768C-613F-4CC8-B84E-A401414AD145}"/>
+                  </a:ext>
+                </a:extLst>
+              </p:cNvPr>
+              <p:cNvSpPr>
+                <a:spLocks noGrp="1"/>
+              </p:cNvSpPr>
+              <p:nvPr>
+                <p:ph idx="1"/>
+              </p:nvPr>
+            </p:nvSpPr>
+            <p:spPr/>
+            <p:txBody>
+              <a:bodyPr/>
+              <a:lstStyle/>
+              <a:p>
+                <a:pPr lvl="1">
+                  <a:buFont typeface="+mj-lt"/>
+                  <a:buAutoNum type="arabicPeriod"/>
+                </a:pPr>
+                <a:r>
+                  <a:rPr lang="ja-JP" altLang="en-US" b="1"/>
+                  <a:t>コインの存在</a:t>
+                </a:r>
+                <a:r>
+                  <a:rPr lang="ja-JP" altLang="en-US"/>
+                  <a:t> </a:t>
+                </a:r>
+                <a:r>
+                  <a:rPr lang="en-US" altLang="ja-JP"/>
+                  <a:t>: </a:t>
+                </a:r>
+                <a:r>
+                  <a:rPr lang="ja-JP" altLang="en-US"/>
+                  <a:t>「コイン</a:t>
+                </a:r>
+                <a:r>
+                  <a:rPr lang="en-US" altLang="ja-JP"/>
+                  <a:t>10BTC</a:t>
+                </a:r>
+                <a:r>
+                  <a:rPr lang="ja-JP" altLang="en-US"/>
+                  <a:t>が、あるビットコインアドレスからビットコインアドレス</a:t>
+                </a:r>
+                <a14:m>
+                  <m:oMath xmlns:m="http://schemas.openxmlformats.org/officeDocument/2006/math">
+                    <m:sSub>
+                      <m:sSubPr>
+                        <m:ctrlPr>
+                          <a:rPr lang="en-US" altLang="ja-JP" b="0" i="1" smtClean="0">
+                            <a:latin typeface="Cambria Math" panose="02040503050406030204" pitchFamily="18" charset="0"/>
+                          </a:rPr>
+                        </m:ctrlPr>
+                      </m:sSubPr>
+                      <m:e>
+                        <m:r>
+                          <a:rPr lang="en-US" altLang="ja-JP" b="0" i="1" smtClean="0">
+                            <a:latin typeface="Cambria Math" panose="02040503050406030204" pitchFamily="18" charset="0"/>
+                          </a:rPr>
+                          <m:t>𝑎</m:t>
+                        </m:r>
+                      </m:e>
+                      <m:sub>
+                        <m:r>
+                          <a:rPr lang="en-US" altLang="ja-JP" b="0" i="1" smtClean="0">
+                            <a:latin typeface="Cambria Math" panose="02040503050406030204" pitchFamily="18" charset="0"/>
+                          </a:rPr>
+                          <m:t>𝐴</m:t>
+                        </m:r>
+                      </m:sub>
+                    </m:sSub>
+                  </m:oMath>
+                </a14:m>
+                <a:r>
+                  <a:rPr lang="ja-JP" altLang="en-US"/>
+                  <a:t>に移動した」という</a:t>
+                </a:r>
+                <a:br>
+                  <a:rPr lang="en-US" altLang="ja-JP"/>
+                </a:br>
+                <a:r>
+                  <a:rPr lang="ja-JP" altLang="en-US"/>
+                  <a:t>トランザクション</a:t>
+                </a:r>
+                <a:r>
+                  <a:rPr lang="en-US" altLang="ja-JP"/>
+                  <a:t>T</a:t>
+                </a:r>
+                <a:r>
+                  <a:rPr lang="ja-JP" altLang="en-US"/>
+                  <a:t>がブロックチェーンに含まれている</a:t>
+                </a:r>
+                <a:endParaRPr lang="en-US" altLang="ja-JP"/>
+              </a:p>
+              <a:p>
+                <a:pPr lvl="1">
+                  <a:buFont typeface="+mj-lt"/>
+                  <a:buAutoNum type="arabicPeriod"/>
+                </a:pPr>
+                <a:r>
+                  <a:rPr lang="ja-JP" altLang="en-US" b="1"/>
+                  <a:t>所有者</a:t>
+                </a:r>
+                <a:r>
+                  <a:rPr lang="ja-JP" altLang="en-US"/>
+                  <a:t> </a:t>
+                </a:r>
+                <a:r>
+                  <a:rPr lang="en-US" altLang="ja-JP"/>
+                  <a:t>: </a:t>
+                </a:r>
+                <a:r>
+                  <a:rPr lang="ja-JP" altLang="en-US"/>
+                  <a:t>アリスがビットコインアドレス</a:t>
+                </a:r>
+                <a14:m>
+                  <m:oMath xmlns:m="http://schemas.openxmlformats.org/officeDocument/2006/math">
+                    <m:sSub>
+                      <m:sSubPr>
+                        <m:ctrlPr>
+                          <a:rPr lang="en-US" altLang="ja-JP" i="1">
+                            <a:latin typeface="Cambria Math" panose="02040503050406030204" pitchFamily="18" charset="0"/>
+                          </a:rPr>
+                        </m:ctrlPr>
+                      </m:sSubPr>
+                      <m:e>
+                        <m:r>
+                          <a:rPr lang="en-US" altLang="ja-JP" i="1">
+                            <a:latin typeface="Cambria Math" panose="02040503050406030204" pitchFamily="18" charset="0"/>
+                          </a:rPr>
+                          <m:t>𝑎</m:t>
+                        </m:r>
+                      </m:e>
+                      <m:sub>
+                        <m:r>
+                          <a:rPr lang="en-US" altLang="ja-JP" i="1">
+                            <a:latin typeface="Cambria Math" panose="02040503050406030204" pitchFamily="18" charset="0"/>
+                          </a:rPr>
+                          <m:t>𝐴</m:t>
+                        </m:r>
+                      </m:sub>
+                    </m:sSub>
+                  </m:oMath>
+                </a14:m>
+                <a:r>
+                  <a:rPr lang="ja-JP" altLang="en-US"/>
+                  <a:t>に対応する</a:t>
+                </a:r>
+                <a:br>
+                  <a:rPr lang="en-US" altLang="ja-JP"/>
+                </a:br>
+                <a:r>
+                  <a:rPr lang="ja-JP" altLang="en-US"/>
+                  <a:t>署名鍵</a:t>
+                </a:r>
+                <a14:m>
+                  <m:oMath xmlns:m="http://schemas.openxmlformats.org/officeDocument/2006/math">
+                    <m:sSub>
+                      <m:sSubPr>
+                        <m:ctrlPr>
+                          <a:rPr lang="en-US" altLang="ja-JP" b="0" i="1" smtClean="0">
+                            <a:latin typeface="Cambria Math" panose="02040503050406030204" pitchFamily="18" charset="0"/>
+                          </a:rPr>
+                        </m:ctrlPr>
+                      </m:sSubPr>
+                      <m:e>
+                        <m:r>
+                          <a:rPr lang="en-US" altLang="ja-JP" b="0" i="1" smtClean="0">
+                            <a:latin typeface="Cambria Math" panose="02040503050406030204" pitchFamily="18" charset="0"/>
+                          </a:rPr>
+                          <m:t>𝑠</m:t>
+                        </m:r>
+                      </m:e>
+                      <m:sub>
+                        <m:r>
+                          <a:rPr lang="en-US" altLang="ja-JP" b="0" i="1" smtClean="0">
+                            <a:latin typeface="Cambria Math" panose="02040503050406030204" pitchFamily="18" charset="0"/>
+                          </a:rPr>
+                          <m:t>𝐴</m:t>
+                        </m:r>
+                      </m:sub>
+                    </m:sSub>
+                  </m:oMath>
+                </a14:m>
+                <a:r>
+                  <a:rPr lang="ja-JP" altLang="en-US"/>
+                  <a:t>を持っている</a:t>
+                </a:r>
+                <a:endParaRPr lang="en-US" altLang="ja-JP"/>
+              </a:p>
+              <a:p>
+                <a:pPr lvl="1">
+                  <a:buFont typeface="+mj-lt"/>
+                  <a:buAutoNum type="arabicPeriod"/>
+                </a:pPr>
+                <a:r>
+                  <a:rPr lang="ja-JP" altLang="en-US" b="1"/>
+                  <a:t>未使用</a:t>
+                </a:r>
+                <a:r>
+                  <a:rPr lang="ja-JP" altLang="en-US"/>
+                  <a:t> </a:t>
+                </a:r>
+                <a:r>
+                  <a:rPr lang="en-US" altLang="ja-JP"/>
+                  <a:t>: </a:t>
+                </a:r>
+                <a:r>
+                  <a:rPr lang="ja-JP" altLang="en-US"/>
+                  <a:t>「</a:t>
+                </a:r>
+                <a:r>
+                  <a:rPr lang="en-US" altLang="ja-JP"/>
+                  <a:t>a_A</a:t>
+                </a:r>
+                <a:r>
+                  <a:rPr lang="ja-JP" altLang="en-US"/>
+                  <a:t>から別のビットコインアドレスに移動した」</a:t>
+                </a:r>
+                <a:br>
+                  <a:rPr lang="en-US" altLang="ja-JP"/>
+                </a:br>
+                <a:r>
+                  <a:rPr lang="ja-JP" altLang="en-US"/>
+                  <a:t>というトランザクションが存在しない</a:t>
+                </a:r>
+              </a:p>
+              <a:p>
+                <a:endParaRPr kumimoji="1" lang="ja-JP" altLang="en-US"/>
+              </a:p>
+            </p:txBody>
+          </p:sp>
+        </mc:Choice>
+        <mc:Fallback>
+          <p:sp>
+            <p:nvSpPr>
+              <p:cNvPr id="2" name="コンテンツ プレースホルダー 1">
+                <a:extLst>
+                  <a:ext uri="{FF2B5EF4-FFF2-40B4-BE49-F238E27FC236}">
+                    <a16:creationId xmlns:a16="http://schemas.microsoft.com/office/drawing/2014/main" id="{3250768C-613F-4CC8-B84E-A401414AD145}"/>
+                  </a:ext>
+                </a:extLst>
+              </p:cNvPr>
+              <p:cNvSpPr>
+                <a:spLocks noGrp="1" noRot="1" noChangeAspect="1" noMove="1" noResize="1" noEditPoints="1" noAdjustHandles="1" noChangeArrowheads="1" noChangeShapeType="1" noTextEdit="1"/>
+              </p:cNvSpPr>
+              <p:nvPr>
+                <p:ph idx="1"/>
+              </p:nvPr>
+            </p:nvSpPr>
+            <p:spPr>
+              <a:blipFill>
+                <a:blip r:embed="rId2"/>
+                <a:stretch>
+                  <a:fillRect t="-1765" r="-467"/>
+                </a:stretch>
+              </a:blipFill>
+            </p:spPr>
+            <p:txBody>
+              <a:bodyPr/>
+              <a:lstStyle/>
+              <a:p>
+                <a:r>
+                  <a:rPr lang="ja-JP" altLang="en-US">
+                    <a:noFill/>
+                  </a:rPr>
+                  <a:t> </a:t>
+                </a:r>
+              </a:p>
+            </p:txBody>
+          </p:sp>
+        </mc:Fallback>
+      </mc:AlternateContent>
+      <p:sp>
+        <p:nvSpPr>
+          <p:cNvPr id="3" name="スライド番号プレースホルダー 2">
+            <a:extLst>
+              <a:ext uri="{FF2B5EF4-FFF2-40B4-BE49-F238E27FC236}">
+                <a16:creationId xmlns:a16="http://schemas.microsoft.com/office/drawing/2014/main" id="{BDEDCEC9-E5D6-4F86-9FAC-F3763DF1EDF3}"/>
+              </a:ext>
+            </a:extLst>
+          </p:cNvPr>
+          <p:cNvSpPr>
+            <a:spLocks noGrp="1"/>
+          </p:cNvSpPr>
+          <p:nvPr>
+            <p:ph type="sldNum" sz="quarter" idx="12"/>
+          </p:nvPr>
+        </p:nvSpPr>
+        <p:spPr/>
+        <p:txBody>
+          <a:bodyPr/>
+          <a:lstStyle/>
+          <a:p>
+            <a:pPr>
+              <a:defRPr/>
+            </a:pPr>
+            <a:r>
+              <a:rPr lang="en-US" altLang="ja-JP"/>
+              <a:t>    </a:t>
+            </a:r>
+            <a:fld id="{B2782DEB-472A-4FE5-AC34-C17109CF5A91}" type="slidenum">
+              <a:rPr lang="en-US" altLang="ja-JP" smtClean="0"/>
+              <a:pPr>
+                <a:defRPr/>
+              </a:pPr>
+              <a:t>40</a:t>
+            </a:fld>
+            <a:r>
+              <a:rPr lang="en-US" altLang="ja-JP"/>
+              <a:t> / 24</a:t>
+            </a:r>
+          </a:p>
+        </p:txBody>
+      </p:sp>
+      <p:sp>
+        <p:nvSpPr>
+          <p:cNvPr id="4" name="タイトル 3">
+            <a:extLst>
+              <a:ext uri="{FF2B5EF4-FFF2-40B4-BE49-F238E27FC236}">
+                <a16:creationId xmlns:a16="http://schemas.microsoft.com/office/drawing/2014/main" id="{EAA18CC8-EABF-43CE-85EE-3C18F2274982}"/>
+              </a:ext>
+            </a:extLst>
+          </p:cNvPr>
+          <p:cNvSpPr>
+            <a:spLocks noGrp="1"/>
+          </p:cNvSpPr>
+          <p:nvPr>
+            <p:ph type="title"/>
+          </p:nvPr>
+        </p:nvSpPr>
+        <p:spPr/>
+        <p:txBody>
+          <a:bodyPr/>
+          <a:lstStyle/>
+          <a:p>
+            <a:r>
+              <a:rPr kumimoji="1" lang="ja-JP" altLang="en-US"/>
+              <a:t>アリスが</a:t>
+            </a:r>
+            <a:r>
+              <a:rPr kumimoji="1" lang="en-US" altLang="ja-JP"/>
+              <a:t>10BTC</a:t>
+            </a:r>
+            <a:r>
+              <a:rPr kumimoji="1" lang="ja-JP" altLang="en-US"/>
+              <a:t>持っているとは</a:t>
+            </a:r>
+            <a:endParaRPr kumimoji="1" lang="en-US" altLang="ja-JP"/>
+          </a:p>
+        </p:txBody>
+      </p:sp>
+      <p:pic>
+        <p:nvPicPr>
+          <p:cNvPr id="6" name="図 5">
+            <a:extLst>
+              <a:ext uri="{FF2B5EF4-FFF2-40B4-BE49-F238E27FC236}">
+                <a16:creationId xmlns:a16="http://schemas.microsoft.com/office/drawing/2014/main" id="{184B0AE4-8482-4D1F-B9A3-C349EE1290FC}"/>
+              </a:ext>
+            </a:extLst>
+          </p:cNvPr>
+          <p:cNvPicPr>
+            <a:picLocks noChangeAspect="1"/>
+          </p:cNvPicPr>
+          <p:nvPr/>
+        </p:nvPicPr>
+        <p:blipFill>
+          <a:blip r:embed="rId3">
+            <a:extLst>
+              <a:ext uri="{28A0092B-C50C-407E-A947-70E740481C1C}">
+                <a14:useLocalDpi xmlns:a14="http://schemas.microsoft.com/office/drawing/2010/main" val="0"/>
+              </a:ext>
+            </a:extLst>
+          </a:blip>
+          <a:stretch>
+            <a:fillRect/>
+          </a:stretch>
+        </p:blipFill>
+        <p:spPr>
+          <a:xfrm>
+            <a:off x="993411" y="3507435"/>
+            <a:ext cx="7157178" cy="3140212"/>
+          </a:xfrm>
+          <a:prstGeom prst="rect">
+            <a:avLst/>
+          </a:prstGeom>
+        </p:spPr>
+      </p:pic>
+    </p:spTree>
+    <p:extLst>
+      <p:ext uri="{BB962C8B-B14F-4D97-AF65-F5344CB8AC3E}">
+        <p14:creationId xmlns:p14="http://schemas.microsoft.com/office/powerpoint/2010/main" val="2826917249"/>
+      </p:ext>
+    </p:extLst>
+  </p:cSld>
+  <p:clrMapOvr>
+    <a:masterClrMapping/>
+  </p:clrMapOvr>
+</p:sld>
+</file>
+
+<file path=ppt/slides/slide41.xml><?xml version="1.0" encoding="utf-8"?>
+<p:sld xmlns:a="http://schemas.openxmlformats.org/drawingml/2006/main" xmlns:r="http://schemas.openxmlformats.org/officeDocument/2006/relationships" xmlns:p="http://schemas.openxmlformats.org/presentationml/2006/main">
+  <p:cSld>
+    <p:spTree>
+      <p:nvGrpSpPr>
+        <p:cNvPr id="1" name=""/>
+        <p:cNvGrpSpPr/>
+        <p:nvPr/>
+      </p:nvGrpSpPr>
+      <p:grpSpPr>
+        <a:xfrm>
+          <a:off x="0" y="0"/>
+          <a:ext cx="0" cy="0"/>
+          <a:chOff x="0" y="0"/>
+          <a:chExt cx="0" cy="0"/>
+        </a:xfrm>
+      </p:grpSpPr>
+      <mc:AlternateContent xmlns:mc="http://schemas.openxmlformats.org/markup-compatibility/2006">
+        <mc:Choice xmlns:a14="http://schemas.microsoft.com/office/drawing/2010/main" Requires="a14">
+          <p:sp>
+            <p:nvSpPr>
+              <p:cNvPr id="2" name="コンテンツ プレースホルダー 1">
+                <a:extLst>
+                  <a:ext uri="{FF2B5EF4-FFF2-40B4-BE49-F238E27FC236}">
+                    <a16:creationId xmlns:a16="http://schemas.microsoft.com/office/drawing/2014/main" id="{C7FA0656-4EFC-4013-9E6A-6D7882882AB8}"/>
+                  </a:ext>
+                </a:extLst>
+              </p:cNvPr>
+              <p:cNvSpPr>
+                <a:spLocks noGrp="1"/>
+              </p:cNvSpPr>
+              <p:nvPr>
+                <p:ph idx="1"/>
+              </p:nvPr>
+            </p:nvSpPr>
+            <p:spPr/>
+            <p:txBody>
+              <a:bodyPr/>
+              <a:lstStyle/>
+              <a:p>
+                <a:r>
+                  <a:rPr kumimoji="1" lang="ja-JP" altLang="en-US"/>
+                  <a:t>アリスがボブに</a:t>
+                </a:r>
+                <a:r>
+                  <a:rPr kumimoji="1" lang="en-US" altLang="ja-JP"/>
+                  <a:t>2BT</a:t>
+                </a:r>
+                <a:r>
+                  <a:rPr kumimoji="1" lang="ja-JP" altLang="en-US"/>
+                  <a:t>を送金するとは</a:t>
+                </a:r>
+                <a:endParaRPr kumimoji="1" lang="en-US" altLang="ja-JP"/>
+              </a:p>
+              <a:p>
+                <a:pPr lvl="1"/>
+                <a:r>
+                  <a:rPr kumimoji="1" lang="ja-JP" altLang="en-US"/>
+                  <a:t>アリスは新しいビットコインアドレス</a:t>
+                </a:r>
+                <a14:m>
+                  <m:oMath xmlns:m="http://schemas.openxmlformats.org/officeDocument/2006/math">
+                    <m:r>
+                      <a:rPr kumimoji="1" lang="en-US" altLang="ja-JP" b="0" i="1" smtClean="0">
+                        <a:latin typeface="Cambria Math" panose="02040503050406030204" pitchFamily="18" charset="0"/>
+                      </a:rPr>
+                      <m:t>(</m:t>
+                    </m:r>
+                    <m:sSubSup>
+                      <m:sSubSupPr>
+                        <m:ctrlPr>
+                          <a:rPr kumimoji="1" lang="en-US" altLang="ja-JP" b="0" i="1" smtClean="0">
+                            <a:latin typeface="Cambria Math" panose="02040503050406030204" pitchFamily="18" charset="0"/>
+                          </a:rPr>
+                        </m:ctrlPr>
+                      </m:sSubSupPr>
+                      <m:e>
+                        <m:r>
+                          <a:rPr kumimoji="1" lang="en-US" altLang="ja-JP" b="0" i="1" smtClean="0">
+                            <a:latin typeface="Cambria Math" panose="02040503050406030204" pitchFamily="18" charset="0"/>
+                          </a:rPr>
+                          <m:t>𝑠</m:t>
+                        </m:r>
+                      </m:e>
+                      <m:sub>
+                        <m:r>
+                          <a:rPr kumimoji="1" lang="en-US" altLang="ja-JP" b="0" i="1" smtClean="0">
+                            <a:latin typeface="Cambria Math" panose="02040503050406030204" pitchFamily="18" charset="0"/>
+                          </a:rPr>
+                          <m:t>𝐴</m:t>
+                        </m:r>
+                      </m:sub>
+                      <m:sup>
+                        <m:r>
+                          <a:rPr kumimoji="1" lang="en-US" altLang="ja-JP" b="0" i="1" smtClean="0">
+                            <a:latin typeface="Cambria Math" panose="02040503050406030204" pitchFamily="18" charset="0"/>
+                          </a:rPr>
+                          <m:t>′</m:t>
+                        </m:r>
+                      </m:sup>
+                    </m:sSubSup>
+                    <m:r>
+                      <a:rPr kumimoji="1" lang="en-US" altLang="ja-JP" b="0" i="1" smtClean="0">
+                        <a:latin typeface="Cambria Math" panose="02040503050406030204" pitchFamily="18" charset="0"/>
+                      </a:rPr>
+                      <m:t>,</m:t>
+                    </m:r>
+                    <m:sSubSup>
+                      <m:sSubSupPr>
+                        <m:ctrlPr>
+                          <a:rPr kumimoji="1" lang="en-US" altLang="ja-JP" b="0" i="1" smtClean="0">
+                            <a:latin typeface="Cambria Math" panose="02040503050406030204" pitchFamily="18" charset="0"/>
+                          </a:rPr>
+                        </m:ctrlPr>
+                      </m:sSubSupPr>
+                      <m:e>
+                        <m:r>
+                          <a:rPr kumimoji="1" lang="en-US" altLang="ja-JP" b="0" i="1" smtClean="0">
+                            <a:latin typeface="Cambria Math" panose="02040503050406030204" pitchFamily="18" charset="0"/>
+                          </a:rPr>
+                          <m:t>𝑆</m:t>
+                        </m:r>
+                      </m:e>
+                      <m:sub>
+                        <m:r>
+                          <a:rPr kumimoji="1" lang="en-US" altLang="ja-JP" b="0" i="1" smtClean="0">
+                            <a:latin typeface="Cambria Math" panose="02040503050406030204" pitchFamily="18" charset="0"/>
+                          </a:rPr>
+                          <m:t>𝐴</m:t>
+                        </m:r>
+                      </m:sub>
+                      <m:sup>
+                        <m:r>
+                          <a:rPr kumimoji="1" lang="en-US" altLang="ja-JP" b="0" i="1" smtClean="0">
+                            <a:latin typeface="Cambria Math" panose="02040503050406030204" pitchFamily="18" charset="0"/>
+                          </a:rPr>
+                          <m:t>′</m:t>
+                        </m:r>
+                      </m:sup>
+                    </m:sSubSup>
+                    <m:r>
+                      <a:rPr kumimoji="1" lang="en-US" altLang="ja-JP" b="0" i="1" smtClean="0">
+                        <a:latin typeface="Cambria Math" panose="02040503050406030204" pitchFamily="18" charset="0"/>
+                      </a:rPr>
+                      <m:t>,</m:t>
+                    </m:r>
+                    <m:sSubSup>
+                      <m:sSubSupPr>
+                        <m:ctrlPr>
+                          <a:rPr lang="en-US" altLang="ja-JP" i="1">
+                            <a:latin typeface="Cambria Math" panose="02040503050406030204" pitchFamily="18" charset="0"/>
+                          </a:rPr>
+                        </m:ctrlPr>
+                      </m:sSubSupPr>
+                      <m:e>
+                        <m:r>
+                          <a:rPr lang="en-US" altLang="ja-JP" i="1">
+                            <a:latin typeface="Cambria Math" panose="02040503050406030204" pitchFamily="18" charset="0"/>
+                          </a:rPr>
+                          <m:t>𝑎</m:t>
+                        </m:r>
+                      </m:e>
+                      <m:sub>
+                        <m:r>
+                          <a:rPr lang="en-US" altLang="ja-JP" i="1">
+                            <a:latin typeface="Cambria Math" panose="02040503050406030204" pitchFamily="18" charset="0"/>
+                          </a:rPr>
+                          <m:t>𝐴</m:t>
+                        </m:r>
+                      </m:sub>
+                      <m:sup>
+                        <m:r>
+                          <a:rPr lang="en-US" altLang="ja-JP" i="1">
+                            <a:latin typeface="Cambria Math" panose="02040503050406030204" pitchFamily="18" charset="0"/>
+                          </a:rPr>
+                          <m:t>′</m:t>
+                        </m:r>
+                      </m:sup>
+                    </m:sSubSup>
+                    <m:r>
+                      <a:rPr kumimoji="1" lang="en-US" altLang="ja-JP" b="0" i="1" smtClean="0">
+                        <a:latin typeface="Cambria Math" panose="02040503050406030204" pitchFamily="18" charset="0"/>
+                      </a:rPr>
+                      <m:t>)</m:t>
+                    </m:r>
+                  </m:oMath>
+                </a14:m>
+                <a:r>
+                  <a:rPr kumimoji="1" lang="ja-JP" altLang="en-US"/>
+                  <a:t>を作る</a:t>
+                </a:r>
+                <a:endParaRPr kumimoji="1" lang="en-US" altLang="ja-JP"/>
+              </a:p>
+              <a:p>
+                <a:pPr lvl="1"/>
+                <a:r>
+                  <a:rPr kumimoji="1" lang="ja-JP" altLang="en-US"/>
+                  <a:t>ボブも</a:t>
+                </a:r>
+                <a14:m>
+                  <m:oMath xmlns:m="http://schemas.openxmlformats.org/officeDocument/2006/math">
+                    <m:r>
+                      <a:rPr kumimoji="1" lang="en-US" altLang="ja-JP" b="0" i="1" smtClean="0">
+                        <a:latin typeface="Cambria Math" panose="02040503050406030204" pitchFamily="18" charset="0"/>
+                      </a:rPr>
+                      <m:t>(</m:t>
+                    </m:r>
+                    <m:sSub>
+                      <m:sSubPr>
+                        <m:ctrlPr>
+                          <a:rPr kumimoji="1" lang="en-US" altLang="ja-JP" b="0" i="1" smtClean="0">
+                            <a:latin typeface="Cambria Math" panose="02040503050406030204" pitchFamily="18" charset="0"/>
+                          </a:rPr>
+                        </m:ctrlPr>
+                      </m:sSubPr>
+                      <m:e>
+                        <m:r>
+                          <a:rPr kumimoji="1" lang="en-US" altLang="ja-JP" b="0" i="1" smtClean="0">
+                            <a:latin typeface="Cambria Math" panose="02040503050406030204" pitchFamily="18" charset="0"/>
+                          </a:rPr>
+                          <m:t>𝑠</m:t>
+                        </m:r>
+                      </m:e>
+                      <m:sub>
+                        <m:r>
+                          <a:rPr kumimoji="1" lang="en-US" altLang="ja-JP" b="0" i="1" smtClean="0">
+                            <a:latin typeface="Cambria Math" panose="02040503050406030204" pitchFamily="18" charset="0"/>
+                          </a:rPr>
+                          <m:t>𝐵</m:t>
+                        </m:r>
+                      </m:sub>
+                    </m:sSub>
+                    <m:r>
+                      <a:rPr kumimoji="1" lang="en-US" altLang="ja-JP" b="0" i="1" smtClean="0">
+                        <a:latin typeface="Cambria Math" panose="02040503050406030204" pitchFamily="18" charset="0"/>
+                      </a:rPr>
+                      <m:t>,</m:t>
+                    </m:r>
+                    <m:sSub>
+                      <m:sSubPr>
+                        <m:ctrlPr>
+                          <a:rPr kumimoji="1" lang="en-US" altLang="ja-JP" b="0" i="1" smtClean="0">
+                            <a:latin typeface="Cambria Math" panose="02040503050406030204" pitchFamily="18" charset="0"/>
+                          </a:rPr>
+                        </m:ctrlPr>
+                      </m:sSubPr>
+                      <m:e>
+                        <m:r>
+                          <a:rPr kumimoji="1" lang="en-US" altLang="ja-JP" b="0" i="1" smtClean="0">
+                            <a:latin typeface="Cambria Math" panose="02040503050406030204" pitchFamily="18" charset="0"/>
+                          </a:rPr>
+                          <m:t>𝑆</m:t>
+                        </m:r>
+                      </m:e>
+                      <m:sub>
+                        <m:r>
+                          <a:rPr kumimoji="1" lang="en-US" altLang="ja-JP" b="0" i="1" smtClean="0">
+                            <a:latin typeface="Cambria Math" panose="02040503050406030204" pitchFamily="18" charset="0"/>
+                          </a:rPr>
+                          <m:t>𝐵</m:t>
+                        </m:r>
+                      </m:sub>
+                    </m:sSub>
+                    <m:r>
+                      <a:rPr kumimoji="1" lang="en-US" altLang="ja-JP" b="0" i="1" smtClean="0">
+                        <a:latin typeface="Cambria Math" panose="02040503050406030204" pitchFamily="18" charset="0"/>
+                      </a:rPr>
+                      <m:t>,</m:t>
+                    </m:r>
+                    <m:sSub>
+                      <m:sSubPr>
+                        <m:ctrlPr>
+                          <a:rPr kumimoji="1" lang="en-US" altLang="ja-JP" b="0" i="1" smtClean="0">
+                            <a:latin typeface="Cambria Math" panose="02040503050406030204" pitchFamily="18" charset="0"/>
+                          </a:rPr>
+                        </m:ctrlPr>
+                      </m:sSubPr>
+                      <m:e>
+                        <m:r>
+                          <a:rPr kumimoji="1" lang="en-US" altLang="ja-JP" b="0" i="1" smtClean="0">
+                            <a:latin typeface="Cambria Math" panose="02040503050406030204" pitchFamily="18" charset="0"/>
+                          </a:rPr>
+                          <m:t>𝑎</m:t>
+                        </m:r>
+                      </m:e>
+                      <m:sub>
+                        <m:r>
+                          <a:rPr kumimoji="1" lang="en-US" altLang="ja-JP" b="0" i="1" smtClean="0">
+                            <a:latin typeface="Cambria Math" panose="02040503050406030204" pitchFamily="18" charset="0"/>
+                          </a:rPr>
+                          <m:t>𝐵</m:t>
+                        </m:r>
+                      </m:sub>
+                    </m:sSub>
+                    <m:r>
+                      <a:rPr kumimoji="1" lang="en-US" altLang="ja-JP" b="0" i="1" smtClean="0">
+                        <a:latin typeface="Cambria Math" panose="02040503050406030204" pitchFamily="18" charset="0"/>
+                      </a:rPr>
+                      <m:t>)</m:t>
+                    </m:r>
+                  </m:oMath>
+                </a14:m>
+                <a:r>
+                  <a:rPr kumimoji="1" lang="ja-JP" altLang="en-US"/>
+                  <a:t>を作る</a:t>
+                </a:r>
+                <a:endParaRPr kumimoji="1" lang="en-US" altLang="ja-JP"/>
+              </a:p>
+              <a:p>
+                <a:pPr lvl="1"/>
+                <a:r>
+                  <a:rPr kumimoji="1" lang="ja-JP" altLang="en-US"/>
+                  <a:t>アリスが</a:t>
+                </a:r>
+                <a14:m>
+                  <m:oMath xmlns:m="http://schemas.openxmlformats.org/officeDocument/2006/math">
+                    <m:sSub>
+                      <m:sSubPr>
+                        <m:ctrlPr>
+                          <a:rPr kumimoji="1" lang="en-US" altLang="ja-JP" b="0" i="1" smtClean="0">
+                            <a:latin typeface="Cambria Math" panose="02040503050406030204" pitchFamily="18" charset="0"/>
+                          </a:rPr>
+                        </m:ctrlPr>
+                      </m:sSubPr>
+                      <m:e>
+                        <m:r>
+                          <a:rPr kumimoji="1" lang="en-US" altLang="ja-JP" b="0" i="1" smtClean="0">
+                            <a:latin typeface="Cambria Math" panose="02040503050406030204" pitchFamily="18" charset="0"/>
+                          </a:rPr>
+                          <m:t>𝑎</m:t>
+                        </m:r>
+                      </m:e>
+                      <m:sub>
+                        <m:r>
+                          <a:rPr kumimoji="1" lang="en-US" altLang="ja-JP" b="0" i="1" smtClean="0">
+                            <a:latin typeface="Cambria Math" panose="02040503050406030204" pitchFamily="18" charset="0"/>
+                          </a:rPr>
+                          <m:t>𝐵</m:t>
+                        </m:r>
+                      </m:sub>
+                    </m:sSub>
+                  </m:oMath>
+                </a14:m>
+                <a:r>
+                  <a:rPr kumimoji="1" lang="ja-JP" altLang="en-US"/>
+                  <a:t>に向けてのトランザクション</a:t>
+                </a:r>
+                <a14:m>
+                  <m:oMath xmlns:m="http://schemas.openxmlformats.org/officeDocument/2006/math">
+                    <m:r>
+                      <a:rPr kumimoji="1" lang="en-US" altLang="ja-JP" b="0" i="1" smtClean="0">
+                        <a:latin typeface="Cambria Math" panose="02040503050406030204" pitchFamily="18" charset="0"/>
+                      </a:rPr>
+                      <m:t>𝑇</m:t>
+                    </m:r>
+                    <m:r>
+                      <a:rPr kumimoji="1" lang="en-US" altLang="ja-JP" b="0" i="1" smtClean="0">
+                        <a:latin typeface="Cambria Math" panose="02040503050406030204" pitchFamily="18" charset="0"/>
+                      </a:rPr>
+                      <m:t>′</m:t>
+                    </m:r>
+                  </m:oMath>
+                </a14:m>
+                <a:r>
+                  <a:rPr kumimoji="1" lang="ja-JP" altLang="en-US"/>
+                  <a:t>を作成する</a:t>
+                </a:r>
+                <a:endParaRPr kumimoji="1" lang="en-US" altLang="ja-JP"/>
+              </a:p>
+              <a:p>
+                <a:pPr lvl="1"/>
+                <a14:m>
+                  <m:oMath xmlns:m="http://schemas.openxmlformats.org/officeDocument/2006/math">
+                    <m:r>
+                      <a:rPr kumimoji="1" lang="en-US" altLang="ja-JP" b="0" i="1" smtClean="0">
+                        <a:latin typeface="Cambria Math" panose="02040503050406030204" pitchFamily="18" charset="0"/>
+                      </a:rPr>
+                      <m:t>𝑇</m:t>
+                    </m:r>
+                    <m:r>
+                      <a:rPr kumimoji="1" lang="en-US" altLang="ja-JP" b="0" i="1" smtClean="0">
+                        <a:latin typeface="Cambria Math" panose="02040503050406030204" pitchFamily="18" charset="0"/>
+                      </a:rPr>
+                      <m:t>′</m:t>
+                    </m:r>
+                  </m:oMath>
+                </a14:m>
+                <a:r>
+                  <a:rPr kumimoji="1" lang="ja-JP" altLang="en-US"/>
+                  <a:t>がブロックチェーンに取り込まれると送金完了</a:t>
+                </a:r>
+              </a:p>
+            </p:txBody>
+          </p:sp>
+        </mc:Choice>
+        <mc:Fallback>
+          <p:sp>
+            <p:nvSpPr>
+              <p:cNvPr id="2" name="コンテンツ プレースホルダー 1">
+                <a:extLst>
+                  <a:ext uri="{FF2B5EF4-FFF2-40B4-BE49-F238E27FC236}">
+                    <a16:creationId xmlns:a16="http://schemas.microsoft.com/office/drawing/2014/main" id="{C7FA0656-4EFC-4013-9E6A-6D7882882AB8}"/>
+                  </a:ext>
+                </a:extLst>
+              </p:cNvPr>
+              <p:cNvSpPr>
+                <a:spLocks noGrp="1" noRot="1" noChangeAspect="1" noMove="1" noResize="1" noEditPoints="1" noAdjustHandles="1" noChangeArrowheads="1" noChangeShapeType="1" noTextEdit="1"/>
+              </p:cNvSpPr>
+              <p:nvPr>
+                <p:ph idx="1"/>
+              </p:nvPr>
+            </p:nvSpPr>
+            <p:spPr>
+              <a:blipFill>
+                <a:blip r:embed="rId2"/>
+                <a:stretch>
+                  <a:fillRect l="-1200" t="-1454"/>
+                </a:stretch>
+              </a:blipFill>
+            </p:spPr>
+            <p:txBody>
+              <a:bodyPr/>
+              <a:lstStyle/>
+              <a:p>
+                <a:r>
+                  <a:rPr lang="ja-JP" altLang="en-US">
+                    <a:noFill/>
+                  </a:rPr>
+                  <a:t> </a:t>
+                </a:r>
+              </a:p>
+            </p:txBody>
+          </p:sp>
+        </mc:Fallback>
+      </mc:AlternateContent>
+      <p:sp>
+        <p:nvSpPr>
+          <p:cNvPr id="3" name="スライド番号プレースホルダー 2">
+            <a:extLst>
+              <a:ext uri="{FF2B5EF4-FFF2-40B4-BE49-F238E27FC236}">
+                <a16:creationId xmlns:a16="http://schemas.microsoft.com/office/drawing/2014/main" id="{236B36F0-1BFA-4332-8881-B762D5BE5B89}"/>
+              </a:ext>
+            </a:extLst>
+          </p:cNvPr>
+          <p:cNvSpPr>
+            <a:spLocks noGrp="1"/>
+          </p:cNvSpPr>
+          <p:nvPr>
+            <p:ph type="sldNum" sz="quarter" idx="12"/>
+          </p:nvPr>
+        </p:nvSpPr>
+        <p:spPr/>
+        <p:txBody>
+          <a:bodyPr/>
+          <a:lstStyle/>
+          <a:p>
+            <a:pPr>
+              <a:defRPr/>
+            </a:pPr>
+            <a:r>
+              <a:rPr lang="en-US" altLang="ja-JP"/>
+              <a:t>    </a:t>
+            </a:r>
+            <a:fld id="{B2782DEB-472A-4FE5-AC34-C17109CF5A91}" type="slidenum">
+              <a:rPr lang="en-US" altLang="ja-JP" smtClean="0"/>
+              <a:pPr>
+                <a:defRPr/>
+              </a:pPr>
+              <a:t>41</a:t>
+            </a:fld>
+            <a:r>
+              <a:rPr lang="en-US" altLang="ja-JP"/>
+              <a:t> / 24</a:t>
+            </a:r>
+          </a:p>
+        </p:txBody>
+      </p:sp>
+      <p:sp>
+        <p:nvSpPr>
+          <p:cNvPr id="4" name="タイトル 3">
+            <a:extLst>
+              <a:ext uri="{FF2B5EF4-FFF2-40B4-BE49-F238E27FC236}">
+                <a16:creationId xmlns:a16="http://schemas.microsoft.com/office/drawing/2014/main" id="{FB7E55DB-16EC-40EE-9FB1-274C1B249CB5}"/>
+              </a:ext>
+            </a:extLst>
+          </p:cNvPr>
+          <p:cNvSpPr>
+            <a:spLocks noGrp="1"/>
+          </p:cNvSpPr>
+          <p:nvPr>
+            <p:ph type="title"/>
+          </p:nvPr>
+        </p:nvSpPr>
+        <p:spPr/>
+        <p:txBody>
+          <a:bodyPr/>
+          <a:lstStyle/>
+          <a:p>
+            <a:r>
+              <a:rPr kumimoji="1" lang="ja-JP" altLang="en-US"/>
+              <a:t>トランザクション</a:t>
+            </a:r>
+          </a:p>
+        </p:txBody>
+      </p:sp>
+      <p:pic>
+        <p:nvPicPr>
+          <p:cNvPr id="6" name="図 5">
+            <a:extLst>
+              <a:ext uri="{FF2B5EF4-FFF2-40B4-BE49-F238E27FC236}">
+                <a16:creationId xmlns:a16="http://schemas.microsoft.com/office/drawing/2014/main" id="{96FF7BAD-B5A1-47E0-ADBC-F958BAE812D6}"/>
+              </a:ext>
+            </a:extLst>
+          </p:cNvPr>
+          <p:cNvPicPr>
+            <a:picLocks noChangeAspect="1"/>
+          </p:cNvPicPr>
+          <p:nvPr/>
+        </p:nvPicPr>
+        <p:blipFill>
+          <a:blip r:embed="rId3">
+            <a:extLst>
+              <a:ext uri="{28A0092B-C50C-407E-A947-70E740481C1C}">
+                <a14:useLocalDpi xmlns:a14="http://schemas.microsoft.com/office/drawing/2010/main" val="0"/>
+              </a:ext>
+            </a:extLst>
+          </a:blip>
+          <a:stretch>
+            <a:fillRect/>
+          </a:stretch>
+        </p:blipFill>
+        <p:spPr>
+          <a:xfrm>
+            <a:off x="1115616" y="2937337"/>
+            <a:ext cx="6493959" cy="3615863"/>
+          </a:xfrm>
+          <a:prstGeom prst="rect">
+            <a:avLst/>
+          </a:prstGeom>
+        </p:spPr>
+      </p:pic>
+    </p:spTree>
+    <p:extLst>
+      <p:ext uri="{BB962C8B-B14F-4D97-AF65-F5344CB8AC3E}">
+        <p14:creationId xmlns:p14="http://schemas.microsoft.com/office/powerpoint/2010/main" val="1187763078"/>
+      </p:ext>
+    </p:extLst>
+  </p:cSld>
+  <p:clrMapOvr>
+    <a:masterClrMapping/>
+  </p:clrMapOvr>
+</p:sld>
+</file>
+
+<file path=ppt/slides/slide42.xml><?xml version="1.0" encoding="utf-8"?>
+<p:sld xmlns:a="http://schemas.openxmlformats.org/drawingml/2006/main" xmlns:r="http://schemas.openxmlformats.org/officeDocument/2006/relationships" xmlns:p="http://schemas.openxmlformats.org/presentationml/2006/main">
+  <p:cSld>
+    <p:spTree>
+      <p:nvGrpSpPr>
+        <p:cNvPr id="1" name=""/>
+        <p:cNvGrpSpPr/>
+        <p:nvPr/>
+      </p:nvGrpSpPr>
+      <p:grpSpPr>
+        <a:xfrm>
+          <a:off x="0" y="0"/>
+          <a:ext cx="0" cy="0"/>
+          <a:chOff x="0" y="0"/>
+          <a:chExt cx="0" cy="0"/>
+        </a:xfrm>
+      </p:grpSpPr>
+      <p:sp>
+        <p:nvSpPr>
+          <p:cNvPr id="2" name="コンテンツ プレースホルダー 1">
+            <a:extLst>
+              <a:ext uri="{FF2B5EF4-FFF2-40B4-BE49-F238E27FC236}">
+                <a16:creationId xmlns:a16="http://schemas.microsoft.com/office/drawing/2014/main" id="{66E2BA58-2BAA-45D3-8CB8-0D25901B2E92}"/>
+              </a:ext>
+            </a:extLst>
+          </p:cNvPr>
+          <p:cNvSpPr>
+            <a:spLocks noGrp="1"/>
+          </p:cNvSpPr>
+          <p:nvPr>
+            <p:ph idx="1"/>
+          </p:nvPr>
+        </p:nvSpPr>
+        <p:spPr/>
+        <p:txBody>
+          <a:bodyPr/>
+          <a:lstStyle/>
+          <a:p>
+            <a:r>
+              <a:rPr kumimoji="1" lang="ja-JP" altLang="en-US"/>
+              <a:t>正しいチェーン</a:t>
+            </a:r>
+            <a:endParaRPr kumimoji="1" lang="en-US" altLang="ja-JP"/>
+          </a:p>
+          <a:p>
+            <a:pPr lvl="1"/>
+            <a:r>
+              <a:rPr kumimoji="1" lang="ja-JP" altLang="en-US"/>
+              <a:t>チェーンを延ばすとビットコインを得られる</a:t>
+            </a:r>
+            <a:r>
+              <a:rPr kumimoji="1" lang="en-US" altLang="ja-JP"/>
+              <a:t>(</a:t>
+            </a:r>
+            <a:r>
+              <a:rPr kumimoji="1" lang="ja-JP" altLang="en-US"/>
+              <a:t>マイニング</a:t>
+            </a:r>
+            <a:r>
+              <a:rPr kumimoji="1" lang="en-US" altLang="ja-JP"/>
+              <a:t>)</a:t>
+            </a:r>
+          </a:p>
+          <a:p>
+            <a:pPr lvl="2"/>
+            <a:r>
+              <a:rPr kumimoji="1" lang="ja-JP" altLang="en-US"/>
+              <a:t>チェーンを延ばすインセンティブ</a:t>
+            </a:r>
+            <a:endParaRPr kumimoji="1" lang="en-US" altLang="ja-JP"/>
+          </a:p>
+          <a:p>
+            <a:pPr lvl="2"/>
+            <a:r>
+              <a:rPr kumimoji="1" lang="ja-JP" altLang="en-US"/>
+              <a:t>二重送金を含むブロックは無視される</a:t>
+            </a:r>
+            <a:endParaRPr kumimoji="1" lang="en-US" altLang="ja-JP"/>
+          </a:p>
+          <a:p>
+            <a:pPr lvl="1"/>
+            <a:r>
+              <a:rPr kumimoji="1" lang="ja-JP" altLang="en-US"/>
+              <a:t>最も長いチェーンが正しいチェーン</a:t>
+            </a:r>
+            <a:endParaRPr kumimoji="1" lang="en-US" altLang="ja-JP"/>
+          </a:p>
+          <a:p>
+            <a:pPr lvl="2"/>
+            <a:r>
+              <a:rPr kumimoji="1" lang="ja-JP" altLang="en-US"/>
+              <a:t>経験的に</a:t>
+            </a:r>
+            <a:r>
+              <a:rPr kumimoji="1" lang="en-US" altLang="ja-JP"/>
+              <a:t>6</a:t>
+            </a:r>
+            <a:r>
+              <a:rPr kumimoji="1" lang="ja-JP" altLang="en-US"/>
+              <a:t>ブロック伸びると取り込まれたと判断する</a:t>
+            </a:r>
+            <a:endParaRPr kumimoji="1" lang="en-US" altLang="ja-JP"/>
+          </a:p>
+          <a:p>
+            <a:pPr lvl="2"/>
+            <a:r>
+              <a:rPr kumimoji="1" lang="ja-JP" altLang="en-US"/>
+              <a:t>一時的にチェーンが分岐しても短い方は無視される</a:t>
+            </a:r>
+            <a:endParaRPr kumimoji="1" lang="en-US" altLang="ja-JP"/>
+          </a:p>
+          <a:p>
+            <a:pPr lvl="1"/>
+            <a:r>
+              <a:rPr kumimoji="1" lang="ja-JP" altLang="en-US"/>
+              <a:t>ブロックのハッシュ値がターゲット</a:t>
+            </a:r>
+            <a:r>
+              <a:rPr kumimoji="1" lang="en-US" altLang="ja-JP"/>
+              <a:t>t</a:t>
+            </a:r>
+            <a:r>
+              <a:rPr kumimoji="1" lang="ja-JP" altLang="en-US"/>
+              <a:t>よりも小さいのが正しい</a:t>
+            </a:r>
+            <a:endParaRPr kumimoji="1" lang="en-US" altLang="ja-JP"/>
+          </a:p>
+          <a:p>
+            <a:pPr lvl="2"/>
+            <a:r>
+              <a:rPr kumimoji="1" lang="ja-JP" altLang="en-US"/>
+              <a:t>ブロックを延ばすのに時間</a:t>
+            </a:r>
+            <a:r>
+              <a:rPr kumimoji="1" lang="en-US" altLang="ja-JP"/>
+              <a:t>(</a:t>
+            </a:r>
+            <a:r>
+              <a:rPr kumimoji="1" lang="ja-JP" altLang="en-US"/>
+              <a:t>計算資源</a:t>
+            </a:r>
+            <a:r>
+              <a:rPr kumimoji="1" lang="en-US" altLang="ja-JP"/>
+              <a:t>)</a:t>
+            </a:r>
+            <a:r>
+              <a:rPr kumimoji="1" lang="ja-JP" altLang="en-US"/>
+              <a:t>が掛かる</a:t>
+            </a:r>
+            <a:endParaRPr kumimoji="1" lang="en-US" altLang="ja-JP"/>
+          </a:p>
+          <a:p>
+            <a:pPr lvl="1"/>
+            <a:endParaRPr lang="en-US" altLang="ja-JP"/>
+          </a:p>
+          <a:p>
+            <a:pPr lvl="1"/>
+            <a:endParaRPr kumimoji="1" lang="en-US" altLang="ja-JP"/>
+          </a:p>
+          <a:p>
+            <a:pPr lvl="1"/>
+            <a:endParaRPr lang="en-US" altLang="ja-JP"/>
+          </a:p>
+          <a:p>
+            <a:pPr lvl="1"/>
+            <a:endParaRPr kumimoji="1" lang="en-US" altLang="ja-JP"/>
+          </a:p>
+        </p:txBody>
+      </p:sp>
+      <p:sp>
+        <p:nvSpPr>
+          <p:cNvPr id="3" name="スライド番号プレースホルダー 2">
+            <a:extLst>
+              <a:ext uri="{FF2B5EF4-FFF2-40B4-BE49-F238E27FC236}">
+                <a16:creationId xmlns:a16="http://schemas.microsoft.com/office/drawing/2014/main" id="{3FD5C5CE-1D17-4535-BD47-AE43F6402C65}"/>
+              </a:ext>
+            </a:extLst>
+          </p:cNvPr>
+          <p:cNvSpPr>
+            <a:spLocks noGrp="1"/>
+          </p:cNvSpPr>
+          <p:nvPr>
+            <p:ph type="sldNum" sz="quarter" idx="12"/>
+          </p:nvPr>
+        </p:nvSpPr>
+        <p:spPr/>
+        <p:txBody>
+          <a:bodyPr/>
+          <a:lstStyle/>
+          <a:p>
+            <a:pPr>
+              <a:defRPr/>
+            </a:pPr>
+            <a:r>
+              <a:rPr lang="en-US" altLang="ja-JP"/>
+              <a:t>    </a:t>
+            </a:r>
+            <a:fld id="{B2782DEB-472A-4FE5-AC34-C17109CF5A91}" type="slidenum">
+              <a:rPr lang="en-US" altLang="ja-JP" smtClean="0"/>
+              <a:pPr>
+                <a:defRPr/>
+              </a:pPr>
+              <a:t>42</a:t>
+            </a:fld>
+            <a:r>
+              <a:rPr lang="en-US" altLang="ja-JP"/>
+              <a:t> / 24</a:t>
+            </a:r>
+          </a:p>
+        </p:txBody>
+      </p:sp>
+      <p:sp>
+        <p:nvSpPr>
+          <p:cNvPr id="4" name="タイトル 3">
+            <a:extLst>
+              <a:ext uri="{FF2B5EF4-FFF2-40B4-BE49-F238E27FC236}">
+                <a16:creationId xmlns:a16="http://schemas.microsoft.com/office/drawing/2014/main" id="{FD015EBA-BCF6-41EF-8895-42B9FA20D418}"/>
+              </a:ext>
+            </a:extLst>
+          </p:cNvPr>
+          <p:cNvSpPr>
+            <a:spLocks noGrp="1"/>
+          </p:cNvSpPr>
+          <p:nvPr>
+            <p:ph type="title"/>
+          </p:nvPr>
+        </p:nvSpPr>
+        <p:spPr/>
+        <p:txBody>
+          <a:bodyPr/>
+          <a:lstStyle/>
+          <a:p>
+            <a:r>
+              <a:rPr kumimoji="1" lang="ja-JP" altLang="en-US"/>
+              <a:t>二重送金の防止とマイニング</a:t>
+            </a:r>
+          </a:p>
+        </p:txBody>
+      </p:sp>
+      <p:pic>
+        <p:nvPicPr>
+          <p:cNvPr id="6" name="図 5">
+            <a:extLst>
+              <a:ext uri="{FF2B5EF4-FFF2-40B4-BE49-F238E27FC236}">
+                <a16:creationId xmlns:a16="http://schemas.microsoft.com/office/drawing/2014/main" id="{0F60DCD8-1925-4004-9508-663F63F081CE}"/>
+              </a:ext>
+            </a:extLst>
+          </p:cNvPr>
+          <p:cNvPicPr>
+            <a:picLocks noChangeAspect="1"/>
+          </p:cNvPicPr>
+          <p:nvPr/>
+        </p:nvPicPr>
+        <p:blipFill>
+          <a:blip r:embed="rId2">
+            <a:extLst>
+              <a:ext uri="{28A0092B-C50C-407E-A947-70E740481C1C}">
+                <a14:useLocalDpi xmlns:a14="http://schemas.microsoft.com/office/drawing/2010/main" val="0"/>
+              </a:ext>
+            </a:extLst>
+          </a:blip>
+          <a:stretch>
+            <a:fillRect/>
+          </a:stretch>
+        </p:blipFill>
+        <p:spPr>
+          <a:xfrm>
+            <a:off x="827584" y="4913271"/>
+            <a:ext cx="7419791" cy="1734376"/>
+          </a:xfrm>
+          <a:prstGeom prst="rect">
+            <a:avLst/>
+          </a:prstGeom>
+        </p:spPr>
+      </p:pic>
+    </p:spTree>
+    <p:extLst>
+      <p:ext uri="{BB962C8B-B14F-4D97-AF65-F5344CB8AC3E}">
+        <p14:creationId xmlns:p14="http://schemas.microsoft.com/office/powerpoint/2010/main" val="2476458071"/>
+      </p:ext>
+    </p:extLst>
+  </p:cSld>
+  <p:clrMapOvr>
+    <a:masterClrMapping/>
+  </p:clrMapOvr>
+</p:sld>
+</file>
+
+<file path=ppt/slides/slide43.xml><?xml version="1.0" encoding="utf-8"?>
+<p:sld xmlns:a="http://schemas.openxmlformats.org/drawingml/2006/main" xmlns:r="http://schemas.openxmlformats.org/officeDocument/2006/relationships" xmlns:p="http://schemas.openxmlformats.org/presentationml/2006/main">
+  <p:cSld>
+    <p:spTree>
+      <p:nvGrpSpPr>
+        <p:cNvPr id="1" name=""/>
+        <p:cNvGrpSpPr/>
+        <p:nvPr/>
+      </p:nvGrpSpPr>
+      <p:grpSpPr>
+        <a:xfrm>
+          <a:off x="0" y="0"/>
+          <a:ext cx="0" cy="0"/>
+          <a:chOff x="0" y="0"/>
+          <a:chExt cx="0" cy="0"/>
+        </a:xfrm>
+      </p:grpSpPr>
+      <mc:AlternateContent xmlns:mc="http://schemas.openxmlformats.org/markup-compatibility/2006">
+        <mc:Choice xmlns:a14="http://schemas.microsoft.com/office/drawing/2010/main" Requires="a14">
+          <p:sp>
+            <p:nvSpPr>
+              <p:cNvPr id="2" name="コンテンツ プレースホルダー 1">
+                <a:extLst>
+                  <a:ext uri="{FF2B5EF4-FFF2-40B4-BE49-F238E27FC236}">
+                    <a16:creationId xmlns:a16="http://schemas.microsoft.com/office/drawing/2014/main" id="{F1CDBA32-6594-4AF0-86F8-183046D6A8CB}"/>
+                  </a:ext>
+                </a:extLst>
+              </p:cNvPr>
+              <p:cNvSpPr>
+                <a:spLocks noGrp="1"/>
+              </p:cNvSpPr>
+              <p:nvPr>
+                <p:ph idx="1"/>
+              </p:nvPr>
+            </p:nvSpPr>
+            <p:spPr/>
+            <p:txBody>
+              <a:bodyPr/>
+              <a:lstStyle/>
+              <a:p>
+                <a:r>
+                  <a:rPr kumimoji="1" lang="ja-JP" altLang="en-US"/>
+                  <a:t>ハッシュ値の先頭</a:t>
+                </a:r>
+                <a:r>
+                  <a:rPr kumimoji="1" lang="en-US" altLang="ja-JP"/>
+                  <a:t>N</a:t>
+                </a:r>
+                <a:r>
+                  <a:rPr kumimoji="1" lang="ja-JP" altLang="en-US"/>
+                  <a:t>ビットが</a:t>
+                </a:r>
+                <a:r>
+                  <a:rPr kumimoji="1" lang="en-US" altLang="ja-JP"/>
+                  <a:t>0</a:t>
+                </a:r>
+                <a:r>
+                  <a:rPr kumimoji="1" lang="ja-JP" altLang="en-US"/>
+                  <a:t>であるように</a:t>
+                </a:r>
+                <a:r>
+                  <a:rPr kumimoji="1" lang="en-US" altLang="ja-JP"/>
+                  <a:t>salt</a:t>
+                </a:r>
+                <a:r>
+                  <a:rPr kumimoji="1" lang="ja-JP" altLang="en-US"/>
+                  <a:t>を調整</a:t>
+                </a:r>
+                <a:endParaRPr kumimoji="1" lang="en-US" altLang="ja-JP"/>
+              </a:p>
+              <a:p>
+                <a:pPr lvl="1"/>
+                <a:r>
+                  <a:rPr lang="en-US" altLang="ja-JP"/>
+                  <a:t>N=8</a:t>
+                </a:r>
+                <a:r>
+                  <a:rPr lang="ja-JP" altLang="en-US"/>
+                  <a:t>なら</a:t>
+                </a:r>
+                <a:r>
+                  <a:rPr lang="en-US" altLang="ja-JP"/>
+                  <a:t>1/2^8</a:t>
+                </a:r>
+                <a:r>
+                  <a:rPr lang="ja-JP" altLang="en-US"/>
+                  <a:t>の確率で先頭</a:t>
+                </a:r>
+                <a:r>
+                  <a:rPr lang="en-US" altLang="ja-JP"/>
+                  <a:t>8bit</a:t>
+                </a:r>
+                <a:r>
+                  <a:rPr lang="ja-JP" altLang="en-US"/>
+                  <a:t>が</a:t>
+                </a:r>
+                <a:r>
+                  <a:rPr lang="en-US" altLang="ja-JP"/>
+                  <a:t>0</a:t>
+                </a:r>
+                <a:r>
+                  <a:rPr lang="ja-JP" altLang="en-US"/>
+                  <a:t>になる</a:t>
+                </a:r>
+                <a:endParaRPr lang="en-US" altLang="ja-JP"/>
+              </a:p>
+              <a:p>
+                <a:pPr lvl="1"/>
+                <a:endParaRPr kumimoji="1" lang="en-US" altLang="ja-JP"/>
+              </a:p>
+              <a:p>
+                <a:pPr lvl="1"/>
+                <a:endParaRPr lang="en-US" altLang="ja-JP"/>
+              </a:p>
+              <a:p>
+                <a:pPr lvl="1"/>
+                <a:endParaRPr kumimoji="1" lang="en-US" altLang="ja-JP"/>
+              </a:p>
+              <a:p>
+                <a:pPr lvl="1"/>
+                <a:endParaRPr lang="en-US" altLang="ja-JP"/>
+              </a:p>
+              <a:p>
+                <a:pPr lvl="1"/>
+                <a:endParaRPr kumimoji="1" lang="en-US" altLang="ja-JP"/>
+              </a:p>
+              <a:p>
+                <a:pPr lvl="1"/>
+                <a:endParaRPr lang="en-US" altLang="ja-JP"/>
+              </a:p>
+              <a:p>
+                <a:pPr lvl="1"/>
+                <a:endParaRPr kumimoji="1" lang="en-US" altLang="ja-JP"/>
+              </a:p>
+              <a:p>
+                <a:pPr lvl="1"/>
+                <a:r>
+                  <a:rPr kumimoji="1" lang="en-US" altLang="ja-JP"/>
+                  <a:t>2020</a:t>
+                </a:r>
+                <a:r>
+                  <a:rPr kumimoji="1" lang="ja-JP" altLang="en-US"/>
+                  <a:t>年で</a:t>
+                </a:r>
+                <a:r>
+                  <a:rPr kumimoji="1" lang="en-US" altLang="ja-JP"/>
+                  <a:t>N=80</a:t>
+                </a:r>
+                <a:r>
+                  <a:rPr kumimoji="1" lang="ja-JP" altLang="en-US"/>
+                  <a:t>ぐらい</a:t>
+                </a:r>
+                <a:r>
+                  <a:rPr kumimoji="1" lang="en-US" altLang="ja-JP"/>
+                  <a:t>(10</a:t>
+                </a:r>
+                <a:r>
+                  <a:rPr kumimoji="1" lang="ja-JP" altLang="en-US"/>
+                  <a:t>分に</a:t>
+                </a:r>
+                <a:r>
+                  <a:rPr kumimoji="1" lang="en-US" altLang="ja-JP"/>
+                  <a:t>1</a:t>
+                </a:r>
+                <a:r>
+                  <a:rPr kumimoji="1" lang="ja-JP" altLang="en-US"/>
+                  <a:t>個ブロックが伸びる</a:t>
+                </a:r>
+                <a:r>
+                  <a:rPr kumimoji="1" lang="en-US" altLang="ja-JP"/>
+                  <a:t>)</a:t>
+                </a:r>
+              </a:p>
+              <a:p>
+                <a:pPr lvl="1"/>
+                <a:r>
+                  <a:rPr kumimoji="1" lang="en-US" altLang="ja-JP"/>
+                  <a:t>1</a:t>
+                </a:r>
+                <a:r>
+                  <a:rPr kumimoji="1" lang="ja-JP" altLang="en-US"/>
+                  <a:t>秒間に</a:t>
+                </a:r>
+                <a:r>
+                  <a:rPr kumimoji="1" lang="en-US" altLang="ja-JP"/>
+                  <a:t>1.6x</a:t>
+                </a:r>
+                <a14:m>
+                  <m:oMath xmlns:m="http://schemas.openxmlformats.org/officeDocument/2006/math">
+                    <m:sSup>
+                      <m:sSupPr>
+                        <m:ctrlPr>
+                          <a:rPr kumimoji="1" lang="en-US" altLang="ja-JP" b="0" i="1" smtClean="0">
+                            <a:latin typeface="Cambria Math" panose="02040503050406030204" pitchFamily="18" charset="0"/>
+                          </a:rPr>
+                        </m:ctrlPr>
+                      </m:sSupPr>
+                      <m:e>
+                        <m:r>
+                          <a:rPr kumimoji="1" lang="en-US" altLang="ja-JP" b="0" i="1" smtClean="0">
+                            <a:latin typeface="Cambria Math" panose="02040503050406030204" pitchFamily="18" charset="0"/>
+                          </a:rPr>
+                          <m:t>10</m:t>
+                        </m:r>
+                      </m:e>
+                      <m:sup>
+                        <m:r>
+                          <a:rPr kumimoji="1" lang="en-US" altLang="ja-JP" b="0" i="1" smtClean="0">
+                            <a:latin typeface="Cambria Math" panose="02040503050406030204" pitchFamily="18" charset="0"/>
+                          </a:rPr>
+                          <m:t>20</m:t>
+                        </m:r>
+                      </m:sup>
+                    </m:sSup>
+                    <m:r>
+                      <a:rPr kumimoji="1" lang="en-US" altLang="ja-JP" b="0" i="1" smtClean="0">
+                        <a:latin typeface="Cambria Math" panose="02040503050406030204" pitchFamily="18" charset="0"/>
+                      </a:rPr>
+                      <m:t>(</m:t>
+                    </m:r>
+                    <m:r>
+                      <a:rPr lang="en-US" altLang="ja-JP" i="1">
+                        <a:latin typeface="Cambria Math" panose="02040503050406030204" pitchFamily="18" charset="0"/>
+                      </a:rPr>
+                      <m:t>160</m:t>
+                    </m:r>
+                    <m:r>
+                      <a:rPr lang="en-US" altLang="ja-JP" b="0" i="1" smtClean="0">
+                        <a:latin typeface="Cambria Math" panose="02040503050406030204" pitchFamily="18" charset="0"/>
+                      </a:rPr>
+                      <m:t>𝑚</m:t>
+                    </m:r>
+                    <m:r>
+                      <a:rPr lang="en-US" altLang="ja-JP" b="0" i="1" smtClean="0">
+                        <a:latin typeface="Cambria Math" panose="02040503050406030204" pitchFamily="18" charset="0"/>
+                      </a:rPr>
+                      <m:t> </m:t>
+                    </m:r>
+                    <m:r>
+                      <a:rPr lang="en-US" altLang="ja-JP" b="0" i="1" smtClean="0">
+                        <a:latin typeface="Cambria Math" panose="02040503050406030204" pitchFamily="18" charset="0"/>
+                      </a:rPr>
+                      <m:t>𝑇𝑒𝑟𝑎</m:t>
+                    </m:r>
+                    <m:r>
+                      <a:rPr lang="en-US" altLang="ja-JP" b="0" i="1" smtClean="0">
+                        <a:latin typeface="Cambria Math" panose="02040503050406030204" pitchFamily="18" charset="0"/>
+                      </a:rPr>
+                      <m:t> </m:t>
+                    </m:r>
+                    <m:r>
+                      <a:rPr lang="en-US" altLang="ja-JP" b="0" i="1" smtClean="0">
+                        <a:latin typeface="Cambria Math" panose="02040503050406030204" pitchFamily="18" charset="0"/>
+                      </a:rPr>
+                      <m:t>𝐻𝑎𝑠h</m:t>
+                    </m:r>
+                    <m:r>
+                      <a:rPr lang="en-US" altLang="ja-JP" b="0" i="1" smtClean="0">
+                        <a:latin typeface="Cambria Math" panose="02040503050406030204" pitchFamily="18" charset="0"/>
+                      </a:rPr>
+                      <m:t>/</m:t>
+                    </m:r>
+                    <m:r>
+                      <a:rPr lang="en-US" altLang="ja-JP" b="0" i="1" smtClean="0">
+                        <a:latin typeface="Cambria Math" panose="02040503050406030204" pitchFamily="18" charset="0"/>
+                      </a:rPr>
+                      <m:t>𝑠𝑒𝑐</m:t>
+                    </m:r>
+                    <m:r>
+                      <a:rPr kumimoji="1" lang="en-US" altLang="ja-JP" b="0" i="1" smtClean="0">
+                        <a:latin typeface="Cambria Math" panose="02040503050406030204" pitchFamily="18" charset="0"/>
+                      </a:rPr>
+                      <m:t>)</m:t>
+                    </m:r>
+                  </m:oMath>
+                </a14:m>
+                <a:endParaRPr kumimoji="1" lang="en-US" altLang="ja-JP"/>
+              </a:p>
+              <a:p>
+                <a:pPr lvl="2"/>
+                <a:r>
+                  <a:rPr kumimoji="1" lang="ja-JP" altLang="en-US"/>
+                  <a:t>電力消費の無駄・取引性能の低さ→オルトコインが有象無象</a:t>
+                </a:r>
+                <a:endParaRPr kumimoji="1" lang="en-US" altLang="ja-JP"/>
+              </a:p>
+              <a:p>
+                <a:pPr lvl="1"/>
+                <a:r>
+                  <a:rPr kumimoji="1" lang="ja-JP" altLang="en-US"/>
+                  <a:t>計算資源を</a:t>
+                </a:r>
+                <a:r>
+                  <a:rPr kumimoji="1" lang="en-US" altLang="ja-JP"/>
+                  <a:t>50%</a:t>
+                </a:r>
+                <a:r>
+                  <a:rPr kumimoji="1" lang="ja-JP" altLang="en-US"/>
+                  <a:t>独占すると思いのまま→信頼が無くなる</a:t>
+                </a:r>
+              </a:p>
+            </p:txBody>
+          </p:sp>
+        </mc:Choice>
+        <mc:Fallback>
+          <p:sp>
+            <p:nvSpPr>
+              <p:cNvPr id="2" name="コンテンツ プレースホルダー 1">
+                <a:extLst>
+                  <a:ext uri="{FF2B5EF4-FFF2-40B4-BE49-F238E27FC236}">
+                    <a16:creationId xmlns:a16="http://schemas.microsoft.com/office/drawing/2014/main" id="{F1CDBA32-6594-4AF0-86F8-183046D6A8CB}"/>
+                  </a:ext>
+                </a:extLst>
+              </p:cNvPr>
+              <p:cNvSpPr>
+                <a:spLocks noGrp="1" noRot="1" noChangeAspect="1" noMove="1" noResize="1" noEditPoints="1" noAdjustHandles="1" noChangeArrowheads="1" noChangeShapeType="1" noTextEdit="1"/>
+              </p:cNvSpPr>
+              <p:nvPr>
+                <p:ph idx="1"/>
+              </p:nvPr>
+            </p:nvSpPr>
+            <p:spPr>
+              <a:blipFill>
+                <a:blip r:embed="rId2"/>
+                <a:stretch>
+                  <a:fillRect l="-1200" t="-1454" b="-2285"/>
+                </a:stretch>
+              </a:blipFill>
+            </p:spPr>
+            <p:txBody>
+              <a:bodyPr/>
+              <a:lstStyle/>
+              <a:p>
+                <a:r>
+                  <a:rPr lang="ja-JP" altLang="en-US">
+                    <a:noFill/>
+                  </a:rPr>
+                  <a:t> </a:t>
+                </a:r>
+              </a:p>
+            </p:txBody>
+          </p:sp>
+        </mc:Fallback>
+      </mc:AlternateContent>
+      <p:sp>
+        <p:nvSpPr>
+          <p:cNvPr id="3" name="スライド番号プレースホルダー 2">
+            <a:extLst>
+              <a:ext uri="{FF2B5EF4-FFF2-40B4-BE49-F238E27FC236}">
+                <a16:creationId xmlns:a16="http://schemas.microsoft.com/office/drawing/2014/main" id="{CBF22FF6-E1E1-458C-9DCA-5AE28385D2AC}"/>
+              </a:ext>
+            </a:extLst>
+          </p:cNvPr>
+          <p:cNvSpPr>
+            <a:spLocks noGrp="1"/>
+          </p:cNvSpPr>
+          <p:nvPr>
+            <p:ph type="sldNum" sz="quarter" idx="12"/>
+          </p:nvPr>
+        </p:nvSpPr>
+        <p:spPr/>
+        <p:txBody>
+          <a:bodyPr/>
+          <a:lstStyle/>
+          <a:p>
+            <a:pPr>
+              <a:defRPr/>
+            </a:pPr>
+            <a:r>
+              <a:rPr lang="en-US" altLang="ja-JP"/>
+              <a:t>    </a:t>
+            </a:r>
+            <a:fld id="{B2782DEB-472A-4FE5-AC34-C17109CF5A91}" type="slidenum">
+              <a:rPr lang="en-US" altLang="ja-JP" smtClean="0"/>
+              <a:pPr>
+                <a:defRPr/>
+              </a:pPr>
+              <a:t>43</a:t>
+            </a:fld>
+            <a:r>
+              <a:rPr lang="en-US" altLang="ja-JP"/>
+              <a:t> / 24</a:t>
+            </a:r>
+          </a:p>
+        </p:txBody>
+      </p:sp>
+      <p:sp>
+        <p:nvSpPr>
+          <p:cNvPr id="4" name="タイトル 3">
+            <a:extLst>
+              <a:ext uri="{FF2B5EF4-FFF2-40B4-BE49-F238E27FC236}">
+                <a16:creationId xmlns:a16="http://schemas.microsoft.com/office/drawing/2014/main" id="{337068CF-1A4A-4236-9BAF-300E42B752BA}"/>
+              </a:ext>
+            </a:extLst>
+          </p:cNvPr>
+          <p:cNvSpPr>
+            <a:spLocks noGrp="1"/>
+          </p:cNvSpPr>
+          <p:nvPr>
+            <p:ph type="title"/>
+          </p:nvPr>
+        </p:nvSpPr>
+        <p:spPr/>
+        <p:txBody>
+          <a:bodyPr/>
+          <a:lstStyle/>
+          <a:p>
+            <a:r>
+              <a:rPr kumimoji="1" lang="ja-JP" altLang="en-US"/>
+              <a:t>マイニング</a:t>
+            </a:r>
+          </a:p>
+        </p:txBody>
+      </p:sp>
+      <p:pic>
+        <p:nvPicPr>
+          <p:cNvPr id="6" name="図 5">
+            <a:extLst>
+              <a:ext uri="{FF2B5EF4-FFF2-40B4-BE49-F238E27FC236}">
+                <a16:creationId xmlns:a16="http://schemas.microsoft.com/office/drawing/2014/main" id="{EB7F6007-5F6E-4746-98C6-60975C8FD95E}"/>
+              </a:ext>
+            </a:extLst>
+          </p:cNvPr>
+          <p:cNvPicPr>
+            <a:picLocks noChangeAspect="1"/>
+          </p:cNvPicPr>
+          <p:nvPr/>
+        </p:nvPicPr>
+        <p:blipFill>
+          <a:blip r:embed="rId3">
+            <a:extLst>
+              <a:ext uri="{28A0092B-C50C-407E-A947-70E740481C1C}">
+                <a14:useLocalDpi xmlns:a14="http://schemas.microsoft.com/office/drawing/2010/main" val="0"/>
+              </a:ext>
+            </a:extLst>
+          </a:blip>
+          <a:stretch>
+            <a:fillRect/>
+          </a:stretch>
+        </p:blipFill>
+        <p:spPr>
+          <a:xfrm>
+            <a:off x="1331640" y="1628800"/>
+            <a:ext cx="5832648" cy="3142339"/>
+          </a:xfrm>
+          <a:prstGeom prst="rect">
+            <a:avLst/>
+          </a:prstGeom>
+        </p:spPr>
+      </p:pic>
+    </p:spTree>
+    <p:extLst>
+      <p:ext uri="{BB962C8B-B14F-4D97-AF65-F5344CB8AC3E}">
+        <p14:creationId xmlns:p14="http://schemas.microsoft.com/office/powerpoint/2010/main" val="353064484"/>
+      </p:ext>
+    </p:extLst>
+  </p:cSld>
+  <p:clrMapOvr>
+    <a:masterClrMapping/>
+  </p:clrMapOvr>
+</p:sld>
+</file>
+
+<file path=ppt/slides/slide44.xml><?xml version="1.0" encoding="utf-8"?>
+<p:sld xmlns:a="http://schemas.openxmlformats.org/drawingml/2006/main" xmlns:r="http://schemas.openxmlformats.org/officeDocument/2006/relationships" xmlns:p="http://schemas.openxmlformats.org/presentationml/2006/main">
+  <p:cSld>
+    <p:spTree>
+      <p:nvGrpSpPr>
+        <p:cNvPr id="1" name=""/>
+        <p:cNvGrpSpPr/>
+        <p:nvPr/>
+      </p:nvGrpSpPr>
+      <p:grpSpPr>
+        <a:xfrm>
+          <a:off x="0" y="0"/>
+          <a:ext cx="0" cy="0"/>
+          <a:chOff x="0" y="0"/>
+          <a:chExt cx="0" cy="0"/>
+        </a:xfrm>
+      </p:grpSpPr>
+      <p:sp>
+        <p:nvSpPr>
+          <p:cNvPr id="2" name="コンテンツ プレースホルダー 1">
+            <a:extLst>
+              <a:ext uri="{FF2B5EF4-FFF2-40B4-BE49-F238E27FC236}">
+                <a16:creationId xmlns:a16="http://schemas.microsoft.com/office/drawing/2014/main" id="{5B93930B-329D-4767-BA21-B008687FF38D}"/>
+              </a:ext>
+            </a:extLst>
+          </p:cNvPr>
+          <p:cNvSpPr>
+            <a:spLocks noGrp="1"/>
+          </p:cNvSpPr>
+          <p:nvPr>
+            <p:ph idx="1"/>
+          </p:nvPr>
+        </p:nvSpPr>
+        <p:spPr/>
+        <p:txBody>
+          <a:bodyPr/>
+          <a:lstStyle/>
+          <a:p>
+            <a:r>
+              <a:rPr kumimoji="1" lang="ja-JP" altLang="en-US"/>
+              <a:t>暗号技術とは別の仕組みが必要</a:t>
+            </a:r>
+          </a:p>
+        </p:txBody>
+      </p:sp>
+      <p:sp>
+        <p:nvSpPr>
+          <p:cNvPr id="3" name="スライド番号プレースホルダー 2">
+            <a:extLst>
+              <a:ext uri="{FF2B5EF4-FFF2-40B4-BE49-F238E27FC236}">
+                <a16:creationId xmlns:a16="http://schemas.microsoft.com/office/drawing/2014/main" id="{A814F760-3D34-4AC0-8554-178EC1FA9FEF}"/>
+              </a:ext>
+            </a:extLst>
+          </p:cNvPr>
+          <p:cNvSpPr>
+            <a:spLocks noGrp="1"/>
+          </p:cNvSpPr>
+          <p:nvPr>
+            <p:ph type="sldNum" sz="quarter" idx="12"/>
+          </p:nvPr>
+        </p:nvSpPr>
+        <p:spPr/>
+        <p:txBody>
+          <a:bodyPr/>
+          <a:lstStyle/>
+          <a:p>
+            <a:pPr>
+              <a:defRPr/>
+            </a:pPr>
+            <a:r>
+              <a:rPr lang="en-US" altLang="ja-JP"/>
+              <a:t>    </a:t>
+            </a:r>
+            <a:fld id="{B2782DEB-472A-4FE5-AC34-C17109CF5A91}" type="slidenum">
+              <a:rPr lang="en-US" altLang="ja-JP" smtClean="0"/>
+              <a:pPr>
+                <a:defRPr/>
+              </a:pPr>
+              <a:t>44</a:t>
+            </a:fld>
+            <a:r>
+              <a:rPr lang="en-US" altLang="ja-JP"/>
+              <a:t> / 24</a:t>
+            </a:r>
+          </a:p>
+        </p:txBody>
+      </p:sp>
+      <p:sp>
+        <p:nvSpPr>
+          <p:cNvPr id="4" name="タイトル 3">
+            <a:extLst>
+              <a:ext uri="{FF2B5EF4-FFF2-40B4-BE49-F238E27FC236}">
+                <a16:creationId xmlns:a16="http://schemas.microsoft.com/office/drawing/2014/main" id="{7C44D791-1B2A-480C-8B6B-EDC24B10B9E3}"/>
+              </a:ext>
+            </a:extLst>
+          </p:cNvPr>
+          <p:cNvSpPr>
+            <a:spLocks noGrp="1"/>
+          </p:cNvSpPr>
+          <p:nvPr>
+            <p:ph type="title"/>
+          </p:nvPr>
+        </p:nvSpPr>
+        <p:spPr/>
+        <p:txBody>
+          <a:bodyPr/>
+          <a:lstStyle/>
+          <a:p>
+            <a:r>
+              <a:rPr kumimoji="1" lang="ja-JP" altLang="en-US"/>
+              <a:t>互いに依存する暗号技術</a:t>
+            </a:r>
+            <a:endParaRPr kumimoji="1" lang="en-US" altLang="ja-JP"/>
+          </a:p>
+        </p:txBody>
+      </p:sp>
+      <p:pic>
+        <p:nvPicPr>
+          <p:cNvPr id="6" name="図 5">
+            <a:extLst>
+              <a:ext uri="{FF2B5EF4-FFF2-40B4-BE49-F238E27FC236}">
+                <a16:creationId xmlns:a16="http://schemas.microsoft.com/office/drawing/2014/main" id="{D88B6A74-8971-4829-84E2-35A19B69C122}"/>
+              </a:ext>
+            </a:extLst>
+          </p:cNvPr>
+          <p:cNvPicPr>
+            <a:picLocks noChangeAspect="1"/>
+          </p:cNvPicPr>
+          <p:nvPr/>
+        </p:nvPicPr>
+        <p:blipFill>
+          <a:blip r:embed="rId2">
+            <a:extLst>
+              <a:ext uri="{28A0092B-C50C-407E-A947-70E740481C1C}">
+                <a14:useLocalDpi xmlns:a14="http://schemas.microsoft.com/office/drawing/2010/main" val="0"/>
+              </a:ext>
+            </a:extLst>
+          </a:blip>
+          <a:stretch>
+            <a:fillRect/>
+          </a:stretch>
+        </p:blipFill>
+        <p:spPr>
+          <a:xfrm>
+            <a:off x="1115616" y="1412776"/>
+            <a:ext cx="6408712" cy="3044138"/>
+          </a:xfrm>
+          <a:prstGeom prst="rect">
+            <a:avLst/>
+          </a:prstGeom>
+        </p:spPr>
+      </p:pic>
+    </p:spTree>
+    <p:extLst>
+      <p:ext uri="{BB962C8B-B14F-4D97-AF65-F5344CB8AC3E}">
+        <p14:creationId xmlns:p14="http://schemas.microsoft.com/office/powerpoint/2010/main" val="1413049608"/>
+      </p:ext>
+    </p:extLst>
+  </p:cSld>
+  <p:clrMapOvr>
+    <a:masterClrMapping/>
+  </p:clrMapOvr>
+</p:sld>
+</file>
+
+<file path=ppt/slides/slide45.xml><?xml version="1.0" encoding="utf-8"?>
+<p:sld xmlns:a="http://schemas.openxmlformats.org/drawingml/2006/main" xmlns:r="http://schemas.openxmlformats.org/officeDocument/2006/relationships" xmlns:p="http://schemas.openxmlformats.org/presentationml/2006/main">
+  <p:cSld>
+    <p:spTree>
+      <p:nvGrpSpPr>
+        <p:cNvPr id="1" name=""/>
+        <p:cNvGrpSpPr/>
+        <p:nvPr/>
+      </p:nvGrpSpPr>
+      <p:grpSpPr>
+        <a:xfrm>
+          <a:off x="0" y="0"/>
+          <a:ext cx="0" cy="0"/>
+          <a:chOff x="0" y="0"/>
+          <a:chExt cx="0" cy="0"/>
+        </a:xfrm>
+      </p:grpSpPr>
+      <p:pic>
+        <p:nvPicPr>
+          <p:cNvPr id="6" name="図 5">
+            <a:extLst>
+              <a:ext uri="{FF2B5EF4-FFF2-40B4-BE49-F238E27FC236}">
+                <a16:creationId xmlns:a16="http://schemas.microsoft.com/office/drawing/2014/main" id="{F1CA7032-4D7B-4887-A850-FD4C58B31C75}"/>
+              </a:ext>
+            </a:extLst>
+          </p:cNvPr>
+          <p:cNvPicPr>
+            <a:picLocks noChangeAspect="1"/>
+          </p:cNvPicPr>
+          <p:nvPr/>
+        </p:nvPicPr>
+        <p:blipFill>
+          <a:blip r:embed="rId2">
+            <a:extLst>
+              <a:ext uri="{28A0092B-C50C-407E-A947-70E740481C1C}">
+                <a14:useLocalDpi xmlns:a14="http://schemas.microsoft.com/office/drawing/2010/main" val="0"/>
+              </a:ext>
+            </a:extLst>
+          </a:blip>
+          <a:stretch>
+            <a:fillRect/>
+          </a:stretch>
+        </p:blipFill>
+        <p:spPr>
+          <a:xfrm>
+            <a:off x="1907704" y="2116239"/>
+            <a:ext cx="4032448" cy="1481925"/>
+          </a:xfrm>
+          <a:prstGeom prst="rect">
+            <a:avLst/>
+          </a:prstGeom>
+        </p:spPr>
+      </p:pic>
+      <p:sp>
+        <p:nvSpPr>
+          <p:cNvPr id="2" name="コンテンツ プレースホルダー 1">
+            <a:extLst>
+              <a:ext uri="{FF2B5EF4-FFF2-40B4-BE49-F238E27FC236}">
+                <a16:creationId xmlns:a16="http://schemas.microsoft.com/office/drawing/2014/main" id="{234489B1-0547-4A3D-8605-24FD0A9133B8}"/>
+              </a:ext>
+            </a:extLst>
+          </p:cNvPr>
+          <p:cNvSpPr>
+            <a:spLocks noGrp="1"/>
+          </p:cNvSpPr>
+          <p:nvPr>
+            <p:ph idx="1"/>
+          </p:nvPr>
+        </p:nvSpPr>
+        <p:spPr/>
+        <p:txBody>
+          <a:bodyPr/>
+          <a:lstStyle/>
+          <a:p>
+            <a:r>
+              <a:rPr kumimoji="1" lang="ja-JP" altLang="en-US"/>
+              <a:t>公開鍵暗号の公開鍵や署名の検証鍵が</a:t>
+            </a:r>
+            <a:br>
+              <a:rPr kumimoji="1" lang="en-US" altLang="ja-JP"/>
+            </a:br>
+            <a:r>
+              <a:rPr kumimoji="1" lang="ja-JP" altLang="en-US"/>
+              <a:t>本人のものと分かれば</a:t>
+            </a:r>
+            <a:r>
+              <a:rPr kumimoji="1" lang="en-US" altLang="ja-JP"/>
+              <a:t>OK</a:t>
+            </a:r>
+          </a:p>
+          <a:p>
+            <a:pPr lvl="1"/>
+            <a:r>
+              <a:rPr kumimoji="1" lang="ja-JP" altLang="en-US"/>
+              <a:t>二人であって直接手渡しするのが確実</a:t>
+            </a:r>
+            <a:r>
+              <a:rPr kumimoji="1" lang="en-US" altLang="ja-JP"/>
+              <a:t>(</a:t>
+            </a:r>
+            <a:r>
+              <a:rPr kumimoji="1" lang="ja-JP" altLang="en-US"/>
+              <a:t>キーサインパーティ</a:t>
+            </a:r>
+            <a:r>
+              <a:rPr kumimoji="1" lang="en-US" altLang="ja-JP"/>
+              <a:t>)</a:t>
+            </a:r>
+          </a:p>
+          <a:p>
+            <a:pPr lvl="1"/>
+            <a:endParaRPr lang="en-US" altLang="ja-JP"/>
+          </a:p>
+          <a:p>
+            <a:pPr lvl="1"/>
+            <a:endParaRPr kumimoji="1" lang="en-US" altLang="ja-JP"/>
+          </a:p>
+          <a:p>
+            <a:r>
+              <a:rPr lang="ja-JP" altLang="en-US"/>
+              <a:t>信用の輪</a:t>
+            </a:r>
+            <a:endParaRPr lang="en-US" altLang="ja-JP"/>
+          </a:p>
+          <a:p>
+            <a:pPr lvl="1"/>
+            <a:r>
+              <a:rPr lang="ja-JP" altLang="en-US"/>
+              <a:t>自分が信用している人が持っている別の人の公開鍵は</a:t>
+            </a:r>
+            <a:r>
+              <a:rPr lang="en-US" altLang="ja-JP"/>
+              <a:t>OK?</a:t>
+            </a:r>
+          </a:p>
+          <a:p>
+            <a:endParaRPr kumimoji="1" lang="ja-JP" altLang="en-US"/>
+          </a:p>
+        </p:txBody>
+      </p:sp>
+      <p:sp>
+        <p:nvSpPr>
+          <p:cNvPr id="3" name="スライド番号プレースホルダー 2">
+            <a:extLst>
+              <a:ext uri="{FF2B5EF4-FFF2-40B4-BE49-F238E27FC236}">
+                <a16:creationId xmlns:a16="http://schemas.microsoft.com/office/drawing/2014/main" id="{128F5827-A416-4854-B43A-BC73158F0F69}"/>
+              </a:ext>
+            </a:extLst>
+          </p:cNvPr>
+          <p:cNvSpPr>
+            <a:spLocks noGrp="1"/>
+          </p:cNvSpPr>
+          <p:nvPr>
+            <p:ph type="sldNum" sz="quarter" idx="12"/>
+          </p:nvPr>
+        </p:nvSpPr>
+        <p:spPr/>
+        <p:txBody>
+          <a:bodyPr/>
+          <a:lstStyle/>
+          <a:p>
+            <a:pPr>
+              <a:defRPr/>
+            </a:pPr>
+            <a:r>
+              <a:rPr lang="en-US" altLang="ja-JP"/>
+              <a:t>    </a:t>
+            </a:r>
+            <a:fld id="{B2782DEB-472A-4FE5-AC34-C17109CF5A91}" type="slidenum">
+              <a:rPr lang="en-US" altLang="ja-JP" smtClean="0"/>
+              <a:pPr>
+                <a:defRPr/>
+              </a:pPr>
+              <a:t>45</a:t>
+            </a:fld>
+            <a:r>
+              <a:rPr lang="en-US" altLang="ja-JP"/>
+              <a:t> / 24</a:t>
+            </a:r>
+          </a:p>
+        </p:txBody>
+      </p:sp>
+      <p:sp>
+        <p:nvSpPr>
+          <p:cNvPr id="4" name="タイトル 3">
+            <a:extLst>
+              <a:ext uri="{FF2B5EF4-FFF2-40B4-BE49-F238E27FC236}">
+                <a16:creationId xmlns:a16="http://schemas.microsoft.com/office/drawing/2014/main" id="{7B0B922B-355F-4ABE-9482-63769E9A36CE}"/>
+              </a:ext>
+            </a:extLst>
+          </p:cNvPr>
+          <p:cNvSpPr>
+            <a:spLocks noGrp="1"/>
+          </p:cNvSpPr>
+          <p:nvPr>
+            <p:ph type="title"/>
+          </p:nvPr>
+        </p:nvSpPr>
+        <p:spPr/>
+        <p:txBody>
+          <a:bodyPr/>
+          <a:lstStyle/>
+          <a:p>
+            <a:r>
+              <a:rPr kumimoji="1" lang="ja-JP" altLang="en-US"/>
+              <a:t>信用の輪</a:t>
+            </a:r>
+          </a:p>
+        </p:txBody>
+      </p:sp>
+      <p:pic>
+        <p:nvPicPr>
+          <p:cNvPr id="8" name="図 7">
+            <a:extLst>
+              <a:ext uri="{FF2B5EF4-FFF2-40B4-BE49-F238E27FC236}">
+                <a16:creationId xmlns:a16="http://schemas.microsoft.com/office/drawing/2014/main" id="{2EBF9249-48E5-4BAD-BAFF-116BFAF8C006}"/>
+              </a:ext>
+            </a:extLst>
+          </p:cNvPr>
+          <p:cNvPicPr>
+            <a:picLocks noChangeAspect="1"/>
+          </p:cNvPicPr>
+          <p:nvPr/>
+        </p:nvPicPr>
+        <p:blipFill>
+          <a:blip r:embed="rId3">
+            <a:extLst>
+              <a:ext uri="{28A0092B-C50C-407E-A947-70E740481C1C}">
+                <a14:useLocalDpi xmlns:a14="http://schemas.microsoft.com/office/drawing/2010/main" val="0"/>
+              </a:ext>
+            </a:extLst>
+          </a:blip>
+          <a:stretch>
+            <a:fillRect/>
+          </a:stretch>
+        </p:blipFill>
+        <p:spPr>
+          <a:xfrm>
+            <a:off x="1979712" y="4005064"/>
+            <a:ext cx="4176464" cy="2683379"/>
+          </a:xfrm>
+          <a:prstGeom prst="rect">
+            <a:avLst/>
+          </a:prstGeom>
+        </p:spPr>
+      </p:pic>
+    </p:spTree>
+    <p:extLst>
+      <p:ext uri="{BB962C8B-B14F-4D97-AF65-F5344CB8AC3E}">
+        <p14:creationId xmlns:p14="http://schemas.microsoft.com/office/powerpoint/2010/main" val="1561307351"/>
+      </p:ext>
+    </p:extLst>
+  </p:cSld>
+  <p:clrMapOvr>
+    <a:masterClrMapping/>
+  </p:clrMapOvr>
+</p:sld>
+</file>
+
+<file path=ppt/slides/slide46.xml><?xml version="1.0" encoding="utf-8"?>
+<p:sld xmlns:a="http://schemas.openxmlformats.org/drawingml/2006/main" xmlns:r="http://schemas.openxmlformats.org/officeDocument/2006/relationships" xmlns:p="http://schemas.openxmlformats.org/presentationml/2006/main">
+  <p:cSld>
+    <p:spTree>
+      <p:nvGrpSpPr>
+        <p:cNvPr id="1" name=""/>
+        <p:cNvGrpSpPr/>
+        <p:nvPr/>
+      </p:nvGrpSpPr>
+      <p:grpSpPr>
+        <a:xfrm>
+          <a:off x="0" y="0"/>
+          <a:ext cx="0" cy="0"/>
+          <a:chOff x="0" y="0"/>
+          <a:chExt cx="0" cy="0"/>
+        </a:xfrm>
+      </p:grpSpPr>
+      <p:sp>
+        <p:nvSpPr>
+          <p:cNvPr id="2" name="コンテンツ プレースホルダー 1">
+            <a:extLst>
+              <a:ext uri="{FF2B5EF4-FFF2-40B4-BE49-F238E27FC236}">
+                <a16:creationId xmlns:a16="http://schemas.microsoft.com/office/drawing/2014/main" id="{203B27C1-A7BB-4B01-B03C-AD2484992192}"/>
+              </a:ext>
+            </a:extLst>
+          </p:cNvPr>
+          <p:cNvSpPr>
+            <a:spLocks noGrp="1"/>
+          </p:cNvSpPr>
+          <p:nvPr>
+            <p:ph idx="1"/>
+          </p:nvPr>
+        </p:nvSpPr>
+        <p:spPr/>
+        <p:txBody>
+          <a:bodyPr/>
+          <a:lstStyle/>
+          <a:p>
+            <a:r>
+              <a:rPr kumimoji="1" lang="ja-JP" altLang="en-US"/>
+              <a:t>人や組織とそれに紐付く公開鍵</a:t>
+            </a:r>
+            <a:r>
+              <a:rPr kumimoji="1" lang="en-US" altLang="ja-JP"/>
+              <a:t>(</a:t>
+            </a:r>
+            <a:r>
+              <a:rPr kumimoji="1" lang="ja-JP" altLang="en-US"/>
+              <a:t>検証鍵</a:t>
+            </a:r>
+            <a:r>
+              <a:rPr kumimoji="1" lang="en-US" altLang="ja-JP"/>
+              <a:t>)</a:t>
+            </a:r>
+            <a:r>
+              <a:rPr kumimoji="1" lang="ja-JP" altLang="en-US"/>
+              <a:t>の対応を保証</a:t>
+            </a:r>
+            <a:endParaRPr kumimoji="1" lang="en-US" altLang="ja-JP"/>
+          </a:p>
+          <a:p>
+            <a:pPr lvl="1"/>
+            <a:r>
+              <a:rPr kumimoji="1" lang="ja-JP" altLang="en-US"/>
+              <a:t>認証局</a:t>
+            </a:r>
+            <a:r>
+              <a:rPr kumimoji="1" lang="en-US" altLang="ja-JP"/>
+              <a:t>CA</a:t>
+            </a:r>
+            <a:r>
+              <a:rPr kumimoji="1" lang="ja-JP" altLang="en-US"/>
+              <a:t> </a:t>
+            </a:r>
+            <a:r>
+              <a:rPr kumimoji="1" lang="en-US" altLang="ja-JP"/>
+              <a:t>: </a:t>
+            </a:r>
+            <a:r>
+              <a:rPr kumimoji="1" lang="ja-JP" altLang="en-US"/>
+              <a:t>公開鍵を保証する機関</a:t>
+            </a:r>
+            <a:r>
+              <a:rPr kumimoji="1" lang="en-US" altLang="ja-JP"/>
+              <a:t>, </a:t>
+            </a:r>
+            <a:r>
+              <a:rPr kumimoji="1" lang="ja-JP" altLang="en-US"/>
+              <a:t>信頼できるものとする</a:t>
+            </a:r>
+            <a:endParaRPr kumimoji="1" lang="en-US" altLang="ja-JP"/>
+          </a:p>
+          <a:p>
+            <a:pPr lvl="1"/>
+            <a:r>
+              <a:rPr kumimoji="1" lang="ja-JP" altLang="en-US"/>
+              <a:t>公開鍵証明書 </a:t>
+            </a:r>
+            <a:r>
+              <a:rPr kumimoji="1" lang="en-US" altLang="ja-JP"/>
+              <a:t>: </a:t>
+            </a:r>
+            <a:r>
+              <a:rPr kumimoji="1" lang="ja-JP" altLang="en-US"/>
+              <a:t>アリス本人と公開鍵の結びつきに</a:t>
+            </a:r>
+            <a:r>
+              <a:rPr kumimoji="1" lang="en-US" altLang="ja-JP"/>
+              <a:t>CA</a:t>
+            </a:r>
+            <a:r>
+              <a:rPr kumimoji="1" lang="ja-JP" altLang="en-US"/>
+              <a:t>が署名</a:t>
+            </a:r>
+            <a:endParaRPr kumimoji="1" lang="en-US" altLang="ja-JP"/>
+          </a:p>
+          <a:p>
+            <a:pPr lvl="2"/>
+            <a:r>
+              <a:rPr kumimoji="1" lang="en-US" altLang="ja-JP"/>
+              <a:t>X.509</a:t>
+            </a:r>
+            <a:r>
+              <a:rPr kumimoji="1" lang="ja-JP" altLang="en-US"/>
+              <a:t>というフォーマットの規格</a:t>
+            </a:r>
+            <a:r>
+              <a:rPr kumimoji="1" lang="en-US" altLang="ja-JP"/>
+              <a:t>, CA</a:t>
+            </a:r>
+            <a:r>
+              <a:rPr kumimoji="1" lang="ja-JP" altLang="en-US"/>
+              <a:t>の検証鍵で検証可能</a:t>
+            </a:r>
+            <a:endParaRPr kumimoji="1" lang="en-US" altLang="ja-JP"/>
+          </a:p>
+          <a:p>
+            <a:pPr lvl="2"/>
+            <a:r>
+              <a:rPr kumimoji="1" lang="ja-JP" altLang="en-US"/>
+              <a:t>サーバ運用に利用することが多いのでサーバ証明書とも</a:t>
+            </a:r>
+          </a:p>
+        </p:txBody>
+      </p:sp>
+      <p:sp>
+        <p:nvSpPr>
+          <p:cNvPr id="3" name="スライド番号プレースホルダー 2">
+            <a:extLst>
+              <a:ext uri="{FF2B5EF4-FFF2-40B4-BE49-F238E27FC236}">
+                <a16:creationId xmlns:a16="http://schemas.microsoft.com/office/drawing/2014/main" id="{BA613C14-93DC-487D-A9B4-F6997DAABD92}"/>
+              </a:ext>
+            </a:extLst>
+          </p:cNvPr>
+          <p:cNvSpPr>
+            <a:spLocks noGrp="1"/>
+          </p:cNvSpPr>
+          <p:nvPr>
+            <p:ph type="sldNum" sz="quarter" idx="12"/>
+          </p:nvPr>
+        </p:nvSpPr>
+        <p:spPr/>
+        <p:txBody>
+          <a:bodyPr/>
+          <a:lstStyle/>
+          <a:p>
+            <a:pPr>
+              <a:defRPr/>
+            </a:pPr>
+            <a:r>
+              <a:rPr lang="en-US" altLang="ja-JP"/>
+              <a:t>    </a:t>
+            </a:r>
+            <a:fld id="{B2782DEB-472A-4FE5-AC34-C17109CF5A91}" type="slidenum">
+              <a:rPr lang="en-US" altLang="ja-JP" smtClean="0"/>
+              <a:pPr>
+                <a:defRPr/>
+              </a:pPr>
+              <a:t>46</a:t>
+            </a:fld>
+            <a:r>
+              <a:rPr lang="en-US" altLang="ja-JP"/>
+              <a:t> / 24</a:t>
+            </a:r>
+          </a:p>
+        </p:txBody>
+      </p:sp>
+      <p:sp>
+        <p:nvSpPr>
+          <p:cNvPr id="4" name="タイトル 3">
+            <a:extLst>
+              <a:ext uri="{FF2B5EF4-FFF2-40B4-BE49-F238E27FC236}">
+                <a16:creationId xmlns:a16="http://schemas.microsoft.com/office/drawing/2014/main" id="{39D5F8CA-A712-4318-AD42-12C226B11E89}"/>
+              </a:ext>
+            </a:extLst>
+          </p:cNvPr>
+          <p:cNvSpPr>
+            <a:spLocks noGrp="1"/>
+          </p:cNvSpPr>
+          <p:nvPr>
+            <p:ph type="title"/>
+          </p:nvPr>
+        </p:nvSpPr>
+        <p:spPr/>
+        <p:txBody>
+          <a:bodyPr/>
+          <a:lstStyle/>
+          <a:p>
+            <a:r>
+              <a:rPr kumimoji="1" lang="ja-JP" altLang="en-US"/>
+              <a:t>公開鍵基盤</a:t>
+            </a:r>
+            <a:r>
+              <a:rPr kumimoji="1" lang="en-US" altLang="ja-JP"/>
+              <a:t>PKI</a:t>
+            </a:r>
+            <a:endParaRPr kumimoji="1" lang="ja-JP" altLang="en-US"/>
+          </a:p>
+        </p:txBody>
+      </p:sp>
+      <p:pic>
+        <p:nvPicPr>
+          <p:cNvPr id="6" name="図 5">
+            <a:extLst>
+              <a:ext uri="{FF2B5EF4-FFF2-40B4-BE49-F238E27FC236}">
+                <a16:creationId xmlns:a16="http://schemas.microsoft.com/office/drawing/2014/main" id="{19A68DD3-F4B2-47FB-B9F2-322E886286F4}"/>
+              </a:ext>
+            </a:extLst>
+          </p:cNvPr>
+          <p:cNvPicPr>
+            <a:picLocks noChangeAspect="1"/>
+          </p:cNvPicPr>
+          <p:nvPr/>
+        </p:nvPicPr>
+        <p:blipFill>
+          <a:blip r:embed="rId2">
+            <a:extLst>
+              <a:ext uri="{28A0092B-C50C-407E-A947-70E740481C1C}">
+                <a14:useLocalDpi xmlns:a14="http://schemas.microsoft.com/office/drawing/2010/main" val="0"/>
+              </a:ext>
+            </a:extLst>
+          </a:blip>
+          <a:stretch>
+            <a:fillRect/>
+          </a:stretch>
+        </p:blipFill>
+        <p:spPr>
+          <a:xfrm>
+            <a:off x="1619672" y="3397926"/>
+            <a:ext cx="6048672" cy="3122626"/>
+          </a:xfrm>
+          <a:prstGeom prst="rect">
+            <a:avLst/>
+          </a:prstGeom>
+        </p:spPr>
+      </p:pic>
+    </p:spTree>
+    <p:extLst>
+      <p:ext uri="{BB962C8B-B14F-4D97-AF65-F5344CB8AC3E}">
+        <p14:creationId xmlns:p14="http://schemas.microsoft.com/office/powerpoint/2010/main" val="3821633326"/>
+      </p:ext>
+    </p:extLst>
+  </p:cSld>
+  <p:clrMapOvr>
+    <a:masterClrMapping/>
+  </p:clrMapOvr>
+</p:sld>
+</file>
+
+<file path=ppt/slides/slide47.xml><?xml version="1.0" encoding="utf-8"?>
+<p:sld xmlns:a="http://schemas.openxmlformats.org/drawingml/2006/main" xmlns:r="http://schemas.openxmlformats.org/officeDocument/2006/relationships" xmlns:p="http://schemas.openxmlformats.org/presentationml/2006/main">
+  <p:cSld>
+    <p:spTree>
+      <p:nvGrpSpPr>
+        <p:cNvPr id="1" name=""/>
+        <p:cNvGrpSpPr/>
+        <p:nvPr/>
+      </p:nvGrpSpPr>
+      <p:grpSpPr>
+        <a:xfrm>
+          <a:off x="0" y="0"/>
+          <a:ext cx="0" cy="0"/>
+          <a:chOff x="0" y="0"/>
+          <a:chExt cx="0" cy="0"/>
+        </a:xfrm>
+      </p:grpSpPr>
+      <p:sp>
+        <p:nvSpPr>
+          <p:cNvPr id="2" name="コンテンツ プレースホルダー 1">
+            <a:extLst>
+              <a:ext uri="{FF2B5EF4-FFF2-40B4-BE49-F238E27FC236}">
+                <a16:creationId xmlns:a16="http://schemas.microsoft.com/office/drawing/2014/main" id="{3764B711-9E34-4387-86D9-034015AF8FD5}"/>
+              </a:ext>
+            </a:extLst>
+          </p:cNvPr>
+          <p:cNvSpPr>
+            <a:spLocks noGrp="1"/>
+          </p:cNvSpPr>
+          <p:nvPr>
+            <p:ph idx="1"/>
+          </p:nvPr>
+        </p:nvSpPr>
+        <p:spPr/>
+        <p:txBody>
+          <a:bodyPr/>
+          <a:lstStyle/>
+          <a:p>
+            <a:r>
+              <a:rPr kumimoji="1" lang="en-US" altLang="ja-JP"/>
+              <a:t>CA</a:t>
+            </a:r>
+            <a:r>
+              <a:rPr kumimoji="1" lang="ja-JP" altLang="en-US"/>
+              <a:t>が一つだけだと権限や責任が一極集中</a:t>
+            </a:r>
+            <a:endParaRPr kumimoji="1" lang="en-US" altLang="ja-JP"/>
+          </a:p>
+          <a:p>
+            <a:pPr lvl="1"/>
+            <a:r>
+              <a:rPr kumimoji="1" lang="ja-JP" altLang="en-US"/>
+              <a:t>複数の</a:t>
+            </a:r>
+            <a:r>
+              <a:rPr kumimoji="1" lang="en-US" altLang="ja-JP"/>
+              <a:t>CA</a:t>
+            </a:r>
+            <a:r>
+              <a:rPr kumimoji="1" lang="ja-JP" altLang="en-US"/>
+              <a:t>が互いに認証し合う</a:t>
+            </a:r>
+            <a:endParaRPr kumimoji="1" lang="en-US" altLang="ja-JP"/>
+          </a:p>
+          <a:p>
+            <a:pPr lvl="1"/>
+            <a:r>
+              <a:rPr kumimoji="1" lang="ja-JP" altLang="en-US"/>
+              <a:t>ルート認証局</a:t>
+            </a:r>
+            <a:endParaRPr kumimoji="1" lang="en-US" altLang="ja-JP"/>
+          </a:p>
+          <a:p>
+            <a:pPr lvl="2"/>
+            <a:r>
+              <a:rPr kumimoji="1" lang="ja-JP" altLang="en-US"/>
+              <a:t>最終的に自分で認証したもの</a:t>
+            </a:r>
+            <a:endParaRPr kumimoji="1" lang="en-US" altLang="ja-JP"/>
+          </a:p>
+          <a:p>
+            <a:pPr lvl="2"/>
+            <a:r>
+              <a:rPr kumimoji="1" lang="ja-JP" altLang="en-US"/>
+              <a:t>トラストアンカー</a:t>
+            </a:r>
+            <a:endParaRPr kumimoji="1" lang="en-US" altLang="ja-JP"/>
+          </a:p>
+          <a:p>
+            <a:pPr lvl="2"/>
+            <a:endParaRPr lang="en-US" altLang="ja-JP"/>
+          </a:p>
+          <a:p>
+            <a:r>
+              <a:rPr kumimoji="1" lang="ja-JP" altLang="en-US"/>
+              <a:t>認証局の階層</a:t>
+            </a:r>
+          </a:p>
+        </p:txBody>
+      </p:sp>
+      <p:sp>
+        <p:nvSpPr>
+          <p:cNvPr id="3" name="スライド番号プレースホルダー 2">
+            <a:extLst>
+              <a:ext uri="{FF2B5EF4-FFF2-40B4-BE49-F238E27FC236}">
+                <a16:creationId xmlns:a16="http://schemas.microsoft.com/office/drawing/2014/main" id="{119F626E-EC62-4639-8FF8-08906BF40EB7}"/>
+              </a:ext>
+            </a:extLst>
+          </p:cNvPr>
+          <p:cNvSpPr>
+            <a:spLocks noGrp="1"/>
+          </p:cNvSpPr>
+          <p:nvPr>
+            <p:ph type="sldNum" sz="quarter" idx="12"/>
+          </p:nvPr>
+        </p:nvSpPr>
+        <p:spPr/>
+        <p:txBody>
+          <a:bodyPr/>
+          <a:lstStyle/>
+          <a:p>
+            <a:pPr>
+              <a:defRPr/>
+            </a:pPr>
+            <a:r>
+              <a:rPr lang="en-US" altLang="ja-JP"/>
+              <a:t>    </a:t>
+            </a:r>
+            <a:fld id="{B2782DEB-472A-4FE5-AC34-C17109CF5A91}" type="slidenum">
+              <a:rPr lang="en-US" altLang="ja-JP" smtClean="0"/>
+              <a:pPr>
+                <a:defRPr/>
+              </a:pPr>
+              <a:t>47</a:t>
+            </a:fld>
+            <a:r>
+              <a:rPr lang="en-US" altLang="ja-JP"/>
+              <a:t> / 24</a:t>
+            </a:r>
+          </a:p>
+        </p:txBody>
+      </p:sp>
+      <p:sp>
+        <p:nvSpPr>
+          <p:cNvPr id="4" name="タイトル 3">
+            <a:extLst>
+              <a:ext uri="{FF2B5EF4-FFF2-40B4-BE49-F238E27FC236}">
+                <a16:creationId xmlns:a16="http://schemas.microsoft.com/office/drawing/2014/main" id="{0933D089-461C-48BE-A1E3-8772F3846F7A}"/>
+              </a:ext>
+            </a:extLst>
+          </p:cNvPr>
+          <p:cNvSpPr>
+            <a:spLocks noGrp="1"/>
+          </p:cNvSpPr>
+          <p:nvPr>
+            <p:ph type="title"/>
+          </p:nvPr>
+        </p:nvSpPr>
+        <p:spPr/>
+        <p:txBody>
+          <a:bodyPr/>
+          <a:lstStyle/>
+          <a:p>
+            <a:r>
+              <a:rPr kumimoji="1" lang="ja-JP" altLang="en-US"/>
+              <a:t>認証局の相互認証</a:t>
+            </a:r>
+          </a:p>
+        </p:txBody>
+      </p:sp>
+      <p:pic>
+        <p:nvPicPr>
+          <p:cNvPr id="6" name="図 5">
+            <a:extLst>
+              <a:ext uri="{FF2B5EF4-FFF2-40B4-BE49-F238E27FC236}">
+                <a16:creationId xmlns:a16="http://schemas.microsoft.com/office/drawing/2014/main" id="{C5B987DB-320B-417A-9062-3B4826CB05B6}"/>
+              </a:ext>
+            </a:extLst>
+          </p:cNvPr>
+          <p:cNvPicPr>
+            <a:picLocks noChangeAspect="1"/>
+          </p:cNvPicPr>
+          <p:nvPr/>
+        </p:nvPicPr>
+        <p:blipFill>
+          <a:blip r:embed="rId2" cstate="print">
+            <a:extLst>
+              <a:ext uri="{28A0092B-C50C-407E-A947-70E740481C1C}">
+                <a14:useLocalDpi xmlns:a14="http://schemas.microsoft.com/office/drawing/2010/main" val="0"/>
+              </a:ext>
+            </a:extLst>
+          </a:blip>
+          <a:stretch>
+            <a:fillRect/>
+          </a:stretch>
+        </p:blipFill>
+        <p:spPr>
+          <a:xfrm>
+            <a:off x="4974808" y="1412776"/>
+            <a:ext cx="2880320" cy="2671758"/>
+          </a:xfrm>
+          <a:prstGeom prst="rect">
+            <a:avLst/>
+          </a:prstGeom>
+        </p:spPr>
+      </p:pic>
+      <p:pic>
+        <p:nvPicPr>
+          <p:cNvPr id="8" name="図 7">
+            <a:extLst>
+              <a:ext uri="{FF2B5EF4-FFF2-40B4-BE49-F238E27FC236}">
+                <a16:creationId xmlns:a16="http://schemas.microsoft.com/office/drawing/2014/main" id="{A0DB3857-A21D-426E-9625-CC74F41DE402}"/>
+              </a:ext>
+            </a:extLst>
+          </p:cNvPr>
+          <p:cNvPicPr>
+            <a:picLocks noChangeAspect="1"/>
+          </p:cNvPicPr>
+          <p:nvPr/>
+        </p:nvPicPr>
+        <p:blipFill>
+          <a:blip r:embed="rId3">
+            <a:extLst>
+              <a:ext uri="{28A0092B-C50C-407E-A947-70E740481C1C}">
+                <a14:useLocalDpi xmlns:a14="http://schemas.microsoft.com/office/drawing/2010/main" val="0"/>
+              </a:ext>
+            </a:extLst>
+          </a:blip>
+          <a:stretch>
+            <a:fillRect/>
+          </a:stretch>
+        </p:blipFill>
+        <p:spPr>
+          <a:xfrm>
+            <a:off x="1261087" y="4039531"/>
+            <a:ext cx="5342694" cy="2537780"/>
+          </a:xfrm>
+          <a:prstGeom prst="rect">
+            <a:avLst/>
+          </a:prstGeom>
+        </p:spPr>
+      </p:pic>
+    </p:spTree>
+    <p:extLst>
+      <p:ext uri="{BB962C8B-B14F-4D97-AF65-F5344CB8AC3E}">
+        <p14:creationId xmlns:p14="http://schemas.microsoft.com/office/powerpoint/2010/main" val="1694392806"/>
+      </p:ext>
+    </p:extLst>
+  </p:cSld>
+  <p:clrMapOvr>
+    <a:masterClrMapping/>
+  </p:clrMapOvr>
+</p:sld>
+</file>
+
+<file path=ppt/slides/slide48.xml><?xml version="1.0" encoding="utf-8"?>
+<p:sld xmlns:a="http://schemas.openxmlformats.org/drawingml/2006/main" xmlns:r="http://schemas.openxmlformats.org/officeDocument/2006/relationships" xmlns:p="http://schemas.openxmlformats.org/presentationml/2006/main">
+  <p:cSld>
+    <p:spTree>
+      <p:nvGrpSpPr>
+        <p:cNvPr id="1" name=""/>
+        <p:cNvGrpSpPr/>
+        <p:nvPr/>
+      </p:nvGrpSpPr>
+      <p:grpSpPr>
+        <a:xfrm>
+          <a:off x="0" y="0"/>
+          <a:ext cx="0" cy="0"/>
+          <a:chOff x="0" y="0"/>
+          <a:chExt cx="0" cy="0"/>
+        </a:xfrm>
+      </p:grpSpPr>
+      <p:sp>
+        <p:nvSpPr>
+          <p:cNvPr id="2" name="コンテンツ プレースホルダー 1">
+            <a:extLst>
+              <a:ext uri="{FF2B5EF4-FFF2-40B4-BE49-F238E27FC236}">
+                <a16:creationId xmlns:a16="http://schemas.microsoft.com/office/drawing/2014/main" id="{D52F2D3A-5DBA-4E26-882D-138A59E8A5D9}"/>
+              </a:ext>
+            </a:extLst>
+          </p:cNvPr>
+          <p:cNvSpPr>
+            <a:spLocks noGrp="1"/>
+          </p:cNvSpPr>
+          <p:nvPr>
+            <p:ph idx="1"/>
+          </p:nvPr>
+        </p:nvSpPr>
+        <p:spPr/>
+        <p:txBody>
+          <a:bodyPr/>
+          <a:lstStyle/>
+          <a:p>
+            <a:r>
+              <a:rPr kumimoji="1" lang="ja-JP" altLang="en-US"/>
+              <a:t>公開鍵証明書を破棄したい</a:t>
+            </a:r>
+            <a:endParaRPr kumimoji="1" lang="en-US" altLang="ja-JP"/>
+          </a:p>
+          <a:p>
+            <a:pPr lvl="1"/>
+            <a:r>
+              <a:rPr kumimoji="1" lang="ja-JP" altLang="en-US"/>
+              <a:t>事業者の</a:t>
+            </a:r>
+          </a:p>
+        </p:txBody>
+      </p:sp>
+      <p:sp>
+        <p:nvSpPr>
+          <p:cNvPr id="3" name="スライド番号プレースホルダー 2">
+            <a:extLst>
+              <a:ext uri="{FF2B5EF4-FFF2-40B4-BE49-F238E27FC236}">
+                <a16:creationId xmlns:a16="http://schemas.microsoft.com/office/drawing/2014/main" id="{455CE363-2893-4955-B22D-2EB577B755D5}"/>
+              </a:ext>
+            </a:extLst>
+          </p:cNvPr>
+          <p:cNvSpPr>
+            <a:spLocks noGrp="1"/>
+          </p:cNvSpPr>
+          <p:nvPr>
+            <p:ph type="sldNum" sz="quarter" idx="12"/>
+          </p:nvPr>
+        </p:nvSpPr>
+        <p:spPr/>
+        <p:txBody>
+          <a:bodyPr/>
+          <a:lstStyle/>
+          <a:p>
+            <a:pPr>
+              <a:defRPr/>
+            </a:pPr>
+            <a:r>
+              <a:rPr lang="en-US" altLang="ja-JP"/>
+              <a:t>    </a:t>
+            </a:r>
+            <a:fld id="{B2782DEB-472A-4FE5-AC34-C17109CF5A91}" type="slidenum">
+              <a:rPr lang="en-US" altLang="ja-JP" smtClean="0"/>
+              <a:pPr>
+                <a:defRPr/>
+              </a:pPr>
+              <a:t>48</a:t>
+            </a:fld>
+            <a:r>
+              <a:rPr lang="en-US" altLang="ja-JP"/>
+              <a:t> / 24</a:t>
+            </a:r>
+          </a:p>
+        </p:txBody>
+      </p:sp>
+      <p:sp>
+        <p:nvSpPr>
+          <p:cNvPr id="4" name="タイトル 3">
+            <a:extLst>
+              <a:ext uri="{FF2B5EF4-FFF2-40B4-BE49-F238E27FC236}">
+                <a16:creationId xmlns:a16="http://schemas.microsoft.com/office/drawing/2014/main" id="{A96E1FBF-7A06-4595-9C64-758BDEC33258}"/>
+              </a:ext>
+            </a:extLst>
+          </p:cNvPr>
+          <p:cNvSpPr>
+            <a:spLocks noGrp="1"/>
+          </p:cNvSpPr>
+          <p:nvPr>
+            <p:ph type="title"/>
+          </p:nvPr>
+        </p:nvSpPr>
+        <p:spPr/>
+        <p:txBody>
+          <a:bodyPr/>
+          <a:lstStyle/>
+          <a:p>
+            <a:r>
+              <a:rPr kumimoji="1" lang="ja-JP" altLang="en-US"/>
+              <a:t>公開鍵の失効</a:t>
+            </a:r>
+          </a:p>
+        </p:txBody>
+      </p:sp>
+    </p:spTree>
+    <p:extLst>
+      <p:ext uri="{BB962C8B-B14F-4D97-AF65-F5344CB8AC3E}">
+        <p14:creationId xmlns:p14="http://schemas.microsoft.com/office/powerpoint/2010/main" val="2785262845"/>
       </p:ext>
     </p:extLst>
   </p:cSld>

--- a/lec/anninbon7.pptx
+++ b/lec/anninbon7.pptx
@@ -9404,8 +9404,8 @@
           <a:chExt cx="0" cy="0"/>
         </a:xfrm>
       </p:grpSpPr>
-      <mc:AlternateContent xmlns:mc="http://schemas.openxmlformats.org/markup-compatibility/2006" xmlns:a14="http://schemas.microsoft.com/office/drawing/2010/main">
-        <mc:Choice Requires="a14">
+      <mc:AlternateContent xmlns:mc="http://schemas.openxmlformats.org/markup-compatibility/2006">
+        <mc:Choice xmlns:a14="http://schemas.microsoft.com/office/drawing/2010/main" Requires="a14">
           <p:sp>
             <p:nvSpPr>
               <p:cNvPr id="2" name="コンテンツ プレースホルダー 1">
@@ -9535,6 +9535,10 @@
                   <a:t>マークル・ダンガード</a:t>
                 </a:r>
                 <a:r>
+                  <a:rPr kumimoji="1" lang="en-US" altLang="ja-JP"/>
+                  <a:t>MD</a:t>
+                </a:r>
+                <a:r>
                   <a:rPr lang="ja-JP" altLang="en-US"/>
                   <a:t>（</a:t>
                 </a:r>
@@ -9554,7 +9558,7 @@
             </p:txBody>
           </p:sp>
         </mc:Choice>
-        <mc:Fallback xmlns="">
+        <mc:Fallback>
           <p:sp>
             <p:nvSpPr>
               <p:cNvPr id="2" name="コンテンツ プレースホルダー 1">
@@ -13113,8 +13117,8 @@
           <a:chExt cx="0" cy="0"/>
         </a:xfrm>
       </p:grpSpPr>
-      <mc:AlternateContent xmlns:mc="http://schemas.openxmlformats.org/markup-compatibility/2006">
-        <mc:Choice xmlns:a14="http://schemas.microsoft.com/office/drawing/2010/main" Requires="a14">
+      <mc:AlternateContent xmlns:mc="http://schemas.openxmlformats.org/markup-compatibility/2006" xmlns:a14="http://schemas.microsoft.com/office/drawing/2010/main">
+        <mc:Choice Requires="a14">
           <p:sp>
             <p:nvSpPr>
               <p:cNvPr id="2" name="コンテンツ プレースホルダー 1">
@@ -13353,7 +13357,7 @@
             </p:txBody>
           </p:sp>
         </mc:Choice>
-        <mc:Fallback>
+        <mc:Fallback xmlns="">
           <p:sp>
             <p:nvSpPr>
               <p:cNvPr id="2" name="コンテンツ プレースホルダー 1">
@@ -13538,8 +13542,8 @@
           <a:chExt cx="0" cy="0"/>
         </a:xfrm>
       </p:grpSpPr>
-      <mc:AlternateContent xmlns:mc="http://schemas.openxmlformats.org/markup-compatibility/2006">
-        <mc:Choice xmlns:a14="http://schemas.microsoft.com/office/drawing/2010/main" Requires="a14">
+      <mc:AlternateContent xmlns:mc="http://schemas.openxmlformats.org/markup-compatibility/2006" xmlns:a14="http://schemas.microsoft.com/office/drawing/2010/main">
+        <mc:Choice Requires="a14">
           <p:sp>
             <p:nvSpPr>
               <p:cNvPr id="2" name="コンテンツ プレースホルダー 1">
@@ -13916,7 +13920,7 @@
             </p:txBody>
           </p:sp>
         </mc:Choice>
-        <mc:Fallback>
+        <mc:Fallback xmlns="">
           <p:sp>
             <p:nvSpPr>
               <p:cNvPr id="2" name="コンテンツ プレースホルダー 1">
@@ -14380,8 +14384,8 @@
           <a:chExt cx="0" cy="0"/>
         </a:xfrm>
       </p:grpSpPr>
-      <mc:AlternateContent xmlns:mc="http://schemas.openxmlformats.org/markup-compatibility/2006">
-        <mc:Choice xmlns:a14="http://schemas.microsoft.com/office/drawing/2010/main" Requires="a14">
+      <mc:AlternateContent xmlns:mc="http://schemas.openxmlformats.org/markup-compatibility/2006" xmlns:a14="http://schemas.microsoft.com/office/drawing/2010/main">
+        <mc:Choice Requires="a14">
           <p:sp>
             <p:nvSpPr>
               <p:cNvPr id="2" name="コンテンツ プレースホルダー 1">
@@ -14667,7 +14671,7 @@
             </p:txBody>
           </p:sp>
         </mc:Choice>
-        <mc:Fallback>
+        <mc:Fallback xmlns="">
           <p:sp>
             <p:nvSpPr>
               <p:cNvPr id="2" name="コンテンツ プレースホルダー 1">
@@ -16649,87 +16653,537 @@
           <a:chExt cx="0" cy="0"/>
         </a:xfrm>
       </p:grpSpPr>
-      <p:sp>
-        <p:nvSpPr>
-          <p:cNvPr id="2" name="コンテンツ プレースホルダー 1">
-            <a:extLst>
-              <a:ext uri="{FF2B5EF4-FFF2-40B4-BE49-F238E27FC236}">
-                <a16:creationId xmlns:a16="http://schemas.microsoft.com/office/drawing/2014/main" id="{9CA3394C-C3A5-47CC-B6B5-484F28F224CA}"/>
-              </a:ext>
-            </a:extLst>
-          </p:cNvPr>
-          <p:cNvSpPr>
-            <a:spLocks noGrp="1"/>
-          </p:cNvSpPr>
-          <p:nvPr>
-            <p:ph idx="1"/>
-          </p:nvPr>
-        </p:nvSpPr>
-        <p:spPr/>
-        <p:txBody>
-          <a:bodyPr/>
-          <a:lstStyle/>
-          <a:p>
-            <a:r>
-              <a:rPr kumimoji="1" lang="ja-JP" altLang="en-US"/>
-              <a:t>理想のハッシュ関数はハッシュ値のサイズで決まる</a:t>
-            </a:r>
-            <a:endParaRPr kumimoji="1" lang="en-US" altLang="ja-JP"/>
-          </a:p>
-          <a:p>
-            <a:pPr lvl="1"/>
-            <a:r>
-              <a:rPr lang="en-US" altLang="ja-JP"/>
-              <a:t>256bit</a:t>
-            </a:r>
-            <a:r>
-              <a:rPr lang="ja-JP" altLang="en-US"/>
-              <a:t>なら衝突困難性に関して</a:t>
-            </a:r>
-            <a:r>
-              <a:rPr lang="en-US" altLang="ja-JP"/>
-              <a:t>128bit</a:t>
-            </a:r>
-            <a:r>
-              <a:rPr lang="ja-JP" altLang="en-US"/>
-              <a:t>セキュリティ</a:t>
-            </a:r>
-            <a:endParaRPr lang="en-US" altLang="ja-JP"/>
-          </a:p>
-          <a:p>
-            <a:pPr lvl="1"/>
-            <a:r>
-              <a:rPr kumimoji="1" lang="en-US" altLang="ja-JP"/>
-              <a:t>SHA-256</a:t>
-            </a:r>
-            <a:r>
-              <a:rPr kumimoji="1" lang="ja-JP" altLang="en-US"/>
-              <a:t>も</a:t>
-            </a:r>
-            <a:r>
-              <a:rPr kumimoji="1" lang="en-US" altLang="ja-JP"/>
-              <a:t>SHA-3-256</a:t>
-            </a:r>
-            <a:r>
-              <a:rPr kumimoji="1" lang="ja-JP" altLang="en-US"/>
-              <a:t>もほぼ同じ安全性</a:t>
-            </a:r>
-            <a:endParaRPr kumimoji="1" lang="en-US" altLang="ja-JP"/>
-          </a:p>
-          <a:p>
-            <a:pPr lvl="2"/>
-            <a:r>
-              <a:rPr lang="en-US" altLang="ja-JP"/>
-              <a:t>SHA-256</a:t>
-            </a:r>
-            <a:r>
-              <a:rPr lang="ja-JP" altLang="en-US"/>
-              <a:t>の方が速い</a:t>
-            </a:r>
-            <a:endParaRPr kumimoji="1" lang="ja-JP" altLang="en-US"/>
-          </a:p>
-        </p:txBody>
-      </p:sp>
+      <mc:AlternateContent xmlns:mc="http://schemas.openxmlformats.org/markup-compatibility/2006">
+        <mc:Choice xmlns:a14="http://schemas.microsoft.com/office/drawing/2010/main" Requires="a14">
+          <p:sp>
+            <p:nvSpPr>
+              <p:cNvPr id="2" name="コンテンツ プレースホルダー 1">
+                <a:extLst>
+                  <a:ext uri="{FF2B5EF4-FFF2-40B4-BE49-F238E27FC236}">
+                    <a16:creationId xmlns:a16="http://schemas.microsoft.com/office/drawing/2014/main" id="{9CA3394C-C3A5-47CC-B6B5-484F28F224CA}"/>
+                  </a:ext>
+                </a:extLst>
+              </p:cNvPr>
+              <p:cNvSpPr>
+                <a:spLocks noGrp="1"/>
+              </p:cNvSpPr>
+              <p:nvPr>
+                <p:ph idx="1"/>
+              </p:nvPr>
+            </p:nvSpPr>
+            <p:spPr/>
+            <p:txBody>
+              <a:bodyPr/>
+              <a:lstStyle/>
+              <a:p>
+                <a:r>
+                  <a:rPr kumimoji="1" lang="ja-JP" altLang="en-US"/>
+                  <a:t>理想のハッシュ関数の安全性</a:t>
+                </a:r>
+                <a:endParaRPr kumimoji="1" lang="en-US" altLang="ja-JP"/>
+              </a:p>
+              <a:p>
+                <a:pPr lvl="1"/>
+                <a:r>
+                  <a:rPr kumimoji="1" lang="ja-JP" altLang="en-US"/>
+                  <a:t>ハッシュ値のサイズで決まる</a:t>
+                </a:r>
+                <a:endParaRPr kumimoji="1" lang="en-US" altLang="ja-JP"/>
+              </a:p>
+              <a:p>
+                <a:pPr lvl="1"/>
+                <a:r>
+                  <a:rPr lang="en-US" altLang="ja-JP"/>
+                  <a:t>256bit</a:t>
+                </a:r>
+                <a:r>
+                  <a:rPr lang="ja-JP" altLang="en-US"/>
+                  <a:t>なら衝突困難性に関して</a:t>
+                </a:r>
+                <a:r>
+                  <a:rPr lang="en-US" altLang="ja-JP"/>
+                  <a:t>128bit</a:t>
+                </a:r>
+                <a:r>
+                  <a:rPr lang="ja-JP" altLang="en-US"/>
+                  <a:t>セキュリティ</a:t>
+                </a:r>
+                <a:endParaRPr lang="en-US" altLang="ja-JP"/>
+              </a:p>
+              <a:p>
+                <a:pPr lvl="1"/>
+                <a:r>
+                  <a:rPr kumimoji="1" lang="en-US" altLang="ja-JP"/>
+                  <a:t>SHA(2)-256</a:t>
+                </a:r>
+                <a:r>
+                  <a:rPr kumimoji="1" lang="ja-JP" altLang="en-US"/>
+                  <a:t>も</a:t>
+                </a:r>
+                <a:r>
+                  <a:rPr kumimoji="1" lang="en-US" altLang="ja-JP"/>
+                  <a:t>SHA-3-256</a:t>
+                </a:r>
+                <a:r>
+                  <a:rPr kumimoji="1" lang="ja-JP" altLang="en-US"/>
+                  <a:t>もほぼ同じ安全性</a:t>
+                </a:r>
+                <a:endParaRPr kumimoji="1" lang="en-US" altLang="ja-JP"/>
+              </a:p>
+              <a:p>
+                <a:r>
+                  <a:rPr lang="en-US" altLang="ja-JP"/>
+                  <a:t>SHA-2-256</a:t>
+                </a:r>
+                <a:r>
+                  <a:rPr lang="ja-JP" altLang="en-US"/>
+                  <a:t>と</a:t>
+                </a:r>
+                <a:r>
+                  <a:rPr lang="en-US" altLang="ja-JP"/>
+                  <a:t>SHA-3-256</a:t>
+                </a:r>
+                <a:r>
+                  <a:rPr lang="ja-JP" altLang="en-US"/>
+                  <a:t>の比較</a:t>
+                </a:r>
+                <a:endParaRPr kumimoji="1" lang="en-US" altLang="ja-JP"/>
+              </a:p>
+              <a:p>
+                <a:pPr lvl="2"/>
+                <a:r>
+                  <a:rPr kumimoji="1" lang="en-US" altLang="ja-JP"/>
+                  <a:t>SHA-2</a:t>
+                </a:r>
+                <a:r>
+                  <a:rPr kumimoji="1" lang="ja-JP" altLang="en-US"/>
+                  <a:t>は伸長攻撃を受ける・</a:t>
+                </a:r>
+                <a:r>
+                  <a:rPr kumimoji="1" lang="en-US" altLang="ja-JP"/>
+                  <a:t>SHA-3</a:t>
+                </a:r>
+                <a:r>
+                  <a:rPr kumimoji="1" lang="ja-JP" altLang="en-US"/>
+                  <a:t>は受けない</a:t>
+                </a:r>
+                <a:endParaRPr kumimoji="1" lang="en-US" altLang="ja-JP"/>
+              </a:p>
+              <a:p>
+                <a:pPr lvl="3"/>
+                <a14:m>
+                  <m:oMath xmlns:m="http://schemas.openxmlformats.org/officeDocument/2006/math">
+                    <m:r>
+                      <a:rPr kumimoji="1" lang="en-US" altLang="ja-JP" b="0" i="1" smtClean="0">
+                        <a:latin typeface="Cambria Math" panose="02040503050406030204" pitchFamily="18" charset="0"/>
+                      </a:rPr>
+                      <m:t>h</m:t>
+                    </m:r>
+                    <m:r>
+                      <a:rPr kumimoji="1" lang="en-US" altLang="ja-JP" b="0" i="1" smtClean="0">
+                        <a:latin typeface="Cambria Math" panose="02040503050406030204" pitchFamily="18" charset="0"/>
+                      </a:rPr>
+                      <m:t>=</m:t>
+                    </m:r>
+                    <m:r>
+                      <a:rPr kumimoji="1" lang="en-US" altLang="ja-JP" b="0" i="1" smtClean="0">
+                        <a:latin typeface="Cambria Math" panose="02040503050406030204" pitchFamily="18" charset="0"/>
+                      </a:rPr>
+                      <m:t>𝐻</m:t>
+                    </m:r>
+                    <m:r>
+                      <a:rPr kumimoji="1" lang="en-US" altLang="ja-JP" b="0" i="1" smtClean="0">
+                        <a:latin typeface="Cambria Math" panose="02040503050406030204" pitchFamily="18" charset="0"/>
+                      </a:rPr>
+                      <m:t>(</m:t>
+                    </m:r>
+                    <m:r>
+                      <a:rPr kumimoji="1" lang="en-US" altLang="ja-JP" b="0" i="1" smtClean="0">
+                        <a:latin typeface="Cambria Math" panose="02040503050406030204" pitchFamily="18" charset="0"/>
+                      </a:rPr>
+                      <m:t>𝑠</m:t>
+                    </m:r>
+                    <m:r>
+                      <a:rPr kumimoji="1" lang="en-US" altLang="ja-JP" b="0" i="1" smtClean="0">
+                        <a:latin typeface="Cambria Math" panose="02040503050406030204" pitchFamily="18" charset="0"/>
+                      </a:rPr>
+                      <m:t>||</m:t>
+                    </m:r>
+                    <m:r>
+                      <a:rPr kumimoji="1" lang="en-US" altLang="ja-JP" b="0" i="1" smtClean="0">
+                        <a:latin typeface="Cambria Math" panose="02040503050406030204" pitchFamily="18" charset="0"/>
+                      </a:rPr>
+                      <m:t>𝑚</m:t>
+                    </m:r>
+                    <m:r>
+                      <a:rPr kumimoji="1" lang="en-US" altLang="ja-JP" b="0" i="1" smtClean="0">
+                        <a:latin typeface="Cambria Math" panose="02040503050406030204" pitchFamily="18" charset="0"/>
+                      </a:rPr>
+                      <m:t>)</m:t>
+                    </m:r>
+                  </m:oMath>
+                </a14:m>
+                <a:r>
+                  <a:rPr kumimoji="1" lang="en-US" altLang="ja-JP"/>
+                  <a:t>, </a:t>
+                </a:r>
+                <a14:m>
+                  <m:oMath xmlns:m="http://schemas.openxmlformats.org/officeDocument/2006/math">
+                    <m:r>
+                      <a:rPr kumimoji="1" lang="en-US" altLang="ja-JP" b="0" i="1" smtClean="0">
+                        <a:latin typeface="Cambria Math" panose="02040503050406030204" pitchFamily="18" charset="0"/>
+                      </a:rPr>
+                      <m:t>𝑠</m:t>
+                    </m:r>
+                  </m:oMath>
+                </a14:m>
+                <a:r>
+                  <a:rPr kumimoji="1" lang="ja-JP" altLang="en-US"/>
+                  <a:t> </a:t>
+                </a:r>
+                <a:r>
+                  <a:rPr kumimoji="1" lang="en-US" altLang="ja-JP"/>
+                  <a:t>: </a:t>
+                </a:r>
+                <a:r>
+                  <a:rPr kumimoji="1" lang="ja-JP" altLang="en-US"/>
+                  <a:t>秘密</a:t>
+                </a:r>
+                <a:r>
+                  <a:rPr kumimoji="1" lang="en-US" altLang="ja-JP"/>
+                  <a:t>, </a:t>
+                </a:r>
+                <a14:m>
+                  <m:oMath xmlns:m="http://schemas.openxmlformats.org/officeDocument/2006/math">
+                    <m:r>
+                      <a:rPr kumimoji="1" lang="en-US" altLang="ja-JP" b="0" i="1" smtClean="0">
+                        <a:latin typeface="Cambria Math" panose="02040503050406030204" pitchFamily="18" charset="0"/>
+                      </a:rPr>
+                      <m:t>𝑚</m:t>
+                    </m:r>
+                  </m:oMath>
+                </a14:m>
+                <a:r>
+                  <a:rPr kumimoji="1" lang="ja-JP" altLang="en-US"/>
+                  <a:t> </a:t>
+                </a:r>
+                <a:r>
+                  <a:rPr kumimoji="1" lang="en-US" altLang="ja-JP"/>
+                  <a:t>: </a:t>
+                </a:r>
+                <a:r>
+                  <a:rPr kumimoji="1" lang="ja-JP" altLang="en-US"/>
+                  <a:t>メッセージに対して</a:t>
+                </a:r>
+                <a:br>
+                  <a:rPr kumimoji="1" lang="en-US" altLang="ja-JP"/>
+                </a:br>
+                <a14:m>
+                  <m:oMath xmlns:m="http://schemas.openxmlformats.org/officeDocument/2006/math">
+                    <m:sSup>
+                      <m:sSupPr>
+                        <m:ctrlPr>
+                          <a:rPr kumimoji="1" lang="en-US" altLang="ja-JP" b="0" i="1" smtClean="0">
+                            <a:latin typeface="Cambria Math" panose="02040503050406030204" pitchFamily="18" charset="0"/>
+                          </a:rPr>
+                        </m:ctrlPr>
+                      </m:sSupPr>
+                      <m:e>
+                        <m:r>
+                          <a:rPr kumimoji="1" lang="en-US" altLang="ja-JP" b="0" i="1" smtClean="0">
+                            <a:latin typeface="Cambria Math" panose="02040503050406030204" pitchFamily="18" charset="0"/>
+                          </a:rPr>
+                          <m:t>h</m:t>
+                        </m:r>
+                      </m:e>
+                      <m:sup>
+                        <m:r>
+                          <a:rPr kumimoji="1" lang="en-US" altLang="ja-JP" b="0" i="1" smtClean="0">
+                            <a:latin typeface="Cambria Math" panose="02040503050406030204" pitchFamily="18" charset="0"/>
+                          </a:rPr>
+                          <m:t>′</m:t>
+                        </m:r>
+                      </m:sup>
+                    </m:sSup>
+                    <m:r>
+                      <a:rPr kumimoji="1" lang="en-US" altLang="ja-JP" b="0" i="1" smtClean="0">
+                        <a:latin typeface="Cambria Math" panose="02040503050406030204" pitchFamily="18" charset="0"/>
+                      </a:rPr>
+                      <m:t>=</m:t>
+                    </m:r>
+                    <m:r>
+                      <a:rPr kumimoji="1" lang="en-US" altLang="ja-JP" b="0" i="1" smtClean="0">
+                        <a:latin typeface="Cambria Math" panose="02040503050406030204" pitchFamily="18" charset="0"/>
+                      </a:rPr>
+                      <m:t>𝐻</m:t>
+                    </m:r>
+                    <m:r>
+                      <a:rPr kumimoji="1" lang="en-US" altLang="ja-JP" b="0" i="1" smtClean="0">
+                        <a:latin typeface="Cambria Math" panose="02040503050406030204" pitchFamily="18" charset="0"/>
+                      </a:rPr>
+                      <m:t>(</m:t>
+                    </m:r>
+                    <m:r>
+                      <a:rPr kumimoji="1" lang="en-US" altLang="ja-JP" b="0" i="1" smtClean="0">
+                        <a:latin typeface="Cambria Math" panose="02040503050406030204" pitchFamily="18" charset="0"/>
+                      </a:rPr>
+                      <m:t>𝑠</m:t>
+                    </m:r>
+                    <m:d>
+                      <m:dPr>
+                        <m:begChr m:val="|"/>
+                        <m:endChr m:val="|"/>
+                        <m:ctrlPr>
+                          <a:rPr kumimoji="1" lang="en-US" altLang="ja-JP" b="0" i="1" smtClean="0">
+                            <a:latin typeface="Cambria Math" panose="02040503050406030204" pitchFamily="18" charset="0"/>
+                          </a:rPr>
+                        </m:ctrlPr>
+                      </m:dPr>
+                      <m:e>
+                        <m:d>
+                          <m:dPr>
+                            <m:begChr m:val="|"/>
+                            <m:endChr m:val="|"/>
+                            <m:ctrlPr>
+                              <a:rPr kumimoji="1" lang="en-US" altLang="ja-JP" b="0" i="1" smtClean="0">
+                                <a:latin typeface="Cambria Math" panose="02040503050406030204" pitchFamily="18" charset="0"/>
+                              </a:rPr>
+                            </m:ctrlPr>
+                          </m:dPr>
+                          <m:e>
+                            <m:r>
+                              <a:rPr kumimoji="1" lang="en-US" altLang="ja-JP" b="0" i="1" smtClean="0">
+                                <a:latin typeface="Cambria Math" panose="02040503050406030204" pitchFamily="18" charset="0"/>
+                              </a:rPr>
+                              <m:t>𝑚</m:t>
+                            </m:r>
+                          </m:e>
+                        </m:d>
+                      </m:e>
+                    </m:d>
+                    <m:sSup>
+                      <m:sSupPr>
+                        <m:ctrlPr>
+                          <a:rPr kumimoji="1" lang="en-US" altLang="ja-JP" b="0" i="1" smtClean="0">
+                            <a:latin typeface="Cambria Math" panose="02040503050406030204" pitchFamily="18" charset="0"/>
+                          </a:rPr>
+                        </m:ctrlPr>
+                      </m:sSupPr>
+                      <m:e>
+                        <m:r>
+                          <a:rPr kumimoji="1" lang="en-US" altLang="ja-JP" b="0" i="1" smtClean="0">
+                            <a:latin typeface="Cambria Math" panose="02040503050406030204" pitchFamily="18" charset="0"/>
+                          </a:rPr>
+                          <m:t>𝑚</m:t>
+                        </m:r>
+                      </m:e>
+                      <m:sup>
+                        <m:r>
+                          <a:rPr kumimoji="1" lang="en-US" altLang="ja-JP" b="0" i="1" smtClean="0">
+                            <a:latin typeface="Cambria Math" panose="02040503050406030204" pitchFamily="18" charset="0"/>
+                          </a:rPr>
+                          <m:t>′′</m:t>
+                        </m:r>
+                      </m:sup>
+                    </m:sSup>
+                    <m:r>
+                      <a:rPr kumimoji="1" lang="en-US" altLang="ja-JP" b="0" i="1" smtClean="0">
+                        <a:latin typeface="Cambria Math" panose="02040503050406030204" pitchFamily="18" charset="0"/>
+                      </a:rPr>
+                      <m:t>)</m:t>
+                    </m:r>
+                  </m:oMath>
+                </a14:m>
+                <a:r>
+                  <a:rPr kumimoji="1" lang="ja-JP" altLang="en-US"/>
+                  <a:t>となる</a:t>
+                </a:r>
+                <a14:m>
+                  <m:oMath xmlns:m="http://schemas.openxmlformats.org/officeDocument/2006/math">
+                    <m:r>
+                      <a:rPr kumimoji="1" lang="en-US" altLang="ja-JP" b="0" i="0" smtClean="0">
+                        <a:latin typeface="Cambria Math" panose="02040503050406030204" pitchFamily="18" charset="0"/>
+                      </a:rPr>
+                      <m:t>(</m:t>
+                    </m:r>
+                    <m:sSup>
+                      <m:sSupPr>
+                        <m:ctrlPr>
+                          <a:rPr kumimoji="1" lang="en-US" altLang="ja-JP" b="0" i="1" smtClean="0">
+                            <a:latin typeface="Cambria Math" panose="02040503050406030204" pitchFamily="18" charset="0"/>
+                          </a:rPr>
+                        </m:ctrlPr>
+                      </m:sSupPr>
+                      <m:e>
+                        <m:r>
+                          <a:rPr kumimoji="1" lang="en-US" altLang="ja-JP" b="0" i="1" smtClean="0">
+                            <a:latin typeface="Cambria Math" panose="02040503050406030204" pitchFamily="18" charset="0"/>
+                          </a:rPr>
+                          <m:t>𝑚</m:t>
+                        </m:r>
+                      </m:e>
+                      <m:sup>
+                        <m:r>
+                          <a:rPr kumimoji="1" lang="en-US" altLang="ja-JP" b="0" i="1" smtClean="0">
+                            <a:latin typeface="Cambria Math" panose="02040503050406030204" pitchFamily="18" charset="0"/>
+                          </a:rPr>
+                          <m:t>′′</m:t>
+                        </m:r>
+                      </m:sup>
+                    </m:sSup>
+                    <m:r>
+                      <a:rPr kumimoji="1" lang="en-US" altLang="ja-JP" b="0" i="1" smtClean="0">
+                        <a:latin typeface="Cambria Math" panose="02040503050406030204" pitchFamily="18" charset="0"/>
+                      </a:rPr>
+                      <m:t>,</m:t>
+                    </m:r>
+                    <m:sSup>
+                      <m:sSupPr>
+                        <m:ctrlPr>
+                          <a:rPr kumimoji="1" lang="en-US" altLang="ja-JP" b="0" i="1" smtClean="0">
+                            <a:latin typeface="Cambria Math" panose="02040503050406030204" pitchFamily="18" charset="0"/>
+                          </a:rPr>
+                        </m:ctrlPr>
+                      </m:sSupPr>
+                      <m:e>
+                        <m:r>
+                          <a:rPr kumimoji="1" lang="en-US" altLang="ja-JP" b="0" i="1" smtClean="0">
+                            <a:latin typeface="Cambria Math" panose="02040503050406030204" pitchFamily="18" charset="0"/>
+                          </a:rPr>
+                          <m:t>h</m:t>
+                        </m:r>
+                      </m:e>
+                      <m:sup>
+                        <m:r>
+                          <a:rPr kumimoji="1" lang="en-US" altLang="ja-JP" b="0" i="1" smtClean="0">
+                            <a:latin typeface="Cambria Math" panose="02040503050406030204" pitchFamily="18" charset="0"/>
+                          </a:rPr>
+                          <m:t>′</m:t>
+                        </m:r>
+                      </m:sup>
+                    </m:sSup>
+                    <m:r>
+                      <a:rPr kumimoji="1" lang="en-US" altLang="ja-JP" b="0" i="1" smtClean="0">
+                        <a:latin typeface="Cambria Math" panose="02040503050406030204" pitchFamily="18" charset="0"/>
+                      </a:rPr>
+                      <m:t>)</m:t>
+                    </m:r>
+                  </m:oMath>
+                </a14:m>
+                <a:r>
+                  <a:rPr kumimoji="1" lang="ja-JP" altLang="en-US"/>
+                  <a:t>を</a:t>
+                </a:r>
+                <a14:m>
+                  <m:oMath xmlns:m="http://schemas.openxmlformats.org/officeDocument/2006/math">
+                    <m:r>
+                      <a:rPr kumimoji="1" lang="en-US" altLang="ja-JP" b="0" i="1" smtClean="0">
+                        <a:latin typeface="Cambria Math" panose="02040503050406030204" pitchFamily="18" charset="0"/>
+                      </a:rPr>
+                      <m:t>𝑠</m:t>
+                    </m:r>
+                  </m:oMath>
+                </a14:m>
+                <a:r>
+                  <a:rPr kumimoji="1" lang="ja-JP" altLang="en-US"/>
+                  <a:t>を知らずに計算可能</a:t>
+                </a:r>
+                <a:endParaRPr kumimoji="1" lang="en-US" altLang="ja-JP"/>
+              </a:p>
+              <a:p>
+                <a:pPr lvl="3"/>
+                <a:r>
+                  <a:rPr lang="en-US" altLang="ja-JP"/>
+                  <a:t>MD</a:t>
+                </a:r>
+                <a:r>
+                  <a:rPr lang="ja-JP" altLang="en-US"/>
+                  <a:t>構成なハッシュ関数共通の性質</a:t>
+                </a:r>
+                <a:endParaRPr lang="en-US" altLang="ja-JP"/>
+              </a:p>
+              <a:p>
+                <a:pPr lvl="2"/>
+                <a:r>
+                  <a:rPr kumimoji="1" lang="ja-JP" altLang="en-US"/>
+                  <a:t>内部状態が</a:t>
+                </a:r>
+                <a:r>
+                  <a:rPr kumimoji="1" lang="en-US" altLang="ja-JP"/>
+                  <a:t>SHA-2</a:t>
+                </a:r>
+                <a:r>
+                  <a:rPr kumimoji="1" lang="ja-JP" altLang="en-US"/>
+                  <a:t>は</a:t>
+                </a:r>
+                <a:r>
+                  <a:rPr kumimoji="1" lang="en-US" altLang="ja-JP"/>
+                  <a:t>256bit, SHA-3</a:t>
+                </a:r>
+                <a:r>
+                  <a:rPr kumimoji="1" lang="ja-JP" altLang="en-US"/>
+                  <a:t>は</a:t>
+                </a:r>
+                <a:r>
+                  <a:rPr kumimoji="1" lang="en-US" altLang="ja-JP"/>
+                  <a:t>1600bit</a:t>
+                </a:r>
+              </a:p>
+              <a:p>
+                <a:pPr lvl="3"/>
+                <a:r>
+                  <a:rPr lang="en-US" altLang="ja-JP"/>
+                  <a:t>SHA-2</a:t>
+                </a:r>
+                <a:r>
+                  <a:rPr lang="ja-JP" altLang="en-US"/>
+                  <a:t>の方が速い・小メモリ</a:t>
+                </a:r>
+                <a:endParaRPr lang="en-US" altLang="ja-JP"/>
+              </a:p>
+            </p:txBody>
+          </p:sp>
+        </mc:Choice>
+        <mc:Fallback>
+          <p:sp>
+            <p:nvSpPr>
+              <p:cNvPr id="2" name="コンテンツ プレースホルダー 1">
+                <a:extLst>
+                  <a:ext uri="{FF2B5EF4-FFF2-40B4-BE49-F238E27FC236}">
+                    <a16:creationId xmlns:a16="http://schemas.microsoft.com/office/drawing/2014/main" id="{9CA3394C-C3A5-47CC-B6B5-484F28F224CA}"/>
+                  </a:ext>
+                </a:extLst>
+              </p:cNvPr>
+              <p:cNvSpPr>
+                <a:spLocks noGrp="1" noRot="1" noChangeAspect="1" noMove="1" noResize="1" noEditPoints="1" noAdjustHandles="1" noChangeArrowheads="1" noChangeShapeType="1" noTextEdit="1"/>
+              </p:cNvSpPr>
+              <p:nvPr>
+                <p:ph idx="1"/>
+              </p:nvPr>
+            </p:nvSpPr>
+            <p:spPr>
+              <a:blipFill>
+                <a:blip r:embed="rId2"/>
+                <a:stretch>
+                  <a:fillRect l="-1200" t="-1038"/>
+                </a:stretch>
+              </a:blipFill>
+            </p:spPr>
+            <p:txBody>
+              <a:bodyPr/>
+              <a:lstStyle/>
+              <a:p>
+                <a:r>
+                  <a:rPr lang="ja-JP" altLang="en-US">
+                    <a:noFill/>
+                  </a:rPr>
+                  <a:t> </a:t>
+                </a:r>
+              </a:p>
+            </p:txBody>
+          </p:sp>
+        </mc:Fallback>
+      </mc:AlternateContent>
       <p:sp>
         <p:nvSpPr>
           <p:cNvPr id="3" name="スライド番号プレースホルダー 2">

--- a/lec/anninbon7.pptx
+++ b/lec/anninbon7.pptx
@@ -5,10 +5,10 @@
     <p:sldMasterId id="2147483706" r:id="rId1"/>
   </p:sldMasterIdLst>
   <p:notesMasterIdLst>
-    <p:notesMasterId r:id="rId50"/>
+    <p:notesMasterId r:id="rId33"/>
   </p:notesMasterIdLst>
   <p:handoutMasterIdLst>
-    <p:handoutMasterId r:id="rId51"/>
+    <p:handoutMasterId r:id="rId34"/>
   </p:handoutMasterIdLst>
   <p:sldIdLst>
     <p:sldId id="552" r:id="rId2"/>
@@ -42,23 +42,6 @@
     <p:sldId id="620" r:id="rId30"/>
     <p:sldId id="621" r:id="rId31"/>
     <p:sldId id="622" r:id="rId32"/>
-    <p:sldId id="623" r:id="rId33"/>
-    <p:sldId id="624" r:id="rId34"/>
-    <p:sldId id="625" r:id="rId35"/>
-    <p:sldId id="626" r:id="rId36"/>
-    <p:sldId id="627" r:id="rId37"/>
-    <p:sldId id="628" r:id="rId38"/>
-    <p:sldId id="629" r:id="rId39"/>
-    <p:sldId id="630" r:id="rId40"/>
-    <p:sldId id="631" r:id="rId41"/>
-    <p:sldId id="632" r:id="rId42"/>
-    <p:sldId id="633" r:id="rId43"/>
-    <p:sldId id="634" r:id="rId44"/>
-    <p:sldId id="635" r:id="rId45"/>
-    <p:sldId id="636" r:id="rId46"/>
-    <p:sldId id="637" r:id="rId47"/>
-    <p:sldId id="638" r:id="rId48"/>
-    <p:sldId id="639" r:id="rId49"/>
   </p:sldIdLst>
   <p:sldSz cx="9144000" cy="6858000" type="screen4x3"/>
   <p:notesSz cx="7099300" cy="10234613"/>
@@ -223,23 +206,6 @@
             <p14:sldId id="620"/>
             <p14:sldId id="621"/>
             <p14:sldId id="622"/>
-            <p14:sldId id="623"/>
-            <p14:sldId id="624"/>
-            <p14:sldId id="625"/>
-            <p14:sldId id="626"/>
-            <p14:sldId id="627"/>
-            <p14:sldId id="628"/>
-            <p14:sldId id="629"/>
-            <p14:sldId id="630"/>
-            <p14:sldId id="631"/>
-            <p14:sldId id="632"/>
-            <p14:sldId id="633"/>
-            <p14:sldId id="634"/>
-            <p14:sldId id="635"/>
-            <p14:sldId id="636"/>
-            <p14:sldId id="637"/>
-            <p14:sldId id="638"/>
-            <p14:sldId id="639"/>
           </p14:sldIdLst>
         </p14:section>
       </p14:sectionLst>
@@ -1544,7 +1510,7 @@
             </a:fld>
             <a:r>
               <a:rPr lang="en-US" altLang="ja-JP"/>
-              <a:t> / 24</a:t>
+              <a:t> / 31</a:t>
             </a:r>
           </a:p>
         </p:txBody>
@@ -2407,6 +2373,17 @@
               <a:rPr lang="ja-JP" altLang="en-US" sz="2400"/>
               <a:t>署名</a:t>
             </a:r>
+            <a:r>
+              <a:rPr lang="en-US" altLang="ja-JP" sz="2400"/>
+              <a:t>, ECDSA, FIDO</a:t>
+            </a:r>
+            <a:br>
+              <a:rPr lang="en-US" altLang="ja-JP" sz="2400"/>
+            </a:br>
+            <a:r>
+              <a:rPr lang="ja-JP" altLang="en-US" sz="2400"/>
+              <a:t>サイドチャネル攻撃</a:t>
+            </a:r>
             <a:endParaRPr lang="ja-JP" altLang="en-US"/>
           </a:p>
         </p:txBody>
@@ -2839,48 +2816,6 @@
       </mc:AlternateContent>
       <p:sp>
         <p:nvSpPr>
-          <p:cNvPr id="3" name="スライド番号プレースホルダー 2">
-            <a:extLst>
-              <a:ext uri="{FF2B5EF4-FFF2-40B4-BE49-F238E27FC236}">
-                <a16:creationId xmlns:a16="http://schemas.microsoft.com/office/drawing/2014/main" id="{B36D7BFD-3291-45EB-98DC-130753C1DCBC}"/>
-              </a:ext>
-            </a:extLst>
-          </p:cNvPr>
-          <p:cNvSpPr>
-            <a:spLocks noGrp="1"/>
-          </p:cNvSpPr>
-          <p:nvPr>
-            <p:ph type="sldNum" sz="quarter" idx="12"/>
-          </p:nvPr>
-        </p:nvSpPr>
-        <p:spPr/>
-        <p:txBody>
-          <a:bodyPr/>
-          <a:lstStyle/>
-          <a:p>
-            <a:pPr>
-              <a:defRPr/>
-            </a:pPr>
-            <a:r>
-              <a:rPr lang="en-US" altLang="ja-JP"/>
-              <a:t>    </a:t>
-            </a:r>
-            <a:fld id="{B2782DEB-472A-4FE5-AC34-C17109CF5A91}" type="slidenum">
-              <a:rPr lang="en-US" altLang="ja-JP" smtClean="0"/>
-              <a:pPr>
-                <a:defRPr/>
-              </a:pPr>
-              <a:t>10</a:t>
-            </a:fld>
-            <a:r>
-              <a:rPr lang="en-US" altLang="ja-JP"/>
-              <a:t> / 24</a:t>
-            </a:r>
-          </a:p>
-        </p:txBody>
-      </p:sp>
-      <p:sp>
-        <p:nvSpPr>
           <p:cNvPr id="4" name="タイトル 3">
             <a:extLst>
               <a:ext uri="{FF2B5EF4-FFF2-40B4-BE49-F238E27FC236}">
@@ -2917,6 +2852,48 @@
               <a:t>PDF</a:t>
             </a:r>
             <a:endParaRPr kumimoji="1" lang="ja-JP" altLang="en-US"/>
+          </a:p>
+        </p:txBody>
+      </p:sp>
+      <p:sp>
+        <p:nvSpPr>
+          <p:cNvPr id="5" name="スライド番号プレースホルダー 4">
+            <a:extLst>
+              <a:ext uri="{FF2B5EF4-FFF2-40B4-BE49-F238E27FC236}">
+                <a16:creationId xmlns:a16="http://schemas.microsoft.com/office/drawing/2014/main" id="{6295A81E-1531-4B89-B6FD-353F94A59C7A}"/>
+              </a:ext>
+            </a:extLst>
+          </p:cNvPr>
+          <p:cNvSpPr>
+            <a:spLocks noGrp="1"/>
+          </p:cNvSpPr>
+          <p:nvPr>
+            <p:ph type="sldNum" sz="quarter" idx="12"/>
+          </p:nvPr>
+        </p:nvSpPr>
+        <p:spPr/>
+        <p:txBody>
+          <a:bodyPr/>
+          <a:lstStyle/>
+          <a:p>
+            <a:pPr>
+              <a:defRPr/>
+            </a:pPr>
+            <a:r>
+              <a:rPr lang="en-US" altLang="ja-JP"/>
+              <a:t>    </a:t>
+            </a:r>
+            <a:fld id="{B2782DEB-472A-4FE5-AC34-C17109CF5A91}" type="slidenum">
+              <a:rPr lang="en-US" altLang="ja-JP" smtClean="0"/>
+              <a:pPr>
+                <a:defRPr/>
+              </a:pPr>
+              <a:t>10</a:t>
+            </a:fld>
+            <a:r>
+              <a:rPr lang="en-US" altLang="ja-JP"/>
+              <a:t> / 31</a:t>
+            </a:r>
           </a:p>
         </p:txBody>
       </p:sp>
@@ -3080,48 +3057,6 @@
       </mc:AlternateContent>
       <p:sp>
         <p:nvSpPr>
-          <p:cNvPr id="3" name="スライド番号プレースホルダー 2">
-            <a:extLst>
-              <a:ext uri="{FF2B5EF4-FFF2-40B4-BE49-F238E27FC236}">
-                <a16:creationId xmlns:a16="http://schemas.microsoft.com/office/drawing/2014/main" id="{AEA12DC3-498D-4625-8F2A-C44A7D21337D}"/>
-              </a:ext>
-            </a:extLst>
-          </p:cNvPr>
-          <p:cNvSpPr>
-            <a:spLocks noGrp="1"/>
-          </p:cNvSpPr>
-          <p:nvPr>
-            <p:ph type="sldNum" sz="quarter" idx="12"/>
-          </p:nvPr>
-        </p:nvSpPr>
-        <p:spPr/>
-        <p:txBody>
-          <a:bodyPr/>
-          <a:lstStyle/>
-          <a:p>
-            <a:pPr>
-              <a:defRPr/>
-            </a:pPr>
-            <a:r>
-              <a:rPr lang="en-US" altLang="ja-JP"/>
-              <a:t>    </a:t>
-            </a:r>
-            <a:fld id="{B2782DEB-472A-4FE5-AC34-C17109CF5A91}" type="slidenum">
-              <a:rPr lang="en-US" altLang="ja-JP" smtClean="0"/>
-              <a:pPr>
-                <a:defRPr/>
-              </a:pPr>
-              <a:t>11</a:t>
-            </a:fld>
-            <a:r>
-              <a:rPr lang="en-US" altLang="ja-JP"/>
-              <a:t> / 24</a:t>
-            </a:r>
-          </a:p>
-        </p:txBody>
-      </p:sp>
-      <p:sp>
-        <p:nvSpPr>
           <p:cNvPr id="4" name="タイトル 3">
             <a:extLst>
               <a:ext uri="{FF2B5EF4-FFF2-40B4-BE49-F238E27FC236}">
@@ -3188,6 +3123,48 @@
           </a:prstGeom>
         </p:spPr>
       </p:pic>
+      <p:sp>
+        <p:nvSpPr>
+          <p:cNvPr id="5" name="スライド番号プレースホルダー 4">
+            <a:extLst>
+              <a:ext uri="{FF2B5EF4-FFF2-40B4-BE49-F238E27FC236}">
+                <a16:creationId xmlns:a16="http://schemas.microsoft.com/office/drawing/2014/main" id="{4BD69D49-605F-4F62-8621-9907637668EB}"/>
+              </a:ext>
+            </a:extLst>
+          </p:cNvPr>
+          <p:cNvSpPr>
+            <a:spLocks noGrp="1"/>
+          </p:cNvSpPr>
+          <p:nvPr>
+            <p:ph type="sldNum" sz="quarter" idx="12"/>
+          </p:nvPr>
+        </p:nvSpPr>
+        <p:spPr/>
+        <p:txBody>
+          <a:bodyPr/>
+          <a:lstStyle/>
+          <a:p>
+            <a:pPr>
+              <a:defRPr/>
+            </a:pPr>
+            <a:r>
+              <a:rPr lang="en-US" altLang="ja-JP"/>
+              <a:t>    </a:t>
+            </a:r>
+            <a:fld id="{B2782DEB-472A-4FE5-AC34-C17109CF5A91}" type="slidenum">
+              <a:rPr lang="en-US" altLang="ja-JP" smtClean="0"/>
+              <a:pPr>
+                <a:defRPr/>
+              </a:pPr>
+              <a:t>11</a:t>
+            </a:fld>
+            <a:r>
+              <a:rPr lang="en-US" altLang="ja-JP"/>
+              <a:t> / 31</a:t>
+            </a:r>
+          </a:p>
+        </p:txBody>
+      </p:sp>
     </p:spTree>
     <p:extLst>
       <p:ext uri="{BB962C8B-B14F-4D97-AF65-F5344CB8AC3E}">
@@ -3488,48 +3465,6 @@
       </mc:AlternateContent>
       <p:sp>
         <p:nvSpPr>
-          <p:cNvPr id="3" name="スライド番号プレースホルダー 2">
-            <a:extLst>
-              <a:ext uri="{FF2B5EF4-FFF2-40B4-BE49-F238E27FC236}">
-                <a16:creationId xmlns:a16="http://schemas.microsoft.com/office/drawing/2014/main" id="{B9D38565-3F1E-417A-A9D5-B5529F123074}"/>
-              </a:ext>
-            </a:extLst>
-          </p:cNvPr>
-          <p:cNvSpPr>
-            <a:spLocks noGrp="1"/>
-          </p:cNvSpPr>
-          <p:nvPr>
-            <p:ph type="sldNum" sz="quarter" idx="12"/>
-          </p:nvPr>
-        </p:nvSpPr>
-        <p:spPr/>
-        <p:txBody>
-          <a:bodyPr/>
-          <a:lstStyle/>
-          <a:p>
-            <a:pPr>
-              <a:defRPr/>
-            </a:pPr>
-            <a:r>
-              <a:rPr lang="en-US" altLang="ja-JP"/>
-              <a:t>    </a:t>
-            </a:r>
-            <a:fld id="{B2782DEB-472A-4FE5-AC34-C17109CF5A91}" type="slidenum">
-              <a:rPr lang="en-US" altLang="ja-JP" smtClean="0"/>
-              <a:pPr>
-                <a:defRPr/>
-              </a:pPr>
-              <a:t>12</a:t>
-            </a:fld>
-            <a:r>
-              <a:rPr lang="en-US" altLang="ja-JP"/>
-              <a:t> / 24</a:t>
-            </a:r>
-          </a:p>
-        </p:txBody>
-      </p:sp>
-      <p:sp>
-        <p:nvSpPr>
           <p:cNvPr id="4" name="タイトル 3">
             <a:extLst>
               <a:ext uri="{FF2B5EF4-FFF2-40B4-BE49-F238E27FC236}">
@@ -3592,6 +3527,48 @@
           </a:prstGeom>
         </p:spPr>
       </p:pic>
+      <p:sp>
+        <p:nvSpPr>
+          <p:cNvPr id="5" name="スライド番号プレースホルダー 4">
+            <a:extLst>
+              <a:ext uri="{FF2B5EF4-FFF2-40B4-BE49-F238E27FC236}">
+                <a16:creationId xmlns:a16="http://schemas.microsoft.com/office/drawing/2014/main" id="{0DA4D712-83FF-4375-9BBE-3050E4897C6A}"/>
+              </a:ext>
+            </a:extLst>
+          </p:cNvPr>
+          <p:cNvSpPr>
+            <a:spLocks noGrp="1"/>
+          </p:cNvSpPr>
+          <p:nvPr>
+            <p:ph type="sldNum" sz="quarter" idx="12"/>
+          </p:nvPr>
+        </p:nvSpPr>
+        <p:spPr/>
+        <p:txBody>
+          <a:bodyPr/>
+          <a:lstStyle/>
+          <a:p>
+            <a:pPr>
+              <a:defRPr/>
+            </a:pPr>
+            <a:r>
+              <a:rPr lang="en-US" altLang="ja-JP"/>
+              <a:t>    </a:t>
+            </a:r>
+            <a:fld id="{B2782DEB-472A-4FE5-AC34-C17109CF5A91}" type="slidenum">
+              <a:rPr lang="en-US" altLang="ja-JP" smtClean="0"/>
+              <a:pPr>
+                <a:defRPr/>
+              </a:pPr>
+              <a:t>12</a:t>
+            </a:fld>
+            <a:r>
+              <a:rPr lang="en-US" altLang="ja-JP"/>
+              <a:t> / 31</a:t>
+            </a:r>
+          </a:p>
+        </p:txBody>
+      </p:sp>
     </p:spTree>
     <p:extLst>
       <p:ext uri="{BB962C8B-B14F-4D97-AF65-F5344CB8AC3E}">
@@ -4036,48 +4013,6 @@
       </mc:AlternateContent>
       <p:sp>
         <p:nvSpPr>
-          <p:cNvPr id="3" name="スライド番号プレースホルダー 2">
-            <a:extLst>
-              <a:ext uri="{FF2B5EF4-FFF2-40B4-BE49-F238E27FC236}">
-                <a16:creationId xmlns:a16="http://schemas.microsoft.com/office/drawing/2014/main" id="{15D9118C-9756-4CB6-9514-D84C065E3901}"/>
-              </a:ext>
-            </a:extLst>
-          </p:cNvPr>
-          <p:cNvSpPr>
-            <a:spLocks noGrp="1"/>
-          </p:cNvSpPr>
-          <p:nvPr>
-            <p:ph type="sldNum" sz="quarter" idx="12"/>
-          </p:nvPr>
-        </p:nvSpPr>
-        <p:spPr/>
-        <p:txBody>
-          <a:bodyPr/>
-          <a:lstStyle/>
-          <a:p>
-            <a:pPr>
-              <a:defRPr/>
-            </a:pPr>
-            <a:r>
-              <a:rPr lang="en-US" altLang="ja-JP"/>
-              <a:t>    </a:t>
-            </a:r>
-            <a:fld id="{B2782DEB-472A-4FE5-AC34-C17109CF5A91}" type="slidenum">
-              <a:rPr lang="en-US" altLang="ja-JP" smtClean="0"/>
-              <a:pPr>
-                <a:defRPr/>
-              </a:pPr>
-              <a:t>13</a:t>
-            </a:fld>
-            <a:r>
-              <a:rPr lang="en-US" altLang="ja-JP"/>
-              <a:t> / 24</a:t>
-            </a:r>
-          </a:p>
-        </p:txBody>
-      </p:sp>
-      <p:sp>
-        <p:nvSpPr>
           <p:cNvPr id="4" name="タイトル 3">
             <a:extLst>
               <a:ext uri="{FF2B5EF4-FFF2-40B4-BE49-F238E27FC236}">
@@ -4160,6 +4095,48 @@
           </a:prstGeom>
         </p:spPr>
       </p:pic>
+      <p:sp>
+        <p:nvSpPr>
+          <p:cNvPr id="5" name="スライド番号プレースホルダー 4">
+            <a:extLst>
+              <a:ext uri="{FF2B5EF4-FFF2-40B4-BE49-F238E27FC236}">
+                <a16:creationId xmlns:a16="http://schemas.microsoft.com/office/drawing/2014/main" id="{0C20406A-144F-4CCA-BD2C-A75B6EAB9288}"/>
+              </a:ext>
+            </a:extLst>
+          </p:cNvPr>
+          <p:cNvSpPr>
+            <a:spLocks noGrp="1"/>
+          </p:cNvSpPr>
+          <p:nvPr>
+            <p:ph type="sldNum" sz="quarter" idx="12"/>
+          </p:nvPr>
+        </p:nvSpPr>
+        <p:spPr/>
+        <p:txBody>
+          <a:bodyPr/>
+          <a:lstStyle/>
+          <a:p>
+            <a:pPr>
+              <a:defRPr/>
+            </a:pPr>
+            <a:r>
+              <a:rPr lang="en-US" altLang="ja-JP"/>
+              <a:t>    </a:t>
+            </a:r>
+            <a:fld id="{B2782DEB-472A-4FE5-AC34-C17109CF5A91}" type="slidenum">
+              <a:rPr lang="en-US" altLang="ja-JP" smtClean="0"/>
+              <a:pPr>
+                <a:defRPr/>
+              </a:pPr>
+              <a:t>13</a:t>
+            </a:fld>
+            <a:r>
+              <a:rPr lang="en-US" altLang="ja-JP"/>
+              <a:t> / 31</a:t>
+            </a:r>
+          </a:p>
+        </p:txBody>
+      </p:sp>
     </p:spTree>
     <p:extLst>
       <p:ext uri="{BB962C8B-B14F-4D97-AF65-F5344CB8AC3E}">
@@ -4340,48 +4317,6 @@
       </p:sp>
       <p:sp>
         <p:nvSpPr>
-          <p:cNvPr id="3" name="スライド番号プレースホルダー 2">
-            <a:extLst>
-              <a:ext uri="{FF2B5EF4-FFF2-40B4-BE49-F238E27FC236}">
-                <a16:creationId xmlns:a16="http://schemas.microsoft.com/office/drawing/2014/main" id="{8BC7527F-286E-4247-AD60-CDC53026228F}"/>
-              </a:ext>
-            </a:extLst>
-          </p:cNvPr>
-          <p:cNvSpPr>
-            <a:spLocks noGrp="1"/>
-          </p:cNvSpPr>
-          <p:nvPr>
-            <p:ph type="sldNum" sz="quarter" idx="12"/>
-          </p:nvPr>
-        </p:nvSpPr>
-        <p:spPr/>
-        <p:txBody>
-          <a:bodyPr/>
-          <a:lstStyle/>
-          <a:p>
-            <a:pPr>
-              <a:defRPr/>
-            </a:pPr>
-            <a:r>
-              <a:rPr lang="en-US" altLang="ja-JP"/>
-              <a:t>    </a:t>
-            </a:r>
-            <a:fld id="{B2782DEB-472A-4FE5-AC34-C17109CF5A91}" type="slidenum">
-              <a:rPr lang="en-US" altLang="ja-JP" smtClean="0"/>
-              <a:pPr>
-                <a:defRPr/>
-              </a:pPr>
-              <a:t>14</a:t>
-            </a:fld>
-            <a:r>
-              <a:rPr lang="en-US" altLang="ja-JP"/>
-              <a:t> / 24</a:t>
-            </a:r>
-          </a:p>
-        </p:txBody>
-      </p:sp>
-      <p:sp>
-        <p:nvSpPr>
           <p:cNvPr id="4" name="タイトル 3">
             <a:extLst>
               <a:ext uri="{FF2B5EF4-FFF2-40B4-BE49-F238E27FC236}">
@@ -4444,6 +4379,48 @@
           </a:prstGeom>
         </p:spPr>
       </p:pic>
+      <p:sp>
+        <p:nvSpPr>
+          <p:cNvPr id="5" name="スライド番号プレースホルダー 4">
+            <a:extLst>
+              <a:ext uri="{FF2B5EF4-FFF2-40B4-BE49-F238E27FC236}">
+                <a16:creationId xmlns:a16="http://schemas.microsoft.com/office/drawing/2014/main" id="{B9144612-DE07-4225-B164-BABFEF245F6F}"/>
+              </a:ext>
+            </a:extLst>
+          </p:cNvPr>
+          <p:cNvSpPr>
+            <a:spLocks noGrp="1"/>
+          </p:cNvSpPr>
+          <p:nvPr>
+            <p:ph type="sldNum" sz="quarter" idx="12"/>
+          </p:nvPr>
+        </p:nvSpPr>
+        <p:spPr/>
+        <p:txBody>
+          <a:bodyPr/>
+          <a:lstStyle/>
+          <a:p>
+            <a:pPr>
+              <a:defRPr/>
+            </a:pPr>
+            <a:r>
+              <a:rPr lang="en-US" altLang="ja-JP"/>
+              <a:t>    </a:t>
+            </a:r>
+            <a:fld id="{B2782DEB-472A-4FE5-AC34-C17109CF5A91}" type="slidenum">
+              <a:rPr lang="en-US" altLang="ja-JP" smtClean="0"/>
+              <a:pPr>
+                <a:defRPr/>
+              </a:pPr>
+              <a:t>14</a:t>
+            </a:fld>
+            <a:r>
+              <a:rPr lang="en-US" altLang="ja-JP"/>
+              <a:t> / 31</a:t>
+            </a:r>
+          </a:p>
+        </p:txBody>
+      </p:sp>
     </p:spTree>
     <p:extLst>
       <p:ext uri="{BB962C8B-B14F-4D97-AF65-F5344CB8AC3E}">
@@ -4584,48 +4561,6 @@
             <a:r>
               <a:rPr kumimoji="1" lang="ja-JP" altLang="en-US"/>
               <a:t>秘匿性と完全性の両立→認証付き暗号</a:t>
-            </a:r>
-          </a:p>
-        </p:txBody>
-      </p:sp>
-      <p:sp>
-        <p:nvSpPr>
-          <p:cNvPr id="3" name="スライド番号プレースホルダー 2">
-            <a:extLst>
-              <a:ext uri="{FF2B5EF4-FFF2-40B4-BE49-F238E27FC236}">
-                <a16:creationId xmlns:a16="http://schemas.microsoft.com/office/drawing/2014/main" id="{DA97A676-1D09-4E18-83F7-7230133901CB}"/>
-              </a:ext>
-            </a:extLst>
-          </p:cNvPr>
-          <p:cNvSpPr>
-            <a:spLocks noGrp="1"/>
-          </p:cNvSpPr>
-          <p:nvPr>
-            <p:ph type="sldNum" sz="quarter" idx="12"/>
-          </p:nvPr>
-        </p:nvSpPr>
-        <p:spPr/>
-        <p:txBody>
-          <a:bodyPr/>
-          <a:lstStyle/>
-          <a:p>
-            <a:pPr>
-              <a:defRPr/>
-            </a:pPr>
-            <a:r>
-              <a:rPr lang="en-US" altLang="ja-JP"/>
-              <a:t>    </a:t>
-            </a:r>
-            <a:fld id="{B2782DEB-472A-4FE5-AC34-C17109CF5A91}" type="slidenum">
-              <a:rPr lang="en-US" altLang="ja-JP" smtClean="0"/>
-              <a:pPr>
-                <a:defRPr/>
-              </a:pPr>
-              <a:t>15</a:t>
-            </a:fld>
-            <a:r>
-              <a:rPr lang="en-US" altLang="ja-JP"/>
-              <a:t> / 24</a:t>
             </a:r>
           </a:p>
         </p:txBody>
@@ -4854,6 +4789,48 @@
           </a:graphicData>
         </a:graphic>
       </p:graphicFrame>
+      <p:sp>
+        <p:nvSpPr>
+          <p:cNvPr id="6" name="スライド番号プレースホルダー 5">
+            <a:extLst>
+              <a:ext uri="{FF2B5EF4-FFF2-40B4-BE49-F238E27FC236}">
+                <a16:creationId xmlns:a16="http://schemas.microsoft.com/office/drawing/2014/main" id="{88AA141A-B545-4A3C-B04F-1ACD3F694415}"/>
+              </a:ext>
+            </a:extLst>
+          </p:cNvPr>
+          <p:cNvSpPr>
+            <a:spLocks noGrp="1"/>
+          </p:cNvSpPr>
+          <p:nvPr>
+            <p:ph type="sldNum" sz="quarter" idx="12"/>
+          </p:nvPr>
+        </p:nvSpPr>
+        <p:spPr/>
+        <p:txBody>
+          <a:bodyPr/>
+          <a:lstStyle/>
+          <a:p>
+            <a:pPr>
+              <a:defRPr/>
+            </a:pPr>
+            <a:r>
+              <a:rPr lang="en-US" altLang="ja-JP"/>
+              <a:t>    </a:t>
+            </a:r>
+            <a:fld id="{B2782DEB-472A-4FE5-AC34-C17109CF5A91}" type="slidenum">
+              <a:rPr lang="en-US" altLang="ja-JP" smtClean="0"/>
+              <a:pPr>
+                <a:defRPr/>
+              </a:pPr>
+              <a:t>15</a:t>
+            </a:fld>
+            <a:r>
+              <a:rPr lang="en-US" altLang="ja-JP"/>
+              <a:t> / 31</a:t>
+            </a:r>
+          </a:p>
+        </p:txBody>
+      </p:sp>
     </p:spTree>
     <p:extLst>
       <p:ext uri="{BB962C8B-B14F-4D97-AF65-F5344CB8AC3E}">
@@ -4922,48 +4899,6 @@
       </p:sp>
       <p:sp>
         <p:nvSpPr>
-          <p:cNvPr id="3" name="スライド番号プレースホルダー 2">
-            <a:extLst>
-              <a:ext uri="{FF2B5EF4-FFF2-40B4-BE49-F238E27FC236}">
-                <a16:creationId xmlns:a16="http://schemas.microsoft.com/office/drawing/2014/main" id="{AB9F26F4-83DE-4194-BC8D-DD0C7E4176A1}"/>
-              </a:ext>
-            </a:extLst>
-          </p:cNvPr>
-          <p:cNvSpPr>
-            <a:spLocks noGrp="1"/>
-          </p:cNvSpPr>
-          <p:nvPr>
-            <p:ph type="sldNum" sz="quarter" idx="12"/>
-          </p:nvPr>
-        </p:nvSpPr>
-        <p:spPr/>
-        <p:txBody>
-          <a:bodyPr/>
-          <a:lstStyle/>
-          <a:p>
-            <a:pPr>
-              <a:defRPr/>
-            </a:pPr>
-            <a:r>
-              <a:rPr lang="en-US" altLang="ja-JP"/>
-              <a:t>    </a:t>
-            </a:r>
-            <a:fld id="{B2782DEB-472A-4FE5-AC34-C17109CF5A91}" type="slidenum">
-              <a:rPr lang="en-US" altLang="ja-JP" smtClean="0"/>
-              <a:pPr>
-                <a:defRPr/>
-              </a:pPr>
-              <a:t>16</a:t>
-            </a:fld>
-            <a:r>
-              <a:rPr lang="en-US" altLang="ja-JP"/>
-              <a:t> / 24</a:t>
-            </a:r>
-          </a:p>
-        </p:txBody>
-      </p:sp>
-      <p:sp>
-        <p:nvSpPr>
           <p:cNvPr id="4" name="タイトル 3">
             <a:extLst>
               <a:ext uri="{FF2B5EF4-FFF2-40B4-BE49-F238E27FC236}">
@@ -5030,6 +4965,48 @@
           </a:prstGeom>
         </p:spPr>
       </p:pic>
+      <p:sp>
+        <p:nvSpPr>
+          <p:cNvPr id="5" name="スライド番号プレースホルダー 4">
+            <a:extLst>
+              <a:ext uri="{FF2B5EF4-FFF2-40B4-BE49-F238E27FC236}">
+                <a16:creationId xmlns:a16="http://schemas.microsoft.com/office/drawing/2014/main" id="{54C5568A-EB88-47DC-B1AE-647F5A64A176}"/>
+              </a:ext>
+            </a:extLst>
+          </p:cNvPr>
+          <p:cNvSpPr>
+            <a:spLocks noGrp="1"/>
+          </p:cNvSpPr>
+          <p:nvPr>
+            <p:ph type="sldNum" sz="quarter" idx="12"/>
+          </p:nvPr>
+        </p:nvSpPr>
+        <p:spPr/>
+        <p:txBody>
+          <a:bodyPr/>
+          <a:lstStyle/>
+          <a:p>
+            <a:pPr>
+              <a:defRPr/>
+            </a:pPr>
+            <a:r>
+              <a:rPr lang="en-US" altLang="ja-JP"/>
+              <a:t>    </a:t>
+            </a:r>
+            <a:fld id="{B2782DEB-472A-4FE5-AC34-C17109CF5A91}" type="slidenum">
+              <a:rPr lang="en-US" altLang="ja-JP" smtClean="0"/>
+              <a:pPr>
+                <a:defRPr/>
+              </a:pPr>
+              <a:t>16</a:t>
+            </a:fld>
+            <a:r>
+              <a:rPr lang="en-US" altLang="ja-JP"/>
+              <a:t> / 31</a:t>
+            </a:r>
+          </a:p>
+        </p:txBody>
+      </p:sp>
     </p:spTree>
     <p:extLst>
       <p:ext uri="{BB962C8B-B14F-4D97-AF65-F5344CB8AC3E}">
@@ -5202,48 +5179,6 @@
       </p:sp>
       <p:sp>
         <p:nvSpPr>
-          <p:cNvPr id="3" name="スライド番号プレースホルダー 2">
-            <a:extLst>
-              <a:ext uri="{FF2B5EF4-FFF2-40B4-BE49-F238E27FC236}">
-                <a16:creationId xmlns:a16="http://schemas.microsoft.com/office/drawing/2014/main" id="{62CB4FE8-92AC-4ADC-A3E0-EF3C414B368F}"/>
-              </a:ext>
-            </a:extLst>
-          </p:cNvPr>
-          <p:cNvSpPr>
-            <a:spLocks noGrp="1"/>
-          </p:cNvSpPr>
-          <p:nvPr>
-            <p:ph type="sldNum" sz="quarter" idx="12"/>
-          </p:nvPr>
-        </p:nvSpPr>
-        <p:spPr/>
-        <p:txBody>
-          <a:bodyPr/>
-          <a:lstStyle/>
-          <a:p>
-            <a:pPr>
-              <a:defRPr/>
-            </a:pPr>
-            <a:r>
-              <a:rPr lang="en-US" altLang="ja-JP"/>
-              <a:t>    </a:t>
-            </a:r>
-            <a:fld id="{B2782DEB-472A-4FE5-AC34-C17109CF5A91}" type="slidenum">
-              <a:rPr lang="en-US" altLang="ja-JP" smtClean="0"/>
-              <a:pPr>
-                <a:defRPr/>
-              </a:pPr>
-              <a:t>17</a:t>
-            </a:fld>
-            <a:r>
-              <a:rPr lang="en-US" altLang="ja-JP"/>
-              <a:t> / 24</a:t>
-            </a:r>
-          </a:p>
-        </p:txBody>
-      </p:sp>
-      <p:sp>
-        <p:nvSpPr>
           <p:cNvPr id="4" name="タイトル 3">
             <a:extLst>
               <a:ext uri="{FF2B5EF4-FFF2-40B4-BE49-F238E27FC236}">
@@ -5272,6 +5207,48 @@
               <a:t>の構成法</a:t>
             </a:r>
             <a:endParaRPr kumimoji="1" lang="ja-JP" altLang="en-US"/>
+          </a:p>
+        </p:txBody>
+      </p:sp>
+      <p:sp>
+        <p:nvSpPr>
+          <p:cNvPr id="5" name="スライド番号プレースホルダー 4">
+            <a:extLst>
+              <a:ext uri="{FF2B5EF4-FFF2-40B4-BE49-F238E27FC236}">
+                <a16:creationId xmlns:a16="http://schemas.microsoft.com/office/drawing/2014/main" id="{82C8C24F-A555-48E2-ABF4-E8D625599CF0}"/>
+              </a:ext>
+            </a:extLst>
+          </p:cNvPr>
+          <p:cNvSpPr>
+            <a:spLocks noGrp="1"/>
+          </p:cNvSpPr>
+          <p:nvPr>
+            <p:ph type="sldNum" sz="quarter" idx="12"/>
+          </p:nvPr>
+        </p:nvSpPr>
+        <p:spPr/>
+        <p:txBody>
+          <a:bodyPr/>
+          <a:lstStyle/>
+          <a:p>
+            <a:pPr>
+              <a:defRPr/>
+            </a:pPr>
+            <a:r>
+              <a:rPr lang="en-US" altLang="ja-JP"/>
+              <a:t>    </a:t>
+            </a:r>
+            <a:fld id="{B2782DEB-472A-4FE5-AC34-C17109CF5A91}" type="slidenum">
+              <a:rPr lang="en-US" altLang="ja-JP" smtClean="0"/>
+              <a:pPr>
+                <a:defRPr/>
+              </a:pPr>
+              <a:t>17</a:t>
+            </a:fld>
+            <a:r>
+              <a:rPr lang="en-US" altLang="ja-JP"/>
+              <a:t> / 31</a:t>
+            </a:r>
           </a:p>
         </p:txBody>
       </p:sp>
@@ -5409,48 +5386,6 @@
       </p:sp>
       <p:sp>
         <p:nvSpPr>
-          <p:cNvPr id="3" name="スライド番号プレースホルダー 2">
-            <a:extLst>
-              <a:ext uri="{FF2B5EF4-FFF2-40B4-BE49-F238E27FC236}">
-                <a16:creationId xmlns:a16="http://schemas.microsoft.com/office/drawing/2014/main" id="{38874C4D-67AD-48BB-917D-8C71F39C81A0}"/>
-              </a:ext>
-            </a:extLst>
-          </p:cNvPr>
-          <p:cNvSpPr>
-            <a:spLocks noGrp="1"/>
-          </p:cNvSpPr>
-          <p:nvPr>
-            <p:ph type="sldNum" sz="quarter" idx="12"/>
-          </p:nvPr>
-        </p:nvSpPr>
-        <p:spPr/>
-        <p:txBody>
-          <a:bodyPr/>
-          <a:lstStyle/>
-          <a:p>
-            <a:pPr>
-              <a:defRPr/>
-            </a:pPr>
-            <a:r>
-              <a:rPr lang="en-US" altLang="ja-JP"/>
-              <a:t>    </a:t>
-            </a:r>
-            <a:fld id="{B2782DEB-472A-4FE5-AC34-C17109CF5A91}" type="slidenum">
-              <a:rPr lang="en-US" altLang="ja-JP" smtClean="0"/>
-              <a:pPr>
-                <a:defRPr/>
-              </a:pPr>
-              <a:t>18</a:t>
-            </a:fld>
-            <a:r>
-              <a:rPr lang="en-US" altLang="ja-JP"/>
-              <a:t> / 24</a:t>
-            </a:r>
-          </a:p>
-        </p:txBody>
-      </p:sp>
-      <p:sp>
-        <p:nvSpPr>
           <p:cNvPr id="4" name="タイトル 3">
             <a:extLst>
               <a:ext uri="{FF2B5EF4-FFF2-40B4-BE49-F238E27FC236}">
@@ -5513,6 +5448,48 @@
           </a:prstGeom>
         </p:spPr>
       </p:pic>
+      <p:sp>
+        <p:nvSpPr>
+          <p:cNvPr id="5" name="スライド番号プレースホルダー 4">
+            <a:extLst>
+              <a:ext uri="{FF2B5EF4-FFF2-40B4-BE49-F238E27FC236}">
+                <a16:creationId xmlns:a16="http://schemas.microsoft.com/office/drawing/2014/main" id="{DD3D5A76-7C04-463C-9B90-C50471FF1B68}"/>
+              </a:ext>
+            </a:extLst>
+          </p:cNvPr>
+          <p:cNvSpPr>
+            <a:spLocks noGrp="1"/>
+          </p:cNvSpPr>
+          <p:nvPr>
+            <p:ph type="sldNum" sz="quarter" idx="12"/>
+          </p:nvPr>
+        </p:nvSpPr>
+        <p:spPr/>
+        <p:txBody>
+          <a:bodyPr/>
+          <a:lstStyle/>
+          <a:p>
+            <a:pPr>
+              <a:defRPr/>
+            </a:pPr>
+            <a:r>
+              <a:rPr lang="en-US" altLang="ja-JP"/>
+              <a:t>    </a:t>
+            </a:r>
+            <a:fld id="{B2782DEB-472A-4FE5-AC34-C17109CF5A91}" type="slidenum">
+              <a:rPr lang="en-US" altLang="ja-JP" smtClean="0"/>
+              <a:pPr>
+                <a:defRPr/>
+              </a:pPr>
+              <a:t>18</a:t>
+            </a:fld>
+            <a:r>
+              <a:rPr lang="en-US" altLang="ja-JP"/>
+              <a:t> / 31</a:t>
+            </a:r>
+          </a:p>
+        </p:txBody>
+      </p:sp>
     </p:spTree>
     <p:extLst>
       <p:ext uri="{BB962C8B-B14F-4D97-AF65-F5344CB8AC3E}">
@@ -5985,48 +5962,6 @@
       </mc:AlternateContent>
       <p:sp>
         <p:nvSpPr>
-          <p:cNvPr id="3" name="スライド番号プレースホルダー 2">
-            <a:extLst>
-              <a:ext uri="{FF2B5EF4-FFF2-40B4-BE49-F238E27FC236}">
-                <a16:creationId xmlns:a16="http://schemas.microsoft.com/office/drawing/2014/main" id="{9B20389C-ACA6-4F9E-8ACE-BE721C6C02D3}"/>
-              </a:ext>
-            </a:extLst>
-          </p:cNvPr>
-          <p:cNvSpPr>
-            <a:spLocks noGrp="1"/>
-          </p:cNvSpPr>
-          <p:nvPr>
-            <p:ph type="sldNum" sz="quarter" idx="12"/>
-          </p:nvPr>
-        </p:nvSpPr>
-        <p:spPr/>
-        <p:txBody>
-          <a:bodyPr/>
-          <a:lstStyle/>
-          <a:p>
-            <a:pPr>
-              <a:defRPr/>
-            </a:pPr>
-            <a:r>
-              <a:rPr lang="en-US" altLang="ja-JP"/>
-              <a:t>    </a:t>
-            </a:r>
-            <a:fld id="{B2782DEB-472A-4FE5-AC34-C17109CF5A91}" type="slidenum">
-              <a:rPr lang="en-US" altLang="ja-JP" smtClean="0"/>
-              <a:pPr>
-                <a:defRPr/>
-              </a:pPr>
-              <a:t>19</a:t>
-            </a:fld>
-            <a:r>
-              <a:rPr lang="en-US" altLang="ja-JP"/>
-              <a:t> / 24</a:t>
-            </a:r>
-          </a:p>
-        </p:txBody>
-      </p:sp>
-      <p:sp>
-        <p:nvSpPr>
           <p:cNvPr id="4" name="タイトル 3">
             <a:extLst>
               <a:ext uri="{FF2B5EF4-FFF2-40B4-BE49-F238E27FC236}">
@@ -6049,6 +5984,48 @@
             <a:r>
               <a:rPr kumimoji="1" lang="ja-JP" altLang="en-US"/>
               <a:t>署名のアルゴリズム</a:t>
+            </a:r>
+          </a:p>
+        </p:txBody>
+      </p:sp>
+      <p:sp>
+        <p:nvSpPr>
+          <p:cNvPr id="5" name="スライド番号プレースホルダー 4">
+            <a:extLst>
+              <a:ext uri="{FF2B5EF4-FFF2-40B4-BE49-F238E27FC236}">
+                <a16:creationId xmlns:a16="http://schemas.microsoft.com/office/drawing/2014/main" id="{FD52AF7D-9CFB-4D85-8464-91BD570D9CDF}"/>
+              </a:ext>
+            </a:extLst>
+          </p:cNvPr>
+          <p:cNvSpPr>
+            <a:spLocks noGrp="1"/>
+          </p:cNvSpPr>
+          <p:nvPr>
+            <p:ph type="sldNum" sz="quarter" idx="12"/>
+          </p:nvPr>
+        </p:nvSpPr>
+        <p:spPr/>
+        <p:txBody>
+          <a:bodyPr/>
+          <a:lstStyle/>
+          <a:p>
+            <a:pPr>
+              <a:defRPr/>
+            </a:pPr>
+            <a:r>
+              <a:rPr lang="en-US" altLang="ja-JP"/>
+              <a:t>    </a:t>
+            </a:r>
+            <a:fld id="{B2782DEB-472A-4FE5-AC34-C17109CF5A91}" type="slidenum">
+              <a:rPr lang="en-US" altLang="ja-JP" smtClean="0"/>
+              <a:pPr>
+                <a:defRPr/>
+              </a:pPr>
+              <a:t>19</a:t>
+            </a:fld>
+            <a:r>
+              <a:rPr lang="en-US" altLang="ja-JP"/>
+              <a:t> / 31</a:t>
             </a:r>
           </a:p>
         </p:txBody>
@@ -6165,48 +6142,6 @@
       </p:sp>
       <p:sp>
         <p:nvSpPr>
-          <p:cNvPr id="3" name="スライド番号プレースホルダー 2">
-            <a:extLst>
-              <a:ext uri="{FF2B5EF4-FFF2-40B4-BE49-F238E27FC236}">
-                <a16:creationId xmlns:a16="http://schemas.microsoft.com/office/drawing/2014/main" id="{0EBE5A9D-DDE8-4B10-9EF6-38918BFC07D3}"/>
-              </a:ext>
-            </a:extLst>
-          </p:cNvPr>
-          <p:cNvSpPr>
-            <a:spLocks noGrp="1"/>
-          </p:cNvSpPr>
-          <p:nvPr>
-            <p:ph type="sldNum" sz="quarter" idx="12"/>
-          </p:nvPr>
-        </p:nvSpPr>
-        <p:spPr/>
-        <p:txBody>
-          <a:bodyPr/>
-          <a:lstStyle/>
-          <a:p>
-            <a:pPr>
-              <a:defRPr/>
-            </a:pPr>
-            <a:r>
-              <a:rPr lang="en-US" altLang="ja-JP"/>
-              <a:t>    </a:t>
-            </a:r>
-            <a:fld id="{B2782DEB-472A-4FE5-AC34-C17109CF5A91}" type="slidenum">
-              <a:rPr lang="en-US" altLang="ja-JP" smtClean="0"/>
-              <a:pPr>
-                <a:defRPr/>
-              </a:pPr>
-              <a:t>2</a:t>
-            </a:fld>
-            <a:r>
-              <a:rPr lang="en-US" altLang="ja-JP"/>
-              <a:t> / 24</a:t>
-            </a:r>
-          </a:p>
-        </p:txBody>
-      </p:sp>
-      <p:sp>
-        <p:nvSpPr>
           <p:cNvPr id="4" name="タイトル 3">
             <a:extLst>
               <a:ext uri="{FF2B5EF4-FFF2-40B4-BE49-F238E27FC236}">
@@ -6270,6 +6205,48 @@
           </a:prstGeom>
         </p:spPr>
       </p:pic>
+      <p:sp>
+        <p:nvSpPr>
+          <p:cNvPr id="5" name="スライド番号プレースホルダー 4">
+            <a:extLst>
+              <a:ext uri="{FF2B5EF4-FFF2-40B4-BE49-F238E27FC236}">
+                <a16:creationId xmlns:a16="http://schemas.microsoft.com/office/drawing/2014/main" id="{32304795-0EB3-4B66-B655-19E885DE4DFA}"/>
+              </a:ext>
+            </a:extLst>
+          </p:cNvPr>
+          <p:cNvSpPr>
+            <a:spLocks noGrp="1"/>
+          </p:cNvSpPr>
+          <p:nvPr>
+            <p:ph type="sldNum" sz="quarter" idx="12"/>
+          </p:nvPr>
+        </p:nvSpPr>
+        <p:spPr/>
+        <p:txBody>
+          <a:bodyPr/>
+          <a:lstStyle/>
+          <a:p>
+            <a:pPr>
+              <a:defRPr/>
+            </a:pPr>
+            <a:r>
+              <a:rPr lang="en-US" altLang="ja-JP"/>
+              <a:t>    </a:t>
+            </a:r>
+            <a:fld id="{B2782DEB-472A-4FE5-AC34-C17109CF5A91}" type="slidenum">
+              <a:rPr lang="en-US" altLang="ja-JP" smtClean="0"/>
+              <a:pPr>
+                <a:defRPr/>
+              </a:pPr>
+              <a:t>2</a:t>
+            </a:fld>
+            <a:r>
+              <a:rPr lang="en-US" altLang="ja-JP"/>
+              <a:t> / 31</a:t>
+            </a:r>
+          </a:p>
+        </p:txBody>
+      </p:sp>
     </p:spTree>
     <p:extLst>
       <p:ext uri="{BB962C8B-B14F-4D97-AF65-F5344CB8AC3E}">
@@ -6416,48 +6393,6 @@
       </mc:AlternateContent>
       <p:sp>
         <p:nvSpPr>
-          <p:cNvPr id="3" name="スライド番号プレースホルダー 2">
-            <a:extLst>
-              <a:ext uri="{FF2B5EF4-FFF2-40B4-BE49-F238E27FC236}">
-                <a16:creationId xmlns:a16="http://schemas.microsoft.com/office/drawing/2014/main" id="{197AD3D9-54E6-482F-8C00-E0FC3E435799}"/>
-              </a:ext>
-            </a:extLst>
-          </p:cNvPr>
-          <p:cNvSpPr>
-            <a:spLocks noGrp="1"/>
-          </p:cNvSpPr>
-          <p:nvPr>
-            <p:ph type="sldNum" sz="quarter" idx="12"/>
-          </p:nvPr>
-        </p:nvSpPr>
-        <p:spPr/>
-        <p:txBody>
-          <a:bodyPr/>
-          <a:lstStyle/>
-          <a:p>
-            <a:pPr>
-              <a:defRPr/>
-            </a:pPr>
-            <a:r>
-              <a:rPr lang="en-US" altLang="ja-JP"/>
-              <a:t>    </a:t>
-            </a:r>
-            <a:fld id="{B2782DEB-472A-4FE5-AC34-C17109CF5A91}" type="slidenum">
-              <a:rPr lang="en-US" altLang="ja-JP" smtClean="0"/>
-              <a:pPr>
-                <a:defRPr/>
-              </a:pPr>
-              <a:t>20</a:t>
-            </a:fld>
-            <a:r>
-              <a:rPr lang="en-US" altLang="ja-JP"/>
-              <a:t> / 24</a:t>
-            </a:r>
-          </a:p>
-        </p:txBody>
-      </p:sp>
-      <p:sp>
-        <p:nvSpPr>
           <p:cNvPr id="4" name="タイトル 3">
             <a:extLst>
               <a:ext uri="{FF2B5EF4-FFF2-40B4-BE49-F238E27FC236}">
@@ -6520,6 +6455,48 @@
           </a:prstGeom>
         </p:spPr>
       </p:pic>
+      <p:sp>
+        <p:nvSpPr>
+          <p:cNvPr id="5" name="スライド番号プレースホルダー 4">
+            <a:extLst>
+              <a:ext uri="{FF2B5EF4-FFF2-40B4-BE49-F238E27FC236}">
+                <a16:creationId xmlns:a16="http://schemas.microsoft.com/office/drawing/2014/main" id="{02B151DD-7A5E-495E-8DC8-824BE5699519}"/>
+              </a:ext>
+            </a:extLst>
+          </p:cNvPr>
+          <p:cNvSpPr>
+            <a:spLocks noGrp="1"/>
+          </p:cNvSpPr>
+          <p:nvPr>
+            <p:ph type="sldNum" sz="quarter" idx="12"/>
+          </p:nvPr>
+        </p:nvSpPr>
+        <p:spPr/>
+        <p:txBody>
+          <a:bodyPr/>
+          <a:lstStyle/>
+          <a:p>
+            <a:pPr>
+              <a:defRPr/>
+            </a:pPr>
+            <a:r>
+              <a:rPr lang="en-US" altLang="ja-JP"/>
+              <a:t>    </a:t>
+            </a:r>
+            <a:fld id="{B2782DEB-472A-4FE5-AC34-C17109CF5A91}" type="slidenum">
+              <a:rPr lang="en-US" altLang="ja-JP" smtClean="0"/>
+              <a:pPr>
+                <a:defRPr/>
+              </a:pPr>
+              <a:t>20</a:t>
+            </a:fld>
+            <a:r>
+              <a:rPr lang="en-US" altLang="ja-JP"/>
+              <a:t> / 31</a:t>
+            </a:r>
+          </a:p>
+        </p:txBody>
+      </p:sp>
     </p:spTree>
     <p:extLst>
       <p:ext uri="{BB962C8B-B14F-4D97-AF65-F5344CB8AC3E}">
@@ -6677,48 +6654,6 @@
           </a:p>
           <a:p>
             <a:endParaRPr kumimoji="1" lang="ja-JP" altLang="en-US"/>
-          </a:p>
-        </p:txBody>
-      </p:sp>
-      <p:sp>
-        <p:nvSpPr>
-          <p:cNvPr id="3" name="スライド番号プレースホルダー 2">
-            <a:extLst>
-              <a:ext uri="{FF2B5EF4-FFF2-40B4-BE49-F238E27FC236}">
-                <a16:creationId xmlns:a16="http://schemas.microsoft.com/office/drawing/2014/main" id="{5653F63B-E303-43B2-9448-62411EE24E54}"/>
-              </a:ext>
-            </a:extLst>
-          </p:cNvPr>
-          <p:cNvSpPr>
-            <a:spLocks noGrp="1"/>
-          </p:cNvSpPr>
-          <p:nvPr>
-            <p:ph type="sldNum" sz="quarter" idx="12"/>
-          </p:nvPr>
-        </p:nvSpPr>
-        <p:spPr/>
-        <p:txBody>
-          <a:bodyPr/>
-          <a:lstStyle/>
-          <a:p>
-            <a:pPr>
-              <a:defRPr/>
-            </a:pPr>
-            <a:r>
-              <a:rPr lang="en-US" altLang="ja-JP"/>
-              <a:t>    </a:t>
-            </a:r>
-            <a:fld id="{B2782DEB-472A-4FE5-AC34-C17109CF5A91}" type="slidenum">
-              <a:rPr lang="en-US" altLang="ja-JP" smtClean="0"/>
-              <a:pPr>
-                <a:defRPr/>
-              </a:pPr>
-              <a:t>21</a:t>
-            </a:fld>
-            <a:r>
-              <a:rPr lang="en-US" altLang="ja-JP"/>
-              <a:t> / 24</a:t>
-            </a:r>
           </a:p>
         </p:txBody>
       </p:sp>
@@ -7145,6 +7080,48 @@
           </a:graphicData>
         </a:graphic>
       </p:graphicFrame>
+      <p:sp>
+        <p:nvSpPr>
+          <p:cNvPr id="7" name="スライド番号プレースホルダー 6">
+            <a:extLst>
+              <a:ext uri="{FF2B5EF4-FFF2-40B4-BE49-F238E27FC236}">
+                <a16:creationId xmlns:a16="http://schemas.microsoft.com/office/drawing/2014/main" id="{C9AEFC34-3C7A-4E79-A913-F45FBF912E77}"/>
+              </a:ext>
+            </a:extLst>
+          </p:cNvPr>
+          <p:cNvSpPr>
+            <a:spLocks noGrp="1"/>
+          </p:cNvSpPr>
+          <p:nvPr>
+            <p:ph type="sldNum" sz="quarter" idx="12"/>
+          </p:nvPr>
+        </p:nvSpPr>
+        <p:spPr/>
+        <p:txBody>
+          <a:bodyPr/>
+          <a:lstStyle/>
+          <a:p>
+            <a:pPr>
+              <a:defRPr/>
+            </a:pPr>
+            <a:r>
+              <a:rPr lang="en-US" altLang="ja-JP"/>
+              <a:t>    </a:t>
+            </a:r>
+            <a:fld id="{B2782DEB-472A-4FE5-AC34-C17109CF5A91}" type="slidenum">
+              <a:rPr lang="en-US" altLang="ja-JP" smtClean="0"/>
+              <a:pPr>
+                <a:defRPr/>
+              </a:pPr>
+              <a:t>21</a:t>
+            </a:fld>
+            <a:r>
+              <a:rPr lang="en-US" altLang="ja-JP"/>
+              <a:t> / 31</a:t>
+            </a:r>
+          </a:p>
+        </p:txBody>
+      </p:sp>
     </p:spTree>
     <p:extLst>
       <p:ext uri="{BB962C8B-B14F-4D97-AF65-F5344CB8AC3E}">
@@ -7256,48 +7233,6 @@
       </p:sp>
       <p:sp>
         <p:nvSpPr>
-          <p:cNvPr id="3" name="スライド番号プレースホルダー 2">
-            <a:extLst>
-              <a:ext uri="{FF2B5EF4-FFF2-40B4-BE49-F238E27FC236}">
-                <a16:creationId xmlns:a16="http://schemas.microsoft.com/office/drawing/2014/main" id="{706BEB17-CA81-4C39-BE29-58E4BBC31A18}"/>
-              </a:ext>
-            </a:extLst>
-          </p:cNvPr>
-          <p:cNvSpPr>
-            <a:spLocks noGrp="1"/>
-          </p:cNvSpPr>
-          <p:nvPr>
-            <p:ph type="sldNum" sz="quarter" idx="12"/>
-          </p:nvPr>
-        </p:nvSpPr>
-        <p:spPr/>
-        <p:txBody>
-          <a:bodyPr/>
-          <a:lstStyle/>
-          <a:p>
-            <a:pPr>
-              <a:defRPr/>
-            </a:pPr>
-            <a:r>
-              <a:rPr lang="en-US" altLang="ja-JP"/>
-              <a:t>    </a:t>
-            </a:r>
-            <a:fld id="{B2782DEB-472A-4FE5-AC34-C17109CF5A91}" type="slidenum">
-              <a:rPr lang="en-US" altLang="ja-JP" smtClean="0"/>
-              <a:pPr>
-                <a:defRPr/>
-              </a:pPr>
-              <a:t>22</a:t>
-            </a:fld>
-            <a:r>
-              <a:rPr lang="en-US" altLang="ja-JP"/>
-              <a:t> / 24</a:t>
-            </a:r>
-          </a:p>
-        </p:txBody>
-      </p:sp>
-      <p:sp>
-        <p:nvSpPr>
           <p:cNvPr id="4" name="タイトル 3">
             <a:extLst>
               <a:ext uri="{FF2B5EF4-FFF2-40B4-BE49-F238E27FC236}">
@@ -7360,6 +7295,48 @@
           </a:prstGeom>
         </p:spPr>
       </p:pic>
+      <p:sp>
+        <p:nvSpPr>
+          <p:cNvPr id="5" name="スライド番号プレースホルダー 4">
+            <a:extLst>
+              <a:ext uri="{FF2B5EF4-FFF2-40B4-BE49-F238E27FC236}">
+                <a16:creationId xmlns:a16="http://schemas.microsoft.com/office/drawing/2014/main" id="{DDF7B93C-7986-49A0-B3A1-1DCF1E7ED77F}"/>
+              </a:ext>
+            </a:extLst>
+          </p:cNvPr>
+          <p:cNvSpPr>
+            <a:spLocks noGrp="1"/>
+          </p:cNvSpPr>
+          <p:nvPr>
+            <p:ph type="sldNum" sz="quarter" idx="12"/>
+          </p:nvPr>
+        </p:nvSpPr>
+        <p:spPr/>
+        <p:txBody>
+          <a:bodyPr/>
+          <a:lstStyle/>
+          <a:p>
+            <a:pPr>
+              <a:defRPr/>
+            </a:pPr>
+            <a:r>
+              <a:rPr lang="en-US" altLang="ja-JP"/>
+              <a:t>    </a:t>
+            </a:r>
+            <a:fld id="{B2782DEB-472A-4FE5-AC34-C17109CF5A91}" type="slidenum">
+              <a:rPr lang="en-US" altLang="ja-JP" smtClean="0"/>
+              <a:pPr>
+                <a:defRPr/>
+              </a:pPr>
+              <a:t>22</a:t>
+            </a:fld>
+            <a:r>
+              <a:rPr lang="en-US" altLang="ja-JP"/>
+              <a:t> / 31</a:t>
+            </a:r>
+          </a:p>
+        </p:txBody>
+      </p:sp>
     </p:spTree>
     <p:extLst>
       <p:ext uri="{BB962C8B-B14F-4D97-AF65-F5344CB8AC3E}">
@@ -7737,48 +7714,6 @@
       </mc:AlternateContent>
       <p:sp>
         <p:nvSpPr>
-          <p:cNvPr id="3" name="スライド番号プレースホルダー 2">
-            <a:extLst>
-              <a:ext uri="{FF2B5EF4-FFF2-40B4-BE49-F238E27FC236}">
-                <a16:creationId xmlns:a16="http://schemas.microsoft.com/office/drawing/2014/main" id="{599C5046-91FF-42CC-A846-E8AADE8440E4}"/>
-              </a:ext>
-            </a:extLst>
-          </p:cNvPr>
-          <p:cNvSpPr>
-            <a:spLocks noGrp="1"/>
-          </p:cNvSpPr>
-          <p:nvPr>
-            <p:ph type="sldNum" sz="quarter" idx="12"/>
-          </p:nvPr>
-        </p:nvSpPr>
-        <p:spPr/>
-        <p:txBody>
-          <a:bodyPr/>
-          <a:lstStyle/>
-          <a:p>
-            <a:pPr>
-              <a:defRPr/>
-            </a:pPr>
-            <a:r>
-              <a:rPr lang="en-US" altLang="ja-JP"/>
-              <a:t>    </a:t>
-            </a:r>
-            <a:fld id="{B2782DEB-472A-4FE5-AC34-C17109CF5A91}" type="slidenum">
-              <a:rPr lang="en-US" altLang="ja-JP" smtClean="0"/>
-              <a:pPr>
-                <a:defRPr/>
-              </a:pPr>
-              <a:t>23</a:t>
-            </a:fld>
-            <a:r>
-              <a:rPr lang="en-US" altLang="ja-JP"/>
-              <a:t> / 24</a:t>
-            </a:r>
-          </a:p>
-        </p:txBody>
-      </p:sp>
-      <p:sp>
-        <p:nvSpPr>
           <p:cNvPr id="4" name="タイトル 3">
             <a:extLst>
               <a:ext uri="{FF2B5EF4-FFF2-40B4-BE49-F238E27FC236}">
@@ -7803,6 +7738,48 @@
               <a:t>ECDSA</a:t>
             </a:r>
             <a:endParaRPr kumimoji="1" lang="ja-JP" altLang="en-US"/>
+          </a:p>
+        </p:txBody>
+      </p:sp>
+      <p:sp>
+        <p:nvSpPr>
+          <p:cNvPr id="5" name="スライド番号プレースホルダー 4">
+            <a:extLst>
+              <a:ext uri="{FF2B5EF4-FFF2-40B4-BE49-F238E27FC236}">
+                <a16:creationId xmlns:a16="http://schemas.microsoft.com/office/drawing/2014/main" id="{D6C97CB8-9445-4A8A-8EEE-C2CE085BE01D}"/>
+              </a:ext>
+            </a:extLst>
+          </p:cNvPr>
+          <p:cNvSpPr>
+            <a:spLocks noGrp="1"/>
+          </p:cNvSpPr>
+          <p:nvPr>
+            <p:ph type="sldNum" sz="quarter" idx="12"/>
+          </p:nvPr>
+        </p:nvSpPr>
+        <p:spPr/>
+        <p:txBody>
+          <a:bodyPr/>
+          <a:lstStyle/>
+          <a:p>
+            <a:pPr>
+              <a:defRPr/>
+            </a:pPr>
+            <a:r>
+              <a:rPr lang="en-US" altLang="ja-JP"/>
+              <a:t>    </a:t>
+            </a:r>
+            <a:fld id="{B2782DEB-472A-4FE5-AC34-C17109CF5A91}" type="slidenum">
+              <a:rPr lang="en-US" altLang="ja-JP" smtClean="0"/>
+              <a:pPr>
+                <a:defRPr/>
+              </a:pPr>
+              <a:t>23</a:t>
+            </a:fld>
+            <a:r>
+              <a:rPr lang="en-US" altLang="ja-JP"/>
+              <a:t> / 31</a:t>
+            </a:r>
           </a:p>
         </p:txBody>
       </p:sp>
@@ -8096,48 +8073,6 @@
       </mc:AlternateContent>
       <p:sp>
         <p:nvSpPr>
-          <p:cNvPr id="3" name="スライド番号プレースホルダー 2">
-            <a:extLst>
-              <a:ext uri="{FF2B5EF4-FFF2-40B4-BE49-F238E27FC236}">
-                <a16:creationId xmlns:a16="http://schemas.microsoft.com/office/drawing/2014/main" id="{BDF65F71-3EC0-44C7-9EFC-9E9AC9C393B0}"/>
-              </a:ext>
-            </a:extLst>
-          </p:cNvPr>
-          <p:cNvSpPr>
-            <a:spLocks noGrp="1"/>
-          </p:cNvSpPr>
-          <p:nvPr>
-            <p:ph type="sldNum" sz="quarter" idx="12"/>
-          </p:nvPr>
-        </p:nvSpPr>
-        <p:spPr/>
-        <p:txBody>
-          <a:bodyPr/>
-          <a:lstStyle/>
-          <a:p>
-            <a:pPr>
-              <a:defRPr/>
-            </a:pPr>
-            <a:r>
-              <a:rPr lang="en-US" altLang="ja-JP"/>
-              <a:t>    </a:t>
-            </a:r>
-            <a:fld id="{B2782DEB-472A-4FE5-AC34-C17109CF5A91}" type="slidenum">
-              <a:rPr lang="en-US" altLang="ja-JP" smtClean="0"/>
-              <a:pPr>
-                <a:defRPr/>
-              </a:pPr>
-              <a:t>24</a:t>
-            </a:fld>
-            <a:r>
-              <a:rPr lang="en-US" altLang="ja-JP"/>
-              <a:t> / 24</a:t>
-            </a:r>
-          </a:p>
-        </p:txBody>
-      </p:sp>
-      <p:sp>
-        <p:nvSpPr>
           <p:cNvPr id="4" name="タイトル 3">
             <a:extLst>
               <a:ext uri="{FF2B5EF4-FFF2-40B4-BE49-F238E27FC236}">
@@ -8200,6 +8135,48 @@
           </a:prstGeom>
         </p:spPr>
       </p:pic>
+      <p:sp>
+        <p:nvSpPr>
+          <p:cNvPr id="5" name="スライド番号プレースホルダー 4">
+            <a:extLst>
+              <a:ext uri="{FF2B5EF4-FFF2-40B4-BE49-F238E27FC236}">
+                <a16:creationId xmlns:a16="http://schemas.microsoft.com/office/drawing/2014/main" id="{D9433496-76ED-4998-B69A-BD7106754DB9}"/>
+              </a:ext>
+            </a:extLst>
+          </p:cNvPr>
+          <p:cNvSpPr>
+            <a:spLocks noGrp="1"/>
+          </p:cNvSpPr>
+          <p:nvPr>
+            <p:ph type="sldNum" sz="quarter" idx="12"/>
+          </p:nvPr>
+        </p:nvSpPr>
+        <p:spPr/>
+        <p:txBody>
+          <a:bodyPr/>
+          <a:lstStyle/>
+          <a:p>
+            <a:pPr>
+              <a:defRPr/>
+            </a:pPr>
+            <a:r>
+              <a:rPr lang="en-US" altLang="ja-JP"/>
+              <a:t>    </a:t>
+            </a:r>
+            <a:fld id="{B2782DEB-472A-4FE5-AC34-C17109CF5A91}" type="slidenum">
+              <a:rPr lang="en-US" altLang="ja-JP" smtClean="0"/>
+              <a:pPr>
+                <a:defRPr/>
+              </a:pPr>
+              <a:t>24</a:t>
+            </a:fld>
+            <a:r>
+              <a:rPr lang="en-US" altLang="ja-JP"/>
+              <a:t> / 31</a:t>
+            </a:r>
+          </a:p>
+        </p:txBody>
+      </p:sp>
     </p:spTree>
     <p:extLst>
       <p:ext uri="{BB962C8B-B14F-4D97-AF65-F5344CB8AC3E}">
@@ -8393,48 +8370,6 @@
       </p:sp>
       <p:sp>
         <p:nvSpPr>
-          <p:cNvPr id="3" name="スライド番号プレースホルダー 2">
-            <a:extLst>
-              <a:ext uri="{FF2B5EF4-FFF2-40B4-BE49-F238E27FC236}">
-                <a16:creationId xmlns:a16="http://schemas.microsoft.com/office/drawing/2014/main" id="{5C6AE677-654E-4911-A815-25B1B094CD49}"/>
-              </a:ext>
-            </a:extLst>
-          </p:cNvPr>
-          <p:cNvSpPr>
-            <a:spLocks noGrp="1"/>
-          </p:cNvSpPr>
-          <p:nvPr>
-            <p:ph type="sldNum" sz="quarter" idx="12"/>
-          </p:nvPr>
-        </p:nvSpPr>
-        <p:spPr/>
-        <p:txBody>
-          <a:bodyPr/>
-          <a:lstStyle/>
-          <a:p>
-            <a:pPr>
-              <a:defRPr/>
-            </a:pPr>
-            <a:r>
-              <a:rPr lang="en-US" altLang="ja-JP"/>
-              <a:t>    </a:t>
-            </a:r>
-            <a:fld id="{B2782DEB-472A-4FE5-AC34-C17109CF5A91}" type="slidenum">
-              <a:rPr lang="en-US" altLang="ja-JP" smtClean="0"/>
-              <a:pPr>
-                <a:defRPr/>
-              </a:pPr>
-              <a:t>25</a:t>
-            </a:fld>
-            <a:r>
-              <a:rPr lang="en-US" altLang="ja-JP"/>
-              <a:t> / 24</a:t>
-            </a:r>
-          </a:p>
-        </p:txBody>
-      </p:sp>
-      <p:sp>
-        <p:nvSpPr>
           <p:cNvPr id="4" name="タイトル 3">
             <a:extLst>
               <a:ext uri="{FF2B5EF4-FFF2-40B4-BE49-F238E27FC236}">
@@ -8459,6 +8394,48 @@
               <a:t>FIDO</a:t>
             </a:r>
             <a:endParaRPr kumimoji="1" lang="ja-JP" altLang="en-US"/>
+          </a:p>
+        </p:txBody>
+      </p:sp>
+      <p:sp>
+        <p:nvSpPr>
+          <p:cNvPr id="5" name="スライド番号プレースホルダー 4">
+            <a:extLst>
+              <a:ext uri="{FF2B5EF4-FFF2-40B4-BE49-F238E27FC236}">
+                <a16:creationId xmlns:a16="http://schemas.microsoft.com/office/drawing/2014/main" id="{4E146B9A-01FF-4D66-8D18-081830148824}"/>
+              </a:ext>
+            </a:extLst>
+          </p:cNvPr>
+          <p:cNvSpPr>
+            <a:spLocks noGrp="1"/>
+          </p:cNvSpPr>
+          <p:nvPr>
+            <p:ph type="sldNum" sz="quarter" idx="12"/>
+          </p:nvPr>
+        </p:nvSpPr>
+        <p:spPr/>
+        <p:txBody>
+          <a:bodyPr/>
+          <a:lstStyle/>
+          <a:p>
+            <a:pPr>
+              <a:defRPr/>
+            </a:pPr>
+            <a:r>
+              <a:rPr lang="en-US" altLang="ja-JP"/>
+              <a:t>    </a:t>
+            </a:r>
+            <a:fld id="{B2782DEB-472A-4FE5-AC34-C17109CF5A91}" type="slidenum">
+              <a:rPr lang="en-US" altLang="ja-JP" smtClean="0"/>
+              <a:pPr>
+                <a:defRPr/>
+              </a:pPr>
+              <a:t>25</a:t>
+            </a:fld>
+            <a:r>
+              <a:rPr lang="en-US" altLang="ja-JP"/>
+              <a:t> / 31</a:t>
+            </a:r>
           </a:p>
         </p:txBody>
       </p:sp>
@@ -8526,48 +8503,6 @@
       </p:sp>
       <p:sp>
         <p:nvSpPr>
-          <p:cNvPr id="3" name="スライド番号プレースホルダー 2">
-            <a:extLst>
-              <a:ext uri="{FF2B5EF4-FFF2-40B4-BE49-F238E27FC236}">
-                <a16:creationId xmlns:a16="http://schemas.microsoft.com/office/drawing/2014/main" id="{215DDC56-C56E-434D-A269-451E573396CC}"/>
-              </a:ext>
-            </a:extLst>
-          </p:cNvPr>
-          <p:cNvSpPr>
-            <a:spLocks noGrp="1"/>
-          </p:cNvSpPr>
-          <p:nvPr>
-            <p:ph type="sldNum" sz="quarter" idx="12"/>
-          </p:nvPr>
-        </p:nvSpPr>
-        <p:spPr/>
-        <p:txBody>
-          <a:bodyPr/>
-          <a:lstStyle/>
-          <a:p>
-            <a:pPr>
-              <a:defRPr/>
-            </a:pPr>
-            <a:r>
-              <a:rPr lang="en-US" altLang="ja-JP"/>
-              <a:t>    </a:t>
-            </a:r>
-            <a:fld id="{B2782DEB-472A-4FE5-AC34-C17109CF5A91}" type="slidenum">
-              <a:rPr lang="en-US" altLang="ja-JP" smtClean="0"/>
-              <a:pPr>
-                <a:defRPr/>
-              </a:pPr>
-              <a:t>26</a:t>
-            </a:fld>
-            <a:r>
-              <a:rPr lang="en-US" altLang="ja-JP"/>
-              <a:t> / 24</a:t>
-            </a:r>
-          </a:p>
-        </p:txBody>
-      </p:sp>
-      <p:sp>
-        <p:nvSpPr>
           <p:cNvPr id="4" name="タイトル 3">
             <a:extLst>
               <a:ext uri="{FF2B5EF4-FFF2-40B4-BE49-F238E27FC236}">
@@ -8634,6 +8569,48 @@
           </a:prstGeom>
         </p:spPr>
       </p:pic>
+      <p:sp>
+        <p:nvSpPr>
+          <p:cNvPr id="5" name="スライド番号プレースホルダー 4">
+            <a:extLst>
+              <a:ext uri="{FF2B5EF4-FFF2-40B4-BE49-F238E27FC236}">
+                <a16:creationId xmlns:a16="http://schemas.microsoft.com/office/drawing/2014/main" id="{5AD1F0DF-7169-45CA-8805-DB65C6A62D74}"/>
+              </a:ext>
+            </a:extLst>
+          </p:cNvPr>
+          <p:cNvSpPr>
+            <a:spLocks noGrp="1"/>
+          </p:cNvSpPr>
+          <p:nvPr>
+            <p:ph type="sldNum" sz="quarter" idx="12"/>
+          </p:nvPr>
+        </p:nvSpPr>
+        <p:spPr/>
+        <p:txBody>
+          <a:bodyPr/>
+          <a:lstStyle/>
+          <a:p>
+            <a:pPr>
+              <a:defRPr/>
+            </a:pPr>
+            <a:r>
+              <a:rPr lang="en-US" altLang="ja-JP"/>
+              <a:t>    </a:t>
+            </a:r>
+            <a:fld id="{B2782DEB-472A-4FE5-AC34-C17109CF5A91}" type="slidenum">
+              <a:rPr lang="en-US" altLang="ja-JP" smtClean="0"/>
+              <a:pPr>
+                <a:defRPr/>
+              </a:pPr>
+              <a:t>26</a:t>
+            </a:fld>
+            <a:r>
+              <a:rPr lang="en-US" altLang="ja-JP"/>
+              <a:t> / 31</a:t>
+            </a:r>
+          </a:p>
+        </p:txBody>
+      </p:sp>
     </p:spTree>
     <p:extLst>
       <p:ext uri="{BB962C8B-B14F-4D97-AF65-F5344CB8AC3E}">
@@ -8737,48 +8714,6 @@
       </p:sp>
       <p:sp>
         <p:nvSpPr>
-          <p:cNvPr id="3" name="スライド番号プレースホルダー 2">
-            <a:extLst>
-              <a:ext uri="{FF2B5EF4-FFF2-40B4-BE49-F238E27FC236}">
-                <a16:creationId xmlns:a16="http://schemas.microsoft.com/office/drawing/2014/main" id="{40774B22-942D-4D17-92E8-7CC577B5DF9F}"/>
-              </a:ext>
-            </a:extLst>
-          </p:cNvPr>
-          <p:cNvSpPr>
-            <a:spLocks noGrp="1"/>
-          </p:cNvSpPr>
-          <p:nvPr>
-            <p:ph type="sldNum" sz="quarter" idx="12"/>
-          </p:nvPr>
-        </p:nvSpPr>
-        <p:spPr/>
-        <p:txBody>
-          <a:bodyPr/>
-          <a:lstStyle/>
-          <a:p>
-            <a:pPr>
-              <a:defRPr/>
-            </a:pPr>
-            <a:r>
-              <a:rPr lang="en-US" altLang="ja-JP"/>
-              <a:t>    </a:t>
-            </a:r>
-            <a:fld id="{B2782DEB-472A-4FE5-AC34-C17109CF5A91}" type="slidenum">
-              <a:rPr lang="en-US" altLang="ja-JP" smtClean="0"/>
-              <a:pPr>
-                <a:defRPr/>
-              </a:pPr>
-              <a:t>27</a:t>
-            </a:fld>
-            <a:r>
-              <a:rPr lang="en-US" altLang="ja-JP"/>
-              <a:t> / 24</a:t>
-            </a:r>
-          </a:p>
-        </p:txBody>
-      </p:sp>
-      <p:sp>
-        <p:nvSpPr>
           <p:cNvPr id="4" name="タイトル 3">
             <a:extLst>
               <a:ext uri="{FF2B5EF4-FFF2-40B4-BE49-F238E27FC236}">
@@ -8841,6 +8776,48 @@
           </a:prstGeom>
         </p:spPr>
       </p:pic>
+      <p:sp>
+        <p:nvSpPr>
+          <p:cNvPr id="5" name="スライド番号プレースホルダー 4">
+            <a:extLst>
+              <a:ext uri="{FF2B5EF4-FFF2-40B4-BE49-F238E27FC236}">
+                <a16:creationId xmlns:a16="http://schemas.microsoft.com/office/drawing/2014/main" id="{238FBB41-2C91-472B-95B5-264A4FDB4C5A}"/>
+              </a:ext>
+            </a:extLst>
+          </p:cNvPr>
+          <p:cNvSpPr>
+            <a:spLocks noGrp="1"/>
+          </p:cNvSpPr>
+          <p:nvPr>
+            <p:ph type="sldNum" sz="quarter" idx="12"/>
+          </p:nvPr>
+        </p:nvSpPr>
+        <p:spPr/>
+        <p:txBody>
+          <a:bodyPr/>
+          <a:lstStyle/>
+          <a:p>
+            <a:pPr>
+              <a:defRPr/>
+            </a:pPr>
+            <a:r>
+              <a:rPr lang="en-US" altLang="ja-JP"/>
+              <a:t>    </a:t>
+            </a:r>
+            <a:fld id="{B2782DEB-472A-4FE5-AC34-C17109CF5A91}" type="slidenum">
+              <a:rPr lang="en-US" altLang="ja-JP" smtClean="0"/>
+              <a:pPr>
+                <a:defRPr/>
+              </a:pPr>
+              <a:t>27</a:t>
+            </a:fld>
+            <a:r>
+              <a:rPr lang="en-US" altLang="ja-JP"/>
+              <a:t> / 31</a:t>
+            </a:r>
+          </a:p>
+        </p:txBody>
+      </p:sp>
     </p:spTree>
     <p:extLst>
       <p:ext uri="{BB962C8B-B14F-4D97-AF65-F5344CB8AC3E}">
@@ -9007,48 +8984,6 @@
       </p:sp>
       <p:sp>
         <p:nvSpPr>
-          <p:cNvPr id="3" name="スライド番号プレースホルダー 2">
-            <a:extLst>
-              <a:ext uri="{FF2B5EF4-FFF2-40B4-BE49-F238E27FC236}">
-                <a16:creationId xmlns:a16="http://schemas.microsoft.com/office/drawing/2014/main" id="{558C4F03-2618-4B51-92C0-F2E4BABDC340}"/>
-              </a:ext>
-            </a:extLst>
-          </p:cNvPr>
-          <p:cNvSpPr>
-            <a:spLocks noGrp="1"/>
-          </p:cNvSpPr>
-          <p:nvPr>
-            <p:ph type="sldNum" sz="quarter" idx="12"/>
-          </p:nvPr>
-        </p:nvSpPr>
-        <p:spPr/>
-        <p:txBody>
-          <a:bodyPr/>
-          <a:lstStyle/>
-          <a:p>
-            <a:pPr>
-              <a:defRPr/>
-            </a:pPr>
-            <a:r>
-              <a:rPr lang="en-US" altLang="ja-JP"/>
-              <a:t>    </a:t>
-            </a:r>
-            <a:fld id="{B2782DEB-472A-4FE5-AC34-C17109CF5A91}" type="slidenum">
-              <a:rPr lang="en-US" altLang="ja-JP" smtClean="0"/>
-              <a:pPr>
-                <a:defRPr/>
-              </a:pPr>
-              <a:t>28</a:t>
-            </a:fld>
-            <a:r>
-              <a:rPr lang="en-US" altLang="ja-JP"/>
-              <a:t> / 24</a:t>
-            </a:r>
-          </a:p>
-        </p:txBody>
-      </p:sp>
-      <p:sp>
-        <p:nvSpPr>
           <p:cNvPr id="4" name="タイトル 3">
             <a:extLst>
               <a:ext uri="{FF2B5EF4-FFF2-40B4-BE49-F238E27FC236}">
@@ -9071,6 +9006,48 @@
             <a:r>
               <a:rPr kumimoji="1" lang="ja-JP" altLang="en-US"/>
               <a:t>サイドチャネル攻撃</a:t>
+            </a:r>
+          </a:p>
+        </p:txBody>
+      </p:sp>
+      <p:sp>
+        <p:nvSpPr>
+          <p:cNvPr id="5" name="スライド番号プレースホルダー 4">
+            <a:extLst>
+              <a:ext uri="{FF2B5EF4-FFF2-40B4-BE49-F238E27FC236}">
+                <a16:creationId xmlns:a16="http://schemas.microsoft.com/office/drawing/2014/main" id="{70C8D7E2-A730-4FF4-AC33-CAF767929732}"/>
+              </a:ext>
+            </a:extLst>
+          </p:cNvPr>
+          <p:cNvSpPr>
+            <a:spLocks noGrp="1"/>
+          </p:cNvSpPr>
+          <p:nvPr>
+            <p:ph type="sldNum" sz="quarter" idx="12"/>
+          </p:nvPr>
+        </p:nvSpPr>
+        <p:spPr/>
+        <p:txBody>
+          <a:bodyPr/>
+          <a:lstStyle/>
+          <a:p>
+            <a:pPr>
+              <a:defRPr/>
+            </a:pPr>
+            <a:r>
+              <a:rPr lang="en-US" altLang="ja-JP"/>
+              <a:t>    </a:t>
+            </a:r>
+            <a:fld id="{B2782DEB-472A-4FE5-AC34-C17109CF5A91}" type="slidenum">
+              <a:rPr lang="en-US" altLang="ja-JP" smtClean="0"/>
+              <a:pPr>
+                <a:defRPr/>
+              </a:pPr>
+              <a:t>28</a:t>
+            </a:fld>
+            <a:r>
+              <a:rPr lang="en-US" altLang="ja-JP"/>
+              <a:t> / 31</a:t>
             </a:r>
           </a:p>
         </p:txBody>
@@ -9270,48 +9247,6 @@
       </mc:AlternateContent>
       <p:sp>
         <p:nvSpPr>
-          <p:cNvPr id="3" name="スライド番号プレースホルダー 2">
-            <a:extLst>
-              <a:ext uri="{FF2B5EF4-FFF2-40B4-BE49-F238E27FC236}">
-                <a16:creationId xmlns:a16="http://schemas.microsoft.com/office/drawing/2014/main" id="{50653DDD-EF0B-4DEE-9DA8-40E2C5904B10}"/>
-              </a:ext>
-            </a:extLst>
-          </p:cNvPr>
-          <p:cNvSpPr>
-            <a:spLocks noGrp="1"/>
-          </p:cNvSpPr>
-          <p:nvPr>
-            <p:ph type="sldNum" sz="quarter" idx="12"/>
-          </p:nvPr>
-        </p:nvSpPr>
-        <p:spPr/>
-        <p:txBody>
-          <a:bodyPr/>
-          <a:lstStyle/>
-          <a:p>
-            <a:pPr>
-              <a:defRPr/>
-            </a:pPr>
-            <a:r>
-              <a:rPr lang="en-US" altLang="ja-JP"/>
-              <a:t>    </a:t>
-            </a:r>
-            <a:fld id="{B2782DEB-472A-4FE5-AC34-C17109CF5A91}" type="slidenum">
-              <a:rPr lang="en-US" altLang="ja-JP" smtClean="0"/>
-              <a:pPr>
-                <a:defRPr/>
-              </a:pPr>
-              <a:t>29</a:t>
-            </a:fld>
-            <a:r>
-              <a:rPr lang="en-US" altLang="ja-JP"/>
-              <a:t> / 24</a:t>
-            </a:r>
-          </a:p>
-        </p:txBody>
-      </p:sp>
-      <p:sp>
-        <p:nvSpPr>
           <p:cNvPr id="4" name="タイトル 3">
             <a:extLst>
               <a:ext uri="{FF2B5EF4-FFF2-40B4-BE49-F238E27FC236}">
@@ -9374,6 +9309,48 @@
           </a:prstGeom>
         </p:spPr>
       </p:pic>
+      <p:sp>
+        <p:nvSpPr>
+          <p:cNvPr id="5" name="スライド番号プレースホルダー 4">
+            <a:extLst>
+              <a:ext uri="{FF2B5EF4-FFF2-40B4-BE49-F238E27FC236}">
+                <a16:creationId xmlns:a16="http://schemas.microsoft.com/office/drawing/2014/main" id="{074E4324-ED7D-4D78-8932-B8A9845FA807}"/>
+              </a:ext>
+            </a:extLst>
+          </p:cNvPr>
+          <p:cNvSpPr>
+            <a:spLocks noGrp="1"/>
+          </p:cNvSpPr>
+          <p:nvPr>
+            <p:ph type="sldNum" sz="quarter" idx="12"/>
+          </p:nvPr>
+        </p:nvSpPr>
+        <p:spPr/>
+        <p:txBody>
+          <a:bodyPr/>
+          <a:lstStyle/>
+          <a:p>
+            <a:pPr>
+              <a:defRPr/>
+            </a:pPr>
+            <a:r>
+              <a:rPr lang="en-US" altLang="ja-JP"/>
+              <a:t>    </a:t>
+            </a:r>
+            <a:fld id="{B2782DEB-472A-4FE5-AC34-C17109CF5A91}" type="slidenum">
+              <a:rPr lang="en-US" altLang="ja-JP" smtClean="0"/>
+              <a:pPr>
+                <a:defRPr/>
+              </a:pPr>
+              <a:t>29</a:t>
+            </a:fld>
+            <a:r>
+              <a:rPr lang="en-US" altLang="ja-JP"/>
+              <a:t> / 31</a:t>
+            </a:r>
+          </a:p>
+        </p:txBody>
+      </p:sp>
     </p:spTree>
     <p:extLst>
       <p:ext uri="{BB962C8B-B14F-4D97-AF65-F5344CB8AC3E}">
@@ -9404,8 +9381,8 @@
           <a:chExt cx="0" cy="0"/>
         </a:xfrm>
       </p:grpSpPr>
-      <mc:AlternateContent xmlns:mc="http://schemas.openxmlformats.org/markup-compatibility/2006">
-        <mc:Choice xmlns:a14="http://schemas.microsoft.com/office/drawing/2010/main" Requires="a14">
+      <mc:AlternateContent xmlns:mc="http://schemas.openxmlformats.org/markup-compatibility/2006" xmlns:a14="http://schemas.microsoft.com/office/drawing/2010/main">
+        <mc:Choice Requires="a14">
           <p:sp>
             <p:nvSpPr>
               <p:cNvPr id="2" name="コンテンツ プレースホルダー 1">
@@ -9558,7 +9535,7 @@
             </p:txBody>
           </p:sp>
         </mc:Choice>
-        <mc:Fallback>
+        <mc:Fallback xmlns="">
           <p:sp>
             <p:nvSpPr>
               <p:cNvPr id="2" name="コンテンツ プレースホルダー 1">
@@ -9598,48 +9575,6 @@
           </p:sp>
         </mc:Fallback>
       </mc:AlternateContent>
-      <p:sp>
-        <p:nvSpPr>
-          <p:cNvPr id="3" name="スライド番号プレースホルダー 2">
-            <a:extLst>
-              <a:ext uri="{FF2B5EF4-FFF2-40B4-BE49-F238E27FC236}">
-                <a16:creationId xmlns:a16="http://schemas.microsoft.com/office/drawing/2014/main" id="{F7F5DFCD-EB27-47AF-AD99-8561CF0ABC7D}"/>
-              </a:ext>
-            </a:extLst>
-          </p:cNvPr>
-          <p:cNvSpPr>
-            <a:spLocks noGrp="1"/>
-          </p:cNvSpPr>
-          <p:nvPr>
-            <p:ph type="sldNum" sz="quarter" idx="12"/>
-          </p:nvPr>
-        </p:nvSpPr>
-        <p:spPr/>
-        <p:txBody>
-          <a:bodyPr/>
-          <a:lstStyle/>
-          <a:p>
-            <a:pPr>
-              <a:defRPr/>
-            </a:pPr>
-            <a:r>
-              <a:rPr lang="en-US" altLang="ja-JP"/>
-              <a:t>    </a:t>
-            </a:r>
-            <a:fld id="{B2782DEB-472A-4FE5-AC34-C17109CF5A91}" type="slidenum">
-              <a:rPr lang="en-US" altLang="ja-JP" smtClean="0"/>
-              <a:pPr>
-                <a:defRPr/>
-              </a:pPr>
-              <a:t>3</a:t>
-            </a:fld>
-            <a:r>
-              <a:rPr lang="en-US" altLang="ja-JP"/>
-              <a:t> / 24</a:t>
-            </a:r>
-          </a:p>
-        </p:txBody>
-      </p:sp>
       <p:sp>
         <p:nvSpPr>
           <p:cNvPr id="4" name="タイトル 3">
@@ -9713,6 +9648,48 @@
           </a:prstGeom>
         </p:spPr>
       </p:pic>
+      <p:sp>
+        <p:nvSpPr>
+          <p:cNvPr id="5" name="スライド番号プレースホルダー 4">
+            <a:extLst>
+              <a:ext uri="{FF2B5EF4-FFF2-40B4-BE49-F238E27FC236}">
+                <a16:creationId xmlns:a16="http://schemas.microsoft.com/office/drawing/2014/main" id="{1544D883-7CF7-494A-92DF-C6F6EB559878}"/>
+              </a:ext>
+            </a:extLst>
+          </p:cNvPr>
+          <p:cNvSpPr>
+            <a:spLocks noGrp="1"/>
+          </p:cNvSpPr>
+          <p:nvPr>
+            <p:ph type="sldNum" sz="quarter" idx="12"/>
+          </p:nvPr>
+        </p:nvSpPr>
+        <p:spPr/>
+        <p:txBody>
+          <a:bodyPr/>
+          <a:lstStyle/>
+          <a:p>
+            <a:pPr>
+              <a:defRPr/>
+            </a:pPr>
+            <a:r>
+              <a:rPr lang="en-US" altLang="ja-JP"/>
+              <a:t>    </a:t>
+            </a:r>
+            <a:fld id="{B2782DEB-472A-4FE5-AC34-C17109CF5A91}" type="slidenum">
+              <a:rPr lang="en-US" altLang="ja-JP" smtClean="0"/>
+              <a:pPr>
+                <a:defRPr/>
+              </a:pPr>
+              <a:t>3</a:t>
+            </a:fld>
+            <a:r>
+              <a:rPr lang="en-US" altLang="ja-JP"/>
+              <a:t> / 31</a:t>
+            </a:r>
+          </a:p>
+        </p:txBody>
+      </p:sp>
     </p:spTree>
     <p:extLst>
       <p:ext uri="{BB962C8B-B14F-4D97-AF65-F5344CB8AC3E}">
@@ -9817,48 +9794,6 @@
               <a:t>機械学習を用いて分析</a:t>
             </a:r>
             <a:endParaRPr kumimoji="1" lang="en-US" altLang="ja-JP"/>
-          </a:p>
-        </p:txBody>
-      </p:sp>
-      <p:sp>
-        <p:nvSpPr>
-          <p:cNvPr id="3" name="スライド番号プレースホルダー 2">
-            <a:extLst>
-              <a:ext uri="{FF2B5EF4-FFF2-40B4-BE49-F238E27FC236}">
-                <a16:creationId xmlns:a16="http://schemas.microsoft.com/office/drawing/2014/main" id="{B39E256F-4D41-4D28-92E6-98F775B2D23B}"/>
-              </a:ext>
-            </a:extLst>
-          </p:cNvPr>
-          <p:cNvSpPr>
-            <a:spLocks noGrp="1"/>
-          </p:cNvSpPr>
-          <p:nvPr>
-            <p:ph type="sldNum" sz="quarter" idx="12"/>
-          </p:nvPr>
-        </p:nvSpPr>
-        <p:spPr/>
-        <p:txBody>
-          <a:bodyPr/>
-          <a:lstStyle/>
-          <a:p>
-            <a:pPr>
-              <a:defRPr/>
-            </a:pPr>
-            <a:r>
-              <a:rPr lang="en-US" altLang="ja-JP"/>
-              <a:t>    </a:t>
-            </a:r>
-            <a:fld id="{B2782DEB-472A-4FE5-AC34-C17109CF5A91}" type="slidenum">
-              <a:rPr lang="en-US" altLang="ja-JP" smtClean="0"/>
-              <a:pPr>
-                <a:defRPr/>
-              </a:pPr>
-              <a:t>30</a:t>
-            </a:fld>
-            <a:r>
-              <a:rPr lang="en-US" altLang="ja-JP"/>
-              <a:t> / 24</a:t>
-            </a:r>
           </a:p>
         </p:txBody>
       </p:sp>
@@ -9974,6 +9909,48 @@
           </a:prstGeom>
         </p:spPr>
       </p:pic>
+      <p:sp>
+        <p:nvSpPr>
+          <p:cNvPr id="5" name="スライド番号プレースホルダー 4">
+            <a:extLst>
+              <a:ext uri="{FF2B5EF4-FFF2-40B4-BE49-F238E27FC236}">
+                <a16:creationId xmlns:a16="http://schemas.microsoft.com/office/drawing/2014/main" id="{E802CEA9-EA3D-4A64-ADE6-BDDDC821E6D9}"/>
+              </a:ext>
+            </a:extLst>
+          </p:cNvPr>
+          <p:cNvSpPr>
+            <a:spLocks noGrp="1"/>
+          </p:cNvSpPr>
+          <p:nvPr>
+            <p:ph type="sldNum" sz="quarter" idx="12"/>
+          </p:nvPr>
+        </p:nvSpPr>
+        <p:spPr/>
+        <p:txBody>
+          <a:bodyPr/>
+          <a:lstStyle/>
+          <a:p>
+            <a:pPr>
+              <a:defRPr/>
+            </a:pPr>
+            <a:r>
+              <a:rPr lang="en-US" altLang="ja-JP"/>
+              <a:t>    </a:t>
+            </a:r>
+            <a:fld id="{B2782DEB-472A-4FE5-AC34-C17109CF5A91}" type="slidenum">
+              <a:rPr lang="en-US" altLang="ja-JP" smtClean="0"/>
+              <a:pPr>
+                <a:defRPr/>
+              </a:pPr>
+              <a:t>30</a:t>
+            </a:fld>
+            <a:r>
+              <a:rPr lang="en-US" altLang="ja-JP"/>
+              <a:t> / 31</a:t>
+            </a:r>
+          </a:p>
+        </p:txBody>
+      </p:sp>
     </p:spTree>
     <p:extLst>
       <p:ext uri="{BB962C8B-B14F-4D97-AF65-F5344CB8AC3E}">
@@ -10187,48 +10164,6 @@
       </p:sp>
       <p:sp>
         <p:nvSpPr>
-          <p:cNvPr id="3" name="スライド番号プレースホルダー 2">
-            <a:extLst>
-              <a:ext uri="{FF2B5EF4-FFF2-40B4-BE49-F238E27FC236}">
-                <a16:creationId xmlns:a16="http://schemas.microsoft.com/office/drawing/2014/main" id="{AE0FA587-DD2E-47BB-B319-18D8E817D659}"/>
-              </a:ext>
-            </a:extLst>
-          </p:cNvPr>
-          <p:cNvSpPr>
-            <a:spLocks noGrp="1"/>
-          </p:cNvSpPr>
-          <p:nvPr>
-            <p:ph type="sldNum" sz="quarter" idx="12"/>
-          </p:nvPr>
-        </p:nvSpPr>
-        <p:spPr/>
-        <p:txBody>
-          <a:bodyPr/>
-          <a:lstStyle/>
-          <a:p>
-            <a:pPr>
-              <a:defRPr/>
-            </a:pPr>
-            <a:r>
-              <a:rPr lang="en-US" altLang="ja-JP"/>
-              <a:t>    </a:t>
-            </a:r>
-            <a:fld id="{B2782DEB-472A-4FE5-AC34-C17109CF5A91}" type="slidenum">
-              <a:rPr lang="en-US" altLang="ja-JP" smtClean="0"/>
-              <a:pPr>
-                <a:defRPr/>
-              </a:pPr>
-              <a:t>31</a:t>
-            </a:fld>
-            <a:r>
-              <a:rPr lang="en-US" altLang="ja-JP"/>
-              <a:t> / 24</a:t>
-            </a:r>
-          </a:p>
-        </p:txBody>
-      </p:sp>
-      <p:sp>
-        <p:nvSpPr>
           <p:cNvPr id="4" name="タイトル 3">
             <a:extLst>
               <a:ext uri="{FF2B5EF4-FFF2-40B4-BE49-F238E27FC236}">
@@ -10255,151 +10190,12 @@
           </a:p>
         </p:txBody>
       </p:sp>
-    </p:spTree>
-    <p:extLst>
-      <p:ext uri="{BB962C8B-B14F-4D97-AF65-F5344CB8AC3E}">
-        <p14:creationId xmlns:p14="http://schemas.microsoft.com/office/powerpoint/2010/main" val="630752875"/>
-      </p:ext>
-    </p:extLst>
-  </p:cSld>
-  <p:clrMapOvr>
-    <a:masterClrMapping/>
-  </p:clrMapOvr>
-</p:sld>
-</file>
-
-<file path=ppt/slides/slide32.xml><?xml version="1.0" encoding="utf-8"?>
-<p:sld xmlns:a="http://schemas.openxmlformats.org/drawingml/2006/main" xmlns:r="http://schemas.openxmlformats.org/officeDocument/2006/relationships" xmlns:p="http://schemas.openxmlformats.org/presentationml/2006/main">
-  <p:cSld>
-    <p:spTree>
-      <p:nvGrpSpPr>
-        <p:cNvPr id="1" name=""/>
-        <p:cNvGrpSpPr/>
-        <p:nvPr/>
-      </p:nvGrpSpPr>
-      <p:grpSpPr>
-        <a:xfrm>
-          <a:off x="0" y="0"/>
-          <a:ext cx="0" cy="0"/>
-          <a:chOff x="0" y="0"/>
-          <a:chExt cx="0" cy="0"/>
-        </a:xfrm>
-      </p:grpSpPr>
       <p:sp>
         <p:nvSpPr>
-          <p:cNvPr id="2" name="コンテンツ プレースホルダー 1">
+          <p:cNvPr id="5" name="スライド番号プレースホルダー 4">
             <a:extLst>
               <a:ext uri="{FF2B5EF4-FFF2-40B4-BE49-F238E27FC236}">
-                <a16:creationId xmlns:a16="http://schemas.microsoft.com/office/drawing/2014/main" id="{21238AEA-C5FD-4E8F-A815-A09A00E7298E}"/>
-              </a:ext>
-            </a:extLst>
-          </p:cNvPr>
-          <p:cNvSpPr>
-            <a:spLocks noGrp="1"/>
-          </p:cNvSpPr>
-          <p:nvPr>
-            <p:ph idx="1"/>
-          </p:nvPr>
-        </p:nvSpPr>
-        <p:spPr/>
-        <p:txBody>
-          <a:bodyPr/>
-          <a:lstStyle/>
-          <a:p>
-            <a:r>
-              <a:rPr kumimoji="1" lang="ja-JP" altLang="en-US"/>
-              <a:t>正しい署名は署名鍵を持つ本人</a:t>
-            </a:r>
-            <a:r>
-              <a:rPr kumimoji="1" lang="en-US" altLang="ja-JP"/>
-              <a:t>(</a:t>
-            </a:r>
-            <a:r>
-              <a:rPr kumimoji="1" lang="ja-JP" altLang="en-US"/>
-              <a:t>アリス</a:t>
-            </a:r>
-            <a:r>
-              <a:rPr kumimoji="1" lang="en-US" altLang="ja-JP"/>
-              <a:t>)</a:t>
-            </a:r>
-            <a:r>
-              <a:rPr kumimoji="1" lang="ja-JP" altLang="en-US"/>
-              <a:t>しか作れない</a:t>
-            </a:r>
-            <a:endParaRPr kumimoji="1" lang="en-US" altLang="ja-JP"/>
-          </a:p>
-          <a:p>
-            <a:pPr lvl="1"/>
-            <a:r>
-              <a:rPr kumimoji="1" lang="ja-JP" altLang="en-US"/>
-              <a:t>署名は否認防止機能を持つ</a:t>
-            </a:r>
-            <a:endParaRPr kumimoji="1" lang="en-US" altLang="ja-JP"/>
-          </a:p>
-          <a:p>
-            <a:pPr lvl="1"/>
-            <a:r>
-              <a:rPr kumimoji="1" lang="ja-JP" altLang="en-US"/>
-              <a:t>アリスが意図的に署名鍵を漏洩させて署名を無効化</a:t>
-            </a:r>
-            <a:endParaRPr kumimoji="1" lang="en-US" altLang="ja-JP"/>
-          </a:p>
-          <a:p>
-            <a:pPr lvl="1"/>
-            <a:endParaRPr lang="en-US" altLang="ja-JP"/>
-          </a:p>
-          <a:p>
-            <a:pPr lvl="1"/>
-            <a:endParaRPr kumimoji="1" lang="en-US" altLang="ja-JP"/>
-          </a:p>
-          <a:p>
-            <a:pPr marL="0" indent="0">
-              <a:buNone/>
-            </a:pPr>
-            <a:r>
-              <a:rPr lang="ja-JP" altLang="en-US" sz="2000"/>
-              <a:t>    時間軸</a:t>
-            </a:r>
-            <a:endParaRPr lang="en-US" altLang="ja-JP"/>
-          </a:p>
-          <a:p>
-            <a:pPr lvl="1"/>
-            <a:endParaRPr kumimoji="1" lang="en-US" altLang="ja-JP"/>
-          </a:p>
-          <a:p>
-            <a:pPr lvl="1"/>
-            <a:endParaRPr lang="en-US" altLang="ja-JP"/>
-          </a:p>
-          <a:p>
-            <a:pPr lvl="1"/>
-            <a:endParaRPr kumimoji="1" lang="en-US" altLang="ja-JP"/>
-          </a:p>
-          <a:p>
-            <a:pPr lvl="1"/>
-            <a:endParaRPr lang="en-US" altLang="ja-JP"/>
-          </a:p>
-          <a:p>
-            <a:pPr lvl="1"/>
-            <a:endParaRPr kumimoji="1" lang="en-US" altLang="ja-JP"/>
-          </a:p>
-          <a:p>
-            <a:pPr lvl="1"/>
-            <a:endParaRPr lang="en-US" altLang="ja-JP"/>
-          </a:p>
-          <a:p>
-            <a:r>
-              <a:rPr kumimoji="1" lang="ja-JP" altLang="en-US"/>
-              <a:t>署名に時刻を関連づけさせる必要</a:t>
-            </a:r>
-          </a:p>
-        </p:txBody>
-      </p:sp>
-      <p:sp>
-        <p:nvSpPr>
-          <p:cNvPr id="3" name="スライド番号プレースホルダー 2">
-            <a:extLst>
-              <a:ext uri="{FF2B5EF4-FFF2-40B4-BE49-F238E27FC236}">
-                <a16:creationId xmlns:a16="http://schemas.microsoft.com/office/drawing/2014/main" id="{5435B30C-DA83-4204-98FE-EED861E46189}"/>
+                <a16:creationId xmlns:a16="http://schemas.microsoft.com/office/drawing/2014/main" id="{38FBCC12-9AE0-4FD2-8D41-13413F51A13A}"/>
               </a:ext>
             </a:extLst>
           </p:cNvPr>
@@ -10427,1646 +10223,11 @@
               <a:pPr>
                 <a:defRPr/>
               </a:pPr>
-              <a:t>32</a:t>
+              <a:t>31</a:t>
             </a:fld>
             <a:r>
               <a:rPr lang="en-US" altLang="ja-JP"/>
-              <a:t> / 24</a:t>
-            </a:r>
-          </a:p>
-        </p:txBody>
-      </p:sp>
-      <p:sp>
-        <p:nvSpPr>
-          <p:cNvPr id="4" name="タイトル 3">
-            <a:extLst>
-              <a:ext uri="{FF2B5EF4-FFF2-40B4-BE49-F238E27FC236}">
-                <a16:creationId xmlns:a16="http://schemas.microsoft.com/office/drawing/2014/main" id="{820B388F-FFC4-4A58-A091-EE9D4A43E9FD}"/>
-              </a:ext>
-            </a:extLst>
-          </p:cNvPr>
-          <p:cNvSpPr>
-            <a:spLocks noGrp="1"/>
-          </p:cNvSpPr>
-          <p:nvPr>
-            <p:ph type="title"/>
-          </p:nvPr>
-        </p:nvSpPr>
-        <p:spPr/>
-        <p:txBody>
-          <a:bodyPr/>
-          <a:lstStyle/>
-          <a:p>
-            <a:r>
-              <a:rPr kumimoji="1" lang="ja-JP" altLang="en-US"/>
-              <a:t>否認防止と署名の失効</a:t>
-            </a:r>
-          </a:p>
-        </p:txBody>
-      </p:sp>
-      <p:pic>
-        <p:nvPicPr>
-          <p:cNvPr id="6" name="図 5">
-            <a:extLst>
-              <a:ext uri="{FF2B5EF4-FFF2-40B4-BE49-F238E27FC236}">
-                <a16:creationId xmlns:a16="http://schemas.microsoft.com/office/drawing/2014/main" id="{DBB6F3DC-26BB-4A80-A547-0A2C96207049}"/>
-              </a:ext>
-            </a:extLst>
-          </p:cNvPr>
-          <p:cNvPicPr>
-            <a:picLocks noChangeAspect="1"/>
-          </p:cNvPicPr>
-          <p:nvPr/>
-        </p:nvPicPr>
-        <p:blipFill>
-          <a:blip r:embed="rId2">
-            <a:extLst>
-              <a:ext uri="{28A0092B-C50C-407E-A947-70E740481C1C}">
-                <a14:useLocalDpi xmlns:a14="http://schemas.microsoft.com/office/drawing/2010/main" val="0"/>
-              </a:ext>
-            </a:extLst>
-          </a:blip>
-          <a:stretch>
-            <a:fillRect/>
-          </a:stretch>
-        </p:blipFill>
-        <p:spPr>
-          <a:xfrm>
-            <a:off x="1115616" y="2276872"/>
-            <a:ext cx="6793207" cy="3600400"/>
-          </a:xfrm>
-          <a:prstGeom prst="rect">
-            <a:avLst/>
-          </a:prstGeom>
-        </p:spPr>
-      </p:pic>
-      <p:cxnSp>
-        <p:nvCxnSpPr>
-          <p:cNvPr id="8" name="直線矢印コネクタ 7">
-            <a:extLst>
-              <a:ext uri="{FF2B5EF4-FFF2-40B4-BE49-F238E27FC236}">
-                <a16:creationId xmlns:a16="http://schemas.microsoft.com/office/drawing/2014/main" id="{F8FA2B68-703B-4B04-BF37-20303F6798AA}"/>
-              </a:ext>
-            </a:extLst>
-          </p:cNvPr>
-          <p:cNvCxnSpPr/>
-          <p:nvPr/>
-        </p:nvCxnSpPr>
-        <p:spPr>
-          <a:xfrm>
-            <a:off x="323528" y="2564904"/>
-            <a:ext cx="0" cy="2736304"/>
-          </a:xfrm>
-          <a:prstGeom prst="straightConnector1">
-            <a:avLst/>
-          </a:prstGeom>
-          <a:ln w="22225">
-            <a:tailEnd type="triangle"/>
-          </a:ln>
-        </p:spPr>
-        <p:style>
-          <a:lnRef idx="1">
-            <a:schemeClr val="dk1"/>
-          </a:lnRef>
-          <a:fillRef idx="0">
-            <a:schemeClr val="dk1"/>
-          </a:fillRef>
-          <a:effectRef idx="0">
-            <a:schemeClr val="dk1"/>
-          </a:effectRef>
-          <a:fontRef idx="minor">
-            <a:schemeClr val="tx1"/>
-          </a:fontRef>
-        </p:style>
-      </p:cxnSp>
-    </p:spTree>
-    <p:extLst>
-      <p:ext uri="{BB962C8B-B14F-4D97-AF65-F5344CB8AC3E}">
-        <p14:creationId xmlns:p14="http://schemas.microsoft.com/office/powerpoint/2010/main" val="3455905537"/>
-      </p:ext>
-    </p:extLst>
-  </p:cSld>
-  <p:clrMapOvr>
-    <a:masterClrMapping/>
-  </p:clrMapOvr>
-</p:sld>
-</file>
-
-<file path=ppt/slides/slide33.xml><?xml version="1.0" encoding="utf-8"?>
-<p:sld xmlns:a="http://schemas.openxmlformats.org/drawingml/2006/main" xmlns:r="http://schemas.openxmlformats.org/officeDocument/2006/relationships" xmlns:p="http://schemas.openxmlformats.org/presentationml/2006/main">
-  <p:cSld>
-    <p:spTree>
-      <p:nvGrpSpPr>
-        <p:cNvPr id="1" name=""/>
-        <p:cNvGrpSpPr/>
-        <p:nvPr/>
-      </p:nvGrpSpPr>
-      <p:grpSpPr>
-        <a:xfrm>
-          <a:off x="0" y="0"/>
-          <a:ext cx="0" cy="0"/>
-          <a:chOff x="0" y="0"/>
-          <a:chExt cx="0" cy="0"/>
-        </a:xfrm>
-      </p:grpSpPr>
-      <mc:AlternateContent xmlns:mc="http://schemas.openxmlformats.org/markup-compatibility/2006" xmlns:a14="http://schemas.microsoft.com/office/drawing/2010/main">
-        <mc:Choice Requires="a14">
-          <p:sp>
-            <p:nvSpPr>
-              <p:cNvPr id="2" name="コンテンツ プレースホルダー 1">
-                <a:extLst>
-                  <a:ext uri="{FF2B5EF4-FFF2-40B4-BE49-F238E27FC236}">
-                    <a16:creationId xmlns:a16="http://schemas.microsoft.com/office/drawing/2014/main" id="{1EA66696-381F-4053-8281-C1C28482025B}"/>
-                  </a:ext>
-                </a:extLst>
-              </p:cNvPr>
-              <p:cNvSpPr>
-                <a:spLocks noGrp="1"/>
-              </p:cNvSpPr>
-              <p:nvPr>
-                <p:ph idx="1"/>
-              </p:nvPr>
-            </p:nvSpPr>
-            <p:spPr/>
-            <p:txBody>
-              <a:bodyPr/>
-              <a:lstStyle/>
-              <a:p>
-                <a:r>
-                  <a:rPr lang="ja-JP" altLang="en-US"/>
-                  <a:t>タイムスタンプ </a:t>
-                </a:r>
-                <a:r>
-                  <a:rPr lang="en-US" altLang="ja-JP"/>
-                  <a:t>Haber, Stornetta, 1990</a:t>
-                </a:r>
-              </a:p>
-              <a:p>
-                <a:pPr lvl="1"/>
-                <a:r>
-                  <a:rPr kumimoji="1" lang="ja-JP" altLang="en-US"/>
-                  <a:t>あるとき確かにあるデータが存在したことを示す</a:t>
-                </a:r>
-                <a:endParaRPr kumimoji="1" lang="en-US" altLang="ja-JP"/>
-              </a:p>
-              <a:p>
-                <a:pPr lvl="1"/>
-                <a:r>
-                  <a:rPr kumimoji="1" lang="ja-JP" altLang="en-US"/>
-                  <a:t>ハッシュ関数</a:t>
-                </a:r>
-                <a14:m>
-                  <m:oMath xmlns:m="http://schemas.openxmlformats.org/officeDocument/2006/math">
-                    <m:r>
-                      <a:rPr kumimoji="1" lang="en-US" altLang="ja-JP" b="0" i="1" smtClean="0">
-                        <a:latin typeface="Cambria Math" panose="02040503050406030204" pitchFamily="18" charset="0"/>
-                      </a:rPr>
-                      <m:t>𝐻</m:t>
-                    </m:r>
-                  </m:oMath>
-                </a14:m>
-                <a:endParaRPr kumimoji="1" lang="en-US" altLang="ja-JP" b="0"/>
-              </a:p>
-              <a:p>
-                <a:pPr lvl="1"/>
-                <a:r>
-                  <a:rPr kumimoji="1" lang="ja-JP" altLang="en-US"/>
-                  <a:t>信頼できる機関</a:t>
-                </a:r>
-                <a:endParaRPr kumimoji="1" lang="en-US" altLang="ja-JP"/>
-              </a:p>
-              <a:p>
-                <a:pPr lvl="2"/>
-                <a:r>
-                  <a:rPr kumimoji="1" lang="ja-JP" altLang="en-US"/>
-                  <a:t>ハッシュ値を管理するタイムスタンプ局</a:t>
-                </a:r>
-                <a:endParaRPr lang="en-US" altLang="ja-JP"/>
-              </a:p>
-              <a:p>
-                <a:pPr lvl="2"/>
-                <a:r>
-                  <a:rPr kumimoji="1" lang="ja-JP" altLang="en-US"/>
-                  <a:t>時刻認証局</a:t>
-                </a:r>
-                <a:r>
-                  <a:rPr kumimoji="1" lang="en-US" altLang="ja-JP"/>
-                  <a:t>TSA (Time Stamping Authorith)</a:t>
-                </a:r>
-              </a:p>
-              <a:p>
-                <a:pPr lvl="2"/>
-                <a:endParaRPr lang="en-US" altLang="ja-JP"/>
-              </a:p>
-              <a:p>
-                <a:pPr lvl="2"/>
-                <a:endParaRPr kumimoji="1" lang="en-US" altLang="ja-JP"/>
-              </a:p>
-              <a:p>
-                <a:pPr lvl="2"/>
-                <a:endParaRPr lang="en-US" altLang="ja-JP"/>
-              </a:p>
-              <a:p>
-                <a:pPr lvl="2"/>
-                <a:endParaRPr kumimoji="1" lang="en-US" altLang="ja-JP"/>
-              </a:p>
-              <a:p>
-                <a:pPr lvl="2"/>
-                <a:endParaRPr lang="en-US" altLang="ja-JP"/>
-              </a:p>
-              <a:p>
-                <a:pPr lvl="2"/>
-                <a:endParaRPr kumimoji="1" lang="en-US" altLang="ja-JP"/>
-              </a:p>
-              <a:p>
-                <a:r>
-                  <a:rPr kumimoji="1" lang="ja-JP" altLang="en-US"/>
-                  <a:t>ハッシュ値の連鎖を公開 </a:t>
-                </a:r>
-                <a:r>
-                  <a:rPr kumimoji="1" lang="en-US" altLang="ja-JP"/>
-                  <a:t>: </a:t>
-                </a:r>
-                <a:r>
-                  <a:rPr kumimoji="1" lang="ja-JP" altLang="en-US"/>
-                  <a:t>誰でも検証可能</a:t>
-                </a:r>
-              </a:p>
-            </p:txBody>
-          </p:sp>
-        </mc:Choice>
-        <mc:Fallback xmlns="">
-          <p:sp>
-            <p:nvSpPr>
-              <p:cNvPr id="2" name="コンテンツ プレースホルダー 1">
-                <a:extLst>
-                  <a:ext uri="{FF2B5EF4-FFF2-40B4-BE49-F238E27FC236}">
-                    <a16:creationId xmlns:a16="http://schemas.microsoft.com/office/drawing/2014/main" id="{1EA66696-381F-4053-8281-C1C28482025B}"/>
-                  </a:ext>
-                </a:extLst>
-              </p:cNvPr>
-              <p:cNvSpPr>
-                <a:spLocks noGrp="1" noRot="1" noChangeAspect="1" noMove="1" noResize="1" noEditPoints="1" noAdjustHandles="1" noChangeArrowheads="1" noChangeShapeType="1" noTextEdit="1"/>
-              </p:cNvSpPr>
-              <p:nvPr>
-                <p:ph idx="1"/>
-              </p:nvPr>
-            </p:nvSpPr>
-            <p:spPr>
-              <a:blipFill>
-                <a:blip r:embed="rId2"/>
-                <a:stretch>
-                  <a:fillRect l="-1200" t="-1454" b="-3946"/>
-                </a:stretch>
-              </a:blipFill>
-            </p:spPr>
-            <p:txBody>
-              <a:bodyPr/>
-              <a:lstStyle/>
-              <a:p>
-                <a:r>
-                  <a:rPr lang="ja-JP" altLang="en-US">
-                    <a:noFill/>
-                  </a:rPr>
-                  <a:t> </a:t>
-                </a:r>
-              </a:p>
-            </p:txBody>
-          </p:sp>
-        </mc:Fallback>
-      </mc:AlternateContent>
-      <p:sp>
-        <p:nvSpPr>
-          <p:cNvPr id="3" name="スライド番号プレースホルダー 2">
-            <a:extLst>
-              <a:ext uri="{FF2B5EF4-FFF2-40B4-BE49-F238E27FC236}">
-                <a16:creationId xmlns:a16="http://schemas.microsoft.com/office/drawing/2014/main" id="{303851ED-6C25-4CCC-84B2-F1FEA1119ABF}"/>
-              </a:ext>
-            </a:extLst>
-          </p:cNvPr>
-          <p:cNvSpPr>
-            <a:spLocks noGrp="1"/>
-          </p:cNvSpPr>
-          <p:nvPr>
-            <p:ph type="sldNum" sz="quarter" idx="12"/>
-          </p:nvPr>
-        </p:nvSpPr>
-        <p:spPr/>
-        <p:txBody>
-          <a:bodyPr/>
-          <a:lstStyle/>
-          <a:p>
-            <a:pPr>
-              <a:defRPr/>
-            </a:pPr>
-            <a:r>
-              <a:rPr lang="en-US" altLang="ja-JP"/>
-              <a:t>    </a:t>
-            </a:r>
-            <a:fld id="{B2782DEB-472A-4FE5-AC34-C17109CF5A91}" type="slidenum">
-              <a:rPr lang="en-US" altLang="ja-JP" smtClean="0"/>
-              <a:pPr>
-                <a:defRPr/>
-              </a:pPr>
-              <a:t>33</a:t>
-            </a:fld>
-            <a:r>
-              <a:rPr lang="en-US" altLang="ja-JP"/>
-              <a:t> / 24</a:t>
-            </a:r>
-          </a:p>
-        </p:txBody>
-      </p:sp>
-      <p:sp>
-        <p:nvSpPr>
-          <p:cNvPr id="4" name="タイトル 3">
-            <a:extLst>
-              <a:ext uri="{FF2B5EF4-FFF2-40B4-BE49-F238E27FC236}">
-                <a16:creationId xmlns:a16="http://schemas.microsoft.com/office/drawing/2014/main" id="{5B97CDCE-4340-4FE5-A6DF-F09F8089A6AB}"/>
-              </a:ext>
-            </a:extLst>
-          </p:cNvPr>
-          <p:cNvSpPr>
-            <a:spLocks noGrp="1"/>
-          </p:cNvSpPr>
-          <p:nvPr>
-            <p:ph type="title"/>
-          </p:nvPr>
-        </p:nvSpPr>
-        <p:spPr/>
-        <p:txBody>
-          <a:bodyPr/>
-          <a:lstStyle/>
-          <a:p>
-            <a:r>
-              <a:rPr kumimoji="1" lang="ja-JP" altLang="en-US"/>
-              <a:t>ハッシュ値の連鎖によるタイムスタンプ</a:t>
-            </a:r>
-          </a:p>
-        </p:txBody>
-      </p:sp>
-      <p:pic>
-        <p:nvPicPr>
-          <p:cNvPr id="6" name="図 5">
-            <a:extLst>
-              <a:ext uri="{FF2B5EF4-FFF2-40B4-BE49-F238E27FC236}">
-                <a16:creationId xmlns:a16="http://schemas.microsoft.com/office/drawing/2014/main" id="{3CF622F7-3BDD-48A5-B4A5-6936340AADD3}"/>
-              </a:ext>
-            </a:extLst>
-          </p:cNvPr>
-          <p:cNvPicPr>
-            <a:picLocks noChangeAspect="1"/>
-          </p:cNvPicPr>
-          <p:nvPr/>
-        </p:nvPicPr>
-        <p:blipFill>
-          <a:blip r:embed="rId3">
-            <a:extLst>
-              <a:ext uri="{28A0092B-C50C-407E-A947-70E740481C1C}">
-                <a14:useLocalDpi xmlns:a14="http://schemas.microsoft.com/office/drawing/2010/main" val="0"/>
-              </a:ext>
-            </a:extLst>
-          </a:blip>
-          <a:stretch>
-            <a:fillRect/>
-          </a:stretch>
-        </p:blipFill>
-        <p:spPr>
-          <a:xfrm>
-            <a:off x="1763688" y="3429000"/>
-            <a:ext cx="4824536" cy="2550974"/>
-          </a:xfrm>
-          <a:prstGeom prst="rect">
-            <a:avLst/>
-          </a:prstGeom>
-        </p:spPr>
-      </p:pic>
-    </p:spTree>
-    <p:extLst>
-      <p:ext uri="{BB962C8B-B14F-4D97-AF65-F5344CB8AC3E}">
-        <p14:creationId xmlns:p14="http://schemas.microsoft.com/office/powerpoint/2010/main" val="3157572237"/>
-      </p:ext>
-    </p:extLst>
-  </p:cSld>
-  <p:clrMapOvr>
-    <a:masterClrMapping/>
-  </p:clrMapOvr>
-</p:sld>
-</file>
-
-<file path=ppt/slides/slide34.xml><?xml version="1.0" encoding="utf-8"?>
-<p:sld xmlns:a="http://schemas.openxmlformats.org/drawingml/2006/main" xmlns:r="http://schemas.openxmlformats.org/officeDocument/2006/relationships" xmlns:p="http://schemas.openxmlformats.org/presentationml/2006/main">
-  <p:cSld>
-    <p:spTree>
-      <p:nvGrpSpPr>
-        <p:cNvPr id="1" name=""/>
-        <p:cNvGrpSpPr/>
-        <p:nvPr/>
-      </p:nvGrpSpPr>
-      <p:grpSpPr>
-        <a:xfrm>
-          <a:off x="0" y="0"/>
-          <a:ext cx="0" cy="0"/>
-          <a:chOff x="0" y="0"/>
-          <a:chExt cx="0" cy="0"/>
-        </a:xfrm>
-      </p:grpSpPr>
-      <p:sp>
-        <p:nvSpPr>
-          <p:cNvPr id="2" name="コンテンツ プレースホルダー 1">
-            <a:extLst>
-              <a:ext uri="{FF2B5EF4-FFF2-40B4-BE49-F238E27FC236}">
-                <a16:creationId xmlns:a16="http://schemas.microsoft.com/office/drawing/2014/main" id="{98047A97-49FD-4F96-A944-1E66A4638CAB}"/>
-              </a:ext>
-            </a:extLst>
-          </p:cNvPr>
-          <p:cNvSpPr>
-            <a:spLocks noGrp="1"/>
-          </p:cNvSpPr>
-          <p:nvPr>
-            <p:ph idx="1"/>
-          </p:nvPr>
-        </p:nvSpPr>
-        <p:spPr/>
-        <p:txBody>
-          <a:bodyPr/>
-          <a:lstStyle/>
-          <a:p>
-            <a:r>
-              <a:rPr kumimoji="1" lang="ja-JP" altLang="en-US"/>
-              <a:t>アリスは署名を失効させても否認できない</a:t>
-            </a:r>
-            <a:endParaRPr kumimoji="1" lang="en-US" altLang="ja-JP"/>
-          </a:p>
-          <a:p>
-            <a:pPr lvl="1"/>
-            <a:r>
-              <a:rPr kumimoji="1" lang="ja-JP" altLang="en-US"/>
-              <a:t>リンクトークン生成型タイムスタンプ</a:t>
-            </a:r>
-            <a:r>
-              <a:rPr kumimoji="1" lang="en-US" altLang="ja-JP"/>
-              <a:t>ISO/IEC 18014-3</a:t>
-            </a:r>
-          </a:p>
-          <a:p>
-            <a:pPr lvl="1"/>
-            <a:r>
-              <a:rPr kumimoji="1" lang="ja-JP" altLang="en-US"/>
-              <a:t>署名情報は新聞などで広く周知</a:t>
-            </a:r>
-            <a:endParaRPr kumimoji="1" lang="en-US" altLang="ja-JP"/>
-          </a:p>
-        </p:txBody>
-      </p:sp>
-      <p:sp>
-        <p:nvSpPr>
-          <p:cNvPr id="3" name="スライド番号プレースホルダー 2">
-            <a:extLst>
-              <a:ext uri="{FF2B5EF4-FFF2-40B4-BE49-F238E27FC236}">
-                <a16:creationId xmlns:a16="http://schemas.microsoft.com/office/drawing/2014/main" id="{03E10E8C-23EF-42BD-BA26-37DA024C166E}"/>
-              </a:ext>
-            </a:extLst>
-          </p:cNvPr>
-          <p:cNvSpPr>
-            <a:spLocks noGrp="1"/>
-          </p:cNvSpPr>
-          <p:nvPr>
-            <p:ph type="sldNum" sz="quarter" idx="12"/>
-          </p:nvPr>
-        </p:nvSpPr>
-        <p:spPr/>
-        <p:txBody>
-          <a:bodyPr/>
-          <a:lstStyle/>
-          <a:p>
-            <a:pPr>
-              <a:defRPr/>
-            </a:pPr>
-            <a:r>
-              <a:rPr lang="en-US" altLang="ja-JP"/>
-              <a:t>    </a:t>
-            </a:r>
-            <a:fld id="{B2782DEB-472A-4FE5-AC34-C17109CF5A91}" type="slidenum">
-              <a:rPr lang="en-US" altLang="ja-JP" smtClean="0"/>
-              <a:pPr>
-                <a:defRPr/>
-              </a:pPr>
-              <a:t>34</a:t>
-            </a:fld>
-            <a:r>
-              <a:rPr lang="en-US" altLang="ja-JP"/>
-              <a:t> / 24</a:t>
-            </a:r>
-          </a:p>
-        </p:txBody>
-      </p:sp>
-      <p:sp>
-        <p:nvSpPr>
-          <p:cNvPr id="4" name="タイトル 3">
-            <a:extLst>
-              <a:ext uri="{FF2B5EF4-FFF2-40B4-BE49-F238E27FC236}">
-                <a16:creationId xmlns:a16="http://schemas.microsoft.com/office/drawing/2014/main" id="{38CCA290-D24B-4025-A656-1FF36D9F480B}"/>
-              </a:ext>
-            </a:extLst>
-          </p:cNvPr>
-          <p:cNvSpPr>
-            <a:spLocks noGrp="1"/>
-          </p:cNvSpPr>
-          <p:nvPr>
-            <p:ph type="title"/>
-          </p:nvPr>
-        </p:nvSpPr>
-        <p:spPr/>
-        <p:txBody>
-          <a:bodyPr/>
-          <a:lstStyle/>
-          <a:p>
-            <a:r>
-              <a:rPr kumimoji="1" lang="ja-JP" altLang="en-US"/>
-              <a:t>タイムスタンプを用いた否認防止</a:t>
-            </a:r>
-          </a:p>
-        </p:txBody>
-      </p:sp>
-      <p:pic>
-        <p:nvPicPr>
-          <p:cNvPr id="6" name="図 5">
-            <a:extLst>
-              <a:ext uri="{FF2B5EF4-FFF2-40B4-BE49-F238E27FC236}">
-                <a16:creationId xmlns:a16="http://schemas.microsoft.com/office/drawing/2014/main" id="{BF1019A4-E2A5-4EA1-BB0F-02E486F7A422}"/>
-              </a:ext>
-            </a:extLst>
-          </p:cNvPr>
-          <p:cNvPicPr>
-            <a:picLocks noChangeAspect="1"/>
-          </p:cNvPicPr>
-          <p:nvPr/>
-        </p:nvPicPr>
-        <p:blipFill>
-          <a:blip r:embed="rId2">
-            <a:extLst>
-              <a:ext uri="{28A0092B-C50C-407E-A947-70E740481C1C}">
-                <a14:useLocalDpi xmlns:a14="http://schemas.microsoft.com/office/drawing/2010/main" val="0"/>
-              </a:ext>
-            </a:extLst>
-          </a:blip>
-          <a:stretch>
-            <a:fillRect/>
-          </a:stretch>
-        </p:blipFill>
-        <p:spPr>
-          <a:xfrm>
-            <a:off x="971600" y="2400184"/>
-            <a:ext cx="6768752" cy="4238932"/>
-          </a:xfrm>
-          <a:prstGeom prst="rect">
-            <a:avLst/>
-          </a:prstGeom>
-        </p:spPr>
-      </p:pic>
-    </p:spTree>
-    <p:extLst>
-      <p:ext uri="{BB962C8B-B14F-4D97-AF65-F5344CB8AC3E}">
-        <p14:creationId xmlns:p14="http://schemas.microsoft.com/office/powerpoint/2010/main" val="1457288832"/>
-      </p:ext>
-    </p:extLst>
-  </p:cSld>
-  <p:clrMapOvr>
-    <a:masterClrMapping/>
-  </p:clrMapOvr>
-</p:sld>
-</file>
-
-<file path=ppt/slides/slide35.xml><?xml version="1.0" encoding="utf-8"?>
-<p:sld xmlns:a="http://schemas.openxmlformats.org/drawingml/2006/main" xmlns:r="http://schemas.openxmlformats.org/officeDocument/2006/relationships" xmlns:p="http://schemas.openxmlformats.org/presentationml/2006/main">
-  <p:cSld>
-    <p:spTree>
-      <p:nvGrpSpPr>
-        <p:cNvPr id="1" name=""/>
-        <p:cNvGrpSpPr/>
-        <p:nvPr/>
-      </p:nvGrpSpPr>
-      <p:grpSpPr>
-        <a:xfrm>
-          <a:off x="0" y="0"/>
-          <a:ext cx="0" cy="0"/>
-          <a:chOff x="0" y="0"/>
-          <a:chExt cx="0" cy="0"/>
-        </a:xfrm>
-      </p:grpSpPr>
-      <mc:AlternateContent xmlns:mc="http://schemas.openxmlformats.org/markup-compatibility/2006" xmlns:a14="http://schemas.microsoft.com/office/drawing/2010/main">
-        <mc:Choice Requires="a14">
-          <p:sp>
-            <p:nvSpPr>
-              <p:cNvPr id="2" name="コンテンツ プレースホルダー 1">
-                <a:extLst>
-                  <a:ext uri="{FF2B5EF4-FFF2-40B4-BE49-F238E27FC236}">
-                    <a16:creationId xmlns:a16="http://schemas.microsoft.com/office/drawing/2014/main" id="{9EB6180F-83FC-48C3-A2EF-239269FEE87A}"/>
-                  </a:ext>
-                </a:extLst>
-              </p:cNvPr>
-              <p:cNvSpPr>
-                <a:spLocks noGrp="1"/>
-              </p:cNvSpPr>
-              <p:nvPr>
-                <p:ph idx="1"/>
-              </p:nvPr>
-            </p:nvSpPr>
-            <p:spPr/>
-            <p:txBody>
-              <a:bodyPr/>
-              <a:lstStyle/>
-              <a:p>
-                <a:r>
-                  <a:rPr kumimoji="1" lang="ja-JP" altLang="en-US"/>
-                  <a:t>ハッシュ値を一本の鎖ではなく</a:t>
-                </a:r>
-                <a:r>
-                  <a:rPr kumimoji="1" lang="en-US" altLang="ja-JP"/>
-                  <a:t>2</a:t>
-                </a:r>
-                <a:r>
-                  <a:rPr kumimoji="1" lang="ja-JP" altLang="en-US"/>
-                  <a:t>分木で管理したもの</a:t>
-                </a:r>
-                <a:endParaRPr kumimoji="1" lang="en-US" altLang="ja-JP"/>
-              </a:p>
-              <a:p>
-                <a:endParaRPr lang="en-US" altLang="ja-JP"/>
-              </a:p>
-              <a:p>
-                <a:endParaRPr kumimoji="1" lang="en-US" altLang="ja-JP"/>
-              </a:p>
-              <a:p>
-                <a:endParaRPr lang="en-US" altLang="ja-JP"/>
-              </a:p>
-              <a:p>
-                <a:endParaRPr kumimoji="1" lang="en-US" altLang="ja-JP"/>
-              </a:p>
-              <a:p>
-                <a:endParaRPr lang="en-US" altLang="ja-JP"/>
-              </a:p>
-              <a:p>
-                <a:endParaRPr kumimoji="1" lang="en-US" altLang="ja-JP"/>
-              </a:p>
-              <a:p>
-                <a:endParaRPr lang="en-US" altLang="ja-JP"/>
-              </a:p>
-              <a:p>
-                <a:r>
-                  <a:rPr kumimoji="1" lang="ja-JP" altLang="en-US"/>
-                  <a:t>ハッシュ値</a:t>
-                </a:r>
-                <a14:m>
-                  <m:oMath xmlns:m="http://schemas.openxmlformats.org/officeDocument/2006/math">
-                    <m:sSub>
-                      <m:sSubPr>
-                        <m:ctrlPr>
-                          <a:rPr kumimoji="1" lang="en-US" altLang="ja-JP" b="0" i="1" smtClean="0">
-                            <a:latin typeface="Cambria Math" panose="02040503050406030204" pitchFamily="18" charset="0"/>
-                          </a:rPr>
-                        </m:ctrlPr>
-                      </m:sSubPr>
-                      <m:e>
-                        <m:r>
-                          <a:rPr kumimoji="1" lang="en-US" altLang="ja-JP" b="0" i="1" smtClean="0">
-                            <a:latin typeface="Cambria Math" panose="02040503050406030204" pitchFamily="18" charset="0"/>
-                          </a:rPr>
-                          <m:t>h</m:t>
-                        </m:r>
-                      </m:e>
-                      <m:sub>
-                        <m:r>
-                          <a:rPr kumimoji="1" lang="en-US" altLang="ja-JP" b="0" i="1" smtClean="0">
-                            <a:latin typeface="Cambria Math" panose="02040503050406030204" pitchFamily="18" charset="0"/>
-                          </a:rPr>
-                          <m:t>8</m:t>
-                        </m:r>
-                      </m:sub>
-                    </m:sSub>
-                  </m:oMath>
-                </a14:m>
-                <a:r>
-                  <a:rPr kumimoji="1" lang="ja-JP" altLang="en-US"/>
-                  <a:t>の正しさを確認</a:t>
-                </a:r>
-                <a:endParaRPr kumimoji="1" lang="en-US" altLang="ja-JP" b="0" i="1">
-                  <a:latin typeface="Cambria Math" panose="02040503050406030204" pitchFamily="18" charset="0"/>
-                </a:endParaRPr>
-              </a:p>
-              <a:p>
-                <a:pPr lvl="1"/>
-                <a14:m>
-                  <m:oMath xmlns:m="http://schemas.openxmlformats.org/officeDocument/2006/math">
-                    <m:sSub>
-                      <m:sSubPr>
-                        <m:ctrlPr>
-                          <a:rPr kumimoji="1" lang="en-US" altLang="ja-JP" b="0" i="1" smtClean="0">
-                            <a:latin typeface="Cambria Math" panose="02040503050406030204" pitchFamily="18" charset="0"/>
-                          </a:rPr>
-                        </m:ctrlPr>
-                      </m:sSubPr>
-                      <m:e>
-                        <m:r>
-                          <a:rPr kumimoji="1" lang="en-US" altLang="ja-JP" b="0" i="1" smtClean="0">
-                            <a:latin typeface="Cambria Math" panose="02040503050406030204" pitchFamily="18" charset="0"/>
-                          </a:rPr>
-                          <m:t>h</m:t>
-                        </m:r>
-                      </m:e>
-                      <m:sub>
-                        <m:r>
-                          <a:rPr kumimoji="1" lang="en-US" altLang="ja-JP" b="0" i="1" smtClean="0">
-                            <a:latin typeface="Cambria Math" panose="02040503050406030204" pitchFamily="18" charset="0"/>
-                          </a:rPr>
-                          <m:t>1−4</m:t>
-                        </m:r>
-                      </m:sub>
-                    </m:sSub>
-                    <m:r>
-                      <a:rPr kumimoji="1" lang="en-US" altLang="ja-JP" b="0" i="1" smtClean="0">
-                        <a:latin typeface="Cambria Math" panose="02040503050406030204" pitchFamily="18" charset="0"/>
-                      </a:rPr>
-                      <m:t>,</m:t>
-                    </m:r>
-                    <m:sSub>
-                      <m:sSubPr>
-                        <m:ctrlPr>
-                          <a:rPr kumimoji="1" lang="en-US" altLang="ja-JP" b="0" i="1" smtClean="0">
-                            <a:latin typeface="Cambria Math" panose="02040503050406030204" pitchFamily="18" charset="0"/>
-                          </a:rPr>
-                        </m:ctrlPr>
-                      </m:sSubPr>
-                      <m:e>
-                        <m:r>
-                          <a:rPr kumimoji="1" lang="en-US" altLang="ja-JP" b="0" i="1" smtClean="0">
-                            <a:latin typeface="Cambria Math" panose="02040503050406030204" pitchFamily="18" charset="0"/>
-                          </a:rPr>
-                          <m:t>h</m:t>
-                        </m:r>
-                      </m:e>
-                      <m:sub>
-                        <m:r>
-                          <a:rPr kumimoji="1" lang="en-US" altLang="ja-JP" b="0" i="1" smtClean="0">
-                            <a:latin typeface="Cambria Math" panose="02040503050406030204" pitchFamily="18" charset="0"/>
-                          </a:rPr>
-                          <m:t>5−6</m:t>
-                        </m:r>
-                      </m:sub>
-                    </m:sSub>
-                  </m:oMath>
-                </a14:m>
-                <a:r>
-                  <a:rPr kumimoji="1" lang="en-US" altLang="ja-JP"/>
-                  <a:t>, </a:t>
-                </a:r>
-                <a14:m>
-                  <m:oMath xmlns:m="http://schemas.openxmlformats.org/officeDocument/2006/math">
-                    <m:sSub>
-                      <m:sSubPr>
-                        <m:ctrlPr>
-                          <a:rPr kumimoji="1" lang="en-US" altLang="ja-JP" b="0" i="1" smtClean="0">
-                            <a:latin typeface="Cambria Math" panose="02040503050406030204" pitchFamily="18" charset="0"/>
-                          </a:rPr>
-                        </m:ctrlPr>
-                      </m:sSubPr>
-                      <m:e>
-                        <m:r>
-                          <a:rPr kumimoji="1" lang="en-US" altLang="ja-JP" b="0" i="1" smtClean="0">
-                            <a:latin typeface="Cambria Math" panose="02040503050406030204" pitchFamily="18" charset="0"/>
-                          </a:rPr>
-                          <m:t>h</m:t>
-                        </m:r>
-                      </m:e>
-                      <m:sub>
-                        <m:r>
-                          <a:rPr kumimoji="1" lang="en-US" altLang="ja-JP" b="0" i="1" smtClean="0">
-                            <a:latin typeface="Cambria Math" panose="02040503050406030204" pitchFamily="18" charset="0"/>
-                          </a:rPr>
-                          <m:t>7</m:t>
-                        </m:r>
-                      </m:sub>
-                    </m:sSub>
-                    <m:r>
-                      <a:rPr kumimoji="1" lang="en-US" altLang="ja-JP" b="0" i="1" smtClean="0">
-                        <a:latin typeface="Cambria Math" panose="02040503050406030204" pitchFamily="18" charset="0"/>
-                      </a:rPr>
-                      <m:t>,</m:t>
-                    </m:r>
-                    <m:sSub>
-                      <m:sSubPr>
-                        <m:ctrlPr>
-                          <a:rPr kumimoji="1" lang="en-US" altLang="ja-JP" b="0" i="1" smtClean="0">
-                            <a:latin typeface="Cambria Math" panose="02040503050406030204" pitchFamily="18" charset="0"/>
-                          </a:rPr>
-                        </m:ctrlPr>
-                      </m:sSubPr>
-                      <m:e>
-                        <m:r>
-                          <a:rPr kumimoji="1" lang="en-US" altLang="ja-JP" b="0" i="1" smtClean="0">
-                            <a:latin typeface="Cambria Math" panose="02040503050406030204" pitchFamily="18" charset="0"/>
-                          </a:rPr>
-                          <m:t>h</m:t>
-                        </m:r>
-                      </m:e>
-                      <m:sub>
-                        <m:r>
-                          <a:rPr kumimoji="1" lang="en-US" altLang="ja-JP" b="0" i="1" smtClean="0">
-                            <a:latin typeface="Cambria Math" panose="02040503050406030204" pitchFamily="18" charset="0"/>
-                          </a:rPr>
-                          <m:t>1−8</m:t>
-                        </m:r>
-                      </m:sub>
-                    </m:sSub>
-                  </m:oMath>
-                </a14:m>
-                <a:r>
-                  <a:rPr kumimoji="1" lang="ja-JP" altLang="en-US"/>
-                  <a:t>を使う</a:t>
-                </a:r>
-                <a:r>
-                  <a:rPr kumimoji="1" lang="en-US" altLang="ja-JP"/>
-                  <a:t>, </a:t>
-                </a:r>
-                <a:r>
-                  <a:rPr kumimoji="1" lang="ja-JP" altLang="en-US"/>
-                  <a:t>必要なデータ量が</a:t>
-                </a:r>
-                <a14:m>
-                  <m:oMath xmlns:m="http://schemas.openxmlformats.org/officeDocument/2006/math">
-                    <m:r>
-                      <m:rPr>
-                        <m:sty m:val="p"/>
-                      </m:rPr>
-                      <a:rPr kumimoji="1" lang="en-US" altLang="ja-JP" b="0" i="0" smtClean="0">
-                        <a:latin typeface="Cambria Math" panose="02040503050406030204" pitchFamily="18" charset="0"/>
-                      </a:rPr>
-                      <m:t>O</m:t>
-                    </m:r>
-                    <m:r>
-                      <a:rPr kumimoji="1" lang="en-US" altLang="ja-JP" b="0" i="0" smtClean="0">
-                        <a:latin typeface="Cambria Math" panose="02040503050406030204" pitchFamily="18" charset="0"/>
-                      </a:rPr>
-                      <m:t>(</m:t>
-                    </m:r>
-                    <m:func>
-                      <m:funcPr>
-                        <m:ctrlPr>
-                          <a:rPr kumimoji="1" lang="en-US" altLang="ja-JP" b="0" i="1" smtClean="0">
-                            <a:latin typeface="Cambria Math" panose="02040503050406030204" pitchFamily="18" charset="0"/>
-                          </a:rPr>
-                        </m:ctrlPr>
-                      </m:funcPr>
-                      <m:fName>
-                        <m:r>
-                          <m:rPr>
-                            <m:sty m:val="p"/>
-                          </m:rPr>
-                          <a:rPr kumimoji="1" lang="en-US" altLang="ja-JP" b="0" i="0" smtClean="0">
-                            <a:latin typeface="Cambria Math" panose="02040503050406030204" pitchFamily="18" charset="0"/>
-                          </a:rPr>
-                          <m:t>log</m:t>
-                        </m:r>
-                      </m:fName>
-                      <m:e>
-                        <m:d>
-                          <m:dPr>
-                            <m:ctrlPr>
-                              <a:rPr kumimoji="1" lang="en-US" altLang="ja-JP" b="0" i="1" smtClean="0">
-                                <a:latin typeface="Cambria Math" panose="02040503050406030204" pitchFamily="18" charset="0"/>
-                              </a:rPr>
-                            </m:ctrlPr>
-                          </m:dPr>
-                          <m:e>
-                            <m:r>
-                              <a:rPr kumimoji="1" lang="en-US" altLang="ja-JP" b="0" i="1" smtClean="0">
-                                <a:latin typeface="Cambria Math" panose="02040503050406030204" pitchFamily="18" charset="0"/>
-                              </a:rPr>
-                              <m:t>𝑛</m:t>
-                            </m:r>
-                          </m:e>
-                        </m:d>
-                      </m:e>
-                    </m:func>
-                    <m:r>
-                      <a:rPr kumimoji="1" lang="en-US" altLang="ja-JP" b="0" i="1" smtClean="0">
-                        <a:latin typeface="Cambria Math" panose="02040503050406030204" pitchFamily="18" charset="0"/>
-                      </a:rPr>
-                      <m:t>)</m:t>
-                    </m:r>
-                  </m:oMath>
-                </a14:m>
-                <a:endParaRPr kumimoji="1" lang="ja-JP" altLang="en-US"/>
-              </a:p>
-            </p:txBody>
-          </p:sp>
-        </mc:Choice>
-        <mc:Fallback xmlns="">
-          <p:sp>
-            <p:nvSpPr>
-              <p:cNvPr id="2" name="コンテンツ プレースホルダー 1">
-                <a:extLst>
-                  <a:ext uri="{FF2B5EF4-FFF2-40B4-BE49-F238E27FC236}">
-                    <a16:creationId xmlns:a16="http://schemas.microsoft.com/office/drawing/2014/main" id="{9EB6180F-83FC-48C3-A2EF-239269FEE87A}"/>
-                  </a:ext>
-                </a:extLst>
-              </p:cNvPr>
-              <p:cNvSpPr>
-                <a:spLocks noGrp="1" noRot="1" noChangeAspect="1" noMove="1" noResize="1" noEditPoints="1" noAdjustHandles="1" noChangeArrowheads="1" noChangeShapeType="1" noTextEdit="1"/>
-              </p:cNvSpPr>
-              <p:nvPr>
-                <p:ph idx="1"/>
-              </p:nvPr>
-            </p:nvSpPr>
-            <p:spPr>
-              <a:blipFill>
-                <a:blip r:embed="rId2"/>
-                <a:stretch>
-                  <a:fillRect l="-1200" t="-1454"/>
-                </a:stretch>
-              </a:blipFill>
-            </p:spPr>
-            <p:txBody>
-              <a:bodyPr/>
-              <a:lstStyle/>
-              <a:p>
-                <a:r>
-                  <a:rPr lang="ja-JP" altLang="en-US">
-                    <a:noFill/>
-                  </a:rPr>
-                  <a:t> </a:t>
-                </a:r>
-              </a:p>
-            </p:txBody>
-          </p:sp>
-        </mc:Fallback>
-      </mc:AlternateContent>
-      <p:sp>
-        <p:nvSpPr>
-          <p:cNvPr id="3" name="スライド番号プレースホルダー 2">
-            <a:extLst>
-              <a:ext uri="{FF2B5EF4-FFF2-40B4-BE49-F238E27FC236}">
-                <a16:creationId xmlns:a16="http://schemas.microsoft.com/office/drawing/2014/main" id="{FD40084B-001B-4FC1-B1EF-93772D4E5626}"/>
-              </a:ext>
-            </a:extLst>
-          </p:cNvPr>
-          <p:cNvSpPr>
-            <a:spLocks noGrp="1"/>
-          </p:cNvSpPr>
-          <p:nvPr>
-            <p:ph type="sldNum" sz="quarter" idx="12"/>
-          </p:nvPr>
-        </p:nvSpPr>
-        <p:spPr/>
-        <p:txBody>
-          <a:bodyPr/>
-          <a:lstStyle/>
-          <a:p>
-            <a:pPr>
-              <a:defRPr/>
-            </a:pPr>
-            <a:r>
-              <a:rPr lang="en-US" altLang="ja-JP"/>
-              <a:t>    </a:t>
-            </a:r>
-            <a:fld id="{B2782DEB-472A-4FE5-AC34-C17109CF5A91}" type="slidenum">
-              <a:rPr lang="en-US" altLang="ja-JP" smtClean="0"/>
-              <a:pPr>
-                <a:defRPr/>
-              </a:pPr>
-              <a:t>35</a:t>
-            </a:fld>
-            <a:r>
-              <a:rPr lang="en-US" altLang="ja-JP"/>
-              <a:t> / 24</a:t>
-            </a:r>
-          </a:p>
-        </p:txBody>
-      </p:sp>
-      <p:sp>
-        <p:nvSpPr>
-          <p:cNvPr id="4" name="タイトル 3">
-            <a:extLst>
-              <a:ext uri="{FF2B5EF4-FFF2-40B4-BE49-F238E27FC236}">
-                <a16:creationId xmlns:a16="http://schemas.microsoft.com/office/drawing/2014/main" id="{E7B9196A-47DE-43B4-BF46-04FF19C8B890}"/>
-              </a:ext>
-            </a:extLst>
-          </p:cNvPr>
-          <p:cNvSpPr>
-            <a:spLocks noGrp="1"/>
-          </p:cNvSpPr>
-          <p:nvPr>
-            <p:ph type="title"/>
-          </p:nvPr>
-        </p:nvSpPr>
-        <p:spPr/>
-        <p:txBody>
-          <a:bodyPr/>
-          <a:lstStyle/>
-          <a:p>
-            <a:r>
-              <a:rPr kumimoji="1" lang="en-US" altLang="ja-JP"/>
-              <a:t>Merkle</a:t>
-            </a:r>
-            <a:r>
-              <a:rPr kumimoji="1" lang="ja-JP" altLang="en-US"/>
-              <a:t>木</a:t>
-            </a:r>
-          </a:p>
-        </p:txBody>
-      </p:sp>
-      <p:pic>
-        <p:nvPicPr>
-          <p:cNvPr id="6" name="図 5">
-            <a:extLst>
-              <a:ext uri="{FF2B5EF4-FFF2-40B4-BE49-F238E27FC236}">
-                <a16:creationId xmlns:a16="http://schemas.microsoft.com/office/drawing/2014/main" id="{08B8099F-C48A-4853-ADB3-FD040877BF58}"/>
-              </a:ext>
-            </a:extLst>
-          </p:cNvPr>
-          <p:cNvPicPr>
-            <a:picLocks noChangeAspect="1"/>
-          </p:cNvPicPr>
-          <p:nvPr/>
-        </p:nvPicPr>
-        <p:blipFill>
-          <a:blip r:embed="rId3">
-            <a:extLst>
-              <a:ext uri="{28A0092B-C50C-407E-A947-70E740481C1C}">
-                <a14:useLocalDpi xmlns:a14="http://schemas.microsoft.com/office/drawing/2010/main" val="0"/>
-              </a:ext>
-            </a:extLst>
-          </a:blip>
-          <a:stretch>
-            <a:fillRect/>
-          </a:stretch>
-        </p:blipFill>
-        <p:spPr>
-          <a:xfrm>
-            <a:off x="1145495" y="1196752"/>
-            <a:ext cx="6768752" cy="3951259"/>
-          </a:xfrm>
-          <a:prstGeom prst="rect">
-            <a:avLst/>
-          </a:prstGeom>
-        </p:spPr>
-      </p:pic>
-    </p:spTree>
-    <p:extLst>
-      <p:ext uri="{BB962C8B-B14F-4D97-AF65-F5344CB8AC3E}">
-        <p14:creationId xmlns:p14="http://schemas.microsoft.com/office/powerpoint/2010/main" val="2026729228"/>
-      </p:ext>
-    </p:extLst>
-  </p:cSld>
-  <p:clrMapOvr>
-    <a:masterClrMapping/>
-  </p:clrMapOvr>
-</p:sld>
-</file>
-
-<file path=ppt/slides/slide36.xml><?xml version="1.0" encoding="utf-8"?>
-<p:sld xmlns:a="http://schemas.openxmlformats.org/drawingml/2006/main" xmlns:r="http://schemas.openxmlformats.org/officeDocument/2006/relationships" xmlns:p="http://schemas.openxmlformats.org/presentationml/2006/main">
-  <p:cSld>
-    <p:spTree>
-      <p:nvGrpSpPr>
-        <p:cNvPr id="1" name=""/>
-        <p:cNvGrpSpPr/>
-        <p:nvPr/>
-      </p:nvGrpSpPr>
-      <p:grpSpPr>
-        <a:xfrm>
-          <a:off x="0" y="0"/>
-          <a:ext cx="0" cy="0"/>
-          <a:chOff x="0" y="0"/>
-          <a:chExt cx="0" cy="0"/>
-        </a:xfrm>
-      </p:grpSpPr>
-      <p:sp>
-        <p:nvSpPr>
-          <p:cNvPr id="2" name="コンテンツ プレースホルダー 1">
-            <a:extLst>
-              <a:ext uri="{FF2B5EF4-FFF2-40B4-BE49-F238E27FC236}">
-                <a16:creationId xmlns:a16="http://schemas.microsoft.com/office/drawing/2014/main" id="{9815F24F-C23E-473B-B94A-3C5D242221FA}"/>
-              </a:ext>
-            </a:extLst>
-          </p:cNvPr>
-          <p:cNvSpPr>
-            <a:spLocks noGrp="1"/>
-          </p:cNvSpPr>
-          <p:nvPr>
-            <p:ph idx="1"/>
-          </p:nvPr>
-        </p:nvSpPr>
-        <p:spPr/>
-        <p:txBody>
-          <a:bodyPr/>
-          <a:lstStyle/>
-          <a:p>
-            <a:r>
-              <a:rPr kumimoji="1" lang="ja-JP" altLang="en-US"/>
-              <a:t>リンクトークンとは別方式</a:t>
-            </a:r>
-            <a:endParaRPr kumimoji="1" lang="en-US" altLang="ja-JP"/>
-          </a:p>
-          <a:p>
-            <a:r>
-              <a:rPr kumimoji="1" lang="ja-JP" altLang="en-US"/>
-              <a:t>信頼できる</a:t>
-            </a:r>
-            <a:r>
-              <a:rPr kumimoji="1" lang="en-US" altLang="ja-JP"/>
-              <a:t>TSA</a:t>
-            </a:r>
-            <a:r>
-              <a:rPr kumimoji="1" lang="ja-JP" altLang="en-US"/>
-              <a:t>が署名の検証鍵を公開</a:t>
-            </a:r>
-            <a:endParaRPr kumimoji="1" lang="en-US" altLang="ja-JP"/>
-          </a:p>
-          <a:p>
-            <a:endParaRPr lang="en-US" altLang="ja-JP"/>
-          </a:p>
-          <a:p>
-            <a:endParaRPr kumimoji="1" lang="en-US" altLang="ja-JP"/>
-          </a:p>
-          <a:p>
-            <a:endParaRPr lang="en-US" altLang="ja-JP"/>
-          </a:p>
-          <a:p>
-            <a:endParaRPr kumimoji="1" lang="en-US" altLang="ja-JP"/>
-          </a:p>
-          <a:p>
-            <a:endParaRPr lang="en-US" altLang="ja-JP"/>
-          </a:p>
-          <a:p>
-            <a:r>
-              <a:rPr kumimoji="1" lang="en-US" altLang="ja-JP"/>
-              <a:t>RFC 3161, ISO/IEC18014-2</a:t>
-            </a:r>
-            <a:r>
-              <a:rPr kumimoji="1" lang="ja-JP" altLang="en-US"/>
-              <a:t>などで標準化</a:t>
-            </a:r>
-          </a:p>
-        </p:txBody>
-      </p:sp>
-      <p:sp>
-        <p:nvSpPr>
-          <p:cNvPr id="3" name="スライド番号プレースホルダー 2">
-            <a:extLst>
-              <a:ext uri="{FF2B5EF4-FFF2-40B4-BE49-F238E27FC236}">
-                <a16:creationId xmlns:a16="http://schemas.microsoft.com/office/drawing/2014/main" id="{6BAFBD90-F2D4-4C15-AF2A-A4FE5A5A79A5}"/>
-              </a:ext>
-            </a:extLst>
-          </p:cNvPr>
-          <p:cNvSpPr>
-            <a:spLocks noGrp="1"/>
-          </p:cNvSpPr>
-          <p:nvPr>
-            <p:ph type="sldNum" sz="quarter" idx="12"/>
-          </p:nvPr>
-        </p:nvSpPr>
-        <p:spPr/>
-        <p:txBody>
-          <a:bodyPr/>
-          <a:lstStyle/>
-          <a:p>
-            <a:pPr>
-              <a:defRPr/>
-            </a:pPr>
-            <a:r>
-              <a:rPr lang="en-US" altLang="ja-JP"/>
-              <a:t>    </a:t>
-            </a:r>
-            <a:fld id="{B2782DEB-472A-4FE5-AC34-C17109CF5A91}" type="slidenum">
-              <a:rPr lang="en-US" altLang="ja-JP" smtClean="0"/>
-              <a:pPr>
-                <a:defRPr/>
-              </a:pPr>
-              <a:t>36</a:t>
-            </a:fld>
-            <a:r>
-              <a:rPr lang="en-US" altLang="ja-JP"/>
-              <a:t> / 24</a:t>
-            </a:r>
-          </a:p>
-        </p:txBody>
-      </p:sp>
-      <p:sp>
-        <p:nvSpPr>
-          <p:cNvPr id="4" name="タイトル 3">
-            <a:extLst>
-              <a:ext uri="{FF2B5EF4-FFF2-40B4-BE49-F238E27FC236}">
-                <a16:creationId xmlns:a16="http://schemas.microsoft.com/office/drawing/2014/main" id="{835C8AD1-0733-4CDF-AFE6-1D6E1F4AC054}"/>
-              </a:ext>
-            </a:extLst>
-          </p:cNvPr>
-          <p:cNvSpPr>
-            <a:spLocks noGrp="1"/>
-          </p:cNvSpPr>
-          <p:nvPr>
-            <p:ph type="title"/>
-          </p:nvPr>
-        </p:nvSpPr>
-        <p:spPr/>
-        <p:txBody>
-          <a:bodyPr/>
-          <a:lstStyle/>
-          <a:p>
-            <a:r>
-              <a:rPr kumimoji="1" lang="ja-JP" altLang="en-US"/>
-              <a:t>署名を用いたタイムスタンプ</a:t>
-            </a:r>
-          </a:p>
-        </p:txBody>
-      </p:sp>
-      <p:pic>
-        <p:nvPicPr>
-          <p:cNvPr id="6" name="図 5">
-            <a:extLst>
-              <a:ext uri="{FF2B5EF4-FFF2-40B4-BE49-F238E27FC236}">
-                <a16:creationId xmlns:a16="http://schemas.microsoft.com/office/drawing/2014/main" id="{47DDA89B-9977-4F62-8AF9-56617EB1A53A}"/>
-              </a:ext>
-            </a:extLst>
-          </p:cNvPr>
-          <p:cNvPicPr>
-            <a:picLocks noChangeAspect="1"/>
-          </p:cNvPicPr>
-          <p:nvPr/>
-        </p:nvPicPr>
-        <p:blipFill>
-          <a:blip r:embed="rId2">
-            <a:extLst>
-              <a:ext uri="{28A0092B-C50C-407E-A947-70E740481C1C}">
-                <a14:useLocalDpi xmlns:a14="http://schemas.microsoft.com/office/drawing/2010/main" val="0"/>
-              </a:ext>
-            </a:extLst>
-          </a:blip>
-          <a:stretch>
-            <a:fillRect/>
-          </a:stretch>
-        </p:blipFill>
-        <p:spPr>
-          <a:xfrm>
-            <a:off x="1547664" y="1772816"/>
-            <a:ext cx="5760640" cy="2725697"/>
-          </a:xfrm>
-          <a:prstGeom prst="rect">
-            <a:avLst/>
-          </a:prstGeom>
-        </p:spPr>
-      </p:pic>
-    </p:spTree>
-    <p:extLst>
-      <p:ext uri="{BB962C8B-B14F-4D97-AF65-F5344CB8AC3E}">
-        <p14:creationId xmlns:p14="http://schemas.microsoft.com/office/powerpoint/2010/main" val="1191778477"/>
-      </p:ext>
-    </p:extLst>
-  </p:cSld>
-  <p:clrMapOvr>
-    <a:masterClrMapping/>
-  </p:clrMapOvr>
-</p:sld>
-</file>
-
-<file path=ppt/slides/slide37.xml><?xml version="1.0" encoding="utf-8"?>
-<p:sld xmlns:a="http://schemas.openxmlformats.org/drawingml/2006/main" xmlns:r="http://schemas.openxmlformats.org/officeDocument/2006/relationships" xmlns:p="http://schemas.openxmlformats.org/presentationml/2006/main">
-  <p:cSld>
-    <p:spTree>
-      <p:nvGrpSpPr>
-        <p:cNvPr id="1" name=""/>
-        <p:cNvGrpSpPr/>
-        <p:nvPr/>
-      </p:nvGrpSpPr>
-      <p:grpSpPr>
-        <a:xfrm>
-          <a:off x="0" y="0"/>
-          <a:ext cx="0" cy="0"/>
-          <a:chOff x="0" y="0"/>
-          <a:chExt cx="0" cy="0"/>
-        </a:xfrm>
-      </p:grpSpPr>
-      <p:pic>
-        <p:nvPicPr>
-          <p:cNvPr id="6" name="図 5">
-            <a:extLst>
-              <a:ext uri="{FF2B5EF4-FFF2-40B4-BE49-F238E27FC236}">
-                <a16:creationId xmlns:a16="http://schemas.microsoft.com/office/drawing/2014/main" id="{E761B911-23CA-4234-A623-AA66FED8AEFF}"/>
-              </a:ext>
-            </a:extLst>
-          </p:cNvPr>
-          <p:cNvPicPr>
-            <a:picLocks noChangeAspect="1"/>
-          </p:cNvPicPr>
-          <p:nvPr/>
-        </p:nvPicPr>
-        <p:blipFill>
-          <a:blip r:embed="rId2">
-            <a:extLst>
-              <a:ext uri="{28A0092B-C50C-407E-A947-70E740481C1C}">
-                <a14:useLocalDpi xmlns:a14="http://schemas.microsoft.com/office/drawing/2010/main" val="0"/>
-              </a:ext>
-            </a:extLst>
-          </a:blip>
-          <a:stretch>
-            <a:fillRect/>
-          </a:stretch>
-        </p:blipFill>
-        <p:spPr>
-          <a:xfrm>
-            <a:off x="1835696" y="2564904"/>
-            <a:ext cx="4465109" cy="2204647"/>
-          </a:xfrm>
-          <a:prstGeom prst="rect">
-            <a:avLst/>
-          </a:prstGeom>
-        </p:spPr>
-      </p:pic>
-      <p:sp>
-        <p:nvSpPr>
-          <p:cNvPr id="2" name="コンテンツ プレースホルダー 1">
-            <a:extLst>
-              <a:ext uri="{FF2B5EF4-FFF2-40B4-BE49-F238E27FC236}">
-                <a16:creationId xmlns:a16="http://schemas.microsoft.com/office/drawing/2014/main" id="{44321F73-64BD-46AD-A154-61F3C3187A55}"/>
-              </a:ext>
-            </a:extLst>
-          </p:cNvPr>
-          <p:cNvSpPr>
-            <a:spLocks noGrp="1"/>
-          </p:cNvSpPr>
-          <p:nvPr>
-            <p:ph idx="1"/>
-          </p:nvPr>
-        </p:nvSpPr>
-        <p:spPr/>
-        <p:txBody>
-          <a:bodyPr/>
-          <a:lstStyle/>
-          <a:p>
-            <a:r>
-              <a:rPr kumimoji="1" lang="ja-JP" altLang="en-US"/>
-              <a:t>時刻の扱い</a:t>
-            </a:r>
-            <a:endParaRPr kumimoji="1" lang="en-US" altLang="ja-JP"/>
-          </a:p>
-          <a:p>
-            <a:pPr lvl="1"/>
-            <a:r>
-              <a:rPr lang="zh-TW" altLang="en-US"/>
-              <a:t>国家時刻標準機関</a:t>
-            </a:r>
-            <a:r>
-              <a:rPr lang="en-US" altLang="ja-JP"/>
-              <a:t>NTA (National Time Authority)</a:t>
-            </a:r>
-          </a:p>
-          <a:p>
-            <a:pPr lvl="2"/>
-            <a:r>
-              <a:rPr lang="ja-JP" altLang="en-US"/>
-              <a:t>情報通信研究機構</a:t>
-            </a:r>
-            <a:r>
-              <a:rPr lang="en-US" altLang="ja-JP"/>
-              <a:t>NICT</a:t>
-            </a:r>
-            <a:r>
-              <a:rPr lang="ja-JP" altLang="en-US"/>
-              <a:t>が日本標準時を生成、供給</a:t>
-            </a:r>
-            <a:endParaRPr lang="en-US" altLang="ja-JP"/>
-          </a:p>
-          <a:p>
-            <a:pPr lvl="2"/>
-            <a:r>
-              <a:rPr lang="ja-JP" altLang="en-US"/>
-              <a:t>時刻配信局</a:t>
-            </a:r>
-            <a:r>
-              <a:rPr lang="en-US" altLang="ja-JP"/>
-              <a:t>TAA</a:t>
-            </a:r>
-            <a:r>
-              <a:rPr lang="ja-JP" altLang="en-US"/>
-              <a:t> </a:t>
-            </a:r>
-            <a:r>
-              <a:rPr lang="en-US" altLang="ja-JP"/>
-              <a:t>(Time Assessment Authority)</a:t>
-            </a:r>
-            <a:r>
-              <a:rPr lang="ja-JP" altLang="en-US"/>
-              <a:t>がサービス提供</a:t>
-            </a:r>
-            <a:endParaRPr lang="en-US" altLang="ja-JP"/>
-          </a:p>
-          <a:p>
-            <a:pPr lvl="2"/>
-            <a:endParaRPr kumimoji="1" lang="en-US" altLang="ja-JP"/>
-          </a:p>
-          <a:p>
-            <a:pPr lvl="2"/>
-            <a:endParaRPr lang="en-US" altLang="ja-JP"/>
-          </a:p>
-          <a:p>
-            <a:pPr lvl="2"/>
-            <a:endParaRPr kumimoji="1" lang="en-US" altLang="ja-JP"/>
-          </a:p>
-          <a:p>
-            <a:pPr lvl="2"/>
-            <a:endParaRPr lang="en-US" altLang="ja-JP"/>
-          </a:p>
-          <a:p>
-            <a:r>
-              <a:rPr kumimoji="1" lang="ja-JP" altLang="en-US"/>
-              <a:t>通常の署名は最大</a:t>
-            </a:r>
-            <a:r>
-              <a:rPr kumimoji="1" lang="en-US" altLang="ja-JP"/>
-              <a:t>5</a:t>
-            </a:r>
-            <a:r>
-              <a:rPr kumimoji="1" lang="ja-JP" altLang="en-US"/>
-              <a:t>年</a:t>
-            </a:r>
-            <a:endParaRPr kumimoji="1" lang="en-US" altLang="ja-JP"/>
-          </a:p>
-          <a:p>
-            <a:pPr lvl="1"/>
-            <a:r>
-              <a:rPr kumimoji="1" lang="ja-JP" altLang="en-US"/>
-              <a:t>住宅ローンなどには対応できない</a:t>
-            </a:r>
-            <a:endParaRPr kumimoji="1" lang="en-US" altLang="ja-JP"/>
-          </a:p>
-          <a:p>
-            <a:pPr lvl="1"/>
-            <a:r>
-              <a:rPr lang="en-US" altLang="ja-JP"/>
-              <a:t>EU</a:t>
-            </a:r>
-            <a:r>
-              <a:rPr lang="ja-JP" altLang="en-US"/>
-              <a:t> </a:t>
-            </a:r>
-            <a:r>
-              <a:rPr lang="en-US" altLang="ja-JP"/>
-              <a:t>:</a:t>
-            </a:r>
-            <a:r>
-              <a:rPr lang="ja-JP" altLang="en-US"/>
-              <a:t> </a:t>
-            </a:r>
-            <a:r>
-              <a:rPr lang="en-US" altLang="ja-JP"/>
-              <a:t>2016</a:t>
-            </a:r>
-            <a:r>
-              <a:rPr lang="ja-JP" altLang="en-US"/>
-              <a:t>年</a:t>
-            </a:r>
-            <a:r>
-              <a:rPr lang="en-US" altLang="ja-JP"/>
-              <a:t>eIDAS</a:t>
-            </a:r>
-            <a:r>
-              <a:rPr lang="ja-JP" altLang="en-US"/>
-              <a:t>規則</a:t>
-            </a:r>
-            <a:r>
-              <a:rPr lang="en-US" altLang="ja-JP"/>
-              <a:t>, </a:t>
-            </a:r>
-            <a:r>
-              <a:rPr lang="ja-JP" altLang="en-US"/>
-              <a:t>国家間でタイムスタンプを利用可能</a:t>
-            </a:r>
-            <a:endParaRPr kumimoji="1" lang="en-US" altLang="ja-JP"/>
-          </a:p>
-          <a:p>
-            <a:r>
-              <a:rPr kumimoji="1" lang="ja-JP" altLang="en-US"/>
-              <a:t>日本は公的なタイムスタンプ制度の不在</a:t>
-            </a:r>
-            <a:r>
-              <a:rPr lang="en-US" altLang="ja-JP"/>
-              <a:t> (2021</a:t>
-            </a:r>
-            <a:r>
-              <a:rPr lang="ja-JP" altLang="en-US"/>
-              <a:t>年現在</a:t>
-            </a:r>
-            <a:r>
-              <a:rPr lang="en-US" altLang="ja-JP"/>
-              <a:t>)</a:t>
-            </a:r>
-            <a:endParaRPr kumimoji="1" lang="en-US" altLang="ja-JP"/>
-          </a:p>
-          <a:p>
-            <a:pPr lvl="1"/>
-            <a:r>
-              <a:rPr lang="ja-JP" altLang="en-US"/>
-              <a:t>長期の利用に不安 </a:t>
-            </a:r>
-            <a:r>
-              <a:rPr lang="en-US" altLang="ja-JP"/>
-              <a:t>: e.g. NTT</a:t>
-            </a:r>
-            <a:r>
-              <a:rPr lang="ja-JP" altLang="en-US"/>
-              <a:t>データ</a:t>
-            </a:r>
-            <a:r>
-              <a:rPr lang="en-US" altLang="ja-JP"/>
-              <a:t>SecureSeal</a:t>
-            </a:r>
-            <a:r>
-              <a:rPr lang="ja-JP" altLang="en-US"/>
-              <a:t>は</a:t>
-            </a:r>
-            <a:r>
-              <a:rPr lang="en-US" altLang="ja-JP"/>
-              <a:t>2020</a:t>
-            </a:r>
-            <a:r>
-              <a:rPr lang="ja-JP" altLang="en-US"/>
-              <a:t>年終了</a:t>
-            </a:r>
-            <a:endParaRPr lang="en-US" altLang="ja-JP"/>
-          </a:p>
-          <a:p>
-            <a:pPr lvl="1"/>
-            <a:endParaRPr kumimoji="1" lang="ja-JP" altLang="en-US"/>
-          </a:p>
-        </p:txBody>
-      </p:sp>
-      <p:sp>
-        <p:nvSpPr>
-          <p:cNvPr id="3" name="スライド番号プレースホルダー 2">
-            <a:extLst>
-              <a:ext uri="{FF2B5EF4-FFF2-40B4-BE49-F238E27FC236}">
-                <a16:creationId xmlns:a16="http://schemas.microsoft.com/office/drawing/2014/main" id="{69E9A50F-2589-40E8-BC3E-7C413C01C48A}"/>
-              </a:ext>
-            </a:extLst>
-          </p:cNvPr>
-          <p:cNvSpPr>
-            <a:spLocks noGrp="1"/>
-          </p:cNvSpPr>
-          <p:nvPr>
-            <p:ph type="sldNum" sz="quarter" idx="12"/>
-          </p:nvPr>
-        </p:nvSpPr>
-        <p:spPr/>
-        <p:txBody>
-          <a:bodyPr/>
-          <a:lstStyle/>
-          <a:p>
-            <a:pPr>
-              <a:defRPr/>
-            </a:pPr>
-            <a:r>
-              <a:rPr lang="en-US" altLang="ja-JP"/>
-              <a:t>    </a:t>
-            </a:r>
-            <a:fld id="{B2782DEB-472A-4FE5-AC34-C17109CF5A91}" type="slidenum">
-              <a:rPr lang="en-US" altLang="ja-JP" smtClean="0"/>
-              <a:pPr>
-                <a:defRPr/>
-              </a:pPr>
-              <a:t>37</a:t>
-            </a:fld>
-            <a:r>
-              <a:rPr lang="en-US" altLang="ja-JP"/>
-              <a:t> / 24</a:t>
-            </a:r>
-          </a:p>
-        </p:txBody>
-      </p:sp>
-      <p:sp>
-        <p:nvSpPr>
-          <p:cNvPr id="4" name="タイトル 3">
-            <a:extLst>
-              <a:ext uri="{FF2B5EF4-FFF2-40B4-BE49-F238E27FC236}">
-                <a16:creationId xmlns:a16="http://schemas.microsoft.com/office/drawing/2014/main" id="{5A37E3E7-0F3D-4134-AB15-1FADFA7E3971}"/>
-              </a:ext>
-            </a:extLst>
-          </p:cNvPr>
-          <p:cNvSpPr>
-            <a:spLocks noGrp="1"/>
-          </p:cNvSpPr>
-          <p:nvPr>
-            <p:ph type="title"/>
-          </p:nvPr>
-        </p:nvSpPr>
-        <p:spPr/>
-        <p:txBody>
-          <a:bodyPr/>
-          <a:lstStyle/>
-          <a:p>
-            <a:r>
-              <a:rPr kumimoji="1" lang="ja-JP" altLang="en-US"/>
-              <a:t>日本のタイムスタンプ</a:t>
+              <a:t> / 31</a:t>
             </a:r>
           </a:p>
         </p:txBody>
@@ -12074,558 +10235,7 @@
     </p:spTree>
     <p:extLst>
       <p:ext uri="{BB962C8B-B14F-4D97-AF65-F5344CB8AC3E}">
-        <p14:creationId xmlns:p14="http://schemas.microsoft.com/office/powerpoint/2010/main" val="732855756"/>
-      </p:ext>
-    </p:extLst>
-  </p:cSld>
-  <p:clrMapOvr>
-    <a:masterClrMapping/>
-  </p:clrMapOvr>
-</p:sld>
-</file>
-
-<file path=ppt/slides/slide38.xml><?xml version="1.0" encoding="utf-8"?>
-<p:sld xmlns:a="http://schemas.openxmlformats.org/drawingml/2006/main" xmlns:r="http://schemas.openxmlformats.org/officeDocument/2006/relationships" xmlns:p="http://schemas.openxmlformats.org/presentationml/2006/main">
-  <p:cSld>
-    <p:spTree>
-      <p:nvGrpSpPr>
-        <p:cNvPr id="1" name=""/>
-        <p:cNvGrpSpPr/>
-        <p:nvPr/>
-      </p:nvGrpSpPr>
-      <p:grpSpPr>
-        <a:xfrm>
-          <a:off x="0" y="0"/>
-          <a:ext cx="0" cy="0"/>
-          <a:chOff x="0" y="0"/>
-          <a:chExt cx="0" cy="0"/>
-        </a:xfrm>
-      </p:grpSpPr>
-      <p:sp>
-        <p:nvSpPr>
-          <p:cNvPr id="2" name="コンテンツ プレースホルダー 1">
-            <a:extLst>
-              <a:ext uri="{FF2B5EF4-FFF2-40B4-BE49-F238E27FC236}">
-                <a16:creationId xmlns:a16="http://schemas.microsoft.com/office/drawing/2014/main" id="{41246CB9-D107-4C27-AFFA-40189867D3D5}"/>
-              </a:ext>
-            </a:extLst>
-          </p:cNvPr>
-          <p:cNvSpPr>
-            <a:spLocks noGrp="1"/>
-          </p:cNvSpPr>
-          <p:nvPr>
-            <p:ph idx="1"/>
-          </p:nvPr>
-        </p:nvSpPr>
-        <p:spPr/>
-        <p:txBody>
-          <a:bodyPr/>
-          <a:lstStyle/>
-          <a:p>
-            <a:r>
-              <a:rPr kumimoji="1" lang="en-US" altLang="ja-JP"/>
-              <a:t>(</a:t>
-            </a:r>
-            <a:r>
-              <a:rPr kumimoji="1" lang="ja-JP" altLang="en-US"/>
-              <a:t>パブリック</a:t>
-            </a:r>
-            <a:r>
-              <a:rPr kumimoji="1" lang="en-US" altLang="ja-JP"/>
-              <a:t>)</a:t>
-            </a:r>
-            <a:r>
-              <a:rPr kumimoji="1" lang="ja-JP" altLang="en-US"/>
-              <a:t>ブロックチェーン</a:t>
-            </a:r>
-            <a:endParaRPr kumimoji="1" lang="en-US" altLang="ja-JP"/>
-          </a:p>
-          <a:p>
-            <a:pPr lvl="1"/>
-            <a:r>
-              <a:rPr kumimoji="1" lang="ja-JP" altLang="en-US"/>
-              <a:t>リンクトークン生成型タイムスタンプ </a:t>
-            </a:r>
-            <a:r>
-              <a:rPr kumimoji="1" lang="en-US" altLang="ja-JP"/>
-              <a:t>: </a:t>
-            </a:r>
-            <a:r>
-              <a:rPr kumimoji="1" lang="ja-JP" altLang="en-US"/>
-              <a:t>データの改善耐性</a:t>
-            </a:r>
-            <a:endParaRPr kumimoji="1" lang="en-US" altLang="ja-JP"/>
-          </a:p>
-          <a:p>
-            <a:pPr lvl="1"/>
-            <a:r>
-              <a:rPr kumimoji="1" lang="ja-JP" altLang="en-US"/>
-              <a:t>ハッシュ値の列</a:t>
-            </a:r>
-            <a:r>
-              <a:rPr kumimoji="1" lang="en-US" altLang="ja-JP"/>
-              <a:t>(</a:t>
-            </a:r>
-            <a:r>
-              <a:rPr kumimoji="1" lang="ja-JP" altLang="en-US"/>
-              <a:t>鎖</a:t>
-            </a:r>
-            <a:r>
-              <a:rPr kumimoji="1" lang="en-US" altLang="ja-JP"/>
-              <a:t>)</a:t>
-            </a:r>
-            <a:r>
-              <a:rPr kumimoji="1" lang="ja-JP" altLang="en-US"/>
-              <a:t>を</a:t>
-            </a:r>
-            <a:r>
-              <a:rPr kumimoji="1" lang="en-US" altLang="ja-JP"/>
-              <a:t>P2P</a:t>
-            </a:r>
-            <a:r>
-              <a:rPr kumimoji="1" lang="ja-JP" altLang="en-US"/>
-              <a:t>ネットワークで管理</a:t>
-            </a:r>
-            <a:endParaRPr kumimoji="1" lang="en-US" altLang="ja-JP"/>
-          </a:p>
-          <a:p>
-            <a:pPr lvl="1"/>
-            <a:r>
-              <a:rPr kumimoji="1" lang="ja-JP" altLang="en-US"/>
-              <a:t>不特定多数の主体が所収するコンピュータが互いに通信</a:t>
-            </a:r>
-            <a:endParaRPr kumimoji="1" lang="en-US" altLang="ja-JP"/>
-          </a:p>
-          <a:p>
-            <a:pPr lvl="1"/>
-            <a:endParaRPr lang="en-US" altLang="ja-JP"/>
-          </a:p>
-          <a:p>
-            <a:pPr lvl="1"/>
-            <a:endParaRPr kumimoji="1" lang="en-US" altLang="ja-JP"/>
-          </a:p>
-          <a:p>
-            <a:pPr lvl="1"/>
-            <a:endParaRPr lang="en-US" altLang="ja-JP"/>
-          </a:p>
-          <a:p>
-            <a:pPr lvl="1"/>
-            <a:endParaRPr kumimoji="1" lang="en-US" altLang="ja-JP"/>
-          </a:p>
-          <a:p>
-            <a:pPr lvl="1"/>
-            <a:endParaRPr lang="en-US" altLang="ja-JP"/>
-          </a:p>
-          <a:p>
-            <a:pPr lvl="1"/>
-            <a:endParaRPr kumimoji="1" lang="en-US" altLang="ja-JP"/>
-          </a:p>
-          <a:p>
-            <a:pPr lvl="1"/>
-            <a:endParaRPr lang="en-US" altLang="ja-JP"/>
-          </a:p>
-          <a:p>
-            <a:pPr lvl="1"/>
-            <a:r>
-              <a:rPr kumimoji="1" lang="ja-JP" altLang="en-US"/>
-              <a:t>データが十分分散されると可用性と改竄耐性に優れる</a:t>
-            </a:r>
-            <a:endParaRPr kumimoji="1" lang="en-US" altLang="ja-JP"/>
-          </a:p>
-          <a:p>
-            <a:pPr lvl="1"/>
-            <a:r>
-              <a:rPr kumimoji="1" lang="ja-JP" altLang="en-US"/>
-              <a:t>データ更新性能は低い </a:t>
-            </a:r>
-            <a:r>
-              <a:rPr kumimoji="1" lang="en-US" altLang="ja-JP"/>
-              <a:t>: </a:t>
-            </a:r>
-            <a:r>
-              <a:rPr kumimoji="1" lang="ja-JP" altLang="en-US"/>
-              <a:t>シャーディングなどの技術</a:t>
-            </a:r>
-          </a:p>
-        </p:txBody>
-      </p:sp>
-      <p:sp>
-        <p:nvSpPr>
-          <p:cNvPr id="3" name="スライド番号プレースホルダー 2">
-            <a:extLst>
-              <a:ext uri="{FF2B5EF4-FFF2-40B4-BE49-F238E27FC236}">
-                <a16:creationId xmlns:a16="http://schemas.microsoft.com/office/drawing/2014/main" id="{E217DD5B-E415-44C9-BC8D-200B09C72B4B}"/>
-              </a:ext>
-            </a:extLst>
-          </p:cNvPr>
-          <p:cNvSpPr>
-            <a:spLocks noGrp="1"/>
-          </p:cNvSpPr>
-          <p:nvPr>
-            <p:ph type="sldNum" sz="quarter" idx="12"/>
-          </p:nvPr>
-        </p:nvSpPr>
-        <p:spPr/>
-        <p:txBody>
-          <a:bodyPr/>
-          <a:lstStyle/>
-          <a:p>
-            <a:pPr>
-              <a:defRPr/>
-            </a:pPr>
-            <a:r>
-              <a:rPr lang="en-US" altLang="ja-JP"/>
-              <a:t>    </a:t>
-            </a:r>
-            <a:fld id="{B2782DEB-472A-4FE5-AC34-C17109CF5A91}" type="slidenum">
-              <a:rPr lang="en-US" altLang="ja-JP" smtClean="0"/>
-              <a:pPr>
-                <a:defRPr/>
-              </a:pPr>
-              <a:t>38</a:t>
-            </a:fld>
-            <a:r>
-              <a:rPr lang="en-US" altLang="ja-JP"/>
-              <a:t> / 24</a:t>
-            </a:r>
-          </a:p>
-        </p:txBody>
-      </p:sp>
-      <p:sp>
-        <p:nvSpPr>
-          <p:cNvPr id="4" name="タイトル 3">
-            <a:extLst>
-              <a:ext uri="{FF2B5EF4-FFF2-40B4-BE49-F238E27FC236}">
-                <a16:creationId xmlns:a16="http://schemas.microsoft.com/office/drawing/2014/main" id="{025E548C-5751-4AA8-9544-62EF6632F092}"/>
-              </a:ext>
-            </a:extLst>
-          </p:cNvPr>
-          <p:cNvSpPr>
-            <a:spLocks noGrp="1"/>
-          </p:cNvSpPr>
-          <p:nvPr>
-            <p:ph type="title"/>
-          </p:nvPr>
-        </p:nvSpPr>
-        <p:spPr/>
-        <p:txBody>
-          <a:bodyPr/>
-          <a:lstStyle/>
-          <a:p>
-            <a:r>
-              <a:rPr kumimoji="1" lang="ja-JP" altLang="en-US"/>
-              <a:t>ブロックチェーンとビットコイン</a:t>
-            </a:r>
-          </a:p>
-        </p:txBody>
-      </p:sp>
-      <p:pic>
-        <p:nvPicPr>
-          <p:cNvPr id="6" name="図 5">
-            <a:extLst>
-              <a:ext uri="{FF2B5EF4-FFF2-40B4-BE49-F238E27FC236}">
-                <a16:creationId xmlns:a16="http://schemas.microsoft.com/office/drawing/2014/main" id="{439D1F1D-4765-40E2-93F2-A7D654777A58}"/>
-              </a:ext>
-            </a:extLst>
-          </p:cNvPr>
-          <p:cNvPicPr>
-            <a:picLocks noChangeAspect="1"/>
-          </p:cNvPicPr>
-          <p:nvPr/>
-        </p:nvPicPr>
-        <p:blipFill>
-          <a:blip r:embed="rId2">
-            <a:extLst>
-              <a:ext uri="{28A0092B-C50C-407E-A947-70E740481C1C}">
-                <a14:useLocalDpi xmlns:a14="http://schemas.microsoft.com/office/drawing/2010/main" val="0"/>
-              </a:ext>
-            </a:extLst>
-          </a:blip>
-          <a:stretch>
-            <a:fillRect/>
-          </a:stretch>
-        </p:blipFill>
-        <p:spPr>
-          <a:xfrm>
-            <a:off x="1619672" y="2636912"/>
-            <a:ext cx="5400600" cy="2801561"/>
-          </a:xfrm>
-          <a:prstGeom prst="rect">
-            <a:avLst/>
-          </a:prstGeom>
-        </p:spPr>
-      </p:pic>
-    </p:spTree>
-    <p:extLst>
-      <p:ext uri="{BB962C8B-B14F-4D97-AF65-F5344CB8AC3E}">
-        <p14:creationId xmlns:p14="http://schemas.microsoft.com/office/powerpoint/2010/main" val="2455403335"/>
-      </p:ext>
-    </p:extLst>
-  </p:cSld>
-  <p:clrMapOvr>
-    <a:masterClrMapping/>
-  </p:clrMapOvr>
-</p:sld>
-</file>
-
-<file path=ppt/slides/slide39.xml><?xml version="1.0" encoding="utf-8"?>
-<p:sld xmlns:a="http://schemas.openxmlformats.org/drawingml/2006/main" xmlns:r="http://schemas.openxmlformats.org/officeDocument/2006/relationships" xmlns:p="http://schemas.openxmlformats.org/presentationml/2006/main">
-  <p:cSld>
-    <p:spTree>
-      <p:nvGrpSpPr>
-        <p:cNvPr id="1" name=""/>
-        <p:cNvGrpSpPr/>
-        <p:nvPr/>
-      </p:nvGrpSpPr>
-      <p:grpSpPr>
-        <a:xfrm>
-          <a:off x="0" y="0"/>
-          <a:ext cx="0" cy="0"/>
-          <a:chOff x="0" y="0"/>
-          <a:chExt cx="0" cy="0"/>
-        </a:xfrm>
-      </p:grpSpPr>
-      <p:pic>
-        <p:nvPicPr>
-          <p:cNvPr id="8" name="図 7">
-            <a:extLst>
-              <a:ext uri="{FF2B5EF4-FFF2-40B4-BE49-F238E27FC236}">
-                <a16:creationId xmlns:a16="http://schemas.microsoft.com/office/drawing/2014/main" id="{393A9A4D-4EFE-48FF-B435-7557F8D88E1A}"/>
-              </a:ext>
-            </a:extLst>
-          </p:cNvPr>
-          <p:cNvPicPr>
-            <a:picLocks noChangeAspect="1"/>
-          </p:cNvPicPr>
-          <p:nvPr/>
-        </p:nvPicPr>
-        <p:blipFill>
-          <a:blip r:embed="rId2"/>
-          <a:stretch>
-            <a:fillRect/>
-          </a:stretch>
-        </p:blipFill>
-        <p:spPr>
-          <a:xfrm>
-            <a:off x="467544" y="5930830"/>
-            <a:ext cx="7884368" cy="699978"/>
-          </a:xfrm>
-          <a:prstGeom prst="rect">
-            <a:avLst/>
-          </a:prstGeom>
-        </p:spPr>
-      </p:pic>
-      <p:sp>
-        <p:nvSpPr>
-          <p:cNvPr id="2" name="コンテンツ プレースホルダー 1">
-            <a:extLst>
-              <a:ext uri="{FF2B5EF4-FFF2-40B4-BE49-F238E27FC236}">
-                <a16:creationId xmlns:a16="http://schemas.microsoft.com/office/drawing/2014/main" id="{0F747879-0ADF-44BD-997D-C822933B7AC4}"/>
-              </a:ext>
-            </a:extLst>
-          </p:cNvPr>
-          <p:cNvSpPr>
-            <a:spLocks noGrp="1"/>
-          </p:cNvSpPr>
-          <p:nvPr>
-            <p:ph idx="1"/>
-          </p:nvPr>
-        </p:nvSpPr>
-        <p:spPr/>
-        <p:txBody>
-          <a:bodyPr/>
-          <a:lstStyle/>
-          <a:p>
-            <a:r>
-              <a:rPr kumimoji="1" lang="ja-JP" altLang="en-US"/>
-              <a:t>初めてブロックチェーンを暗号資産に応用</a:t>
-            </a:r>
-            <a:endParaRPr kumimoji="1" lang="en-US" altLang="ja-JP"/>
-          </a:p>
-          <a:p>
-            <a:pPr lvl="1"/>
-            <a:r>
-              <a:rPr kumimoji="1" lang="ja-JP" altLang="en-US"/>
-              <a:t>ハッシュ関数と署名の応用</a:t>
-            </a:r>
-            <a:r>
-              <a:rPr kumimoji="1" lang="en-US" altLang="ja-JP"/>
-              <a:t>(</a:t>
-            </a:r>
-            <a:r>
-              <a:rPr kumimoji="1" lang="ja-JP" altLang="en-US"/>
-              <a:t>「暗号化」機能は使ってない</a:t>
-            </a:r>
-            <a:r>
-              <a:rPr kumimoji="1" lang="en-US" altLang="ja-JP"/>
-              <a:t>!)</a:t>
-            </a:r>
-          </a:p>
-          <a:p>
-            <a:r>
-              <a:rPr kumimoji="1" lang="ja-JP" altLang="en-US"/>
-              <a:t>トランザクション</a:t>
-            </a:r>
-            <a:endParaRPr kumimoji="1" lang="en-US" altLang="ja-JP"/>
-          </a:p>
-          <a:p>
-            <a:pPr lvl="1"/>
-            <a:r>
-              <a:rPr kumimoji="1" lang="ja-JP" altLang="en-US"/>
-              <a:t>「ある人からある人に資産が移動した」という取引履歴</a:t>
-            </a:r>
-            <a:endParaRPr kumimoji="1" lang="en-US" altLang="ja-JP"/>
-          </a:p>
-          <a:p>
-            <a:pPr lvl="1"/>
-            <a:r>
-              <a:rPr kumimoji="1" lang="ja-JP" altLang="en-US"/>
-              <a:t>トランザクションをいくつかまとめてブロックにする</a:t>
-            </a:r>
-            <a:endParaRPr kumimoji="1" lang="en-US" altLang="ja-JP"/>
-          </a:p>
-          <a:p>
-            <a:r>
-              <a:rPr kumimoji="1" lang="ja-JP" altLang="en-US"/>
-              <a:t>ブロックをハッシュ値の連鎖で管理する</a:t>
-            </a:r>
-            <a:endParaRPr kumimoji="1" lang="en-US" altLang="ja-JP"/>
-          </a:p>
-          <a:p>
-            <a:pPr lvl="2"/>
-            <a:r>
-              <a:rPr kumimoji="1" lang="ja-JP" altLang="en-US"/>
-              <a:t>資産の移動履歴だけが記録される</a:t>
-            </a:r>
-            <a:endParaRPr kumimoji="1" lang="en-US" altLang="ja-JP"/>
-          </a:p>
-          <a:p>
-            <a:pPr lvl="2"/>
-            <a:r>
-              <a:rPr kumimoji="1" lang="ja-JP" altLang="en-US"/>
-              <a:t>ある人の現在の資産残高は記載されていない</a:t>
-            </a:r>
-            <a:endParaRPr kumimoji="1" lang="en-US" altLang="ja-JP"/>
-          </a:p>
-          <a:p>
-            <a:r>
-              <a:rPr kumimoji="1" lang="ja-JP" altLang="en-US"/>
-              <a:t>ビットコインアドレス</a:t>
-            </a:r>
-            <a:endParaRPr kumimoji="1" lang="en-US" altLang="ja-JP"/>
-          </a:p>
-          <a:p>
-            <a:pPr lvl="1"/>
-            <a:r>
-              <a:rPr lang="en-US" altLang="ja-JP"/>
-              <a:t>ECDSA</a:t>
-            </a:r>
-            <a:r>
-              <a:rPr lang="ja-JP" altLang="en-US"/>
-              <a:t>の検証鍵の</a:t>
-            </a:r>
-            <a:r>
-              <a:rPr lang="en-US" altLang="ja-JP"/>
-              <a:t>SHA-256</a:t>
-            </a:r>
-            <a:r>
-              <a:rPr lang="ja-JP" altLang="en-US"/>
-              <a:t>と</a:t>
-            </a:r>
-            <a:r>
-              <a:rPr lang="en-US" altLang="ja-JP"/>
-              <a:t>RIPEMD160</a:t>
-            </a:r>
-            <a:r>
-              <a:rPr lang="ja-JP" altLang="en-US"/>
-              <a:t>によるハッシュ値</a:t>
-            </a:r>
-            <a:endParaRPr lang="en-US" altLang="ja-JP"/>
-          </a:p>
-          <a:p>
-            <a:pPr lvl="1"/>
-            <a:r>
-              <a:rPr lang="ja-JP" altLang="en-US"/>
-              <a:t>銀行口座番号に相当</a:t>
-            </a:r>
-            <a:endParaRPr lang="en-US" altLang="ja-JP"/>
-          </a:p>
-        </p:txBody>
-      </p:sp>
-      <p:sp>
-        <p:nvSpPr>
-          <p:cNvPr id="3" name="スライド番号プレースホルダー 2">
-            <a:extLst>
-              <a:ext uri="{FF2B5EF4-FFF2-40B4-BE49-F238E27FC236}">
-                <a16:creationId xmlns:a16="http://schemas.microsoft.com/office/drawing/2014/main" id="{743744E5-67DD-418C-A7F2-4824B50E31A0}"/>
-              </a:ext>
-            </a:extLst>
-          </p:cNvPr>
-          <p:cNvSpPr>
-            <a:spLocks noGrp="1"/>
-          </p:cNvSpPr>
-          <p:nvPr>
-            <p:ph type="sldNum" sz="quarter" idx="12"/>
-          </p:nvPr>
-        </p:nvSpPr>
-        <p:spPr/>
-        <p:txBody>
-          <a:bodyPr/>
-          <a:lstStyle/>
-          <a:p>
-            <a:pPr>
-              <a:defRPr/>
-            </a:pPr>
-            <a:r>
-              <a:rPr lang="en-US" altLang="ja-JP"/>
-              <a:t>    </a:t>
-            </a:r>
-            <a:fld id="{B2782DEB-472A-4FE5-AC34-C17109CF5A91}" type="slidenum">
-              <a:rPr lang="en-US" altLang="ja-JP" smtClean="0"/>
-              <a:pPr>
-                <a:defRPr/>
-              </a:pPr>
-              <a:t>39</a:t>
-            </a:fld>
-            <a:r>
-              <a:rPr lang="en-US" altLang="ja-JP"/>
-              <a:t> / 24</a:t>
-            </a:r>
-          </a:p>
-        </p:txBody>
-      </p:sp>
-      <p:sp>
-        <p:nvSpPr>
-          <p:cNvPr id="4" name="タイトル 3">
-            <a:extLst>
-              <a:ext uri="{FF2B5EF4-FFF2-40B4-BE49-F238E27FC236}">
-                <a16:creationId xmlns:a16="http://schemas.microsoft.com/office/drawing/2014/main" id="{37D8F190-11BC-411C-8286-E00E85333638}"/>
-              </a:ext>
-            </a:extLst>
-          </p:cNvPr>
-          <p:cNvSpPr>
-            <a:spLocks noGrp="1"/>
-          </p:cNvSpPr>
-          <p:nvPr>
-            <p:ph type="title"/>
-          </p:nvPr>
-        </p:nvSpPr>
-        <p:spPr/>
-        <p:txBody>
-          <a:bodyPr/>
-          <a:lstStyle/>
-          <a:p>
-            <a:r>
-              <a:rPr kumimoji="1" lang="ja-JP" altLang="en-US"/>
-              <a:t>ビットコイン</a:t>
-            </a:r>
-          </a:p>
-        </p:txBody>
-      </p:sp>
-    </p:spTree>
-    <p:extLst>
-      <p:ext uri="{BB962C8B-B14F-4D97-AF65-F5344CB8AC3E}">
-        <p14:creationId xmlns:p14="http://schemas.microsoft.com/office/powerpoint/2010/main" val="1250666977"/>
+        <p14:creationId xmlns:p14="http://schemas.microsoft.com/office/powerpoint/2010/main" val="630752875"/>
       </p:ext>
     </p:extLst>
   </p:cSld>
@@ -12920,48 +10530,6 @@
           </p:sp>
         </mc:Fallback>
       </mc:AlternateContent>
-      <p:sp>
-        <p:nvSpPr>
-          <p:cNvPr id="3" name="スライド番号プレースホルダー 2">
-            <a:extLst>
-              <a:ext uri="{FF2B5EF4-FFF2-40B4-BE49-F238E27FC236}">
-                <a16:creationId xmlns:a16="http://schemas.microsoft.com/office/drawing/2014/main" id="{2D904B7E-D5CB-46DE-AD01-9832AB090C11}"/>
-              </a:ext>
-            </a:extLst>
-          </p:cNvPr>
-          <p:cNvSpPr>
-            <a:spLocks noGrp="1"/>
-          </p:cNvSpPr>
-          <p:nvPr>
-            <p:ph type="sldNum" sz="quarter" idx="12"/>
-          </p:nvPr>
-        </p:nvSpPr>
-        <p:spPr/>
-        <p:txBody>
-          <a:bodyPr/>
-          <a:lstStyle/>
-          <a:p>
-            <a:pPr>
-              <a:defRPr/>
-            </a:pPr>
-            <a:r>
-              <a:rPr lang="en-US" altLang="ja-JP"/>
-              <a:t>    </a:t>
-            </a:r>
-            <a:fld id="{B2782DEB-472A-4FE5-AC34-C17109CF5A91}" type="slidenum">
-              <a:rPr lang="en-US" altLang="ja-JP" smtClean="0"/>
-              <a:pPr>
-                <a:defRPr/>
-              </a:pPr>
-              <a:t>4</a:t>
-            </a:fld>
-            <a:r>
-              <a:rPr lang="en-US" altLang="ja-JP"/>
-              <a:t> / 24</a:t>
-            </a:r>
-          </a:p>
-        </p:txBody>
-      </p:sp>
       <mc:AlternateContent xmlns:mc="http://schemas.openxmlformats.org/markup-compatibility/2006" xmlns:a14="http://schemas.microsoft.com/office/drawing/2010/main">
         <mc:Choice Requires="a14">
           <p:sp>
@@ -13087,322 +10655,12 @@
           </a:prstGeom>
         </p:spPr>
       </p:pic>
-    </p:spTree>
-    <p:extLst>
-      <p:ext uri="{BB962C8B-B14F-4D97-AF65-F5344CB8AC3E}">
-        <p14:creationId xmlns:p14="http://schemas.microsoft.com/office/powerpoint/2010/main" val="2172962467"/>
-      </p:ext>
-    </p:extLst>
-  </p:cSld>
-  <p:clrMapOvr>
-    <a:masterClrMapping/>
-  </p:clrMapOvr>
-</p:sld>
-</file>
-
-<file path=ppt/slides/slide40.xml><?xml version="1.0" encoding="utf-8"?>
-<p:sld xmlns:a="http://schemas.openxmlformats.org/drawingml/2006/main" xmlns:r="http://schemas.openxmlformats.org/officeDocument/2006/relationships" xmlns:p="http://schemas.openxmlformats.org/presentationml/2006/main">
-  <p:cSld>
-    <p:spTree>
-      <p:nvGrpSpPr>
-        <p:cNvPr id="1" name=""/>
-        <p:cNvGrpSpPr/>
-        <p:nvPr/>
-      </p:nvGrpSpPr>
-      <p:grpSpPr>
-        <a:xfrm>
-          <a:off x="0" y="0"/>
-          <a:ext cx="0" cy="0"/>
-          <a:chOff x="0" y="0"/>
-          <a:chExt cx="0" cy="0"/>
-        </a:xfrm>
-      </p:grpSpPr>
-      <mc:AlternateContent xmlns:mc="http://schemas.openxmlformats.org/markup-compatibility/2006" xmlns:a14="http://schemas.microsoft.com/office/drawing/2010/main">
-        <mc:Choice Requires="a14">
-          <p:sp>
-            <p:nvSpPr>
-              <p:cNvPr id="2" name="コンテンツ プレースホルダー 1">
-                <a:extLst>
-                  <a:ext uri="{FF2B5EF4-FFF2-40B4-BE49-F238E27FC236}">
-                    <a16:creationId xmlns:a16="http://schemas.microsoft.com/office/drawing/2014/main" id="{3250768C-613F-4CC8-B84E-A401414AD145}"/>
-                  </a:ext>
-                </a:extLst>
-              </p:cNvPr>
-              <p:cNvSpPr>
-                <a:spLocks noGrp="1"/>
-              </p:cNvSpPr>
-              <p:nvPr>
-                <p:ph idx="1"/>
-              </p:nvPr>
-            </p:nvSpPr>
-            <p:spPr/>
-            <p:txBody>
-              <a:bodyPr/>
-              <a:lstStyle/>
-              <a:p>
-                <a:pPr lvl="1">
-                  <a:buFont typeface="+mj-lt"/>
-                  <a:buAutoNum type="arabicPeriod"/>
-                </a:pPr>
-                <a:r>
-                  <a:rPr lang="ja-JP" altLang="en-US" b="1"/>
-                  <a:t>コインの存在</a:t>
-                </a:r>
-                <a:r>
-                  <a:rPr lang="ja-JP" altLang="en-US"/>
-                  <a:t> </a:t>
-                </a:r>
-                <a:r>
-                  <a:rPr lang="en-US" altLang="ja-JP"/>
-                  <a:t>: </a:t>
-                </a:r>
-                <a:r>
-                  <a:rPr lang="ja-JP" altLang="en-US"/>
-                  <a:t>「コイン</a:t>
-                </a:r>
-                <a:r>
-                  <a:rPr lang="en-US" altLang="ja-JP"/>
-                  <a:t>10BTC</a:t>
-                </a:r>
-                <a:r>
-                  <a:rPr lang="ja-JP" altLang="en-US"/>
-                  <a:t>が、あるビットコインアドレスからビットコインアドレス</a:t>
-                </a:r>
-                <a14:m>
-                  <m:oMath xmlns:m="http://schemas.openxmlformats.org/officeDocument/2006/math">
-                    <m:sSub>
-                      <m:sSubPr>
-                        <m:ctrlPr>
-                          <a:rPr lang="en-US" altLang="ja-JP" b="0" i="1" smtClean="0">
-                            <a:latin typeface="Cambria Math" panose="02040503050406030204" pitchFamily="18" charset="0"/>
-                          </a:rPr>
-                        </m:ctrlPr>
-                      </m:sSubPr>
-                      <m:e>
-                        <m:r>
-                          <a:rPr lang="en-US" altLang="ja-JP" b="0" i="1" smtClean="0">
-                            <a:latin typeface="Cambria Math" panose="02040503050406030204" pitchFamily="18" charset="0"/>
-                          </a:rPr>
-                          <m:t>𝑎</m:t>
-                        </m:r>
-                      </m:e>
-                      <m:sub>
-                        <m:r>
-                          <a:rPr lang="en-US" altLang="ja-JP" b="0" i="1" smtClean="0">
-                            <a:latin typeface="Cambria Math" panose="02040503050406030204" pitchFamily="18" charset="0"/>
-                          </a:rPr>
-                          <m:t>𝐴</m:t>
-                        </m:r>
-                      </m:sub>
-                    </m:sSub>
-                  </m:oMath>
-                </a14:m>
-                <a:r>
-                  <a:rPr lang="ja-JP" altLang="en-US"/>
-                  <a:t>に移動した」という</a:t>
-                </a:r>
-                <a:br>
-                  <a:rPr lang="en-US" altLang="ja-JP"/>
-                </a:br>
-                <a:r>
-                  <a:rPr lang="ja-JP" altLang="en-US"/>
-                  <a:t>トランザクション</a:t>
-                </a:r>
-                <a:r>
-                  <a:rPr lang="en-US" altLang="ja-JP"/>
-                  <a:t>T</a:t>
-                </a:r>
-                <a:r>
-                  <a:rPr lang="ja-JP" altLang="en-US"/>
-                  <a:t>がブロックチェーンに含まれている</a:t>
-                </a:r>
-                <a:endParaRPr lang="en-US" altLang="ja-JP"/>
-              </a:p>
-              <a:p>
-                <a:pPr lvl="1">
-                  <a:buFont typeface="+mj-lt"/>
-                  <a:buAutoNum type="arabicPeriod"/>
-                </a:pPr>
-                <a:r>
-                  <a:rPr lang="ja-JP" altLang="en-US" b="1"/>
-                  <a:t>所有者</a:t>
-                </a:r>
-                <a:r>
-                  <a:rPr lang="ja-JP" altLang="en-US"/>
-                  <a:t> </a:t>
-                </a:r>
-                <a:r>
-                  <a:rPr lang="en-US" altLang="ja-JP"/>
-                  <a:t>: </a:t>
-                </a:r>
-                <a:r>
-                  <a:rPr lang="ja-JP" altLang="en-US"/>
-                  <a:t>アリスがビットコインアドレス</a:t>
-                </a:r>
-                <a14:m>
-                  <m:oMath xmlns:m="http://schemas.openxmlformats.org/officeDocument/2006/math">
-                    <m:sSub>
-                      <m:sSubPr>
-                        <m:ctrlPr>
-                          <a:rPr lang="en-US" altLang="ja-JP" i="1">
-                            <a:latin typeface="Cambria Math" panose="02040503050406030204" pitchFamily="18" charset="0"/>
-                          </a:rPr>
-                        </m:ctrlPr>
-                      </m:sSubPr>
-                      <m:e>
-                        <m:r>
-                          <a:rPr lang="en-US" altLang="ja-JP" i="1">
-                            <a:latin typeface="Cambria Math" panose="02040503050406030204" pitchFamily="18" charset="0"/>
-                          </a:rPr>
-                          <m:t>𝑎</m:t>
-                        </m:r>
-                      </m:e>
-                      <m:sub>
-                        <m:r>
-                          <a:rPr lang="en-US" altLang="ja-JP" i="1">
-                            <a:latin typeface="Cambria Math" panose="02040503050406030204" pitchFamily="18" charset="0"/>
-                          </a:rPr>
-                          <m:t>𝐴</m:t>
-                        </m:r>
-                      </m:sub>
-                    </m:sSub>
-                  </m:oMath>
-                </a14:m>
-                <a:r>
-                  <a:rPr lang="ja-JP" altLang="en-US"/>
-                  <a:t>に対応する</a:t>
-                </a:r>
-                <a:br>
-                  <a:rPr lang="en-US" altLang="ja-JP"/>
-                </a:br>
-                <a:r>
-                  <a:rPr lang="ja-JP" altLang="en-US"/>
-                  <a:t>署名鍵</a:t>
-                </a:r>
-                <a14:m>
-                  <m:oMath xmlns:m="http://schemas.openxmlformats.org/officeDocument/2006/math">
-                    <m:sSub>
-                      <m:sSubPr>
-                        <m:ctrlPr>
-                          <a:rPr lang="en-US" altLang="ja-JP" b="0" i="1" smtClean="0">
-                            <a:latin typeface="Cambria Math" panose="02040503050406030204" pitchFamily="18" charset="0"/>
-                          </a:rPr>
-                        </m:ctrlPr>
-                      </m:sSubPr>
-                      <m:e>
-                        <m:r>
-                          <a:rPr lang="en-US" altLang="ja-JP" b="0" i="1" smtClean="0">
-                            <a:latin typeface="Cambria Math" panose="02040503050406030204" pitchFamily="18" charset="0"/>
-                          </a:rPr>
-                          <m:t>𝑠</m:t>
-                        </m:r>
-                      </m:e>
-                      <m:sub>
-                        <m:r>
-                          <a:rPr lang="en-US" altLang="ja-JP" b="0" i="1" smtClean="0">
-                            <a:latin typeface="Cambria Math" panose="02040503050406030204" pitchFamily="18" charset="0"/>
-                          </a:rPr>
-                          <m:t>𝐴</m:t>
-                        </m:r>
-                      </m:sub>
-                    </m:sSub>
-                  </m:oMath>
-                </a14:m>
-                <a:r>
-                  <a:rPr lang="ja-JP" altLang="en-US"/>
-                  <a:t>を持っている</a:t>
-                </a:r>
-                <a:endParaRPr lang="en-US" altLang="ja-JP"/>
-              </a:p>
-              <a:p>
-                <a:pPr lvl="1">
-                  <a:buFont typeface="+mj-lt"/>
-                  <a:buAutoNum type="arabicPeriod"/>
-                </a:pPr>
-                <a:r>
-                  <a:rPr lang="ja-JP" altLang="en-US" b="1"/>
-                  <a:t>未使用</a:t>
-                </a:r>
-                <a:r>
-                  <a:rPr lang="ja-JP" altLang="en-US"/>
-                  <a:t> </a:t>
-                </a:r>
-                <a:r>
-                  <a:rPr lang="en-US" altLang="ja-JP"/>
-                  <a:t>: </a:t>
-                </a:r>
-                <a:r>
-                  <a:rPr lang="ja-JP" altLang="en-US"/>
-                  <a:t>「</a:t>
-                </a:r>
-                <a:r>
-                  <a:rPr lang="en-US" altLang="ja-JP"/>
-                  <a:t>a_A</a:t>
-                </a:r>
-                <a:r>
-                  <a:rPr lang="ja-JP" altLang="en-US"/>
-                  <a:t>から別のビットコインアドレスに移動した」</a:t>
-                </a:r>
-                <a:br>
-                  <a:rPr lang="en-US" altLang="ja-JP"/>
-                </a:br>
-                <a:r>
-                  <a:rPr lang="ja-JP" altLang="en-US"/>
-                  <a:t>というトランザクションが存在しない</a:t>
-                </a:r>
-              </a:p>
-              <a:p>
-                <a:endParaRPr kumimoji="1" lang="ja-JP" altLang="en-US"/>
-              </a:p>
-            </p:txBody>
-          </p:sp>
-        </mc:Choice>
-        <mc:Fallback xmlns="">
-          <p:sp>
-            <p:nvSpPr>
-              <p:cNvPr id="2" name="コンテンツ プレースホルダー 1">
-                <a:extLst>
-                  <a:ext uri="{FF2B5EF4-FFF2-40B4-BE49-F238E27FC236}">
-                    <a16:creationId xmlns:a16="http://schemas.microsoft.com/office/drawing/2014/main" id="{3250768C-613F-4CC8-B84E-A401414AD145}"/>
-                  </a:ext>
-                </a:extLst>
-              </p:cNvPr>
-              <p:cNvSpPr>
-                <a:spLocks noGrp="1" noRot="1" noChangeAspect="1" noMove="1" noResize="1" noEditPoints="1" noAdjustHandles="1" noChangeArrowheads="1" noChangeShapeType="1" noTextEdit="1"/>
-              </p:cNvSpPr>
-              <p:nvPr>
-                <p:ph idx="1"/>
-              </p:nvPr>
-            </p:nvSpPr>
-            <p:spPr>
-              <a:blipFill>
-                <a:blip r:embed="rId2"/>
-                <a:stretch>
-                  <a:fillRect t="-1765" r="-467"/>
-                </a:stretch>
-              </a:blipFill>
-            </p:spPr>
-            <p:txBody>
-              <a:bodyPr/>
-              <a:lstStyle/>
-              <a:p>
-                <a:r>
-                  <a:rPr lang="ja-JP" altLang="en-US">
-                    <a:noFill/>
-                  </a:rPr>
-                  <a:t> </a:t>
-                </a:r>
-              </a:p>
-            </p:txBody>
-          </p:sp>
-        </mc:Fallback>
-      </mc:AlternateContent>
       <p:sp>
         <p:nvSpPr>
-          <p:cNvPr id="3" name="スライド番号プレースホルダー 2">
+          <p:cNvPr id="5" name="スライド番号プレースホルダー 4">
             <a:extLst>
               <a:ext uri="{FF2B5EF4-FFF2-40B4-BE49-F238E27FC236}">
-                <a16:creationId xmlns:a16="http://schemas.microsoft.com/office/drawing/2014/main" id="{BDEDCEC9-E5D6-4F86-9FAC-F3763DF1EDF3}"/>
+                <a16:creationId xmlns:a16="http://schemas.microsoft.com/office/drawing/2014/main" id="{449DDD8D-F420-4FB5-AA60-1FD4E8F5E7FE}"/>
               </a:ext>
             </a:extLst>
           </p:cNvPr>
@@ -13430,2473 +10688,11 @@
               <a:pPr>
                 <a:defRPr/>
               </a:pPr>
-              <a:t>40</a:t>
+              <a:t>4</a:t>
             </a:fld>
             <a:r>
               <a:rPr lang="en-US" altLang="ja-JP"/>
-              <a:t> / 24</a:t>
-            </a:r>
-          </a:p>
-        </p:txBody>
-      </p:sp>
-      <p:sp>
-        <p:nvSpPr>
-          <p:cNvPr id="4" name="タイトル 3">
-            <a:extLst>
-              <a:ext uri="{FF2B5EF4-FFF2-40B4-BE49-F238E27FC236}">
-                <a16:creationId xmlns:a16="http://schemas.microsoft.com/office/drawing/2014/main" id="{EAA18CC8-EABF-43CE-85EE-3C18F2274982}"/>
-              </a:ext>
-            </a:extLst>
-          </p:cNvPr>
-          <p:cNvSpPr>
-            <a:spLocks noGrp="1"/>
-          </p:cNvSpPr>
-          <p:nvPr>
-            <p:ph type="title"/>
-          </p:nvPr>
-        </p:nvSpPr>
-        <p:spPr/>
-        <p:txBody>
-          <a:bodyPr/>
-          <a:lstStyle/>
-          <a:p>
-            <a:r>
-              <a:rPr kumimoji="1" lang="ja-JP" altLang="en-US"/>
-              <a:t>アリスが</a:t>
-            </a:r>
-            <a:r>
-              <a:rPr kumimoji="1" lang="en-US" altLang="ja-JP"/>
-              <a:t>10BTC</a:t>
-            </a:r>
-            <a:r>
-              <a:rPr kumimoji="1" lang="ja-JP" altLang="en-US"/>
-              <a:t>持っているとは</a:t>
-            </a:r>
-            <a:endParaRPr kumimoji="1" lang="en-US" altLang="ja-JP"/>
-          </a:p>
-        </p:txBody>
-      </p:sp>
-      <p:pic>
-        <p:nvPicPr>
-          <p:cNvPr id="6" name="図 5">
-            <a:extLst>
-              <a:ext uri="{FF2B5EF4-FFF2-40B4-BE49-F238E27FC236}">
-                <a16:creationId xmlns:a16="http://schemas.microsoft.com/office/drawing/2014/main" id="{184B0AE4-8482-4D1F-B9A3-C349EE1290FC}"/>
-              </a:ext>
-            </a:extLst>
-          </p:cNvPr>
-          <p:cNvPicPr>
-            <a:picLocks noChangeAspect="1"/>
-          </p:cNvPicPr>
-          <p:nvPr/>
-        </p:nvPicPr>
-        <p:blipFill>
-          <a:blip r:embed="rId3">
-            <a:extLst>
-              <a:ext uri="{28A0092B-C50C-407E-A947-70E740481C1C}">
-                <a14:useLocalDpi xmlns:a14="http://schemas.microsoft.com/office/drawing/2010/main" val="0"/>
-              </a:ext>
-            </a:extLst>
-          </a:blip>
-          <a:stretch>
-            <a:fillRect/>
-          </a:stretch>
-        </p:blipFill>
-        <p:spPr>
-          <a:xfrm>
-            <a:off x="993411" y="3507435"/>
-            <a:ext cx="7157178" cy="3140212"/>
-          </a:xfrm>
-          <a:prstGeom prst="rect">
-            <a:avLst/>
-          </a:prstGeom>
-        </p:spPr>
-      </p:pic>
-    </p:spTree>
-    <p:extLst>
-      <p:ext uri="{BB962C8B-B14F-4D97-AF65-F5344CB8AC3E}">
-        <p14:creationId xmlns:p14="http://schemas.microsoft.com/office/powerpoint/2010/main" val="2826917249"/>
-      </p:ext>
-    </p:extLst>
-  </p:cSld>
-  <p:clrMapOvr>
-    <a:masterClrMapping/>
-  </p:clrMapOvr>
-</p:sld>
-</file>
-
-<file path=ppt/slides/slide41.xml><?xml version="1.0" encoding="utf-8"?>
-<p:sld xmlns:a="http://schemas.openxmlformats.org/drawingml/2006/main" xmlns:r="http://schemas.openxmlformats.org/officeDocument/2006/relationships" xmlns:p="http://schemas.openxmlformats.org/presentationml/2006/main">
-  <p:cSld>
-    <p:spTree>
-      <p:nvGrpSpPr>
-        <p:cNvPr id="1" name=""/>
-        <p:cNvGrpSpPr/>
-        <p:nvPr/>
-      </p:nvGrpSpPr>
-      <p:grpSpPr>
-        <a:xfrm>
-          <a:off x="0" y="0"/>
-          <a:ext cx="0" cy="0"/>
-          <a:chOff x="0" y="0"/>
-          <a:chExt cx="0" cy="0"/>
-        </a:xfrm>
-      </p:grpSpPr>
-      <mc:AlternateContent xmlns:mc="http://schemas.openxmlformats.org/markup-compatibility/2006" xmlns:a14="http://schemas.microsoft.com/office/drawing/2010/main">
-        <mc:Choice Requires="a14">
-          <p:sp>
-            <p:nvSpPr>
-              <p:cNvPr id="2" name="コンテンツ プレースホルダー 1">
-                <a:extLst>
-                  <a:ext uri="{FF2B5EF4-FFF2-40B4-BE49-F238E27FC236}">
-                    <a16:creationId xmlns:a16="http://schemas.microsoft.com/office/drawing/2014/main" id="{C7FA0656-4EFC-4013-9E6A-6D7882882AB8}"/>
-                  </a:ext>
-                </a:extLst>
-              </p:cNvPr>
-              <p:cNvSpPr>
-                <a:spLocks noGrp="1"/>
-              </p:cNvSpPr>
-              <p:nvPr>
-                <p:ph idx="1"/>
-              </p:nvPr>
-            </p:nvSpPr>
-            <p:spPr/>
-            <p:txBody>
-              <a:bodyPr/>
-              <a:lstStyle/>
-              <a:p>
-                <a:r>
-                  <a:rPr kumimoji="1" lang="ja-JP" altLang="en-US"/>
-                  <a:t>アリスがボブに</a:t>
-                </a:r>
-                <a:r>
-                  <a:rPr kumimoji="1" lang="en-US" altLang="ja-JP"/>
-                  <a:t>2BT</a:t>
-                </a:r>
-                <a:r>
-                  <a:rPr kumimoji="1" lang="ja-JP" altLang="en-US"/>
-                  <a:t>を送金するとは</a:t>
-                </a:r>
-                <a:endParaRPr kumimoji="1" lang="en-US" altLang="ja-JP"/>
-              </a:p>
-              <a:p>
-                <a:pPr lvl="1"/>
-                <a:r>
-                  <a:rPr kumimoji="1" lang="ja-JP" altLang="en-US"/>
-                  <a:t>アリスは新しいビットコインアドレス</a:t>
-                </a:r>
-                <a14:m>
-                  <m:oMath xmlns:m="http://schemas.openxmlformats.org/officeDocument/2006/math">
-                    <m:r>
-                      <a:rPr kumimoji="1" lang="en-US" altLang="ja-JP" b="0" i="1" smtClean="0">
-                        <a:latin typeface="Cambria Math" panose="02040503050406030204" pitchFamily="18" charset="0"/>
-                      </a:rPr>
-                      <m:t>(</m:t>
-                    </m:r>
-                    <m:sSubSup>
-                      <m:sSubSupPr>
-                        <m:ctrlPr>
-                          <a:rPr kumimoji="1" lang="en-US" altLang="ja-JP" b="0" i="1" smtClean="0">
-                            <a:latin typeface="Cambria Math" panose="02040503050406030204" pitchFamily="18" charset="0"/>
-                          </a:rPr>
-                        </m:ctrlPr>
-                      </m:sSubSupPr>
-                      <m:e>
-                        <m:r>
-                          <a:rPr kumimoji="1" lang="en-US" altLang="ja-JP" b="0" i="1" smtClean="0">
-                            <a:latin typeface="Cambria Math" panose="02040503050406030204" pitchFamily="18" charset="0"/>
-                          </a:rPr>
-                          <m:t>𝑠</m:t>
-                        </m:r>
-                      </m:e>
-                      <m:sub>
-                        <m:r>
-                          <a:rPr kumimoji="1" lang="en-US" altLang="ja-JP" b="0" i="1" smtClean="0">
-                            <a:latin typeface="Cambria Math" panose="02040503050406030204" pitchFamily="18" charset="0"/>
-                          </a:rPr>
-                          <m:t>𝐴</m:t>
-                        </m:r>
-                      </m:sub>
-                      <m:sup>
-                        <m:r>
-                          <a:rPr kumimoji="1" lang="en-US" altLang="ja-JP" b="0" i="1" smtClean="0">
-                            <a:latin typeface="Cambria Math" panose="02040503050406030204" pitchFamily="18" charset="0"/>
-                          </a:rPr>
-                          <m:t>′</m:t>
-                        </m:r>
-                      </m:sup>
-                    </m:sSubSup>
-                    <m:r>
-                      <a:rPr kumimoji="1" lang="en-US" altLang="ja-JP" b="0" i="1" smtClean="0">
-                        <a:latin typeface="Cambria Math" panose="02040503050406030204" pitchFamily="18" charset="0"/>
-                      </a:rPr>
-                      <m:t>,</m:t>
-                    </m:r>
-                    <m:sSubSup>
-                      <m:sSubSupPr>
-                        <m:ctrlPr>
-                          <a:rPr kumimoji="1" lang="en-US" altLang="ja-JP" b="0" i="1" smtClean="0">
-                            <a:latin typeface="Cambria Math" panose="02040503050406030204" pitchFamily="18" charset="0"/>
-                          </a:rPr>
-                        </m:ctrlPr>
-                      </m:sSubSupPr>
-                      <m:e>
-                        <m:r>
-                          <a:rPr kumimoji="1" lang="en-US" altLang="ja-JP" b="0" i="1" smtClean="0">
-                            <a:latin typeface="Cambria Math" panose="02040503050406030204" pitchFamily="18" charset="0"/>
-                          </a:rPr>
-                          <m:t>𝑆</m:t>
-                        </m:r>
-                      </m:e>
-                      <m:sub>
-                        <m:r>
-                          <a:rPr kumimoji="1" lang="en-US" altLang="ja-JP" b="0" i="1" smtClean="0">
-                            <a:latin typeface="Cambria Math" panose="02040503050406030204" pitchFamily="18" charset="0"/>
-                          </a:rPr>
-                          <m:t>𝐴</m:t>
-                        </m:r>
-                      </m:sub>
-                      <m:sup>
-                        <m:r>
-                          <a:rPr kumimoji="1" lang="en-US" altLang="ja-JP" b="0" i="1" smtClean="0">
-                            <a:latin typeface="Cambria Math" panose="02040503050406030204" pitchFamily="18" charset="0"/>
-                          </a:rPr>
-                          <m:t>′</m:t>
-                        </m:r>
-                      </m:sup>
-                    </m:sSubSup>
-                    <m:r>
-                      <a:rPr kumimoji="1" lang="en-US" altLang="ja-JP" b="0" i="1" smtClean="0">
-                        <a:latin typeface="Cambria Math" panose="02040503050406030204" pitchFamily="18" charset="0"/>
-                      </a:rPr>
-                      <m:t>,</m:t>
-                    </m:r>
-                    <m:sSubSup>
-                      <m:sSubSupPr>
-                        <m:ctrlPr>
-                          <a:rPr lang="en-US" altLang="ja-JP" i="1">
-                            <a:latin typeface="Cambria Math" panose="02040503050406030204" pitchFamily="18" charset="0"/>
-                          </a:rPr>
-                        </m:ctrlPr>
-                      </m:sSubSupPr>
-                      <m:e>
-                        <m:r>
-                          <a:rPr lang="en-US" altLang="ja-JP" i="1">
-                            <a:latin typeface="Cambria Math" panose="02040503050406030204" pitchFamily="18" charset="0"/>
-                          </a:rPr>
-                          <m:t>𝑎</m:t>
-                        </m:r>
-                      </m:e>
-                      <m:sub>
-                        <m:r>
-                          <a:rPr lang="en-US" altLang="ja-JP" i="1">
-                            <a:latin typeface="Cambria Math" panose="02040503050406030204" pitchFamily="18" charset="0"/>
-                          </a:rPr>
-                          <m:t>𝐴</m:t>
-                        </m:r>
-                      </m:sub>
-                      <m:sup>
-                        <m:r>
-                          <a:rPr lang="en-US" altLang="ja-JP" i="1">
-                            <a:latin typeface="Cambria Math" panose="02040503050406030204" pitchFamily="18" charset="0"/>
-                          </a:rPr>
-                          <m:t>′</m:t>
-                        </m:r>
-                      </m:sup>
-                    </m:sSubSup>
-                    <m:r>
-                      <a:rPr kumimoji="1" lang="en-US" altLang="ja-JP" b="0" i="1" smtClean="0">
-                        <a:latin typeface="Cambria Math" panose="02040503050406030204" pitchFamily="18" charset="0"/>
-                      </a:rPr>
-                      <m:t>)</m:t>
-                    </m:r>
-                  </m:oMath>
-                </a14:m>
-                <a:r>
-                  <a:rPr kumimoji="1" lang="ja-JP" altLang="en-US"/>
-                  <a:t>を作る</a:t>
-                </a:r>
-                <a:endParaRPr kumimoji="1" lang="en-US" altLang="ja-JP"/>
-              </a:p>
-              <a:p>
-                <a:pPr lvl="1"/>
-                <a:r>
-                  <a:rPr kumimoji="1" lang="ja-JP" altLang="en-US"/>
-                  <a:t>ボブも</a:t>
-                </a:r>
-                <a14:m>
-                  <m:oMath xmlns:m="http://schemas.openxmlformats.org/officeDocument/2006/math">
-                    <m:r>
-                      <a:rPr kumimoji="1" lang="en-US" altLang="ja-JP" b="0" i="1" smtClean="0">
-                        <a:latin typeface="Cambria Math" panose="02040503050406030204" pitchFamily="18" charset="0"/>
-                      </a:rPr>
-                      <m:t>(</m:t>
-                    </m:r>
-                    <m:sSub>
-                      <m:sSubPr>
-                        <m:ctrlPr>
-                          <a:rPr kumimoji="1" lang="en-US" altLang="ja-JP" b="0" i="1" smtClean="0">
-                            <a:latin typeface="Cambria Math" panose="02040503050406030204" pitchFamily="18" charset="0"/>
-                          </a:rPr>
-                        </m:ctrlPr>
-                      </m:sSubPr>
-                      <m:e>
-                        <m:r>
-                          <a:rPr kumimoji="1" lang="en-US" altLang="ja-JP" b="0" i="1" smtClean="0">
-                            <a:latin typeface="Cambria Math" panose="02040503050406030204" pitchFamily="18" charset="0"/>
-                          </a:rPr>
-                          <m:t>𝑠</m:t>
-                        </m:r>
-                      </m:e>
-                      <m:sub>
-                        <m:r>
-                          <a:rPr kumimoji="1" lang="en-US" altLang="ja-JP" b="0" i="1" smtClean="0">
-                            <a:latin typeface="Cambria Math" panose="02040503050406030204" pitchFamily="18" charset="0"/>
-                          </a:rPr>
-                          <m:t>𝐵</m:t>
-                        </m:r>
-                      </m:sub>
-                    </m:sSub>
-                    <m:r>
-                      <a:rPr kumimoji="1" lang="en-US" altLang="ja-JP" b="0" i="1" smtClean="0">
-                        <a:latin typeface="Cambria Math" panose="02040503050406030204" pitchFamily="18" charset="0"/>
-                      </a:rPr>
-                      <m:t>,</m:t>
-                    </m:r>
-                    <m:sSub>
-                      <m:sSubPr>
-                        <m:ctrlPr>
-                          <a:rPr kumimoji="1" lang="en-US" altLang="ja-JP" b="0" i="1" smtClean="0">
-                            <a:latin typeface="Cambria Math" panose="02040503050406030204" pitchFamily="18" charset="0"/>
-                          </a:rPr>
-                        </m:ctrlPr>
-                      </m:sSubPr>
-                      <m:e>
-                        <m:r>
-                          <a:rPr kumimoji="1" lang="en-US" altLang="ja-JP" b="0" i="1" smtClean="0">
-                            <a:latin typeface="Cambria Math" panose="02040503050406030204" pitchFamily="18" charset="0"/>
-                          </a:rPr>
-                          <m:t>𝑆</m:t>
-                        </m:r>
-                      </m:e>
-                      <m:sub>
-                        <m:r>
-                          <a:rPr kumimoji="1" lang="en-US" altLang="ja-JP" b="0" i="1" smtClean="0">
-                            <a:latin typeface="Cambria Math" panose="02040503050406030204" pitchFamily="18" charset="0"/>
-                          </a:rPr>
-                          <m:t>𝐵</m:t>
-                        </m:r>
-                      </m:sub>
-                    </m:sSub>
-                    <m:r>
-                      <a:rPr kumimoji="1" lang="en-US" altLang="ja-JP" b="0" i="1" smtClean="0">
-                        <a:latin typeface="Cambria Math" panose="02040503050406030204" pitchFamily="18" charset="0"/>
-                      </a:rPr>
-                      <m:t>,</m:t>
-                    </m:r>
-                    <m:sSub>
-                      <m:sSubPr>
-                        <m:ctrlPr>
-                          <a:rPr kumimoji="1" lang="en-US" altLang="ja-JP" b="0" i="1" smtClean="0">
-                            <a:latin typeface="Cambria Math" panose="02040503050406030204" pitchFamily="18" charset="0"/>
-                          </a:rPr>
-                        </m:ctrlPr>
-                      </m:sSubPr>
-                      <m:e>
-                        <m:r>
-                          <a:rPr kumimoji="1" lang="en-US" altLang="ja-JP" b="0" i="1" smtClean="0">
-                            <a:latin typeface="Cambria Math" panose="02040503050406030204" pitchFamily="18" charset="0"/>
-                          </a:rPr>
-                          <m:t>𝑎</m:t>
-                        </m:r>
-                      </m:e>
-                      <m:sub>
-                        <m:r>
-                          <a:rPr kumimoji="1" lang="en-US" altLang="ja-JP" b="0" i="1" smtClean="0">
-                            <a:latin typeface="Cambria Math" panose="02040503050406030204" pitchFamily="18" charset="0"/>
-                          </a:rPr>
-                          <m:t>𝐵</m:t>
-                        </m:r>
-                      </m:sub>
-                    </m:sSub>
-                    <m:r>
-                      <a:rPr kumimoji="1" lang="en-US" altLang="ja-JP" b="0" i="1" smtClean="0">
-                        <a:latin typeface="Cambria Math" panose="02040503050406030204" pitchFamily="18" charset="0"/>
-                      </a:rPr>
-                      <m:t>)</m:t>
-                    </m:r>
-                  </m:oMath>
-                </a14:m>
-                <a:r>
-                  <a:rPr kumimoji="1" lang="ja-JP" altLang="en-US"/>
-                  <a:t>を作る</a:t>
-                </a:r>
-                <a:endParaRPr kumimoji="1" lang="en-US" altLang="ja-JP"/>
-              </a:p>
-              <a:p>
-                <a:pPr lvl="1"/>
-                <a:r>
-                  <a:rPr kumimoji="1" lang="ja-JP" altLang="en-US"/>
-                  <a:t>アリスが</a:t>
-                </a:r>
-                <a14:m>
-                  <m:oMath xmlns:m="http://schemas.openxmlformats.org/officeDocument/2006/math">
-                    <m:sSub>
-                      <m:sSubPr>
-                        <m:ctrlPr>
-                          <a:rPr kumimoji="1" lang="en-US" altLang="ja-JP" b="0" i="1" smtClean="0">
-                            <a:latin typeface="Cambria Math" panose="02040503050406030204" pitchFamily="18" charset="0"/>
-                          </a:rPr>
-                        </m:ctrlPr>
-                      </m:sSubPr>
-                      <m:e>
-                        <m:r>
-                          <a:rPr kumimoji="1" lang="en-US" altLang="ja-JP" b="0" i="1" smtClean="0">
-                            <a:latin typeface="Cambria Math" panose="02040503050406030204" pitchFamily="18" charset="0"/>
-                          </a:rPr>
-                          <m:t>𝑎</m:t>
-                        </m:r>
-                      </m:e>
-                      <m:sub>
-                        <m:r>
-                          <a:rPr kumimoji="1" lang="en-US" altLang="ja-JP" b="0" i="1" smtClean="0">
-                            <a:latin typeface="Cambria Math" panose="02040503050406030204" pitchFamily="18" charset="0"/>
-                          </a:rPr>
-                          <m:t>𝐵</m:t>
-                        </m:r>
-                      </m:sub>
-                    </m:sSub>
-                  </m:oMath>
-                </a14:m>
-                <a:r>
-                  <a:rPr kumimoji="1" lang="ja-JP" altLang="en-US"/>
-                  <a:t>に向けてのトランザクション</a:t>
-                </a:r>
-                <a14:m>
-                  <m:oMath xmlns:m="http://schemas.openxmlformats.org/officeDocument/2006/math">
-                    <m:r>
-                      <a:rPr kumimoji="1" lang="en-US" altLang="ja-JP" b="0" i="1" smtClean="0">
-                        <a:latin typeface="Cambria Math" panose="02040503050406030204" pitchFamily="18" charset="0"/>
-                      </a:rPr>
-                      <m:t>𝑇</m:t>
-                    </m:r>
-                    <m:r>
-                      <a:rPr kumimoji="1" lang="en-US" altLang="ja-JP" b="0" i="1" smtClean="0">
-                        <a:latin typeface="Cambria Math" panose="02040503050406030204" pitchFamily="18" charset="0"/>
-                      </a:rPr>
-                      <m:t>′</m:t>
-                    </m:r>
-                  </m:oMath>
-                </a14:m>
-                <a:r>
-                  <a:rPr kumimoji="1" lang="ja-JP" altLang="en-US"/>
-                  <a:t>を作成する</a:t>
-                </a:r>
-                <a:endParaRPr kumimoji="1" lang="en-US" altLang="ja-JP"/>
-              </a:p>
-              <a:p>
-                <a:pPr lvl="1"/>
-                <a14:m>
-                  <m:oMath xmlns:m="http://schemas.openxmlformats.org/officeDocument/2006/math">
-                    <m:r>
-                      <a:rPr kumimoji="1" lang="en-US" altLang="ja-JP" b="0" i="1" smtClean="0">
-                        <a:latin typeface="Cambria Math" panose="02040503050406030204" pitchFamily="18" charset="0"/>
-                      </a:rPr>
-                      <m:t>𝑇</m:t>
-                    </m:r>
-                    <m:r>
-                      <a:rPr kumimoji="1" lang="en-US" altLang="ja-JP" b="0" i="1" smtClean="0">
-                        <a:latin typeface="Cambria Math" panose="02040503050406030204" pitchFamily="18" charset="0"/>
-                      </a:rPr>
-                      <m:t>′</m:t>
-                    </m:r>
-                  </m:oMath>
-                </a14:m>
-                <a:r>
-                  <a:rPr kumimoji="1" lang="ja-JP" altLang="en-US"/>
-                  <a:t>がブロックチェーンに取り込まれると送金完了</a:t>
-                </a:r>
-              </a:p>
-            </p:txBody>
-          </p:sp>
-        </mc:Choice>
-        <mc:Fallback xmlns="">
-          <p:sp>
-            <p:nvSpPr>
-              <p:cNvPr id="2" name="コンテンツ プレースホルダー 1">
-                <a:extLst>
-                  <a:ext uri="{FF2B5EF4-FFF2-40B4-BE49-F238E27FC236}">
-                    <a16:creationId xmlns:a16="http://schemas.microsoft.com/office/drawing/2014/main" id="{C7FA0656-4EFC-4013-9E6A-6D7882882AB8}"/>
-                  </a:ext>
-                </a:extLst>
-              </p:cNvPr>
-              <p:cNvSpPr>
-                <a:spLocks noGrp="1" noRot="1" noChangeAspect="1" noMove="1" noResize="1" noEditPoints="1" noAdjustHandles="1" noChangeArrowheads="1" noChangeShapeType="1" noTextEdit="1"/>
-              </p:cNvSpPr>
-              <p:nvPr>
-                <p:ph idx="1"/>
-              </p:nvPr>
-            </p:nvSpPr>
-            <p:spPr>
-              <a:blipFill>
-                <a:blip r:embed="rId2"/>
-                <a:stretch>
-                  <a:fillRect l="-1200" t="-1454"/>
-                </a:stretch>
-              </a:blipFill>
-            </p:spPr>
-            <p:txBody>
-              <a:bodyPr/>
-              <a:lstStyle/>
-              <a:p>
-                <a:r>
-                  <a:rPr lang="ja-JP" altLang="en-US">
-                    <a:noFill/>
-                  </a:rPr>
-                  <a:t> </a:t>
-                </a:r>
-              </a:p>
-            </p:txBody>
-          </p:sp>
-        </mc:Fallback>
-      </mc:AlternateContent>
-      <p:sp>
-        <p:nvSpPr>
-          <p:cNvPr id="3" name="スライド番号プレースホルダー 2">
-            <a:extLst>
-              <a:ext uri="{FF2B5EF4-FFF2-40B4-BE49-F238E27FC236}">
-                <a16:creationId xmlns:a16="http://schemas.microsoft.com/office/drawing/2014/main" id="{236B36F0-1BFA-4332-8881-B762D5BE5B89}"/>
-              </a:ext>
-            </a:extLst>
-          </p:cNvPr>
-          <p:cNvSpPr>
-            <a:spLocks noGrp="1"/>
-          </p:cNvSpPr>
-          <p:nvPr>
-            <p:ph type="sldNum" sz="quarter" idx="12"/>
-          </p:nvPr>
-        </p:nvSpPr>
-        <p:spPr/>
-        <p:txBody>
-          <a:bodyPr/>
-          <a:lstStyle/>
-          <a:p>
-            <a:pPr>
-              <a:defRPr/>
-            </a:pPr>
-            <a:r>
-              <a:rPr lang="en-US" altLang="ja-JP"/>
-              <a:t>    </a:t>
-            </a:r>
-            <a:fld id="{B2782DEB-472A-4FE5-AC34-C17109CF5A91}" type="slidenum">
-              <a:rPr lang="en-US" altLang="ja-JP" smtClean="0"/>
-              <a:pPr>
-                <a:defRPr/>
-              </a:pPr>
-              <a:t>41</a:t>
-            </a:fld>
-            <a:r>
-              <a:rPr lang="en-US" altLang="ja-JP"/>
-              <a:t> / 24</a:t>
-            </a:r>
-          </a:p>
-        </p:txBody>
-      </p:sp>
-      <p:sp>
-        <p:nvSpPr>
-          <p:cNvPr id="4" name="タイトル 3">
-            <a:extLst>
-              <a:ext uri="{FF2B5EF4-FFF2-40B4-BE49-F238E27FC236}">
-                <a16:creationId xmlns:a16="http://schemas.microsoft.com/office/drawing/2014/main" id="{FB7E55DB-16EC-40EE-9FB1-274C1B249CB5}"/>
-              </a:ext>
-            </a:extLst>
-          </p:cNvPr>
-          <p:cNvSpPr>
-            <a:spLocks noGrp="1"/>
-          </p:cNvSpPr>
-          <p:nvPr>
-            <p:ph type="title"/>
-          </p:nvPr>
-        </p:nvSpPr>
-        <p:spPr/>
-        <p:txBody>
-          <a:bodyPr/>
-          <a:lstStyle/>
-          <a:p>
-            <a:r>
-              <a:rPr kumimoji="1" lang="ja-JP" altLang="en-US"/>
-              <a:t>トランザクション</a:t>
-            </a:r>
-          </a:p>
-        </p:txBody>
-      </p:sp>
-      <p:pic>
-        <p:nvPicPr>
-          <p:cNvPr id="6" name="図 5">
-            <a:extLst>
-              <a:ext uri="{FF2B5EF4-FFF2-40B4-BE49-F238E27FC236}">
-                <a16:creationId xmlns:a16="http://schemas.microsoft.com/office/drawing/2014/main" id="{96FF7BAD-B5A1-47E0-ADBC-F958BAE812D6}"/>
-              </a:ext>
-            </a:extLst>
-          </p:cNvPr>
-          <p:cNvPicPr>
-            <a:picLocks noChangeAspect="1"/>
-          </p:cNvPicPr>
-          <p:nvPr/>
-        </p:nvPicPr>
-        <p:blipFill>
-          <a:blip r:embed="rId3">
-            <a:extLst>
-              <a:ext uri="{28A0092B-C50C-407E-A947-70E740481C1C}">
-                <a14:useLocalDpi xmlns:a14="http://schemas.microsoft.com/office/drawing/2010/main" val="0"/>
-              </a:ext>
-            </a:extLst>
-          </a:blip>
-          <a:stretch>
-            <a:fillRect/>
-          </a:stretch>
-        </p:blipFill>
-        <p:spPr>
-          <a:xfrm>
-            <a:off x="1115616" y="2937337"/>
-            <a:ext cx="6493959" cy="3615863"/>
-          </a:xfrm>
-          <a:prstGeom prst="rect">
-            <a:avLst/>
-          </a:prstGeom>
-        </p:spPr>
-      </p:pic>
-    </p:spTree>
-    <p:extLst>
-      <p:ext uri="{BB962C8B-B14F-4D97-AF65-F5344CB8AC3E}">
-        <p14:creationId xmlns:p14="http://schemas.microsoft.com/office/powerpoint/2010/main" val="1187763078"/>
-      </p:ext>
-    </p:extLst>
-  </p:cSld>
-  <p:clrMapOvr>
-    <a:masterClrMapping/>
-  </p:clrMapOvr>
-</p:sld>
-</file>
-
-<file path=ppt/slides/slide42.xml><?xml version="1.0" encoding="utf-8"?>
-<p:sld xmlns:a="http://schemas.openxmlformats.org/drawingml/2006/main" xmlns:r="http://schemas.openxmlformats.org/officeDocument/2006/relationships" xmlns:p="http://schemas.openxmlformats.org/presentationml/2006/main">
-  <p:cSld>
-    <p:spTree>
-      <p:nvGrpSpPr>
-        <p:cNvPr id="1" name=""/>
-        <p:cNvGrpSpPr/>
-        <p:nvPr/>
-      </p:nvGrpSpPr>
-      <p:grpSpPr>
-        <a:xfrm>
-          <a:off x="0" y="0"/>
-          <a:ext cx="0" cy="0"/>
-          <a:chOff x="0" y="0"/>
-          <a:chExt cx="0" cy="0"/>
-        </a:xfrm>
-      </p:grpSpPr>
-      <p:sp>
-        <p:nvSpPr>
-          <p:cNvPr id="2" name="コンテンツ プレースホルダー 1">
-            <a:extLst>
-              <a:ext uri="{FF2B5EF4-FFF2-40B4-BE49-F238E27FC236}">
-                <a16:creationId xmlns:a16="http://schemas.microsoft.com/office/drawing/2014/main" id="{66E2BA58-2BAA-45D3-8CB8-0D25901B2E92}"/>
-              </a:ext>
-            </a:extLst>
-          </p:cNvPr>
-          <p:cNvSpPr>
-            <a:spLocks noGrp="1"/>
-          </p:cNvSpPr>
-          <p:nvPr>
-            <p:ph idx="1"/>
-          </p:nvPr>
-        </p:nvSpPr>
-        <p:spPr/>
-        <p:txBody>
-          <a:bodyPr/>
-          <a:lstStyle/>
-          <a:p>
-            <a:r>
-              <a:rPr kumimoji="1" lang="ja-JP" altLang="en-US"/>
-              <a:t>正しいチェーン</a:t>
-            </a:r>
-            <a:endParaRPr kumimoji="1" lang="en-US" altLang="ja-JP"/>
-          </a:p>
-          <a:p>
-            <a:pPr lvl="1"/>
-            <a:r>
-              <a:rPr kumimoji="1" lang="ja-JP" altLang="en-US"/>
-              <a:t>チェーンを延ばすとビットコインを得られる</a:t>
-            </a:r>
-            <a:r>
-              <a:rPr kumimoji="1" lang="en-US" altLang="ja-JP"/>
-              <a:t>(</a:t>
-            </a:r>
-            <a:r>
-              <a:rPr kumimoji="1" lang="ja-JP" altLang="en-US"/>
-              <a:t>マイニング</a:t>
-            </a:r>
-            <a:r>
-              <a:rPr kumimoji="1" lang="en-US" altLang="ja-JP"/>
-              <a:t>)</a:t>
-            </a:r>
-          </a:p>
-          <a:p>
-            <a:pPr lvl="2"/>
-            <a:r>
-              <a:rPr kumimoji="1" lang="ja-JP" altLang="en-US"/>
-              <a:t>チェーンを延ばすインセンティブ</a:t>
-            </a:r>
-            <a:endParaRPr kumimoji="1" lang="en-US" altLang="ja-JP"/>
-          </a:p>
-          <a:p>
-            <a:pPr lvl="2"/>
-            <a:r>
-              <a:rPr kumimoji="1" lang="ja-JP" altLang="en-US"/>
-              <a:t>二重送金を含むブロックは無視される</a:t>
-            </a:r>
-            <a:endParaRPr kumimoji="1" lang="en-US" altLang="ja-JP"/>
-          </a:p>
-          <a:p>
-            <a:pPr lvl="1"/>
-            <a:r>
-              <a:rPr kumimoji="1" lang="ja-JP" altLang="en-US"/>
-              <a:t>最も長いチェーンが正しいチェーン</a:t>
-            </a:r>
-            <a:endParaRPr kumimoji="1" lang="en-US" altLang="ja-JP"/>
-          </a:p>
-          <a:p>
-            <a:pPr lvl="2"/>
-            <a:r>
-              <a:rPr kumimoji="1" lang="ja-JP" altLang="en-US"/>
-              <a:t>経験的に</a:t>
-            </a:r>
-            <a:r>
-              <a:rPr kumimoji="1" lang="en-US" altLang="ja-JP"/>
-              <a:t>6</a:t>
-            </a:r>
-            <a:r>
-              <a:rPr kumimoji="1" lang="ja-JP" altLang="en-US"/>
-              <a:t>ブロック伸びると取り込まれたと判断する</a:t>
-            </a:r>
-            <a:endParaRPr kumimoji="1" lang="en-US" altLang="ja-JP"/>
-          </a:p>
-          <a:p>
-            <a:pPr lvl="2"/>
-            <a:r>
-              <a:rPr kumimoji="1" lang="ja-JP" altLang="en-US"/>
-              <a:t>一時的にチェーンが分岐しても短い方は無視される</a:t>
-            </a:r>
-            <a:endParaRPr kumimoji="1" lang="en-US" altLang="ja-JP"/>
-          </a:p>
-          <a:p>
-            <a:pPr lvl="1"/>
-            <a:r>
-              <a:rPr kumimoji="1" lang="ja-JP" altLang="en-US"/>
-              <a:t>ブロックのハッシュ値がターゲット</a:t>
-            </a:r>
-            <a:r>
-              <a:rPr kumimoji="1" lang="en-US" altLang="ja-JP"/>
-              <a:t>t</a:t>
-            </a:r>
-            <a:r>
-              <a:rPr kumimoji="1" lang="ja-JP" altLang="en-US"/>
-              <a:t>よりも小さいのが正しい</a:t>
-            </a:r>
-            <a:endParaRPr kumimoji="1" lang="en-US" altLang="ja-JP"/>
-          </a:p>
-          <a:p>
-            <a:pPr lvl="2"/>
-            <a:r>
-              <a:rPr kumimoji="1" lang="ja-JP" altLang="en-US"/>
-              <a:t>ブロックを延ばすのに時間</a:t>
-            </a:r>
-            <a:r>
-              <a:rPr kumimoji="1" lang="en-US" altLang="ja-JP"/>
-              <a:t>(</a:t>
-            </a:r>
-            <a:r>
-              <a:rPr kumimoji="1" lang="ja-JP" altLang="en-US"/>
-              <a:t>計算資源</a:t>
-            </a:r>
-            <a:r>
-              <a:rPr kumimoji="1" lang="en-US" altLang="ja-JP"/>
-              <a:t>)</a:t>
-            </a:r>
-            <a:r>
-              <a:rPr kumimoji="1" lang="ja-JP" altLang="en-US"/>
-              <a:t>が掛かる</a:t>
-            </a:r>
-            <a:endParaRPr kumimoji="1" lang="en-US" altLang="ja-JP"/>
-          </a:p>
-          <a:p>
-            <a:pPr lvl="1"/>
-            <a:endParaRPr lang="en-US" altLang="ja-JP"/>
-          </a:p>
-          <a:p>
-            <a:pPr lvl="1"/>
-            <a:endParaRPr kumimoji="1" lang="en-US" altLang="ja-JP"/>
-          </a:p>
-          <a:p>
-            <a:pPr lvl="1"/>
-            <a:endParaRPr lang="en-US" altLang="ja-JP"/>
-          </a:p>
-          <a:p>
-            <a:pPr lvl="1"/>
-            <a:endParaRPr kumimoji="1" lang="en-US" altLang="ja-JP"/>
-          </a:p>
-        </p:txBody>
-      </p:sp>
-      <p:sp>
-        <p:nvSpPr>
-          <p:cNvPr id="3" name="スライド番号プレースホルダー 2">
-            <a:extLst>
-              <a:ext uri="{FF2B5EF4-FFF2-40B4-BE49-F238E27FC236}">
-                <a16:creationId xmlns:a16="http://schemas.microsoft.com/office/drawing/2014/main" id="{3FD5C5CE-1D17-4535-BD47-AE43F6402C65}"/>
-              </a:ext>
-            </a:extLst>
-          </p:cNvPr>
-          <p:cNvSpPr>
-            <a:spLocks noGrp="1"/>
-          </p:cNvSpPr>
-          <p:nvPr>
-            <p:ph type="sldNum" sz="quarter" idx="12"/>
-          </p:nvPr>
-        </p:nvSpPr>
-        <p:spPr/>
-        <p:txBody>
-          <a:bodyPr/>
-          <a:lstStyle/>
-          <a:p>
-            <a:pPr>
-              <a:defRPr/>
-            </a:pPr>
-            <a:r>
-              <a:rPr lang="en-US" altLang="ja-JP"/>
-              <a:t>    </a:t>
-            </a:r>
-            <a:fld id="{B2782DEB-472A-4FE5-AC34-C17109CF5A91}" type="slidenum">
-              <a:rPr lang="en-US" altLang="ja-JP" smtClean="0"/>
-              <a:pPr>
-                <a:defRPr/>
-              </a:pPr>
-              <a:t>42</a:t>
-            </a:fld>
-            <a:r>
-              <a:rPr lang="en-US" altLang="ja-JP"/>
-              <a:t> / 24</a:t>
-            </a:r>
-          </a:p>
-        </p:txBody>
-      </p:sp>
-      <p:sp>
-        <p:nvSpPr>
-          <p:cNvPr id="4" name="タイトル 3">
-            <a:extLst>
-              <a:ext uri="{FF2B5EF4-FFF2-40B4-BE49-F238E27FC236}">
-                <a16:creationId xmlns:a16="http://schemas.microsoft.com/office/drawing/2014/main" id="{FD015EBA-BCF6-41EF-8895-42B9FA20D418}"/>
-              </a:ext>
-            </a:extLst>
-          </p:cNvPr>
-          <p:cNvSpPr>
-            <a:spLocks noGrp="1"/>
-          </p:cNvSpPr>
-          <p:nvPr>
-            <p:ph type="title"/>
-          </p:nvPr>
-        </p:nvSpPr>
-        <p:spPr/>
-        <p:txBody>
-          <a:bodyPr/>
-          <a:lstStyle/>
-          <a:p>
-            <a:r>
-              <a:rPr kumimoji="1" lang="ja-JP" altLang="en-US"/>
-              <a:t>二重送金の防止とマイニング</a:t>
-            </a:r>
-          </a:p>
-        </p:txBody>
-      </p:sp>
-      <p:pic>
-        <p:nvPicPr>
-          <p:cNvPr id="6" name="図 5">
-            <a:extLst>
-              <a:ext uri="{FF2B5EF4-FFF2-40B4-BE49-F238E27FC236}">
-                <a16:creationId xmlns:a16="http://schemas.microsoft.com/office/drawing/2014/main" id="{0F60DCD8-1925-4004-9508-663F63F081CE}"/>
-              </a:ext>
-            </a:extLst>
-          </p:cNvPr>
-          <p:cNvPicPr>
-            <a:picLocks noChangeAspect="1"/>
-          </p:cNvPicPr>
-          <p:nvPr/>
-        </p:nvPicPr>
-        <p:blipFill>
-          <a:blip r:embed="rId2">
-            <a:extLst>
-              <a:ext uri="{28A0092B-C50C-407E-A947-70E740481C1C}">
-                <a14:useLocalDpi xmlns:a14="http://schemas.microsoft.com/office/drawing/2010/main" val="0"/>
-              </a:ext>
-            </a:extLst>
-          </a:blip>
-          <a:stretch>
-            <a:fillRect/>
-          </a:stretch>
-        </p:blipFill>
-        <p:spPr>
-          <a:xfrm>
-            <a:off x="827584" y="4913271"/>
-            <a:ext cx="7419791" cy="1734376"/>
-          </a:xfrm>
-          <a:prstGeom prst="rect">
-            <a:avLst/>
-          </a:prstGeom>
-        </p:spPr>
-      </p:pic>
-    </p:spTree>
-    <p:extLst>
-      <p:ext uri="{BB962C8B-B14F-4D97-AF65-F5344CB8AC3E}">
-        <p14:creationId xmlns:p14="http://schemas.microsoft.com/office/powerpoint/2010/main" val="2476458071"/>
-      </p:ext>
-    </p:extLst>
-  </p:cSld>
-  <p:clrMapOvr>
-    <a:masterClrMapping/>
-  </p:clrMapOvr>
-</p:sld>
-</file>
-
-<file path=ppt/slides/slide43.xml><?xml version="1.0" encoding="utf-8"?>
-<p:sld xmlns:a="http://schemas.openxmlformats.org/drawingml/2006/main" xmlns:r="http://schemas.openxmlformats.org/officeDocument/2006/relationships" xmlns:p="http://schemas.openxmlformats.org/presentationml/2006/main">
-  <p:cSld>
-    <p:spTree>
-      <p:nvGrpSpPr>
-        <p:cNvPr id="1" name=""/>
-        <p:cNvGrpSpPr/>
-        <p:nvPr/>
-      </p:nvGrpSpPr>
-      <p:grpSpPr>
-        <a:xfrm>
-          <a:off x="0" y="0"/>
-          <a:ext cx="0" cy="0"/>
-          <a:chOff x="0" y="0"/>
-          <a:chExt cx="0" cy="0"/>
-        </a:xfrm>
-      </p:grpSpPr>
-      <mc:AlternateContent xmlns:mc="http://schemas.openxmlformats.org/markup-compatibility/2006" xmlns:a14="http://schemas.microsoft.com/office/drawing/2010/main">
-        <mc:Choice Requires="a14">
-          <p:sp>
-            <p:nvSpPr>
-              <p:cNvPr id="2" name="コンテンツ プレースホルダー 1">
-                <a:extLst>
-                  <a:ext uri="{FF2B5EF4-FFF2-40B4-BE49-F238E27FC236}">
-                    <a16:creationId xmlns:a16="http://schemas.microsoft.com/office/drawing/2014/main" id="{F1CDBA32-6594-4AF0-86F8-183046D6A8CB}"/>
-                  </a:ext>
-                </a:extLst>
-              </p:cNvPr>
-              <p:cNvSpPr>
-                <a:spLocks noGrp="1"/>
-              </p:cNvSpPr>
-              <p:nvPr>
-                <p:ph idx="1"/>
-              </p:nvPr>
-            </p:nvSpPr>
-            <p:spPr/>
-            <p:txBody>
-              <a:bodyPr/>
-              <a:lstStyle/>
-              <a:p>
-                <a:r>
-                  <a:rPr kumimoji="1" lang="ja-JP" altLang="en-US"/>
-                  <a:t>ハッシュ値の先頭</a:t>
-                </a:r>
-                <a:r>
-                  <a:rPr kumimoji="1" lang="en-US" altLang="ja-JP"/>
-                  <a:t>N</a:t>
-                </a:r>
-                <a:r>
-                  <a:rPr kumimoji="1" lang="ja-JP" altLang="en-US"/>
-                  <a:t>ビットが</a:t>
-                </a:r>
-                <a:r>
-                  <a:rPr kumimoji="1" lang="en-US" altLang="ja-JP"/>
-                  <a:t>0</a:t>
-                </a:r>
-                <a:r>
-                  <a:rPr kumimoji="1" lang="ja-JP" altLang="en-US"/>
-                  <a:t>であるように</a:t>
-                </a:r>
-                <a:r>
-                  <a:rPr kumimoji="1" lang="en-US" altLang="ja-JP"/>
-                  <a:t>salt</a:t>
-                </a:r>
-                <a:r>
-                  <a:rPr kumimoji="1" lang="ja-JP" altLang="en-US"/>
-                  <a:t>を調整</a:t>
-                </a:r>
-                <a:endParaRPr kumimoji="1" lang="en-US" altLang="ja-JP"/>
-              </a:p>
-              <a:p>
-                <a:pPr lvl="1"/>
-                <a:r>
-                  <a:rPr lang="en-US" altLang="ja-JP"/>
-                  <a:t>N=8</a:t>
-                </a:r>
-                <a:r>
-                  <a:rPr lang="ja-JP" altLang="en-US"/>
-                  <a:t>なら</a:t>
-                </a:r>
-                <a:r>
-                  <a:rPr lang="en-US" altLang="ja-JP"/>
-                  <a:t>1/2^8</a:t>
-                </a:r>
-                <a:r>
-                  <a:rPr lang="ja-JP" altLang="en-US"/>
-                  <a:t>の確率で先頭</a:t>
-                </a:r>
-                <a:r>
-                  <a:rPr lang="en-US" altLang="ja-JP"/>
-                  <a:t>8bit</a:t>
-                </a:r>
-                <a:r>
-                  <a:rPr lang="ja-JP" altLang="en-US"/>
-                  <a:t>が</a:t>
-                </a:r>
-                <a:r>
-                  <a:rPr lang="en-US" altLang="ja-JP"/>
-                  <a:t>0</a:t>
-                </a:r>
-                <a:r>
-                  <a:rPr lang="ja-JP" altLang="en-US"/>
-                  <a:t>になる</a:t>
-                </a:r>
-                <a:endParaRPr lang="en-US" altLang="ja-JP"/>
-              </a:p>
-              <a:p>
-                <a:pPr lvl="1"/>
-                <a:endParaRPr kumimoji="1" lang="en-US" altLang="ja-JP"/>
-              </a:p>
-              <a:p>
-                <a:pPr lvl="1"/>
-                <a:endParaRPr lang="en-US" altLang="ja-JP"/>
-              </a:p>
-              <a:p>
-                <a:pPr lvl="1"/>
-                <a:endParaRPr kumimoji="1" lang="en-US" altLang="ja-JP"/>
-              </a:p>
-              <a:p>
-                <a:pPr lvl="1"/>
-                <a:endParaRPr lang="en-US" altLang="ja-JP"/>
-              </a:p>
-              <a:p>
-                <a:pPr lvl="1"/>
-                <a:endParaRPr kumimoji="1" lang="en-US" altLang="ja-JP"/>
-              </a:p>
-              <a:p>
-                <a:pPr lvl="1"/>
-                <a:endParaRPr lang="en-US" altLang="ja-JP"/>
-              </a:p>
-              <a:p>
-                <a:pPr lvl="1"/>
-                <a:endParaRPr kumimoji="1" lang="en-US" altLang="ja-JP"/>
-              </a:p>
-              <a:p>
-                <a:pPr lvl="1"/>
-                <a:r>
-                  <a:rPr kumimoji="1" lang="en-US" altLang="ja-JP"/>
-                  <a:t>2020</a:t>
-                </a:r>
-                <a:r>
-                  <a:rPr kumimoji="1" lang="ja-JP" altLang="en-US"/>
-                  <a:t>年で</a:t>
-                </a:r>
-                <a:r>
-                  <a:rPr kumimoji="1" lang="en-US" altLang="ja-JP"/>
-                  <a:t>N=80</a:t>
-                </a:r>
-                <a:r>
-                  <a:rPr kumimoji="1" lang="ja-JP" altLang="en-US"/>
-                  <a:t>ぐらい</a:t>
-                </a:r>
-                <a:r>
-                  <a:rPr kumimoji="1" lang="en-US" altLang="ja-JP"/>
-                  <a:t>(10</a:t>
-                </a:r>
-                <a:r>
-                  <a:rPr kumimoji="1" lang="ja-JP" altLang="en-US"/>
-                  <a:t>分に</a:t>
-                </a:r>
-                <a:r>
-                  <a:rPr kumimoji="1" lang="en-US" altLang="ja-JP"/>
-                  <a:t>1</a:t>
-                </a:r>
-                <a:r>
-                  <a:rPr kumimoji="1" lang="ja-JP" altLang="en-US"/>
-                  <a:t>個ブロックが伸びる</a:t>
-                </a:r>
-                <a:r>
-                  <a:rPr kumimoji="1" lang="en-US" altLang="ja-JP"/>
-                  <a:t>)</a:t>
-                </a:r>
-              </a:p>
-              <a:p>
-                <a:pPr lvl="1"/>
-                <a:r>
-                  <a:rPr kumimoji="1" lang="en-US" altLang="ja-JP"/>
-                  <a:t>1</a:t>
-                </a:r>
-                <a:r>
-                  <a:rPr kumimoji="1" lang="ja-JP" altLang="en-US"/>
-                  <a:t>秒間に</a:t>
-                </a:r>
-                <a:r>
-                  <a:rPr kumimoji="1" lang="en-US" altLang="ja-JP"/>
-                  <a:t>1.6x</a:t>
-                </a:r>
-                <a14:m>
-                  <m:oMath xmlns:m="http://schemas.openxmlformats.org/officeDocument/2006/math">
-                    <m:sSup>
-                      <m:sSupPr>
-                        <m:ctrlPr>
-                          <a:rPr kumimoji="1" lang="en-US" altLang="ja-JP" b="0" i="1" smtClean="0">
-                            <a:latin typeface="Cambria Math" panose="02040503050406030204" pitchFamily="18" charset="0"/>
-                          </a:rPr>
-                        </m:ctrlPr>
-                      </m:sSupPr>
-                      <m:e>
-                        <m:r>
-                          <a:rPr kumimoji="1" lang="en-US" altLang="ja-JP" b="0" i="1" smtClean="0">
-                            <a:latin typeface="Cambria Math" panose="02040503050406030204" pitchFamily="18" charset="0"/>
-                          </a:rPr>
-                          <m:t>10</m:t>
-                        </m:r>
-                      </m:e>
-                      <m:sup>
-                        <m:r>
-                          <a:rPr kumimoji="1" lang="en-US" altLang="ja-JP" b="0" i="1" smtClean="0">
-                            <a:latin typeface="Cambria Math" panose="02040503050406030204" pitchFamily="18" charset="0"/>
-                          </a:rPr>
-                          <m:t>20</m:t>
-                        </m:r>
-                      </m:sup>
-                    </m:sSup>
-                    <m:r>
-                      <a:rPr kumimoji="1" lang="en-US" altLang="ja-JP" b="0" i="1" smtClean="0">
-                        <a:latin typeface="Cambria Math" panose="02040503050406030204" pitchFamily="18" charset="0"/>
-                      </a:rPr>
-                      <m:t>(</m:t>
-                    </m:r>
-                    <m:r>
-                      <a:rPr lang="en-US" altLang="ja-JP" i="1">
-                        <a:latin typeface="Cambria Math" panose="02040503050406030204" pitchFamily="18" charset="0"/>
-                      </a:rPr>
-                      <m:t>160</m:t>
-                    </m:r>
-                    <m:r>
-                      <a:rPr lang="en-US" altLang="ja-JP" b="0" i="1" smtClean="0">
-                        <a:latin typeface="Cambria Math" panose="02040503050406030204" pitchFamily="18" charset="0"/>
-                      </a:rPr>
-                      <m:t>𝑚</m:t>
-                    </m:r>
-                    <m:r>
-                      <a:rPr lang="en-US" altLang="ja-JP" b="0" i="1" smtClean="0">
-                        <a:latin typeface="Cambria Math" panose="02040503050406030204" pitchFamily="18" charset="0"/>
-                      </a:rPr>
-                      <m:t> </m:t>
-                    </m:r>
-                    <m:r>
-                      <a:rPr lang="en-US" altLang="ja-JP" b="0" i="1" smtClean="0">
-                        <a:latin typeface="Cambria Math" panose="02040503050406030204" pitchFamily="18" charset="0"/>
-                      </a:rPr>
-                      <m:t>𝑇𝑒𝑟𝑎</m:t>
-                    </m:r>
-                    <m:r>
-                      <a:rPr lang="en-US" altLang="ja-JP" b="0" i="1" smtClean="0">
-                        <a:latin typeface="Cambria Math" panose="02040503050406030204" pitchFamily="18" charset="0"/>
-                      </a:rPr>
-                      <m:t> </m:t>
-                    </m:r>
-                    <m:r>
-                      <a:rPr lang="en-US" altLang="ja-JP" b="0" i="1" smtClean="0">
-                        <a:latin typeface="Cambria Math" panose="02040503050406030204" pitchFamily="18" charset="0"/>
-                      </a:rPr>
-                      <m:t>𝐻𝑎𝑠h</m:t>
-                    </m:r>
-                    <m:r>
-                      <a:rPr lang="en-US" altLang="ja-JP" b="0" i="1" smtClean="0">
-                        <a:latin typeface="Cambria Math" panose="02040503050406030204" pitchFamily="18" charset="0"/>
-                      </a:rPr>
-                      <m:t>/</m:t>
-                    </m:r>
-                    <m:r>
-                      <a:rPr lang="en-US" altLang="ja-JP" b="0" i="1" smtClean="0">
-                        <a:latin typeface="Cambria Math" panose="02040503050406030204" pitchFamily="18" charset="0"/>
-                      </a:rPr>
-                      <m:t>𝑠𝑒𝑐</m:t>
-                    </m:r>
-                    <m:r>
-                      <a:rPr kumimoji="1" lang="en-US" altLang="ja-JP" b="0" i="1" smtClean="0">
-                        <a:latin typeface="Cambria Math" panose="02040503050406030204" pitchFamily="18" charset="0"/>
-                      </a:rPr>
-                      <m:t>)</m:t>
-                    </m:r>
-                  </m:oMath>
-                </a14:m>
-                <a:endParaRPr kumimoji="1" lang="en-US" altLang="ja-JP"/>
-              </a:p>
-              <a:p>
-                <a:pPr lvl="2"/>
-                <a:r>
-                  <a:rPr kumimoji="1" lang="ja-JP" altLang="en-US"/>
-                  <a:t>電力消費の無駄・取引性能の低さ→オルトコインが有象無象</a:t>
-                </a:r>
-                <a:endParaRPr kumimoji="1" lang="en-US" altLang="ja-JP"/>
-              </a:p>
-              <a:p>
-                <a:pPr lvl="1"/>
-                <a:r>
-                  <a:rPr kumimoji="1" lang="ja-JP" altLang="en-US"/>
-                  <a:t>計算資源を</a:t>
-                </a:r>
-                <a:r>
-                  <a:rPr kumimoji="1" lang="en-US" altLang="ja-JP"/>
-                  <a:t>50%</a:t>
-                </a:r>
-                <a:r>
-                  <a:rPr kumimoji="1" lang="ja-JP" altLang="en-US"/>
-                  <a:t>独占すると思いのまま→信頼が無くなる</a:t>
-                </a:r>
-              </a:p>
-            </p:txBody>
-          </p:sp>
-        </mc:Choice>
-        <mc:Fallback xmlns="">
-          <p:sp>
-            <p:nvSpPr>
-              <p:cNvPr id="2" name="コンテンツ プレースホルダー 1">
-                <a:extLst>
-                  <a:ext uri="{FF2B5EF4-FFF2-40B4-BE49-F238E27FC236}">
-                    <a16:creationId xmlns:a16="http://schemas.microsoft.com/office/drawing/2014/main" id="{F1CDBA32-6594-4AF0-86F8-183046D6A8CB}"/>
-                  </a:ext>
-                </a:extLst>
-              </p:cNvPr>
-              <p:cNvSpPr>
-                <a:spLocks noGrp="1" noRot="1" noChangeAspect="1" noMove="1" noResize="1" noEditPoints="1" noAdjustHandles="1" noChangeArrowheads="1" noChangeShapeType="1" noTextEdit="1"/>
-              </p:cNvSpPr>
-              <p:nvPr>
-                <p:ph idx="1"/>
-              </p:nvPr>
-            </p:nvSpPr>
-            <p:spPr>
-              <a:blipFill>
-                <a:blip r:embed="rId2"/>
-                <a:stretch>
-                  <a:fillRect l="-1200" t="-1454" b="-2285"/>
-                </a:stretch>
-              </a:blipFill>
-            </p:spPr>
-            <p:txBody>
-              <a:bodyPr/>
-              <a:lstStyle/>
-              <a:p>
-                <a:r>
-                  <a:rPr lang="ja-JP" altLang="en-US">
-                    <a:noFill/>
-                  </a:rPr>
-                  <a:t> </a:t>
-                </a:r>
-              </a:p>
-            </p:txBody>
-          </p:sp>
-        </mc:Fallback>
-      </mc:AlternateContent>
-      <p:sp>
-        <p:nvSpPr>
-          <p:cNvPr id="3" name="スライド番号プレースホルダー 2">
-            <a:extLst>
-              <a:ext uri="{FF2B5EF4-FFF2-40B4-BE49-F238E27FC236}">
-                <a16:creationId xmlns:a16="http://schemas.microsoft.com/office/drawing/2014/main" id="{CBF22FF6-E1E1-458C-9DCA-5AE28385D2AC}"/>
-              </a:ext>
-            </a:extLst>
-          </p:cNvPr>
-          <p:cNvSpPr>
-            <a:spLocks noGrp="1"/>
-          </p:cNvSpPr>
-          <p:nvPr>
-            <p:ph type="sldNum" sz="quarter" idx="12"/>
-          </p:nvPr>
-        </p:nvSpPr>
-        <p:spPr/>
-        <p:txBody>
-          <a:bodyPr/>
-          <a:lstStyle/>
-          <a:p>
-            <a:pPr>
-              <a:defRPr/>
-            </a:pPr>
-            <a:r>
-              <a:rPr lang="en-US" altLang="ja-JP"/>
-              <a:t>    </a:t>
-            </a:r>
-            <a:fld id="{B2782DEB-472A-4FE5-AC34-C17109CF5A91}" type="slidenum">
-              <a:rPr lang="en-US" altLang="ja-JP" smtClean="0"/>
-              <a:pPr>
-                <a:defRPr/>
-              </a:pPr>
-              <a:t>43</a:t>
-            </a:fld>
-            <a:r>
-              <a:rPr lang="en-US" altLang="ja-JP"/>
-              <a:t> / 24</a:t>
-            </a:r>
-          </a:p>
-        </p:txBody>
-      </p:sp>
-      <p:sp>
-        <p:nvSpPr>
-          <p:cNvPr id="4" name="タイトル 3">
-            <a:extLst>
-              <a:ext uri="{FF2B5EF4-FFF2-40B4-BE49-F238E27FC236}">
-                <a16:creationId xmlns:a16="http://schemas.microsoft.com/office/drawing/2014/main" id="{337068CF-1A4A-4236-9BAF-300E42B752BA}"/>
-              </a:ext>
-            </a:extLst>
-          </p:cNvPr>
-          <p:cNvSpPr>
-            <a:spLocks noGrp="1"/>
-          </p:cNvSpPr>
-          <p:nvPr>
-            <p:ph type="title"/>
-          </p:nvPr>
-        </p:nvSpPr>
-        <p:spPr/>
-        <p:txBody>
-          <a:bodyPr/>
-          <a:lstStyle/>
-          <a:p>
-            <a:r>
-              <a:rPr kumimoji="1" lang="ja-JP" altLang="en-US"/>
-              <a:t>マイニング</a:t>
-            </a:r>
-          </a:p>
-        </p:txBody>
-      </p:sp>
-      <p:pic>
-        <p:nvPicPr>
-          <p:cNvPr id="6" name="図 5">
-            <a:extLst>
-              <a:ext uri="{FF2B5EF4-FFF2-40B4-BE49-F238E27FC236}">
-                <a16:creationId xmlns:a16="http://schemas.microsoft.com/office/drawing/2014/main" id="{EB7F6007-5F6E-4746-98C6-60975C8FD95E}"/>
-              </a:ext>
-            </a:extLst>
-          </p:cNvPr>
-          <p:cNvPicPr>
-            <a:picLocks noChangeAspect="1"/>
-          </p:cNvPicPr>
-          <p:nvPr/>
-        </p:nvPicPr>
-        <p:blipFill>
-          <a:blip r:embed="rId3">
-            <a:extLst>
-              <a:ext uri="{28A0092B-C50C-407E-A947-70E740481C1C}">
-                <a14:useLocalDpi xmlns:a14="http://schemas.microsoft.com/office/drawing/2010/main" val="0"/>
-              </a:ext>
-            </a:extLst>
-          </a:blip>
-          <a:stretch>
-            <a:fillRect/>
-          </a:stretch>
-        </p:blipFill>
-        <p:spPr>
-          <a:xfrm>
-            <a:off x="1331640" y="1628800"/>
-            <a:ext cx="5832648" cy="3142339"/>
-          </a:xfrm>
-          <a:prstGeom prst="rect">
-            <a:avLst/>
-          </a:prstGeom>
-        </p:spPr>
-      </p:pic>
-    </p:spTree>
-    <p:extLst>
-      <p:ext uri="{BB962C8B-B14F-4D97-AF65-F5344CB8AC3E}">
-        <p14:creationId xmlns:p14="http://schemas.microsoft.com/office/powerpoint/2010/main" val="353064484"/>
-      </p:ext>
-    </p:extLst>
-  </p:cSld>
-  <p:clrMapOvr>
-    <a:masterClrMapping/>
-  </p:clrMapOvr>
-</p:sld>
-</file>
-
-<file path=ppt/slides/slide44.xml><?xml version="1.0" encoding="utf-8"?>
-<p:sld xmlns:a="http://schemas.openxmlformats.org/drawingml/2006/main" xmlns:r="http://schemas.openxmlformats.org/officeDocument/2006/relationships" xmlns:p="http://schemas.openxmlformats.org/presentationml/2006/main">
-  <p:cSld>
-    <p:spTree>
-      <p:nvGrpSpPr>
-        <p:cNvPr id="1" name=""/>
-        <p:cNvGrpSpPr/>
-        <p:nvPr/>
-      </p:nvGrpSpPr>
-      <p:grpSpPr>
-        <a:xfrm>
-          <a:off x="0" y="0"/>
-          <a:ext cx="0" cy="0"/>
-          <a:chOff x="0" y="0"/>
-          <a:chExt cx="0" cy="0"/>
-        </a:xfrm>
-      </p:grpSpPr>
-      <p:sp>
-        <p:nvSpPr>
-          <p:cNvPr id="2" name="コンテンツ プレースホルダー 1">
-            <a:extLst>
-              <a:ext uri="{FF2B5EF4-FFF2-40B4-BE49-F238E27FC236}">
-                <a16:creationId xmlns:a16="http://schemas.microsoft.com/office/drawing/2014/main" id="{5B93930B-329D-4767-BA21-B008687FF38D}"/>
-              </a:ext>
-            </a:extLst>
-          </p:cNvPr>
-          <p:cNvSpPr>
-            <a:spLocks noGrp="1"/>
-          </p:cNvSpPr>
-          <p:nvPr>
-            <p:ph idx="1"/>
-          </p:nvPr>
-        </p:nvSpPr>
-        <p:spPr/>
-        <p:txBody>
-          <a:bodyPr/>
-          <a:lstStyle/>
-          <a:p>
-            <a:r>
-              <a:rPr kumimoji="1" lang="ja-JP" altLang="en-US"/>
-              <a:t>暗号技術とは別の仕組みが必要</a:t>
-            </a:r>
-          </a:p>
-        </p:txBody>
-      </p:sp>
-      <p:sp>
-        <p:nvSpPr>
-          <p:cNvPr id="3" name="スライド番号プレースホルダー 2">
-            <a:extLst>
-              <a:ext uri="{FF2B5EF4-FFF2-40B4-BE49-F238E27FC236}">
-                <a16:creationId xmlns:a16="http://schemas.microsoft.com/office/drawing/2014/main" id="{A814F760-3D34-4AC0-8554-178EC1FA9FEF}"/>
-              </a:ext>
-            </a:extLst>
-          </p:cNvPr>
-          <p:cNvSpPr>
-            <a:spLocks noGrp="1"/>
-          </p:cNvSpPr>
-          <p:nvPr>
-            <p:ph type="sldNum" sz="quarter" idx="12"/>
-          </p:nvPr>
-        </p:nvSpPr>
-        <p:spPr/>
-        <p:txBody>
-          <a:bodyPr/>
-          <a:lstStyle/>
-          <a:p>
-            <a:pPr>
-              <a:defRPr/>
-            </a:pPr>
-            <a:r>
-              <a:rPr lang="en-US" altLang="ja-JP"/>
-              <a:t>    </a:t>
-            </a:r>
-            <a:fld id="{B2782DEB-472A-4FE5-AC34-C17109CF5A91}" type="slidenum">
-              <a:rPr lang="en-US" altLang="ja-JP" smtClean="0"/>
-              <a:pPr>
-                <a:defRPr/>
-              </a:pPr>
-              <a:t>44</a:t>
-            </a:fld>
-            <a:r>
-              <a:rPr lang="en-US" altLang="ja-JP"/>
-              <a:t> / 24</a:t>
-            </a:r>
-          </a:p>
-        </p:txBody>
-      </p:sp>
-      <p:sp>
-        <p:nvSpPr>
-          <p:cNvPr id="4" name="タイトル 3">
-            <a:extLst>
-              <a:ext uri="{FF2B5EF4-FFF2-40B4-BE49-F238E27FC236}">
-                <a16:creationId xmlns:a16="http://schemas.microsoft.com/office/drawing/2014/main" id="{7C44D791-1B2A-480C-8B6B-EDC24B10B9E3}"/>
-              </a:ext>
-            </a:extLst>
-          </p:cNvPr>
-          <p:cNvSpPr>
-            <a:spLocks noGrp="1"/>
-          </p:cNvSpPr>
-          <p:nvPr>
-            <p:ph type="title"/>
-          </p:nvPr>
-        </p:nvSpPr>
-        <p:spPr/>
-        <p:txBody>
-          <a:bodyPr/>
-          <a:lstStyle/>
-          <a:p>
-            <a:r>
-              <a:rPr kumimoji="1" lang="ja-JP" altLang="en-US"/>
-              <a:t>互いに依存する暗号技術</a:t>
-            </a:r>
-            <a:endParaRPr kumimoji="1" lang="en-US" altLang="ja-JP"/>
-          </a:p>
-        </p:txBody>
-      </p:sp>
-      <p:pic>
-        <p:nvPicPr>
-          <p:cNvPr id="6" name="図 5">
-            <a:extLst>
-              <a:ext uri="{FF2B5EF4-FFF2-40B4-BE49-F238E27FC236}">
-                <a16:creationId xmlns:a16="http://schemas.microsoft.com/office/drawing/2014/main" id="{D88B6A74-8971-4829-84E2-35A19B69C122}"/>
-              </a:ext>
-            </a:extLst>
-          </p:cNvPr>
-          <p:cNvPicPr>
-            <a:picLocks noChangeAspect="1"/>
-          </p:cNvPicPr>
-          <p:nvPr/>
-        </p:nvPicPr>
-        <p:blipFill>
-          <a:blip r:embed="rId2">
-            <a:extLst>
-              <a:ext uri="{28A0092B-C50C-407E-A947-70E740481C1C}">
-                <a14:useLocalDpi xmlns:a14="http://schemas.microsoft.com/office/drawing/2010/main" val="0"/>
-              </a:ext>
-            </a:extLst>
-          </a:blip>
-          <a:stretch>
-            <a:fillRect/>
-          </a:stretch>
-        </p:blipFill>
-        <p:spPr>
-          <a:xfrm>
-            <a:off x="1115616" y="1412776"/>
-            <a:ext cx="6408712" cy="3044138"/>
-          </a:xfrm>
-          <a:prstGeom prst="rect">
-            <a:avLst/>
-          </a:prstGeom>
-        </p:spPr>
-      </p:pic>
-    </p:spTree>
-    <p:extLst>
-      <p:ext uri="{BB962C8B-B14F-4D97-AF65-F5344CB8AC3E}">
-        <p14:creationId xmlns:p14="http://schemas.microsoft.com/office/powerpoint/2010/main" val="1413049608"/>
-      </p:ext>
-    </p:extLst>
-  </p:cSld>
-  <p:clrMapOvr>
-    <a:masterClrMapping/>
-  </p:clrMapOvr>
-</p:sld>
-</file>
-
-<file path=ppt/slides/slide45.xml><?xml version="1.0" encoding="utf-8"?>
-<p:sld xmlns:a="http://schemas.openxmlformats.org/drawingml/2006/main" xmlns:r="http://schemas.openxmlformats.org/officeDocument/2006/relationships" xmlns:p="http://schemas.openxmlformats.org/presentationml/2006/main">
-  <p:cSld>
-    <p:spTree>
-      <p:nvGrpSpPr>
-        <p:cNvPr id="1" name=""/>
-        <p:cNvGrpSpPr/>
-        <p:nvPr/>
-      </p:nvGrpSpPr>
-      <p:grpSpPr>
-        <a:xfrm>
-          <a:off x="0" y="0"/>
-          <a:ext cx="0" cy="0"/>
-          <a:chOff x="0" y="0"/>
-          <a:chExt cx="0" cy="0"/>
-        </a:xfrm>
-      </p:grpSpPr>
-      <p:pic>
-        <p:nvPicPr>
-          <p:cNvPr id="6" name="図 5">
-            <a:extLst>
-              <a:ext uri="{FF2B5EF4-FFF2-40B4-BE49-F238E27FC236}">
-                <a16:creationId xmlns:a16="http://schemas.microsoft.com/office/drawing/2014/main" id="{F1CA7032-4D7B-4887-A850-FD4C58B31C75}"/>
-              </a:ext>
-            </a:extLst>
-          </p:cNvPr>
-          <p:cNvPicPr>
-            <a:picLocks noChangeAspect="1"/>
-          </p:cNvPicPr>
-          <p:nvPr/>
-        </p:nvPicPr>
-        <p:blipFill>
-          <a:blip r:embed="rId2">
-            <a:extLst>
-              <a:ext uri="{28A0092B-C50C-407E-A947-70E740481C1C}">
-                <a14:useLocalDpi xmlns:a14="http://schemas.microsoft.com/office/drawing/2010/main" val="0"/>
-              </a:ext>
-            </a:extLst>
-          </a:blip>
-          <a:stretch>
-            <a:fillRect/>
-          </a:stretch>
-        </p:blipFill>
-        <p:spPr>
-          <a:xfrm>
-            <a:off x="1907704" y="2116239"/>
-            <a:ext cx="4032448" cy="1481925"/>
-          </a:xfrm>
-          <a:prstGeom prst="rect">
-            <a:avLst/>
-          </a:prstGeom>
-        </p:spPr>
-      </p:pic>
-      <p:sp>
-        <p:nvSpPr>
-          <p:cNvPr id="2" name="コンテンツ プレースホルダー 1">
-            <a:extLst>
-              <a:ext uri="{FF2B5EF4-FFF2-40B4-BE49-F238E27FC236}">
-                <a16:creationId xmlns:a16="http://schemas.microsoft.com/office/drawing/2014/main" id="{234489B1-0547-4A3D-8605-24FD0A9133B8}"/>
-              </a:ext>
-            </a:extLst>
-          </p:cNvPr>
-          <p:cNvSpPr>
-            <a:spLocks noGrp="1"/>
-          </p:cNvSpPr>
-          <p:nvPr>
-            <p:ph idx="1"/>
-          </p:nvPr>
-        </p:nvSpPr>
-        <p:spPr/>
-        <p:txBody>
-          <a:bodyPr/>
-          <a:lstStyle/>
-          <a:p>
-            <a:r>
-              <a:rPr kumimoji="1" lang="ja-JP" altLang="en-US"/>
-              <a:t>公開鍵暗号の公開鍵や署名の検証鍵が</a:t>
-            </a:r>
-            <a:br>
-              <a:rPr kumimoji="1" lang="en-US" altLang="ja-JP"/>
-            </a:br>
-            <a:r>
-              <a:rPr kumimoji="1" lang="ja-JP" altLang="en-US"/>
-              <a:t>本人のものと分かれば</a:t>
-            </a:r>
-            <a:r>
-              <a:rPr kumimoji="1" lang="en-US" altLang="ja-JP"/>
-              <a:t>OK</a:t>
-            </a:r>
-          </a:p>
-          <a:p>
-            <a:pPr lvl="1"/>
-            <a:r>
-              <a:rPr kumimoji="1" lang="ja-JP" altLang="en-US"/>
-              <a:t>二人であって直接手渡しするのが確実</a:t>
-            </a:r>
-            <a:r>
-              <a:rPr kumimoji="1" lang="en-US" altLang="ja-JP"/>
-              <a:t>(</a:t>
-            </a:r>
-            <a:r>
-              <a:rPr kumimoji="1" lang="ja-JP" altLang="en-US"/>
-              <a:t>キーサインパーティ</a:t>
-            </a:r>
-            <a:r>
-              <a:rPr kumimoji="1" lang="en-US" altLang="ja-JP"/>
-              <a:t>)</a:t>
-            </a:r>
-          </a:p>
-          <a:p>
-            <a:pPr lvl="1"/>
-            <a:endParaRPr lang="en-US" altLang="ja-JP"/>
-          </a:p>
-          <a:p>
-            <a:pPr lvl="1"/>
-            <a:endParaRPr kumimoji="1" lang="en-US" altLang="ja-JP"/>
-          </a:p>
-          <a:p>
-            <a:r>
-              <a:rPr lang="ja-JP" altLang="en-US"/>
-              <a:t>信用の輪</a:t>
-            </a:r>
-            <a:endParaRPr lang="en-US" altLang="ja-JP"/>
-          </a:p>
-          <a:p>
-            <a:pPr lvl="1"/>
-            <a:r>
-              <a:rPr lang="ja-JP" altLang="en-US"/>
-              <a:t>自分が信用している人が持っている別の人の公開鍵は</a:t>
-            </a:r>
-            <a:r>
-              <a:rPr lang="en-US" altLang="ja-JP"/>
-              <a:t>OK?</a:t>
-            </a:r>
-          </a:p>
-          <a:p>
-            <a:endParaRPr kumimoji="1" lang="ja-JP" altLang="en-US"/>
-          </a:p>
-        </p:txBody>
-      </p:sp>
-      <p:sp>
-        <p:nvSpPr>
-          <p:cNvPr id="3" name="スライド番号プレースホルダー 2">
-            <a:extLst>
-              <a:ext uri="{FF2B5EF4-FFF2-40B4-BE49-F238E27FC236}">
-                <a16:creationId xmlns:a16="http://schemas.microsoft.com/office/drawing/2014/main" id="{128F5827-A416-4854-B43A-BC73158F0F69}"/>
-              </a:ext>
-            </a:extLst>
-          </p:cNvPr>
-          <p:cNvSpPr>
-            <a:spLocks noGrp="1"/>
-          </p:cNvSpPr>
-          <p:nvPr>
-            <p:ph type="sldNum" sz="quarter" idx="12"/>
-          </p:nvPr>
-        </p:nvSpPr>
-        <p:spPr/>
-        <p:txBody>
-          <a:bodyPr/>
-          <a:lstStyle/>
-          <a:p>
-            <a:pPr>
-              <a:defRPr/>
-            </a:pPr>
-            <a:r>
-              <a:rPr lang="en-US" altLang="ja-JP"/>
-              <a:t>    </a:t>
-            </a:r>
-            <a:fld id="{B2782DEB-472A-4FE5-AC34-C17109CF5A91}" type="slidenum">
-              <a:rPr lang="en-US" altLang="ja-JP" smtClean="0"/>
-              <a:pPr>
-                <a:defRPr/>
-              </a:pPr>
-              <a:t>45</a:t>
-            </a:fld>
-            <a:r>
-              <a:rPr lang="en-US" altLang="ja-JP"/>
-              <a:t> / 24</a:t>
-            </a:r>
-          </a:p>
-        </p:txBody>
-      </p:sp>
-      <p:sp>
-        <p:nvSpPr>
-          <p:cNvPr id="4" name="タイトル 3">
-            <a:extLst>
-              <a:ext uri="{FF2B5EF4-FFF2-40B4-BE49-F238E27FC236}">
-                <a16:creationId xmlns:a16="http://schemas.microsoft.com/office/drawing/2014/main" id="{7B0B922B-355F-4ABE-9482-63769E9A36CE}"/>
-              </a:ext>
-            </a:extLst>
-          </p:cNvPr>
-          <p:cNvSpPr>
-            <a:spLocks noGrp="1"/>
-          </p:cNvSpPr>
-          <p:nvPr>
-            <p:ph type="title"/>
-          </p:nvPr>
-        </p:nvSpPr>
-        <p:spPr/>
-        <p:txBody>
-          <a:bodyPr/>
-          <a:lstStyle/>
-          <a:p>
-            <a:r>
-              <a:rPr kumimoji="1" lang="ja-JP" altLang="en-US"/>
-              <a:t>信用の輪</a:t>
-            </a:r>
-          </a:p>
-        </p:txBody>
-      </p:sp>
-      <p:pic>
-        <p:nvPicPr>
-          <p:cNvPr id="8" name="図 7">
-            <a:extLst>
-              <a:ext uri="{FF2B5EF4-FFF2-40B4-BE49-F238E27FC236}">
-                <a16:creationId xmlns:a16="http://schemas.microsoft.com/office/drawing/2014/main" id="{2EBF9249-48E5-4BAD-BAFF-116BFAF8C006}"/>
-              </a:ext>
-            </a:extLst>
-          </p:cNvPr>
-          <p:cNvPicPr>
-            <a:picLocks noChangeAspect="1"/>
-          </p:cNvPicPr>
-          <p:nvPr/>
-        </p:nvPicPr>
-        <p:blipFill>
-          <a:blip r:embed="rId3">
-            <a:extLst>
-              <a:ext uri="{28A0092B-C50C-407E-A947-70E740481C1C}">
-                <a14:useLocalDpi xmlns:a14="http://schemas.microsoft.com/office/drawing/2010/main" val="0"/>
-              </a:ext>
-            </a:extLst>
-          </a:blip>
-          <a:stretch>
-            <a:fillRect/>
-          </a:stretch>
-        </p:blipFill>
-        <p:spPr>
-          <a:xfrm>
-            <a:off x="1979712" y="4005064"/>
-            <a:ext cx="4176464" cy="2683379"/>
-          </a:xfrm>
-          <a:prstGeom prst="rect">
-            <a:avLst/>
-          </a:prstGeom>
-        </p:spPr>
-      </p:pic>
-    </p:spTree>
-    <p:extLst>
-      <p:ext uri="{BB962C8B-B14F-4D97-AF65-F5344CB8AC3E}">
-        <p14:creationId xmlns:p14="http://schemas.microsoft.com/office/powerpoint/2010/main" val="1561307351"/>
-      </p:ext>
-    </p:extLst>
-  </p:cSld>
-  <p:clrMapOvr>
-    <a:masterClrMapping/>
-  </p:clrMapOvr>
-</p:sld>
-</file>
-
-<file path=ppt/slides/slide46.xml><?xml version="1.0" encoding="utf-8"?>
-<p:sld xmlns:a="http://schemas.openxmlformats.org/drawingml/2006/main" xmlns:r="http://schemas.openxmlformats.org/officeDocument/2006/relationships" xmlns:p="http://schemas.openxmlformats.org/presentationml/2006/main">
-  <p:cSld>
-    <p:spTree>
-      <p:nvGrpSpPr>
-        <p:cNvPr id="1" name=""/>
-        <p:cNvGrpSpPr/>
-        <p:nvPr/>
-      </p:nvGrpSpPr>
-      <p:grpSpPr>
-        <a:xfrm>
-          <a:off x="0" y="0"/>
-          <a:ext cx="0" cy="0"/>
-          <a:chOff x="0" y="0"/>
-          <a:chExt cx="0" cy="0"/>
-        </a:xfrm>
-      </p:grpSpPr>
-      <p:sp>
-        <p:nvSpPr>
-          <p:cNvPr id="2" name="コンテンツ プレースホルダー 1">
-            <a:extLst>
-              <a:ext uri="{FF2B5EF4-FFF2-40B4-BE49-F238E27FC236}">
-                <a16:creationId xmlns:a16="http://schemas.microsoft.com/office/drawing/2014/main" id="{203B27C1-A7BB-4B01-B03C-AD2484992192}"/>
-              </a:ext>
-            </a:extLst>
-          </p:cNvPr>
-          <p:cNvSpPr>
-            <a:spLocks noGrp="1"/>
-          </p:cNvSpPr>
-          <p:nvPr>
-            <p:ph idx="1"/>
-          </p:nvPr>
-        </p:nvSpPr>
-        <p:spPr/>
-        <p:txBody>
-          <a:bodyPr/>
-          <a:lstStyle/>
-          <a:p>
-            <a:r>
-              <a:rPr kumimoji="1" lang="ja-JP" altLang="en-US"/>
-              <a:t>人や組織とそれに紐付く公開鍵</a:t>
-            </a:r>
-            <a:r>
-              <a:rPr kumimoji="1" lang="en-US" altLang="ja-JP"/>
-              <a:t>(</a:t>
-            </a:r>
-            <a:r>
-              <a:rPr kumimoji="1" lang="ja-JP" altLang="en-US"/>
-              <a:t>検証鍵</a:t>
-            </a:r>
-            <a:r>
-              <a:rPr kumimoji="1" lang="en-US" altLang="ja-JP"/>
-              <a:t>)</a:t>
-            </a:r>
-            <a:r>
-              <a:rPr kumimoji="1" lang="ja-JP" altLang="en-US"/>
-              <a:t>の対応を保証</a:t>
-            </a:r>
-            <a:endParaRPr kumimoji="1" lang="en-US" altLang="ja-JP"/>
-          </a:p>
-          <a:p>
-            <a:pPr lvl="1"/>
-            <a:r>
-              <a:rPr kumimoji="1" lang="ja-JP" altLang="en-US"/>
-              <a:t>認証局</a:t>
-            </a:r>
-            <a:r>
-              <a:rPr kumimoji="1" lang="en-US" altLang="ja-JP"/>
-              <a:t>CA</a:t>
-            </a:r>
-            <a:r>
-              <a:rPr kumimoji="1" lang="ja-JP" altLang="en-US"/>
-              <a:t> </a:t>
-            </a:r>
-            <a:r>
-              <a:rPr kumimoji="1" lang="en-US" altLang="ja-JP"/>
-              <a:t>: </a:t>
-            </a:r>
-            <a:r>
-              <a:rPr kumimoji="1" lang="ja-JP" altLang="en-US"/>
-              <a:t>公開鍵を保証する機関</a:t>
-            </a:r>
-            <a:r>
-              <a:rPr kumimoji="1" lang="en-US" altLang="ja-JP"/>
-              <a:t>, </a:t>
-            </a:r>
-            <a:r>
-              <a:rPr kumimoji="1" lang="ja-JP" altLang="en-US"/>
-              <a:t>信頼できるものとする</a:t>
-            </a:r>
-            <a:endParaRPr kumimoji="1" lang="en-US" altLang="ja-JP"/>
-          </a:p>
-          <a:p>
-            <a:pPr lvl="1"/>
-            <a:r>
-              <a:rPr kumimoji="1" lang="ja-JP" altLang="en-US"/>
-              <a:t>公開鍵証明書 </a:t>
-            </a:r>
-            <a:r>
-              <a:rPr kumimoji="1" lang="en-US" altLang="ja-JP"/>
-              <a:t>: </a:t>
-            </a:r>
-            <a:r>
-              <a:rPr kumimoji="1" lang="ja-JP" altLang="en-US"/>
-              <a:t>アリス本人と公開鍵の結びつきに</a:t>
-            </a:r>
-            <a:r>
-              <a:rPr kumimoji="1" lang="en-US" altLang="ja-JP"/>
-              <a:t>CA</a:t>
-            </a:r>
-            <a:r>
-              <a:rPr kumimoji="1" lang="ja-JP" altLang="en-US"/>
-              <a:t>が署名</a:t>
-            </a:r>
-            <a:endParaRPr kumimoji="1" lang="en-US" altLang="ja-JP"/>
-          </a:p>
-          <a:p>
-            <a:pPr lvl="2"/>
-            <a:r>
-              <a:rPr kumimoji="1" lang="en-US" altLang="ja-JP"/>
-              <a:t>X.509</a:t>
-            </a:r>
-            <a:r>
-              <a:rPr kumimoji="1" lang="ja-JP" altLang="en-US"/>
-              <a:t>というフォーマットの規格</a:t>
-            </a:r>
-            <a:r>
-              <a:rPr kumimoji="1" lang="en-US" altLang="ja-JP"/>
-              <a:t>, CA</a:t>
-            </a:r>
-            <a:r>
-              <a:rPr kumimoji="1" lang="ja-JP" altLang="en-US"/>
-              <a:t>の検証鍵で検証可能</a:t>
-            </a:r>
-            <a:endParaRPr kumimoji="1" lang="en-US" altLang="ja-JP"/>
-          </a:p>
-          <a:p>
-            <a:pPr lvl="2"/>
-            <a:r>
-              <a:rPr kumimoji="1" lang="ja-JP" altLang="en-US"/>
-              <a:t>サーバ運用に利用することが多いのでサーバ証明書とも</a:t>
-            </a:r>
-          </a:p>
-        </p:txBody>
-      </p:sp>
-      <p:sp>
-        <p:nvSpPr>
-          <p:cNvPr id="3" name="スライド番号プレースホルダー 2">
-            <a:extLst>
-              <a:ext uri="{FF2B5EF4-FFF2-40B4-BE49-F238E27FC236}">
-                <a16:creationId xmlns:a16="http://schemas.microsoft.com/office/drawing/2014/main" id="{BA613C14-93DC-487D-A9B4-F6997DAABD92}"/>
-              </a:ext>
-            </a:extLst>
-          </p:cNvPr>
-          <p:cNvSpPr>
-            <a:spLocks noGrp="1"/>
-          </p:cNvSpPr>
-          <p:nvPr>
-            <p:ph type="sldNum" sz="quarter" idx="12"/>
-          </p:nvPr>
-        </p:nvSpPr>
-        <p:spPr/>
-        <p:txBody>
-          <a:bodyPr/>
-          <a:lstStyle/>
-          <a:p>
-            <a:pPr>
-              <a:defRPr/>
-            </a:pPr>
-            <a:r>
-              <a:rPr lang="en-US" altLang="ja-JP"/>
-              <a:t>    </a:t>
-            </a:r>
-            <a:fld id="{B2782DEB-472A-4FE5-AC34-C17109CF5A91}" type="slidenum">
-              <a:rPr lang="en-US" altLang="ja-JP" smtClean="0"/>
-              <a:pPr>
-                <a:defRPr/>
-              </a:pPr>
-              <a:t>46</a:t>
-            </a:fld>
-            <a:r>
-              <a:rPr lang="en-US" altLang="ja-JP"/>
-              <a:t> / 24</a:t>
-            </a:r>
-          </a:p>
-        </p:txBody>
-      </p:sp>
-      <p:sp>
-        <p:nvSpPr>
-          <p:cNvPr id="4" name="タイトル 3">
-            <a:extLst>
-              <a:ext uri="{FF2B5EF4-FFF2-40B4-BE49-F238E27FC236}">
-                <a16:creationId xmlns:a16="http://schemas.microsoft.com/office/drawing/2014/main" id="{39D5F8CA-A712-4318-AD42-12C226B11E89}"/>
-              </a:ext>
-            </a:extLst>
-          </p:cNvPr>
-          <p:cNvSpPr>
-            <a:spLocks noGrp="1"/>
-          </p:cNvSpPr>
-          <p:nvPr>
-            <p:ph type="title"/>
-          </p:nvPr>
-        </p:nvSpPr>
-        <p:spPr/>
-        <p:txBody>
-          <a:bodyPr/>
-          <a:lstStyle/>
-          <a:p>
-            <a:r>
-              <a:rPr kumimoji="1" lang="ja-JP" altLang="en-US"/>
-              <a:t>公開鍵基盤</a:t>
-            </a:r>
-            <a:r>
-              <a:rPr kumimoji="1" lang="en-US" altLang="ja-JP"/>
-              <a:t>PKI</a:t>
-            </a:r>
-            <a:endParaRPr kumimoji="1" lang="ja-JP" altLang="en-US"/>
-          </a:p>
-        </p:txBody>
-      </p:sp>
-      <p:pic>
-        <p:nvPicPr>
-          <p:cNvPr id="6" name="図 5">
-            <a:extLst>
-              <a:ext uri="{FF2B5EF4-FFF2-40B4-BE49-F238E27FC236}">
-                <a16:creationId xmlns:a16="http://schemas.microsoft.com/office/drawing/2014/main" id="{19A68DD3-F4B2-47FB-B9F2-322E886286F4}"/>
-              </a:ext>
-            </a:extLst>
-          </p:cNvPr>
-          <p:cNvPicPr>
-            <a:picLocks noChangeAspect="1"/>
-          </p:cNvPicPr>
-          <p:nvPr/>
-        </p:nvPicPr>
-        <p:blipFill>
-          <a:blip r:embed="rId2">
-            <a:extLst>
-              <a:ext uri="{28A0092B-C50C-407E-A947-70E740481C1C}">
-                <a14:useLocalDpi xmlns:a14="http://schemas.microsoft.com/office/drawing/2010/main" val="0"/>
-              </a:ext>
-            </a:extLst>
-          </a:blip>
-          <a:stretch>
-            <a:fillRect/>
-          </a:stretch>
-        </p:blipFill>
-        <p:spPr>
-          <a:xfrm>
-            <a:off x="1619672" y="3397926"/>
-            <a:ext cx="6048672" cy="3122626"/>
-          </a:xfrm>
-          <a:prstGeom prst="rect">
-            <a:avLst/>
-          </a:prstGeom>
-        </p:spPr>
-      </p:pic>
-    </p:spTree>
-    <p:extLst>
-      <p:ext uri="{BB962C8B-B14F-4D97-AF65-F5344CB8AC3E}">
-        <p14:creationId xmlns:p14="http://schemas.microsoft.com/office/powerpoint/2010/main" val="3821633326"/>
-      </p:ext>
-    </p:extLst>
-  </p:cSld>
-  <p:clrMapOvr>
-    <a:masterClrMapping/>
-  </p:clrMapOvr>
-</p:sld>
-</file>
-
-<file path=ppt/slides/slide47.xml><?xml version="1.0" encoding="utf-8"?>
-<p:sld xmlns:a="http://schemas.openxmlformats.org/drawingml/2006/main" xmlns:r="http://schemas.openxmlformats.org/officeDocument/2006/relationships" xmlns:p="http://schemas.openxmlformats.org/presentationml/2006/main">
-  <p:cSld>
-    <p:spTree>
-      <p:nvGrpSpPr>
-        <p:cNvPr id="1" name=""/>
-        <p:cNvGrpSpPr/>
-        <p:nvPr/>
-      </p:nvGrpSpPr>
-      <p:grpSpPr>
-        <a:xfrm>
-          <a:off x="0" y="0"/>
-          <a:ext cx="0" cy="0"/>
-          <a:chOff x="0" y="0"/>
-          <a:chExt cx="0" cy="0"/>
-        </a:xfrm>
-      </p:grpSpPr>
-      <p:sp>
-        <p:nvSpPr>
-          <p:cNvPr id="2" name="コンテンツ プレースホルダー 1">
-            <a:extLst>
-              <a:ext uri="{FF2B5EF4-FFF2-40B4-BE49-F238E27FC236}">
-                <a16:creationId xmlns:a16="http://schemas.microsoft.com/office/drawing/2014/main" id="{3764B711-9E34-4387-86D9-034015AF8FD5}"/>
-              </a:ext>
-            </a:extLst>
-          </p:cNvPr>
-          <p:cNvSpPr>
-            <a:spLocks noGrp="1"/>
-          </p:cNvSpPr>
-          <p:nvPr>
-            <p:ph idx="1"/>
-          </p:nvPr>
-        </p:nvSpPr>
-        <p:spPr/>
-        <p:txBody>
-          <a:bodyPr/>
-          <a:lstStyle/>
-          <a:p>
-            <a:r>
-              <a:rPr kumimoji="1" lang="en-US" altLang="ja-JP"/>
-              <a:t>CA</a:t>
-            </a:r>
-            <a:r>
-              <a:rPr kumimoji="1" lang="ja-JP" altLang="en-US"/>
-              <a:t>が一つだけだと権限や責任が一極集中</a:t>
-            </a:r>
-            <a:endParaRPr kumimoji="1" lang="en-US" altLang="ja-JP"/>
-          </a:p>
-          <a:p>
-            <a:pPr lvl="1"/>
-            <a:r>
-              <a:rPr kumimoji="1" lang="ja-JP" altLang="en-US"/>
-              <a:t>複数の</a:t>
-            </a:r>
-            <a:r>
-              <a:rPr kumimoji="1" lang="en-US" altLang="ja-JP"/>
-              <a:t>CA</a:t>
-            </a:r>
-            <a:r>
-              <a:rPr kumimoji="1" lang="ja-JP" altLang="en-US"/>
-              <a:t>が互いに認証し合う</a:t>
-            </a:r>
-            <a:endParaRPr kumimoji="1" lang="en-US" altLang="ja-JP"/>
-          </a:p>
-          <a:p>
-            <a:pPr lvl="1"/>
-            <a:r>
-              <a:rPr kumimoji="1" lang="ja-JP" altLang="en-US"/>
-              <a:t>ルート認証局</a:t>
-            </a:r>
-            <a:endParaRPr kumimoji="1" lang="en-US" altLang="ja-JP"/>
-          </a:p>
-          <a:p>
-            <a:pPr lvl="2"/>
-            <a:r>
-              <a:rPr kumimoji="1" lang="ja-JP" altLang="en-US"/>
-              <a:t>最終的に自分で認証したもの</a:t>
-            </a:r>
-            <a:endParaRPr kumimoji="1" lang="en-US" altLang="ja-JP"/>
-          </a:p>
-          <a:p>
-            <a:pPr lvl="2"/>
-            <a:r>
-              <a:rPr kumimoji="1" lang="ja-JP" altLang="en-US"/>
-              <a:t>トラストアンカー</a:t>
-            </a:r>
-            <a:endParaRPr kumimoji="1" lang="en-US" altLang="ja-JP"/>
-          </a:p>
-          <a:p>
-            <a:pPr lvl="2"/>
-            <a:endParaRPr lang="en-US" altLang="ja-JP"/>
-          </a:p>
-          <a:p>
-            <a:r>
-              <a:rPr kumimoji="1" lang="ja-JP" altLang="en-US"/>
-              <a:t>認証局の階層</a:t>
-            </a:r>
-          </a:p>
-        </p:txBody>
-      </p:sp>
-      <p:sp>
-        <p:nvSpPr>
-          <p:cNvPr id="3" name="スライド番号プレースホルダー 2">
-            <a:extLst>
-              <a:ext uri="{FF2B5EF4-FFF2-40B4-BE49-F238E27FC236}">
-                <a16:creationId xmlns:a16="http://schemas.microsoft.com/office/drawing/2014/main" id="{119F626E-EC62-4639-8FF8-08906BF40EB7}"/>
-              </a:ext>
-            </a:extLst>
-          </p:cNvPr>
-          <p:cNvSpPr>
-            <a:spLocks noGrp="1"/>
-          </p:cNvSpPr>
-          <p:nvPr>
-            <p:ph type="sldNum" sz="quarter" idx="12"/>
-          </p:nvPr>
-        </p:nvSpPr>
-        <p:spPr/>
-        <p:txBody>
-          <a:bodyPr/>
-          <a:lstStyle/>
-          <a:p>
-            <a:pPr>
-              <a:defRPr/>
-            </a:pPr>
-            <a:r>
-              <a:rPr lang="en-US" altLang="ja-JP"/>
-              <a:t>    </a:t>
-            </a:r>
-            <a:fld id="{B2782DEB-472A-4FE5-AC34-C17109CF5A91}" type="slidenum">
-              <a:rPr lang="en-US" altLang="ja-JP" smtClean="0"/>
-              <a:pPr>
-                <a:defRPr/>
-              </a:pPr>
-              <a:t>47</a:t>
-            </a:fld>
-            <a:r>
-              <a:rPr lang="en-US" altLang="ja-JP"/>
-              <a:t> / 24</a:t>
-            </a:r>
-          </a:p>
-        </p:txBody>
-      </p:sp>
-      <p:sp>
-        <p:nvSpPr>
-          <p:cNvPr id="4" name="タイトル 3">
-            <a:extLst>
-              <a:ext uri="{FF2B5EF4-FFF2-40B4-BE49-F238E27FC236}">
-                <a16:creationId xmlns:a16="http://schemas.microsoft.com/office/drawing/2014/main" id="{0933D089-461C-48BE-A1E3-8772F3846F7A}"/>
-              </a:ext>
-            </a:extLst>
-          </p:cNvPr>
-          <p:cNvSpPr>
-            <a:spLocks noGrp="1"/>
-          </p:cNvSpPr>
-          <p:nvPr>
-            <p:ph type="title"/>
-          </p:nvPr>
-        </p:nvSpPr>
-        <p:spPr/>
-        <p:txBody>
-          <a:bodyPr/>
-          <a:lstStyle/>
-          <a:p>
-            <a:r>
-              <a:rPr kumimoji="1" lang="ja-JP" altLang="en-US"/>
-              <a:t>認証局の相互認証</a:t>
-            </a:r>
-          </a:p>
-        </p:txBody>
-      </p:sp>
-      <p:pic>
-        <p:nvPicPr>
-          <p:cNvPr id="6" name="図 5">
-            <a:extLst>
-              <a:ext uri="{FF2B5EF4-FFF2-40B4-BE49-F238E27FC236}">
-                <a16:creationId xmlns:a16="http://schemas.microsoft.com/office/drawing/2014/main" id="{C5B987DB-320B-417A-9062-3B4826CB05B6}"/>
-              </a:ext>
-            </a:extLst>
-          </p:cNvPr>
-          <p:cNvPicPr>
-            <a:picLocks noChangeAspect="1"/>
-          </p:cNvPicPr>
-          <p:nvPr/>
-        </p:nvPicPr>
-        <p:blipFill>
-          <a:blip r:embed="rId2" cstate="print">
-            <a:extLst>
-              <a:ext uri="{28A0092B-C50C-407E-A947-70E740481C1C}">
-                <a14:useLocalDpi xmlns:a14="http://schemas.microsoft.com/office/drawing/2010/main" val="0"/>
-              </a:ext>
-            </a:extLst>
-          </a:blip>
-          <a:stretch>
-            <a:fillRect/>
-          </a:stretch>
-        </p:blipFill>
-        <p:spPr>
-          <a:xfrm>
-            <a:off x="4974808" y="1412776"/>
-            <a:ext cx="2880320" cy="2671758"/>
-          </a:xfrm>
-          <a:prstGeom prst="rect">
-            <a:avLst/>
-          </a:prstGeom>
-        </p:spPr>
-      </p:pic>
-      <p:pic>
-        <p:nvPicPr>
-          <p:cNvPr id="8" name="図 7">
-            <a:extLst>
-              <a:ext uri="{FF2B5EF4-FFF2-40B4-BE49-F238E27FC236}">
-                <a16:creationId xmlns:a16="http://schemas.microsoft.com/office/drawing/2014/main" id="{A0DB3857-A21D-426E-9625-CC74F41DE402}"/>
-              </a:ext>
-            </a:extLst>
-          </p:cNvPr>
-          <p:cNvPicPr>
-            <a:picLocks noChangeAspect="1"/>
-          </p:cNvPicPr>
-          <p:nvPr/>
-        </p:nvPicPr>
-        <p:blipFill>
-          <a:blip r:embed="rId3">
-            <a:extLst>
-              <a:ext uri="{28A0092B-C50C-407E-A947-70E740481C1C}">
-                <a14:useLocalDpi xmlns:a14="http://schemas.microsoft.com/office/drawing/2010/main" val="0"/>
-              </a:ext>
-            </a:extLst>
-          </a:blip>
-          <a:stretch>
-            <a:fillRect/>
-          </a:stretch>
-        </p:blipFill>
-        <p:spPr>
-          <a:xfrm>
-            <a:off x="1261087" y="4039531"/>
-            <a:ext cx="5342694" cy="2537780"/>
-          </a:xfrm>
-          <a:prstGeom prst="rect">
-            <a:avLst/>
-          </a:prstGeom>
-        </p:spPr>
-      </p:pic>
-    </p:spTree>
-    <p:extLst>
-      <p:ext uri="{BB962C8B-B14F-4D97-AF65-F5344CB8AC3E}">
-        <p14:creationId xmlns:p14="http://schemas.microsoft.com/office/powerpoint/2010/main" val="1694392806"/>
-      </p:ext>
-    </p:extLst>
-  </p:cSld>
-  <p:clrMapOvr>
-    <a:masterClrMapping/>
-  </p:clrMapOvr>
-</p:sld>
-</file>
-
-<file path=ppt/slides/slide48.xml><?xml version="1.0" encoding="utf-8"?>
-<p:sld xmlns:a="http://schemas.openxmlformats.org/drawingml/2006/main" xmlns:r="http://schemas.openxmlformats.org/officeDocument/2006/relationships" xmlns:p="http://schemas.openxmlformats.org/presentationml/2006/main">
-  <p:cSld>
-    <p:spTree>
-      <p:nvGrpSpPr>
-        <p:cNvPr id="1" name=""/>
-        <p:cNvGrpSpPr/>
-        <p:nvPr/>
-      </p:nvGrpSpPr>
-      <p:grpSpPr>
-        <a:xfrm>
-          <a:off x="0" y="0"/>
-          <a:ext cx="0" cy="0"/>
-          <a:chOff x="0" y="0"/>
-          <a:chExt cx="0" cy="0"/>
-        </a:xfrm>
-      </p:grpSpPr>
-      <p:sp>
-        <p:nvSpPr>
-          <p:cNvPr id="2" name="コンテンツ プレースホルダー 1">
-            <a:extLst>
-              <a:ext uri="{FF2B5EF4-FFF2-40B4-BE49-F238E27FC236}">
-                <a16:creationId xmlns:a16="http://schemas.microsoft.com/office/drawing/2014/main" id="{D52F2D3A-5DBA-4E26-882D-138A59E8A5D9}"/>
-              </a:ext>
-            </a:extLst>
-          </p:cNvPr>
-          <p:cNvSpPr>
-            <a:spLocks noGrp="1"/>
-          </p:cNvSpPr>
-          <p:nvPr>
-            <p:ph idx="1"/>
-          </p:nvPr>
-        </p:nvSpPr>
-        <p:spPr/>
-        <p:txBody>
-          <a:bodyPr/>
-          <a:lstStyle/>
-          <a:p>
-            <a:r>
-              <a:rPr kumimoji="1" lang="ja-JP" altLang="en-US"/>
-              <a:t>公開鍵証明書を破棄したい</a:t>
-            </a:r>
-            <a:endParaRPr kumimoji="1" lang="en-US" altLang="ja-JP"/>
-          </a:p>
-          <a:p>
-            <a:pPr lvl="1"/>
-            <a:r>
-              <a:rPr kumimoji="1" lang="ja-JP" altLang="en-US"/>
-              <a:t>事業者の</a:t>
-            </a:r>
-          </a:p>
-        </p:txBody>
-      </p:sp>
-      <p:sp>
-        <p:nvSpPr>
-          <p:cNvPr id="3" name="スライド番号プレースホルダー 2">
-            <a:extLst>
-              <a:ext uri="{FF2B5EF4-FFF2-40B4-BE49-F238E27FC236}">
-                <a16:creationId xmlns:a16="http://schemas.microsoft.com/office/drawing/2014/main" id="{455CE363-2893-4955-B22D-2EB577B755D5}"/>
-              </a:ext>
-            </a:extLst>
-          </p:cNvPr>
-          <p:cNvSpPr>
-            <a:spLocks noGrp="1"/>
-          </p:cNvSpPr>
-          <p:nvPr>
-            <p:ph type="sldNum" sz="quarter" idx="12"/>
-          </p:nvPr>
-        </p:nvSpPr>
-        <p:spPr/>
-        <p:txBody>
-          <a:bodyPr/>
-          <a:lstStyle/>
-          <a:p>
-            <a:pPr>
-              <a:defRPr/>
-            </a:pPr>
-            <a:r>
-              <a:rPr lang="en-US" altLang="ja-JP"/>
-              <a:t>    </a:t>
-            </a:r>
-            <a:fld id="{B2782DEB-472A-4FE5-AC34-C17109CF5A91}" type="slidenum">
-              <a:rPr lang="en-US" altLang="ja-JP" smtClean="0"/>
-              <a:pPr>
-                <a:defRPr/>
-              </a:pPr>
-              <a:t>48</a:t>
-            </a:fld>
-            <a:r>
-              <a:rPr lang="en-US" altLang="ja-JP"/>
-              <a:t> / 24</a:t>
-            </a:r>
-          </a:p>
-        </p:txBody>
-      </p:sp>
-      <p:sp>
-        <p:nvSpPr>
-          <p:cNvPr id="4" name="タイトル 3">
-            <a:extLst>
-              <a:ext uri="{FF2B5EF4-FFF2-40B4-BE49-F238E27FC236}">
-                <a16:creationId xmlns:a16="http://schemas.microsoft.com/office/drawing/2014/main" id="{A96E1FBF-7A06-4595-9C64-758BDEC33258}"/>
-              </a:ext>
-            </a:extLst>
-          </p:cNvPr>
-          <p:cNvSpPr>
-            <a:spLocks noGrp="1"/>
-          </p:cNvSpPr>
-          <p:nvPr>
-            <p:ph type="title"/>
-          </p:nvPr>
-        </p:nvSpPr>
-        <p:spPr/>
-        <p:txBody>
-          <a:bodyPr/>
-          <a:lstStyle/>
-          <a:p>
-            <a:r>
-              <a:rPr kumimoji="1" lang="ja-JP" altLang="en-US"/>
-              <a:t>公開鍵の失効</a:t>
+              <a:t> / 31</a:t>
             </a:r>
           </a:p>
         </p:txBody>
@@ -15904,7 +10700,7 @@
     </p:spTree>
     <p:extLst>
       <p:ext uri="{BB962C8B-B14F-4D97-AF65-F5344CB8AC3E}">
-        <p14:creationId xmlns:p14="http://schemas.microsoft.com/office/powerpoint/2010/main" val="2785262845"/>
+        <p14:creationId xmlns:p14="http://schemas.microsoft.com/office/powerpoint/2010/main" val="2172962467"/>
       </p:ext>
     </p:extLst>
   </p:cSld>
@@ -16097,48 +10893,6 @@
       </mc:AlternateContent>
       <p:sp>
         <p:nvSpPr>
-          <p:cNvPr id="3" name="スライド番号プレースホルダー 2">
-            <a:extLst>
-              <a:ext uri="{FF2B5EF4-FFF2-40B4-BE49-F238E27FC236}">
-                <a16:creationId xmlns:a16="http://schemas.microsoft.com/office/drawing/2014/main" id="{CF2B16F7-F180-4C9C-84ED-827149E24F7F}"/>
-              </a:ext>
-            </a:extLst>
-          </p:cNvPr>
-          <p:cNvSpPr>
-            <a:spLocks noGrp="1"/>
-          </p:cNvSpPr>
-          <p:nvPr>
-            <p:ph type="sldNum" sz="quarter" idx="12"/>
-          </p:nvPr>
-        </p:nvSpPr>
-        <p:spPr/>
-        <p:txBody>
-          <a:bodyPr/>
-          <a:lstStyle/>
-          <a:p>
-            <a:pPr>
-              <a:defRPr/>
-            </a:pPr>
-            <a:r>
-              <a:rPr lang="en-US" altLang="ja-JP"/>
-              <a:t>    </a:t>
-            </a:r>
-            <a:fld id="{B2782DEB-472A-4FE5-AC34-C17109CF5A91}" type="slidenum">
-              <a:rPr lang="en-US" altLang="ja-JP" smtClean="0"/>
-              <a:pPr>
-                <a:defRPr/>
-              </a:pPr>
-              <a:t>5</a:t>
-            </a:fld>
-            <a:r>
-              <a:rPr lang="en-US" altLang="ja-JP"/>
-              <a:t> / 24</a:t>
-            </a:r>
-          </a:p>
-        </p:txBody>
-      </p:sp>
-      <p:sp>
-        <p:nvSpPr>
           <p:cNvPr id="4" name="タイトル 3">
             <a:extLst>
               <a:ext uri="{FF2B5EF4-FFF2-40B4-BE49-F238E27FC236}">
@@ -16202,6 +10956,48 @@
           </a:prstGeom>
         </p:spPr>
       </p:pic>
+      <p:sp>
+        <p:nvSpPr>
+          <p:cNvPr id="5" name="スライド番号プレースホルダー 4">
+            <a:extLst>
+              <a:ext uri="{FF2B5EF4-FFF2-40B4-BE49-F238E27FC236}">
+                <a16:creationId xmlns:a16="http://schemas.microsoft.com/office/drawing/2014/main" id="{ED7044D0-FEFC-42B6-9796-7DD4DA3F336E}"/>
+              </a:ext>
+            </a:extLst>
+          </p:cNvPr>
+          <p:cNvSpPr>
+            <a:spLocks noGrp="1"/>
+          </p:cNvSpPr>
+          <p:nvPr>
+            <p:ph type="sldNum" sz="quarter" idx="12"/>
+          </p:nvPr>
+        </p:nvSpPr>
+        <p:spPr/>
+        <p:txBody>
+          <a:bodyPr/>
+          <a:lstStyle/>
+          <a:p>
+            <a:pPr>
+              <a:defRPr/>
+            </a:pPr>
+            <a:r>
+              <a:rPr lang="en-US" altLang="ja-JP"/>
+              <a:t>    </a:t>
+            </a:r>
+            <a:fld id="{B2782DEB-472A-4FE5-AC34-C17109CF5A91}" type="slidenum">
+              <a:rPr lang="en-US" altLang="ja-JP" smtClean="0"/>
+              <a:pPr>
+                <a:defRPr/>
+              </a:pPr>
+              <a:t>5</a:t>
+            </a:fld>
+            <a:r>
+              <a:rPr lang="en-US" altLang="ja-JP"/>
+              <a:t> / 31</a:t>
+            </a:r>
+          </a:p>
+        </p:txBody>
+      </p:sp>
     </p:spTree>
     <p:extLst>
       <p:ext uri="{BB962C8B-B14F-4D97-AF65-F5344CB8AC3E}">
@@ -16347,48 +11143,6 @@
       </mc:AlternateContent>
       <p:sp>
         <p:nvSpPr>
-          <p:cNvPr id="3" name="スライド番号プレースホルダー 2">
-            <a:extLst>
-              <a:ext uri="{FF2B5EF4-FFF2-40B4-BE49-F238E27FC236}">
-                <a16:creationId xmlns:a16="http://schemas.microsoft.com/office/drawing/2014/main" id="{96D14989-31C0-4972-8EC9-A25D89AC82C3}"/>
-              </a:ext>
-            </a:extLst>
-          </p:cNvPr>
-          <p:cNvSpPr>
-            <a:spLocks noGrp="1"/>
-          </p:cNvSpPr>
-          <p:nvPr>
-            <p:ph type="sldNum" sz="quarter" idx="12"/>
-          </p:nvPr>
-        </p:nvSpPr>
-        <p:spPr/>
-        <p:txBody>
-          <a:bodyPr/>
-          <a:lstStyle/>
-          <a:p>
-            <a:pPr>
-              <a:defRPr/>
-            </a:pPr>
-            <a:r>
-              <a:rPr lang="en-US" altLang="ja-JP"/>
-              <a:t>    </a:t>
-            </a:r>
-            <a:fld id="{B2782DEB-472A-4FE5-AC34-C17109CF5A91}" type="slidenum">
-              <a:rPr lang="en-US" altLang="ja-JP" smtClean="0"/>
-              <a:pPr>
-                <a:defRPr/>
-              </a:pPr>
-              <a:t>6</a:t>
-            </a:fld>
-            <a:r>
-              <a:rPr lang="en-US" altLang="ja-JP"/>
-              <a:t> / 24</a:t>
-            </a:r>
-          </a:p>
-        </p:txBody>
-      </p:sp>
-      <p:sp>
-        <p:nvSpPr>
           <p:cNvPr id="4" name="タイトル 3">
             <a:extLst>
               <a:ext uri="{FF2B5EF4-FFF2-40B4-BE49-F238E27FC236}">
@@ -16451,6 +11205,48 @@
           </a:prstGeom>
         </p:spPr>
       </p:pic>
+      <p:sp>
+        <p:nvSpPr>
+          <p:cNvPr id="5" name="スライド番号プレースホルダー 4">
+            <a:extLst>
+              <a:ext uri="{FF2B5EF4-FFF2-40B4-BE49-F238E27FC236}">
+                <a16:creationId xmlns:a16="http://schemas.microsoft.com/office/drawing/2014/main" id="{216EA9E0-160C-4082-88B3-C4F0A464D3C6}"/>
+              </a:ext>
+            </a:extLst>
+          </p:cNvPr>
+          <p:cNvSpPr>
+            <a:spLocks noGrp="1"/>
+          </p:cNvSpPr>
+          <p:nvPr>
+            <p:ph type="sldNum" sz="quarter" idx="12"/>
+          </p:nvPr>
+        </p:nvSpPr>
+        <p:spPr/>
+        <p:txBody>
+          <a:bodyPr/>
+          <a:lstStyle/>
+          <a:p>
+            <a:pPr>
+              <a:defRPr/>
+            </a:pPr>
+            <a:r>
+              <a:rPr lang="en-US" altLang="ja-JP"/>
+              <a:t>    </a:t>
+            </a:r>
+            <a:fld id="{B2782DEB-472A-4FE5-AC34-C17109CF5A91}" type="slidenum">
+              <a:rPr lang="en-US" altLang="ja-JP" smtClean="0"/>
+              <a:pPr>
+                <a:defRPr/>
+              </a:pPr>
+              <a:t>6</a:t>
+            </a:fld>
+            <a:r>
+              <a:rPr lang="en-US" altLang="ja-JP"/>
+              <a:t> / 31</a:t>
+            </a:r>
+          </a:p>
+        </p:txBody>
+      </p:sp>
     </p:spTree>
     <p:extLst>
       <p:ext uri="{BB962C8B-B14F-4D97-AF65-F5344CB8AC3E}">
@@ -16519,48 +11315,6 @@
       </p:sp>
       <p:sp>
         <p:nvSpPr>
-          <p:cNvPr id="3" name="スライド番号プレースホルダー 2">
-            <a:extLst>
-              <a:ext uri="{FF2B5EF4-FFF2-40B4-BE49-F238E27FC236}">
-                <a16:creationId xmlns:a16="http://schemas.microsoft.com/office/drawing/2014/main" id="{6AAF98B8-D334-45B1-8724-A548A7332167}"/>
-              </a:ext>
-            </a:extLst>
-          </p:cNvPr>
-          <p:cNvSpPr>
-            <a:spLocks noGrp="1"/>
-          </p:cNvSpPr>
-          <p:nvPr>
-            <p:ph type="sldNum" sz="quarter" idx="12"/>
-          </p:nvPr>
-        </p:nvSpPr>
-        <p:spPr/>
-        <p:txBody>
-          <a:bodyPr/>
-          <a:lstStyle/>
-          <a:p>
-            <a:pPr>
-              <a:defRPr/>
-            </a:pPr>
-            <a:r>
-              <a:rPr lang="en-US" altLang="ja-JP"/>
-              <a:t>    </a:t>
-            </a:r>
-            <a:fld id="{B2782DEB-472A-4FE5-AC34-C17109CF5A91}" type="slidenum">
-              <a:rPr lang="en-US" altLang="ja-JP" smtClean="0"/>
-              <a:pPr>
-                <a:defRPr/>
-              </a:pPr>
-              <a:t>7</a:t>
-            </a:fld>
-            <a:r>
-              <a:rPr lang="en-US" altLang="ja-JP"/>
-              <a:t> / 24</a:t>
-            </a:r>
-          </a:p>
-        </p:txBody>
-      </p:sp>
-      <p:sp>
-        <p:nvSpPr>
           <p:cNvPr id="4" name="タイトル 3">
             <a:extLst>
               <a:ext uri="{FF2B5EF4-FFF2-40B4-BE49-F238E27FC236}">
@@ -16623,6 +11377,48 @@
           </a:prstGeom>
         </p:spPr>
       </p:pic>
+      <p:sp>
+        <p:nvSpPr>
+          <p:cNvPr id="5" name="スライド番号プレースホルダー 4">
+            <a:extLst>
+              <a:ext uri="{FF2B5EF4-FFF2-40B4-BE49-F238E27FC236}">
+                <a16:creationId xmlns:a16="http://schemas.microsoft.com/office/drawing/2014/main" id="{75990C1F-953F-4325-AE1B-6060187637F8}"/>
+              </a:ext>
+            </a:extLst>
+          </p:cNvPr>
+          <p:cNvSpPr>
+            <a:spLocks noGrp="1"/>
+          </p:cNvSpPr>
+          <p:nvPr>
+            <p:ph type="sldNum" sz="quarter" idx="12"/>
+          </p:nvPr>
+        </p:nvSpPr>
+        <p:spPr/>
+        <p:txBody>
+          <a:bodyPr/>
+          <a:lstStyle/>
+          <a:p>
+            <a:pPr>
+              <a:defRPr/>
+            </a:pPr>
+            <a:r>
+              <a:rPr lang="en-US" altLang="ja-JP"/>
+              <a:t>    </a:t>
+            </a:r>
+            <a:fld id="{B2782DEB-472A-4FE5-AC34-C17109CF5A91}" type="slidenum">
+              <a:rPr lang="en-US" altLang="ja-JP" smtClean="0"/>
+              <a:pPr>
+                <a:defRPr/>
+              </a:pPr>
+              <a:t>7</a:t>
+            </a:fld>
+            <a:r>
+              <a:rPr lang="en-US" altLang="ja-JP"/>
+              <a:t> / 31</a:t>
+            </a:r>
+          </a:p>
+        </p:txBody>
+      </p:sp>
     </p:spTree>
     <p:extLst>
       <p:ext uri="{BB962C8B-B14F-4D97-AF65-F5344CB8AC3E}">
@@ -16653,8 +11449,8 @@
           <a:chExt cx="0" cy="0"/>
         </a:xfrm>
       </p:grpSpPr>
-      <mc:AlternateContent xmlns:mc="http://schemas.openxmlformats.org/markup-compatibility/2006">
-        <mc:Choice xmlns:a14="http://schemas.microsoft.com/office/drawing/2010/main" Requires="a14">
+      <mc:AlternateContent xmlns:mc="http://schemas.openxmlformats.org/markup-compatibility/2006" xmlns:a14="http://schemas.microsoft.com/office/drawing/2010/main">
+        <mc:Choice Requires="a14">
           <p:sp>
             <p:nvSpPr>
               <p:cNvPr id="2" name="コンテンツ プレースホルダー 1">
@@ -17144,7 +11940,7 @@
             </p:txBody>
           </p:sp>
         </mc:Choice>
-        <mc:Fallback>
+        <mc:Fallback xmlns="">
           <p:sp>
             <p:nvSpPr>
               <p:cNvPr id="2" name="コンテンツ プレースホルダー 1">
@@ -17186,48 +11982,6 @@
       </mc:AlternateContent>
       <p:sp>
         <p:nvSpPr>
-          <p:cNvPr id="3" name="スライド番号プレースホルダー 2">
-            <a:extLst>
-              <a:ext uri="{FF2B5EF4-FFF2-40B4-BE49-F238E27FC236}">
-                <a16:creationId xmlns:a16="http://schemas.microsoft.com/office/drawing/2014/main" id="{34042D94-DF33-4C66-B209-654B85462CA9}"/>
-              </a:ext>
-            </a:extLst>
-          </p:cNvPr>
-          <p:cNvSpPr>
-            <a:spLocks noGrp="1"/>
-          </p:cNvSpPr>
-          <p:nvPr>
-            <p:ph type="sldNum" sz="quarter" idx="12"/>
-          </p:nvPr>
-        </p:nvSpPr>
-        <p:spPr/>
-        <p:txBody>
-          <a:bodyPr/>
-          <a:lstStyle/>
-          <a:p>
-            <a:pPr>
-              <a:defRPr/>
-            </a:pPr>
-            <a:r>
-              <a:rPr lang="en-US" altLang="ja-JP"/>
-              <a:t>    </a:t>
-            </a:r>
-            <a:fld id="{B2782DEB-472A-4FE5-AC34-C17109CF5A91}" type="slidenum">
-              <a:rPr lang="en-US" altLang="ja-JP" smtClean="0"/>
-              <a:pPr>
-                <a:defRPr/>
-              </a:pPr>
-              <a:t>8</a:t>
-            </a:fld>
-            <a:r>
-              <a:rPr lang="en-US" altLang="ja-JP"/>
-              <a:t> / 24</a:t>
-            </a:r>
-          </a:p>
-        </p:txBody>
-      </p:sp>
-      <p:sp>
-        <p:nvSpPr>
           <p:cNvPr id="4" name="タイトル 3">
             <a:extLst>
               <a:ext uri="{FF2B5EF4-FFF2-40B4-BE49-F238E27FC236}">
@@ -17250,6 +12004,48 @@
             <a:r>
               <a:rPr kumimoji="1" lang="ja-JP" altLang="en-US"/>
               <a:t>安全性</a:t>
+            </a:r>
+          </a:p>
+        </p:txBody>
+      </p:sp>
+      <p:sp>
+        <p:nvSpPr>
+          <p:cNvPr id="5" name="スライド番号プレースホルダー 4">
+            <a:extLst>
+              <a:ext uri="{FF2B5EF4-FFF2-40B4-BE49-F238E27FC236}">
+                <a16:creationId xmlns:a16="http://schemas.microsoft.com/office/drawing/2014/main" id="{07F59DB3-DA69-48FB-9F0B-61B54954E3A1}"/>
+              </a:ext>
+            </a:extLst>
+          </p:cNvPr>
+          <p:cNvSpPr>
+            <a:spLocks noGrp="1"/>
+          </p:cNvSpPr>
+          <p:nvPr>
+            <p:ph type="sldNum" sz="quarter" idx="12"/>
+          </p:nvPr>
+        </p:nvSpPr>
+        <p:spPr/>
+        <p:txBody>
+          <a:bodyPr/>
+          <a:lstStyle/>
+          <a:p>
+            <a:pPr>
+              <a:defRPr/>
+            </a:pPr>
+            <a:r>
+              <a:rPr lang="en-US" altLang="ja-JP"/>
+              <a:t>    </a:t>
+            </a:r>
+            <a:fld id="{B2782DEB-472A-4FE5-AC34-C17109CF5A91}" type="slidenum">
+              <a:rPr lang="en-US" altLang="ja-JP" smtClean="0"/>
+              <a:pPr>
+                <a:defRPr/>
+              </a:pPr>
+              <a:t>8</a:t>
+            </a:fld>
+            <a:r>
+              <a:rPr lang="en-US" altLang="ja-JP"/>
+              <a:t> / 31</a:t>
             </a:r>
           </a:p>
         </p:txBody>
@@ -17526,48 +12322,6 @@
       </p:sp>
       <p:sp>
         <p:nvSpPr>
-          <p:cNvPr id="3" name="スライド番号プレースホルダー 2">
-            <a:extLst>
-              <a:ext uri="{FF2B5EF4-FFF2-40B4-BE49-F238E27FC236}">
-                <a16:creationId xmlns:a16="http://schemas.microsoft.com/office/drawing/2014/main" id="{92B0D3AA-9D2A-4CD3-AB70-4A464B0F4CBF}"/>
-              </a:ext>
-            </a:extLst>
-          </p:cNvPr>
-          <p:cNvSpPr>
-            <a:spLocks noGrp="1"/>
-          </p:cNvSpPr>
-          <p:nvPr>
-            <p:ph type="sldNum" sz="quarter" idx="12"/>
-          </p:nvPr>
-        </p:nvSpPr>
-        <p:spPr/>
-        <p:txBody>
-          <a:bodyPr/>
-          <a:lstStyle/>
-          <a:p>
-            <a:pPr>
-              <a:defRPr/>
-            </a:pPr>
-            <a:r>
-              <a:rPr lang="en-US" altLang="ja-JP"/>
-              <a:t>    </a:t>
-            </a:r>
-            <a:fld id="{B2782DEB-472A-4FE5-AC34-C17109CF5A91}" type="slidenum">
-              <a:rPr lang="en-US" altLang="ja-JP" smtClean="0"/>
-              <a:pPr>
-                <a:defRPr/>
-              </a:pPr>
-              <a:t>9</a:t>
-            </a:fld>
-            <a:r>
-              <a:rPr lang="en-US" altLang="ja-JP"/>
-              <a:t> / 24</a:t>
-            </a:r>
-          </a:p>
-        </p:txBody>
-      </p:sp>
-      <p:sp>
-        <p:nvSpPr>
           <p:cNvPr id="4" name="タイトル 3">
             <a:extLst>
               <a:ext uri="{FF2B5EF4-FFF2-40B4-BE49-F238E27FC236}">
@@ -17647,6 +12401,48 @@
           </a:prstGeom>
         </p:spPr>
       </p:pic>
+      <p:sp>
+        <p:nvSpPr>
+          <p:cNvPr id="5" name="スライド番号プレースホルダー 4">
+            <a:extLst>
+              <a:ext uri="{FF2B5EF4-FFF2-40B4-BE49-F238E27FC236}">
+                <a16:creationId xmlns:a16="http://schemas.microsoft.com/office/drawing/2014/main" id="{35500377-5BCC-4721-9082-928302CF540A}"/>
+              </a:ext>
+            </a:extLst>
+          </p:cNvPr>
+          <p:cNvSpPr>
+            <a:spLocks noGrp="1"/>
+          </p:cNvSpPr>
+          <p:nvPr>
+            <p:ph type="sldNum" sz="quarter" idx="12"/>
+          </p:nvPr>
+        </p:nvSpPr>
+        <p:spPr/>
+        <p:txBody>
+          <a:bodyPr/>
+          <a:lstStyle/>
+          <a:p>
+            <a:pPr>
+              <a:defRPr/>
+            </a:pPr>
+            <a:r>
+              <a:rPr lang="en-US" altLang="ja-JP"/>
+              <a:t>    </a:t>
+            </a:r>
+            <a:fld id="{B2782DEB-472A-4FE5-AC34-C17109CF5A91}" type="slidenum">
+              <a:rPr lang="en-US" altLang="ja-JP" smtClean="0"/>
+              <a:pPr>
+                <a:defRPr/>
+              </a:pPr>
+              <a:t>9</a:t>
+            </a:fld>
+            <a:r>
+              <a:rPr lang="en-US" altLang="ja-JP"/>
+              <a:t> / 31</a:t>
+            </a:r>
+          </a:p>
+        </p:txBody>
+      </p:sp>
     </p:spTree>
     <p:extLst>
       <p:ext uri="{BB962C8B-B14F-4D97-AF65-F5344CB8AC3E}">
